--- a/Slides/Module 05 Concurrency Patterns in Typescript.pptx
+++ b/Slides/Module 05 Concurrency Patterns in Typescript.pptx
@@ -5,7 +5,7 @@
     <p:sldMasterId id="2147483703" r:id="rId1"/>
   </p:sldMasterIdLst>
   <p:notesMasterIdLst>
-    <p:notesMasterId r:id="rId37"/>
+    <p:notesMasterId r:id="rId36"/>
   </p:notesMasterIdLst>
   <p:sldIdLst>
     <p:sldId id="485" r:id="rId2"/>
@@ -42,7 +42,6 @@
     <p:sldId id="557" r:id="rId33"/>
     <p:sldId id="543" r:id="rId34"/>
     <p:sldId id="555" r:id="rId35"/>
-    <p:sldId id="552" r:id="rId36"/>
   </p:sldIdLst>
   <p:sldSz cx="12192000" cy="6858000"/>
   <p:notesSz cx="6858000" cy="9144000"/>
@@ -448,6 +447,60 @@
           <pc:docMk/>
           <pc:sldMk cId="2314319587" sldId="556"/>
         </pc:sldMkLst>
+      </pc:sldChg>
+    </pc:docChg>
+  </pc:docChgLst>
+  <pc:docChgLst>
+    <pc:chgData name="Mitchell Wand" userId="de9b44c55c049659" providerId="LiveId" clId="{5F788236-F622-4F92-81A2-AAB773A767CB}"/>
+    <pc:docChg chg="undo custSel addSld modSld">
+      <pc:chgData name="Mitchell Wand" userId="de9b44c55c049659" providerId="LiveId" clId="{5F788236-F622-4F92-81A2-AAB773A767CB}" dt="2022-09-20T18:38:28.835" v="671" actId="20577"/>
+      <pc:docMkLst>
+        <pc:docMk/>
+      </pc:docMkLst>
+      <pc:sldChg chg="modNotesTx">
+        <pc:chgData name="Mitchell Wand" userId="de9b44c55c049659" providerId="LiveId" clId="{5F788236-F622-4F92-81A2-AAB773A767CB}" dt="2022-09-20T17:28:28.152" v="82" actId="20577"/>
+        <pc:sldMkLst>
+          <pc:docMk/>
+          <pc:sldMk cId="0" sldId="262"/>
+        </pc:sldMkLst>
+      </pc:sldChg>
+      <pc:sldChg chg="modNotesTx">
+        <pc:chgData name="Mitchell Wand" userId="de9b44c55c049659" providerId="LiveId" clId="{5F788236-F622-4F92-81A2-AAB773A767CB}" dt="2022-09-20T17:29:13.896" v="184" actId="20577"/>
+        <pc:sldMkLst>
+          <pc:docMk/>
+          <pc:sldMk cId="966027799" sldId="514"/>
+        </pc:sldMkLst>
+      </pc:sldChg>
+      <pc:sldChg chg="addSp modSp new mod modNotesTx">
+        <pc:chgData name="Mitchell Wand" userId="de9b44c55c049659" providerId="LiveId" clId="{5F788236-F622-4F92-81A2-AAB773A767CB}" dt="2022-09-20T18:38:28.835" v="671" actId="20577"/>
+        <pc:sldMkLst>
+          <pc:docMk/>
+          <pc:sldMk cId="3573365039" sldId="557"/>
+        </pc:sldMkLst>
+        <pc:spChg chg="mod">
+          <ac:chgData name="Mitchell Wand" userId="de9b44c55c049659" providerId="LiveId" clId="{5F788236-F622-4F92-81A2-AAB773A767CB}" dt="2022-09-20T18:38:28.835" v="671" actId="20577"/>
+          <ac:spMkLst>
+            <pc:docMk/>
+            <pc:sldMk cId="3573365039" sldId="557"/>
+            <ac:spMk id="2" creationId="{4AB7B9C2-5D09-C319-491E-9E97079CFA3D}"/>
+          </ac:spMkLst>
+        </pc:spChg>
+        <pc:spChg chg="mod">
+          <ac:chgData name="Mitchell Wand" userId="de9b44c55c049659" providerId="LiveId" clId="{5F788236-F622-4F92-81A2-AAB773A767CB}" dt="2022-09-20T18:34:42.701" v="281"/>
+          <ac:spMkLst>
+            <pc:docMk/>
+            <pc:sldMk cId="3573365039" sldId="557"/>
+            <ac:spMk id="3" creationId="{E95A29C5-3A07-008B-EE77-48C8F818925D}"/>
+          </ac:spMkLst>
+        </pc:spChg>
+        <pc:spChg chg="add mod">
+          <ac:chgData name="Mitchell Wand" userId="de9b44c55c049659" providerId="LiveId" clId="{5F788236-F622-4F92-81A2-AAB773A767CB}" dt="2022-09-20T18:36:09.157" v="308" actId="6549"/>
+          <ac:spMkLst>
+            <pc:docMk/>
+            <pc:sldMk cId="3573365039" sldId="557"/>
+            <ac:spMk id="6" creationId="{D7EEA937-36F0-3A62-61A1-D81A0C7A205D}"/>
+          </ac:spMkLst>
+        </pc:spChg>
       </pc:sldChg>
     </pc:docChg>
   </pc:docChgLst>
@@ -1001,60 +1054,6 @@
           <pc:docMk/>
           <pc:sldMk cId="1831664636" sldId="580"/>
         </pc:sldMkLst>
-      </pc:sldChg>
-    </pc:docChg>
-  </pc:docChgLst>
-  <pc:docChgLst>
-    <pc:chgData name="Mitchell Wand" userId="de9b44c55c049659" providerId="LiveId" clId="{5F788236-F622-4F92-81A2-AAB773A767CB}"/>
-    <pc:docChg chg="undo custSel addSld modSld">
-      <pc:chgData name="Mitchell Wand" userId="de9b44c55c049659" providerId="LiveId" clId="{5F788236-F622-4F92-81A2-AAB773A767CB}" dt="2022-09-20T18:38:28.835" v="671" actId="20577"/>
-      <pc:docMkLst>
-        <pc:docMk/>
-      </pc:docMkLst>
-      <pc:sldChg chg="modNotesTx">
-        <pc:chgData name="Mitchell Wand" userId="de9b44c55c049659" providerId="LiveId" clId="{5F788236-F622-4F92-81A2-AAB773A767CB}" dt="2022-09-20T17:28:28.152" v="82" actId="20577"/>
-        <pc:sldMkLst>
-          <pc:docMk/>
-          <pc:sldMk cId="0" sldId="262"/>
-        </pc:sldMkLst>
-      </pc:sldChg>
-      <pc:sldChg chg="modNotesTx">
-        <pc:chgData name="Mitchell Wand" userId="de9b44c55c049659" providerId="LiveId" clId="{5F788236-F622-4F92-81A2-AAB773A767CB}" dt="2022-09-20T17:29:13.896" v="184" actId="20577"/>
-        <pc:sldMkLst>
-          <pc:docMk/>
-          <pc:sldMk cId="966027799" sldId="514"/>
-        </pc:sldMkLst>
-      </pc:sldChg>
-      <pc:sldChg chg="addSp modSp new mod modNotesTx">
-        <pc:chgData name="Mitchell Wand" userId="de9b44c55c049659" providerId="LiveId" clId="{5F788236-F622-4F92-81A2-AAB773A767CB}" dt="2022-09-20T18:38:28.835" v="671" actId="20577"/>
-        <pc:sldMkLst>
-          <pc:docMk/>
-          <pc:sldMk cId="3573365039" sldId="557"/>
-        </pc:sldMkLst>
-        <pc:spChg chg="mod">
-          <ac:chgData name="Mitchell Wand" userId="de9b44c55c049659" providerId="LiveId" clId="{5F788236-F622-4F92-81A2-AAB773A767CB}" dt="2022-09-20T18:38:28.835" v="671" actId="20577"/>
-          <ac:spMkLst>
-            <pc:docMk/>
-            <pc:sldMk cId="3573365039" sldId="557"/>
-            <ac:spMk id="2" creationId="{4AB7B9C2-5D09-C319-491E-9E97079CFA3D}"/>
-          </ac:spMkLst>
-        </pc:spChg>
-        <pc:spChg chg="mod">
-          <ac:chgData name="Mitchell Wand" userId="de9b44c55c049659" providerId="LiveId" clId="{5F788236-F622-4F92-81A2-AAB773A767CB}" dt="2022-09-20T18:34:42.701" v="281"/>
-          <ac:spMkLst>
-            <pc:docMk/>
-            <pc:sldMk cId="3573365039" sldId="557"/>
-            <ac:spMk id="3" creationId="{E95A29C5-3A07-008B-EE77-48C8F818925D}"/>
-          </ac:spMkLst>
-        </pc:spChg>
-        <pc:spChg chg="add mod">
-          <ac:chgData name="Mitchell Wand" userId="de9b44c55c049659" providerId="LiveId" clId="{5F788236-F622-4F92-81A2-AAB773A767CB}" dt="2022-09-20T18:36:09.157" v="308" actId="6549"/>
-          <ac:spMkLst>
-            <pc:docMk/>
-            <pc:sldMk cId="3573365039" sldId="557"/>
-            <ac:spMk id="6" creationId="{D7EEA937-36F0-3A62-61A1-D81A0C7A205D}"/>
-          </ac:spMkLst>
-        </pc:spChg>
       </pc:sldChg>
     </pc:docChg>
   </pc:docChgLst>
@@ -4150,93 +4149,6 @@
 </p:notes>
 </file>
 
-<file path=ppt/notesSlides/notesSlide23.xml><?xml version="1.0" encoding="utf-8"?>
-<p:notes xmlns:a="http://schemas.openxmlformats.org/drawingml/2006/main" xmlns:r="http://schemas.openxmlformats.org/officeDocument/2006/relationships" xmlns:p="http://schemas.openxmlformats.org/presentationml/2006/main">
-  <p:cSld>
-    <p:spTree>
-      <p:nvGrpSpPr>
-        <p:cNvPr id="1" name=""/>
-        <p:cNvGrpSpPr/>
-        <p:nvPr/>
-      </p:nvGrpSpPr>
-      <p:grpSpPr>
-        <a:xfrm>
-          <a:off x="0" y="0"/>
-          <a:ext cx="0" cy="0"/>
-          <a:chOff x="0" y="0"/>
-          <a:chExt cx="0" cy="0"/>
-        </a:xfrm>
-      </p:grpSpPr>
-      <p:sp>
-        <p:nvSpPr>
-          <p:cNvPr id="2" name="Slide Image Placeholder 1"/>
-          <p:cNvSpPr>
-            <a:spLocks noGrp="1" noRot="1" noChangeAspect="1"/>
-          </p:cNvSpPr>
-          <p:nvPr>
-            <p:ph type="sldImg"/>
-          </p:nvPr>
-        </p:nvSpPr>
-        <p:spPr/>
-      </p:sp>
-      <p:sp>
-        <p:nvSpPr>
-          <p:cNvPr id="3" name="Notes Placeholder 2"/>
-          <p:cNvSpPr>
-            <a:spLocks noGrp="1"/>
-          </p:cNvSpPr>
-          <p:nvPr>
-            <p:ph type="body" idx="1"/>
-          </p:nvPr>
-        </p:nvSpPr>
-        <p:spPr/>
-        <p:txBody>
-          <a:bodyPr/>
-          <a:lstStyle/>
-          <a:p>
-            <a:r>
-              <a:rPr lang="en-US" dirty="0"/>
-              <a:t>&lt;read slide&gt;</a:t>
-            </a:r>
-          </a:p>
-        </p:txBody>
-      </p:sp>
-      <p:sp>
-        <p:nvSpPr>
-          <p:cNvPr id="4" name="Slide Number Placeholder 3"/>
-          <p:cNvSpPr>
-            <a:spLocks noGrp="1"/>
-          </p:cNvSpPr>
-          <p:nvPr>
-            <p:ph type="sldNum" sz="quarter" idx="5"/>
-          </p:nvPr>
-        </p:nvSpPr>
-        <p:spPr/>
-        <p:txBody>
-          <a:bodyPr/>
-          <a:lstStyle/>
-          <a:p>
-            <a:fld id="{07937F07-1250-4CCE-B198-1B2887014F41}" type="slidenum">
-              <a:rPr lang="en-US" smtClean="0"/>
-              <a:t>35</a:t>
-            </a:fld>
-            <a:endParaRPr lang="en-US"/>
-          </a:p>
-        </p:txBody>
-      </p:sp>
-    </p:spTree>
-    <p:extLst>
-      <p:ext uri="{BB962C8B-B14F-4D97-AF65-F5344CB8AC3E}">
-        <p14:creationId xmlns:p14="http://schemas.microsoft.com/office/powerpoint/2010/main" val="2031181207"/>
-      </p:ext>
-    </p:extLst>
-  </p:cSld>
-  <p:clrMapOvr>
-    <a:masterClrMapping/>
-  </p:clrMapOvr>
-</p:notes>
-</file>
-
 <file path=ppt/notesSlides/notesSlide3.xml><?xml version="1.0" encoding="utf-8"?>
 <p:notes xmlns:a="http://schemas.openxmlformats.org/drawingml/2006/main" xmlns:r="http://schemas.openxmlformats.org/officeDocument/2006/relationships" xmlns:p="http://schemas.openxmlformats.org/presentationml/2006/main">
   <p:cSld>
@@ -4968,7 +4880,7 @@
                 <a:tabLst/>
                 <a:defRPr/>
               </a:pPr>
-              <a:t>12/20/2022</a:t>
+              <a:t>1/17/2023</a:t>
             </a:fld>
             <a:endParaRPr kumimoji="0" lang="en-US" sz="1200" b="0" i="0" u="none" strike="noStrike" kern="1200" cap="none" spc="0" normalizeH="0" baseline="0" noProof="0">
               <a:ln>
@@ -5452,7 +5364,7 @@
                 <a:tabLst/>
                 <a:defRPr/>
               </a:pPr>
-              <a:t>12/20/2022</a:t>
+              <a:t>1/17/2023</a:t>
             </a:fld>
             <a:endParaRPr kumimoji="0" lang="en-US" sz="1200" b="0" i="0" u="none" strike="noStrike" kern="1200" cap="none" spc="0" normalizeH="0" baseline="0" noProof="0">
               <a:ln>
@@ -5810,7 +5722,7 @@
                 <a:tabLst/>
                 <a:defRPr/>
               </a:pPr>
-              <a:t>12/20/2022</a:t>
+              <a:t>1/17/2023</a:t>
             </a:fld>
             <a:endParaRPr kumimoji="0" lang="en-US" sz="1200" b="0" i="0" u="none" strike="noStrike" kern="1200" cap="none" spc="0" normalizeH="0" baseline="0" noProof="0">
               <a:ln>
@@ -6178,7 +6090,7 @@
                 <a:tabLst/>
                 <a:defRPr/>
               </a:pPr>
-              <a:t>12/20/2022</a:t>
+              <a:t>1/17/2023</a:t>
             </a:fld>
             <a:endParaRPr kumimoji="0" lang="en-US" sz="1200" b="0" i="0" u="none" strike="noStrike" kern="1200" cap="none" spc="0" normalizeH="0" baseline="0" noProof="0">
               <a:ln>
@@ -7144,7 +7056,7 @@
                 <a:tabLst/>
                 <a:defRPr/>
               </a:pPr>
-              <a:t>12/20/2022</a:t>
+              <a:t>1/17/2023</a:t>
             </a:fld>
             <a:endParaRPr kumimoji="0" lang="en-US" sz="1200" b="0" i="0" u="none" strike="noStrike" kern="1200" cap="none" spc="0" normalizeH="0" baseline="0" noProof="0">
               <a:ln>
@@ -7554,7 +7466,7 @@
                 <a:tabLst/>
                 <a:defRPr/>
               </a:pPr>
-              <a:t>12/20/2022</a:t>
+              <a:t>1/17/2023</a:t>
             </a:fld>
             <a:endParaRPr kumimoji="0" lang="en-US" sz="1200" b="0" i="0" u="none" strike="noStrike" kern="1200" cap="none" spc="0" normalizeH="0" baseline="0" noProof="0">
               <a:ln>
@@ -7896,7 +7808,7 @@
                 <a:tabLst/>
                 <a:defRPr/>
               </a:pPr>
-              <a:t>12/20/2022</a:t>
+              <a:t>1/17/2023</a:t>
             </a:fld>
             <a:endParaRPr kumimoji="0" lang="en-US" sz="1200" b="0" i="0" u="none" strike="noStrike" kern="1200" cap="none" spc="0" normalizeH="0" baseline="0" noProof="0">
               <a:ln>
@@ -8369,7 +8281,7 @@
                 <a:tabLst/>
                 <a:defRPr/>
               </a:pPr>
-              <a:t>12/20/2022</a:t>
+              <a:t>1/17/2023</a:t>
             </a:fld>
             <a:endParaRPr kumimoji="0" lang="en-US" sz="1200" b="0" i="0" u="none" strike="noStrike" kern="1200" cap="none" spc="0" normalizeH="0" baseline="0" noProof="0">
               <a:ln>
@@ -8830,7 +8742,7 @@
                 <a:tabLst/>
                 <a:defRPr/>
               </a:pPr>
-              <a:t>12/20/2022</a:t>
+              <a:t>1/17/2023</a:t>
             </a:fld>
             <a:endParaRPr kumimoji="0" lang="en-US" sz="1200" b="0" i="0" u="none" strike="noStrike" kern="1200" cap="none" spc="0" normalizeH="0" baseline="0" noProof="0">
               <a:ln>
@@ -9438,7 +9350,7 @@
                 <a:tabLst/>
                 <a:defRPr/>
               </a:pPr>
-              <a:t>12/20/2022</a:t>
+              <a:t>1/17/2023</a:t>
             </a:fld>
             <a:endParaRPr kumimoji="0" lang="en-US" sz="1200" b="0" i="0" u="none" strike="noStrike" kern="1200" cap="none" spc="0" normalizeH="0" baseline="0" noProof="0">
               <a:ln>
@@ -9711,7 +9623,7 @@
                 <a:tabLst/>
                 <a:defRPr/>
               </a:pPr>
-              <a:t>12/20/2022</a:t>
+              <a:t>1/17/2023</a:t>
             </a:fld>
             <a:endParaRPr kumimoji="0" lang="en-US" sz="1200" b="0" i="0" u="none" strike="noStrike" kern="1200" cap="none" spc="0" normalizeH="0" baseline="0" noProof="0">
               <a:ln>
@@ -10182,7 +10094,7 @@
                 <a:tabLst/>
                 <a:defRPr/>
               </a:pPr>
-              <a:t>12/20/2022</a:t>
+              <a:t>1/17/2023</a:t>
             </a:fld>
             <a:endParaRPr kumimoji="0" lang="en-US" sz="1200" b="0" i="0" u="none" strike="noStrike" kern="1200" cap="none" spc="0" normalizeH="0" baseline="0" noProof="0">
               <a:ln>
@@ -10583,7 +10495,7 @@
                 <a:tabLst/>
                 <a:defRPr/>
               </a:pPr>
-              <a:t>12/20/2022</a:t>
+              <a:t>1/17/2023</a:t>
             </a:fld>
             <a:endParaRPr kumimoji="0" lang="en-US" sz="1200" b="0" i="0" u="none" strike="noStrike" kern="1200" cap="none" spc="0" normalizeH="0" baseline="0" noProof="0">
               <a:ln>
@@ -11199,11 +11111,19 @@
             </a:pPr>
             <a:r>
               <a:rPr lang="en-US" sz="2400" dirty="0"/>
-              <a:t>Jonathan Bell, Adeel </a:t>
+              <a:t>Adeel </a:t>
             </a:r>
             <a:r>
               <a:rPr lang="en-US" sz="2400" dirty="0" err="1"/>
               <a:t>Bhutta</a:t>
+            </a:r>
+            <a:r>
+              <a:rPr lang="en-US" sz="2400" dirty="0"/>
+              <a:t>, Jan </a:t>
+            </a:r>
+            <a:r>
+              <a:rPr lang="en-US" sz="2400" dirty="0" err="1"/>
+              <a:t>Vitek</a:t>
             </a:r>
             <a:r>
               <a:rPr lang="en-US" sz="2400" dirty="0"/>
@@ -11290,7 +11210,7 @@
                   <a:srgbClr val="5C5962"/>
                 </a:solidFill>
               </a:rPr>
-              <a:t>© 2022 Released under the </a:t>
+              <a:t>© 2023 Released under the </a:t>
             </a:r>
             <a:r>
               <a:rPr lang="en-US" dirty="0">
@@ -19892,7 +19812,7 @@
           </a:ln>
           <a:extLst>
             <a:ext uri="{C572A759-6A51-4108-AA02-DFA0A04FC94B}">
-              <ma14:wrappingTextBoxFlag xmlns:ma14="http://schemas.microsoft.com/office/mac/drawingml/2011/main" xmlns:a14="http://schemas.microsoft.com/office/drawing/2010/main" xmlns:m="http://schemas.openxmlformats.org/officeDocument/2006/math" xmlns="" val="1"/>
+              <ma14:wrappingTextBoxFlag xmlns="" xmlns:m="http://schemas.openxmlformats.org/officeDocument/2006/math" xmlns:a14="http://schemas.microsoft.com/office/drawing/2010/main" xmlns:ma14="http://schemas.microsoft.com/office/mac/drawingml/2011/main" val="1"/>
             </a:ext>
           </a:extLst>
         </p:spPr>
@@ -20481,7 +20401,7 @@
           </a:ln>
           <a:extLst>
             <a:ext uri="{C572A759-6A51-4108-AA02-DFA0A04FC94B}">
-              <ma14:wrappingTextBoxFlag xmlns:ma14="http://schemas.microsoft.com/office/mac/drawingml/2011/main" xmlns:a14="http://schemas.microsoft.com/office/drawing/2010/main" xmlns:m="http://schemas.openxmlformats.org/officeDocument/2006/math" xmlns="" val="1"/>
+              <ma14:wrappingTextBoxFlag xmlns="" xmlns:m="http://schemas.openxmlformats.org/officeDocument/2006/math" xmlns:a14="http://schemas.microsoft.com/office/drawing/2010/main" xmlns:ma14="http://schemas.microsoft.com/office/mac/drawingml/2011/main" val="1"/>
             </a:ext>
           </a:extLst>
         </p:spPr>
@@ -21682,7 +21602,7 @@
             <a:effectLst/>
             <a:extLst>
               <a:ext uri="{C572A759-6A51-4108-AA02-DFA0A04FC94B}">
-                <ma14:wrappingTextBoxFlag xmlns:ma14="http://schemas.microsoft.com/office/mac/drawingml/2011/main" xmlns:a14="http://schemas.microsoft.com/office/drawing/2010/main" xmlns:m="http://schemas.openxmlformats.org/officeDocument/2006/math" xmlns="" val="1"/>
+                <ma14:wrappingTextBoxFlag xmlns="" xmlns:m="http://schemas.openxmlformats.org/officeDocument/2006/math" xmlns:a14="http://schemas.microsoft.com/office/drawing/2010/main" xmlns:ma14="http://schemas.microsoft.com/office/mac/drawingml/2011/main" val="1"/>
               </a:ext>
             </a:extLst>
           </p:spPr>
@@ -21751,7 +21671,7 @@
             <a:effectLst/>
             <a:extLst>
               <a:ext uri="{C572A759-6A51-4108-AA02-DFA0A04FC94B}">
-                <ma14:wrappingTextBoxFlag xmlns:ma14="http://schemas.microsoft.com/office/mac/drawingml/2011/main" xmlns:a14="http://schemas.microsoft.com/office/drawing/2010/main" xmlns:m="http://schemas.openxmlformats.org/officeDocument/2006/math" xmlns="" val="1"/>
+                <ma14:wrappingTextBoxFlag xmlns="" xmlns:m="http://schemas.openxmlformats.org/officeDocument/2006/math" xmlns:a14="http://schemas.microsoft.com/office/drawing/2010/main" xmlns:ma14="http://schemas.microsoft.com/office/mac/drawingml/2011/main" val="1"/>
               </a:ext>
             </a:extLst>
           </p:spPr>
@@ -21817,7 +21737,7 @@
             </a:ln>
             <a:extLst>
               <a:ext uri="{C572A759-6A51-4108-AA02-DFA0A04FC94B}">
-                <ma14:wrappingTextBoxFlag xmlns:ma14="http://schemas.microsoft.com/office/mac/drawingml/2011/main" xmlns:a14="http://schemas.microsoft.com/office/drawing/2010/main" xmlns:m="http://schemas.openxmlformats.org/officeDocument/2006/math" xmlns="" val="1"/>
+                <ma14:wrappingTextBoxFlag xmlns="" xmlns:m="http://schemas.openxmlformats.org/officeDocument/2006/math" xmlns:a14="http://schemas.microsoft.com/office/drawing/2010/main" xmlns:ma14="http://schemas.microsoft.com/office/mac/drawingml/2011/main" val="1"/>
               </a:ext>
             </a:extLst>
           </p:spPr>
@@ -21875,7 +21795,7 @@
             </a:ln>
             <a:extLst>
               <a:ext uri="{C572A759-6A51-4108-AA02-DFA0A04FC94B}">
-                <ma14:wrappingTextBoxFlag xmlns:ma14="http://schemas.microsoft.com/office/mac/drawingml/2011/main" xmlns:a14="http://schemas.microsoft.com/office/drawing/2010/main" xmlns:m="http://schemas.openxmlformats.org/officeDocument/2006/math" xmlns="" val="1"/>
+                <ma14:wrappingTextBoxFlag xmlns="" xmlns:m="http://schemas.openxmlformats.org/officeDocument/2006/math" xmlns:a14="http://schemas.microsoft.com/office/drawing/2010/main" xmlns:ma14="http://schemas.microsoft.com/office/mac/drawingml/2011/main" val="1"/>
               </a:ext>
             </a:extLst>
           </p:spPr>
@@ -21956,7 +21876,7 @@
             <a:effectLst/>
             <a:extLst>
               <a:ext uri="{C572A759-6A51-4108-AA02-DFA0A04FC94B}">
-                <ma14:wrappingTextBoxFlag xmlns:ma14="http://schemas.microsoft.com/office/mac/drawingml/2011/main" xmlns:a14="http://schemas.microsoft.com/office/drawing/2010/main" xmlns:m="http://schemas.openxmlformats.org/officeDocument/2006/math" xmlns="" val="1"/>
+                <ma14:wrappingTextBoxFlag xmlns="" xmlns:m="http://schemas.openxmlformats.org/officeDocument/2006/math" xmlns:a14="http://schemas.microsoft.com/office/drawing/2010/main" xmlns:ma14="http://schemas.microsoft.com/office/mac/drawingml/2011/main" val="1"/>
               </a:ext>
             </a:extLst>
           </p:spPr>
@@ -22029,7 +21949,7 @@
             <a:effectLst/>
             <a:extLst>
               <a:ext uri="{C572A759-6A51-4108-AA02-DFA0A04FC94B}">
-                <ma14:wrappingTextBoxFlag xmlns:ma14="http://schemas.microsoft.com/office/mac/drawingml/2011/main" xmlns:a14="http://schemas.microsoft.com/office/drawing/2010/main" xmlns:m="http://schemas.openxmlformats.org/officeDocument/2006/math" xmlns="" val="1"/>
+                <ma14:wrappingTextBoxFlag xmlns="" xmlns:m="http://schemas.openxmlformats.org/officeDocument/2006/math" xmlns:a14="http://schemas.microsoft.com/office/drawing/2010/main" xmlns:ma14="http://schemas.microsoft.com/office/mac/drawingml/2011/main" val="1"/>
               </a:ext>
             </a:extLst>
           </p:spPr>
@@ -22095,7 +22015,7 @@
             </a:ln>
             <a:extLst>
               <a:ext uri="{C572A759-6A51-4108-AA02-DFA0A04FC94B}">
-                <ma14:wrappingTextBoxFlag xmlns:ma14="http://schemas.microsoft.com/office/mac/drawingml/2011/main" xmlns:a14="http://schemas.microsoft.com/office/drawing/2010/main" xmlns:m="http://schemas.openxmlformats.org/officeDocument/2006/math" xmlns="" val="1"/>
+                <ma14:wrappingTextBoxFlag xmlns="" xmlns:m="http://schemas.openxmlformats.org/officeDocument/2006/math" xmlns:a14="http://schemas.microsoft.com/office/drawing/2010/main" xmlns:ma14="http://schemas.microsoft.com/office/mac/drawingml/2011/main" val="1"/>
               </a:ext>
             </a:extLst>
           </p:spPr>
@@ -22153,7 +22073,7 @@
             </a:ln>
             <a:extLst>
               <a:ext uri="{C572A759-6A51-4108-AA02-DFA0A04FC94B}">
-                <ma14:wrappingTextBoxFlag xmlns:ma14="http://schemas.microsoft.com/office/mac/drawingml/2011/main" xmlns:a14="http://schemas.microsoft.com/office/drawing/2010/main" xmlns:m="http://schemas.openxmlformats.org/officeDocument/2006/math" xmlns="" val="1"/>
+                <ma14:wrappingTextBoxFlag xmlns="" xmlns:m="http://schemas.openxmlformats.org/officeDocument/2006/math" xmlns:a14="http://schemas.microsoft.com/office/drawing/2010/main" xmlns:ma14="http://schemas.microsoft.com/office/mac/drawingml/2011/main" val="1"/>
               </a:ext>
             </a:extLst>
           </p:spPr>
@@ -22234,7 +22154,7 @@
             <a:effectLst/>
             <a:extLst>
               <a:ext uri="{C572A759-6A51-4108-AA02-DFA0A04FC94B}">
-                <ma14:wrappingTextBoxFlag xmlns:ma14="http://schemas.microsoft.com/office/mac/drawingml/2011/main" xmlns:a14="http://schemas.microsoft.com/office/drawing/2010/main" xmlns:m="http://schemas.openxmlformats.org/officeDocument/2006/math" xmlns="" val="1"/>
+                <ma14:wrappingTextBoxFlag xmlns="" xmlns:m="http://schemas.openxmlformats.org/officeDocument/2006/math" xmlns:a14="http://schemas.microsoft.com/office/drawing/2010/main" xmlns:ma14="http://schemas.microsoft.com/office/mac/drawingml/2011/main" val="1"/>
               </a:ext>
             </a:extLst>
           </p:spPr>
@@ -22307,7 +22227,7 @@
             <a:effectLst/>
             <a:extLst>
               <a:ext uri="{C572A759-6A51-4108-AA02-DFA0A04FC94B}">
-                <ma14:wrappingTextBoxFlag xmlns:ma14="http://schemas.microsoft.com/office/mac/drawingml/2011/main" xmlns:a14="http://schemas.microsoft.com/office/drawing/2010/main" xmlns:m="http://schemas.openxmlformats.org/officeDocument/2006/math" xmlns="" val="1"/>
+                <ma14:wrappingTextBoxFlag xmlns="" xmlns:m="http://schemas.openxmlformats.org/officeDocument/2006/math" xmlns:a14="http://schemas.microsoft.com/office/drawing/2010/main" xmlns:ma14="http://schemas.microsoft.com/office/mac/drawingml/2011/main" val="1"/>
               </a:ext>
             </a:extLst>
           </p:spPr>
@@ -22373,7 +22293,7 @@
             </a:ln>
             <a:extLst>
               <a:ext uri="{C572A759-6A51-4108-AA02-DFA0A04FC94B}">
-                <ma14:wrappingTextBoxFlag xmlns:ma14="http://schemas.microsoft.com/office/mac/drawingml/2011/main" xmlns:a14="http://schemas.microsoft.com/office/drawing/2010/main" xmlns:m="http://schemas.openxmlformats.org/officeDocument/2006/math" xmlns="" val="1"/>
+                <ma14:wrappingTextBoxFlag xmlns="" xmlns:m="http://schemas.openxmlformats.org/officeDocument/2006/math" xmlns:a14="http://schemas.microsoft.com/office/drawing/2010/main" xmlns:ma14="http://schemas.microsoft.com/office/mac/drawingml/2011/main" val="1"/>
               </a:ext>
             </a:extLst>
           </p:spPr>
@@ -22431,7 +22351,7 @@
             </a:ln>
             <a:extLst>
               <a:ext uri="{C572A759-6A51-4108-AA02-DFA0A04FC94B}">
-                <ma14:wrappingTextBoxFlag xmlns:ma14="http://schemas.microsoft.com/office/mac/drawingml/2011/main" xmlns:a14="http://schemas.microsoft.com/office/drawing/2010/main" xmlns:m="http://schemas.openxmlformats.org/officeDocument/2006/math" xmlns="" val="1"/>
+                <ma14:wrappingTextBoxFlag xmlns="" xmlns:m="http://schemas.openxmlformats.org/officeDocument/2006/math" xmlns:a14="http://schemas.microsoft.com/office/drawing/2010/main" xmlns:ma14="http://schemas.microsoft.com/office/mac/drawingml/2011/main" val="1"/>
               </a:ext>
             </a:extLst>
           </p:spPr>
@@ -22512,7 +22432,7 @@
             <a:effectLst/>
             <a:extLst>
               <a:ext uri="{C572A759-6A51-4108-AA02-DFA0A04FC94B}">
-                <ma14:wrappingTextBoxFlag xmlns:ma14="http://schemas.microsoft.com/office/mac/drawingml/2011/main" xmlns:a14="http://schemas.microsoft.com/office/drawing/2010/main" xmlns:m="http://schemas.openxmlformats.org/officeDocument/2006/math" xmlns="" val="1"/>
+                <ma14:wrappingTextBoxFlag xmlns="" xmlns:m="http://schemas.openxmlformats.org/officeDocument/2006/math" xmlns:a14="http://schemas.microsoft.com/office/drawing/2010/main" xmlns:ma14="http://schemas.microsoft.com/office/mac/drawingml/2011/main" val="1"/>
               </a:ext>
             </a:extLst>
           </p:spPr>
@@ -22581,7 +22501,7 @@
             <a:effectLst/>
             <a:extLst>
               <a:ext uri="{C572A759-6A51-4108-AA02-DFA0A04FC94B}">
-                <ma14:wrappingTextBoxFlag xmlns:ma14="http://schemas.microsoft.com/office/mac/drawingml/2011/main" xmlns:a14="http://schemas.microsoft.com/office/drawing/2010/main" xmlns:m="http://schemas.openxmlformats.org/officeDocument/2006/math" xmlns="" val="1"/>
+                <ma14:wrappingTextBoxFlag xmlns="" xmlns:m="http://schemas.openxmlformats.org/officeDocument/2006/math" xmlns:a14="http://schemas.microsoft.com/office/drawing/2010/main" xmlns:ma14="http://schemas.microsoft.com/office/mac/drawingml/2011/main" val="1"/>
               </a:ext>
             </a:extLst>
           </p:spPr>
@@ -22647,7 +22567,7 @@
             </a:ln>
             <a:extLst>
               <a:ext uri="{C572A759-6A51-4108-AA02-DFA0A04FC94B}">
-                <ma14:wrappingTextBoxFlag xmlns:ma14="http://schemas.microsoft.com/office/mac/drawingml/2011/main" xmlns:a14="http://schemas.microsoft.com/office/drawing/2010/main" xmlns:m="http://schemas.openxmlformats.org/officeDocument/2006/math" xmlns="" val="1"/>
+                <ma14:wrappingTextBoxFlag xmlns="" xmlns:m="http://schemas.openxmlformats.org/officeDocument/2006/math" xmlns:a14="http://schemas.microsoft.com/office/drawing/2010/main" xmlns:ma14="http://schemas.microsoft.com/office/mac/drawingml/2011/main" val="1"/>
               </a:ext>
             </a:extLst>
           </p:spPr>
@@ -22705,7 +22625,7 @@
             </a:ln>
             <a:extLst>
               <a:ext uri="{C572A759-6A51-4108-AA02-DFA0A04FC94B}">
-                <ma14:wrappingTextBoxFlag xmlns:ma14="http://schemas.microsoft.com/office/mac/drawingml/2011/main" xmlns:a14="http://schemas.microsoft.com/office/drawing/2010/main" xmlns:m="http://schemas.openxmlformats.org/officeDocument/2006/math" xmlns="" val="1"/>
+                <ma14:wrappingTextBoxFlag xmlns="" xmlns:m="http://schemas.openxmlformats.org/officeDocument/2006/math" xmlns:a14="http://schemas.microsoft.com/office/drawing/2010/main" xmlns:ma14="http://schemas.microsoft.com/office/mac/drawingml/2011/main" val="1"/>
               </a:ext>
             </a:extLst>
           </p:spPr>
@@ -22786,7 +22706,7 @@
             <a:effectLst/>
             <a:extLst>
               <a:ext uri="{C572A759-6A51-4108-AA02-DFA0A04FC94B}">
-                <ma14:wrappingTextBoxFlag xmlns:ma14="http://schemas.microsoft.com/office/mac/drawingml/2011/main" xmlns:a14="http://schemas.microsoft.com/office/drawing/2010/main" xmlns:m="http://schemas.openxmlformats.org/officeDocument/2006/math" xmlns="" val="1"/>
+                <ma14:wrappingTextBoxFlag xmlns="" xmlns:m="http://schemas.openxmlformats.org/officeDocument/2006/math" xmlns:a14="http://schemas.microsoft.com/office/drawing/2010/main" xmlns:ma14="http://schemas.microsoft.com/office/mac/drawingml/2011/main" val="1"/>
               </a:ext>
             </a:extLst>
           </p:spPr>
@@ -22879,7 +22799,7 @@
               <a:effectLst/>
               <a:extLst>
                 <a:ext uri="{C572A759-6A51-4108-AA02-DFA0A04FC94B}">
-                  <ma14:wrappingTextBoxFlag xmlns:ma14="http://schemas.microsoft.com/office/mac/drawingml/2011/main" xmlns:a14="http://schemas.microsoft.com/office/drawing/2010/main" xmlns:m="http://schemas.openxmlformats.org/officeDocument/2006/math" xmlns="" val="1"/>
+                  <ma14:wrappingTextBoxFlag xmlns="" xmlns:m="http://schemas.openxmlformats.org/officeDocument/2006/math" xmlns:a14="http://schemas.microsoft.com/office/drawing/2010/main" xmlns:ma14="http://schemas.microsoft.com/office/mac/drawingml/2011/main" val="1"/>
                 </a:ext>
               </a:extLst>
             </p:spPr>
@@ -22945,7 +22865,7 @@
               </a:ln>
               <a:extLst>
                 <a:ext uri="{C572A759-6A51-4108-AA02-DFA0A04FC94B}">
-                  <ma14:wrappingTextBoxFlag xmlns:ma14="http://schemas.microsoft.com/office/mac/drawingml/2011/main" xmlns:a14="http://schemas.microsoft.com/office/drawing/2010/main" xmlns:m="http://schemas.openxmlformats.org/officeDocument/2006/math" xmlns="" val="1"/>
+                  <ma14:wrappingTextBoxFlag xmlns="" xmlns:m="http://schemas.openxmlformats.org/officeDocument/2006/math" xmlns:a14="http://schemas.microsoft.com/office/drawing/2010/main" xmlns:ma14="http://schemas.microsoft.com/office/mac/drawingml/2011/main" val="1"/>
                 </a:ext>
               </a:extLst>
             </p:spPr>
@@ -23003,7 +22923,7 @@
               </a:ln>
               <a:extLst>
                 <a:ext uri="{C572A759-6A51-4108-AA02-DFA0A04FC94B}">
-                  <ma14:wrappingTextBoxFlag xmlns:ma14="http://schemas.microsoft.com/office/mac/drawingml/2011/main" xmlns:a14="http://schemas.microsoft.com/office/drawing/2010/main" xmlns:m="http://schemas.openxmlformats.org/officeDocument/2006/math" xmlns="" val="1"/>
+                  <ma14:wrappingTextBoxFlag xmlns="" xmlns:m="http://schemas.openxmlformats.org/officeDocument/2006/math" xmlns:a14="http://schemas.microsoft.com/office/drawing/2010/main" xmlns:ma14="http://schemas.microsoft.com/office/mac/drawingml/2011/main" val="1"/>
                 </a:ext>
               </a:extLst>
             </p:spPr>
@@ -23085,7 +23005,7 @@
             <a:effectLst/>
             <a:extLst>
               <a:ext uri="{C572A759-6A51-4108-AA02-DFA0A04FC94B}">
-                <ma14:wrappingTextBoxFlag xmlns:ma14="http://schemas.microsoft.com/office/mac/drawingml/2011/main" xmlns:a14="http://schemas.microsoft.com/office/drawing/2010/main" xmlns:m="http://schemas.openxmlformats.org/officeDocument/2006/math" xmlns="" val="1"/>
+                <ma14:wrappingTextBoxFlag xmlns="" xmlns:m="http://schemas.openxmlformats.org/officeDocument/2006/math" xmlns:a14="http://schemas.microsoft.com/office/drawing/2010/main" xmlns:ma14="http://schemas.microsoft.com/office/mac/drawingml/2011/main" val="1"/>
               </a:ext>
             </a:extLst>
           </p:spPr>
@@ -23158,7 +23078,7 @@
             <a:effectLst/>
             <a:extLst>
               <a:ext uri="{C572A759-6A51-4108-AA02-DFA0A04FC94B}">
-                <ma14:wrappingTextBoxFlag xmlns:ma14="http://schemas.microsoft.com/office/mac/drawingml/2011/main" xmlns:a14="http://schemas.microsoft.com/office/drawing/2010/main" xmlns:m="http://schemas.openxmlformats.org/officeDocument/2006/math" xmlns="" val="1"/>
+                <ma14:wrappingTextBoxFlag xmlns="" xmlns:m="http://schemas.openxmlformats.org/officeDocument/2006/math" xmlns:a14="http://schemas.microsoft.com/office/drawing/2010/main" xmlns:ma14="http://schemas.microsoft.com/office/mac/drawingml/2011/main" val="1"/>
               </a:ext>
             </a:extLst>
           </p:spPr>
@@ -23224,7 +23144,7 @@
             </a:ln>
             <a:extLst>
               <a:ext uri="{C572A759-6A51-4108-AA02-DFA0A04FC94B}">
-                <ma14:wrappingTextBoxFlag xmlns:ma14="http://schemas.microsoft.com/office/mac/drawingml/2011/main" xmlns:a14="http://schemas.microsoft.com/office/drawing/2010/main" xmlns:m="http://schemas.openxmlformats.org/officeDocument/2006/math" xmlns="" val="1"/>
+                <ma14:wrappingTextBoxFlag xmlns="" xmlns:m="http://schemas.openxmlformats.org/officeDocument/2006/math" xmlns:a14="http://schemas.microsoft.com/office/drawing/2010/main" xmlns:ma14="http://schemas.microsoft.com/office/mac/drawingml/2011/main" val="1"/>
               </a:ext>
             </a:extLst>
           </p:spPr>
@@ -23282,7 +23202,7 @@
             </a:ln>
             <a:extLst>
               <a:ext uri="{C572A759-6A51-4108-AA02-DFA0A04FC94B}">
-                <ma14:wrappingTextBoxFlag xmlns:ma14="http://schemas.microsoft.com/office/mac/drawingml/2011/main" xmlns:a14="http://schemas.microsoft.com/office/drawing/2010/main" xmlns:m="http://schemas.openxmlformats.org/officeDocument/2006/math" xmlns="" val="1"/>
+                <ma14:wrappingTextBoxFlag xmlns="" xmlns:m="http://schemas.openxmlformats.org/officeDocument/2006/math" xmlns:a14="http://schemas.microsoft.com/office/drawing/2010/main" xmlns:ma14="http://schemas.microsoft.com/office/mac/drawingml/2011/main" val="1"/>
               </a:ext>
             </a:extLst>
           </p:spPr>
@@ -23341,7 +23261,7 @@
           </a:ln>
           <a:extLst>
             <a:ext uri="{C572A759-6A51-4108-AA02-DFA0A04FC94B}">
-              <ma14:wrappingTextBoxFlag xmlns:ma14="http://schemas.microsoft.com/office/mac/drawingml/2011/main" xmlns:a14="http://schemas.microsoft.com/office/drawing/2010/main" xmlns:m="http://schemas.openxmlformats.org/officeDocument/2006/math" xmlns="" val="1"/>
+              <ma14:wrappingTextBoxFlag xmlns="" xmlns:m="http://schemas.openxmlformats.org/officeDocument/2006/math" xmlns:a14="http://schemas.microsoft.com/office/drawing/2010/main" xmlns:ma14="http://schemas.microsoft.com/office/mac/drawingml/2011/main" val="1"/>
             </a:ext>
           </a:extLst>
         </p:spPr>
@@ -23399,7 +23319,7 @@
           </a:ln>
           <a:extLst>
             <a:ext uri="{C572A759-6A51-4108-AA02-DFA0A04FC94B}">
-              <ma14:wrappingTextBoxFlag xmlns:ma14="http://schemas.microsoft.com/office/mac/drawingml/2011/main" xmlns:a14="http://schemas.microsoft.com/office/drawing/2010/main" xmlns:m="http://schemas.openxmlformats.org/officeDocument/2006/math" xmlns="" val="1"/>
+              <ma14:wrappingTextBoxFlag xmlns="" xmlns:m="http://schemas.openxmlformats.org/officeDocument/2006/math" xmlns:a14="http://schemas.microsoft.com/office/drawing/2010/main" xmlns:ma14="http://schemas.microsoft.com/office/mac/drawingml/2011/main" val="1"/>
             </a:ext>
           </a:extLst>
         </p:spPr>
@@ -23643,7 +23563,7 @@
             </a:ln>
             <a:extLst>
               <a:ext uri="{C572A759-6A51-4108-AA02-DFA0A04FC94B}">
-                <ma14:wrappingTextBoxFlag xmlns:ma14="http://schemas.microsoft.com/office/mac/drawingml/2011/main" xmlns:a14="http://schemas.microsoft.com/office/drawing/2010/main" xmlns:m="http://schemas.openxmlformats.org/officeDocument/2006/math" xmlns="" val="1"/>
+                <ma14:wrappingTextBoxFlag xmlns="" xmlns:m="http://schemas.openxmlformats.org/officeDocument/2006/math" xmlns:a14="http://schemas.microsoft.com/office/drawing/2010/main" xmlns:ma14="http://schemas.microsoft.com/office/mac/drawingml/2011/main" val="1"/>
               </a:ext>
             </a:extLst>
           </p:spPr>
@@ -24195,7 +24115,7 @@
             </a:ln>
             <a:extLst>
               <a:ext uri="{C572A759-6A51-4108-AA02-DFA0A04FC94B}">
-                <ma14:wrappingTextBoxFlag xmlns:ma14="http://schemas.microsoft.com/office/mac/drawingml/2011/main" xmlns:a14="http://schemas.microsoft.com/office/drawing/2010/main" xmlns:m="http://schemas.openxmlformats.org/officeDocument/2006/math" xmlns="" val="1"/>
+                <ma14:wrappingTextBoxFlag xmlns="" xmlns:m="http://schemas.openxmlformats.org/officeDocument/2006/math" xmlns:a14="http://schemas.microsoft.com/office/drawing/2010/main" xmlns:ma14="http://schemas.microsoft.com/office/mac/drawingml/2011/main" val="1"/>
               </a:ext>
             </a:extLst>
           </p:spPr>
@@ -24932,7 +24852,7 @@
           </a:prstGeom>
           <a:extLst>
             <a:ext uri="{C572A759-6A51-4108-AA02-DFA0A04FC94B}">
-              <ma14:wrappingTextBoxFlag xmlns:ma14="http://schemas.microsoft.com/office/mac/drawingml/2011/main" xmlns:a14="http://schemas.microsoft.com/office/drawing/2010/main" xmlns:m="http://schemas.openxmlformats.org/officeDocument/2006/math" xmlns="" val="1"/>
+              <ma14:wrappingTextBoxFlag xmlns="" xmlns:m="http://schemas.openxmlformats.org/officeDocument/2006/math" xmlns:a14="http://schemas.microsoft.com/office/drawing/2010/main" xmlns:ma14="http://schemas.microsoft.com/office/mac/drawingml/2011/main" val="1"/>
             </a:ext>
           </a:extLst>
         </p:spPr>
@@ -34233,7 +34153,7 @@
           <a:p>
             <a:r>
               <a:rPr lang="en-US" dirty="0"/>
-              <a:t>Odds and Ends</a:t>
+              <a:t>Odds and Ends You Should Know About</a:t>
             </a:r>
           </a:p>
         </p:txBody>
@@ -35505,7 +35425,7 @@
           </a:ln>
           <a:extLst>
             <a:ext uri="{C572A759-6A51-4108-AA02-DFA0A04FC94B}">
-              <ma14:wrappingTextBoxFlag xmlns:ma14="http://schemas.microsoft.com/office/mac/drawingml/2011/main" xmlns:a14="http://schemas.microsoft.com/office/drawing/2010/main" xmlns:m="http://schemas.openxmlformats.org/officeDocument/2006/math" xmlns="" val="1"/>
+              <ma14:wrappingTextBoxFlag xmlns="" xmlns:m="http://schemas.openxmlformats.org/officeDocument/2006/math" xmlns:a14="http://schemas.microsoft.com/office/drawing/2010/main" xmlns:ma14="http://schemas.microsoft.com/office/mac/drawingml/2011/main" val="1"/>
             </a:ext>
           </a:extLst>
         </p:spPr>
@@ -36463,7 +36383,7 @@
           </a:prstGeom>
           <a:extLst>
             <a:ext uri="{C572A759-6A51-4108-AA02-DFA0A04FC94B}">
-              <ma14:wrappingTextBoxFlag xmlns="" xmlns:m="http://schemas.openxmlformats.org/officeDocument/2006/math" xmlns:a14="http://schemas.microsoft.com/office/drawing/2010/main" xmlns:ma14="http://schemas.microsoft.com/office/mac/drawingml/2011/main" val="1"/>
+              <ma14:wrappingTextBoxFlag xmlns:ma14="http://schemas.microsoft.com/office/mac/drawingml/2011/main" xmlns:a14="http://schemas.microsoft.com/office/drawing/2010/main" xmlns:m="http://schemas.openxmlformats.org/officeDocument/2006/math" xmlns="" val="1"/>
             </a:ext>
           </a:extLst>
         </p:spPr>
@@ -36853,7 +36773,7 @@
               </a:effectLst>
               <a:extLst>
                 <a:ext uri="{C572A759-6A51-4108-AA02-DFA0A04FC94B}">
-                  <ma14:wrappingTextBoxFlag xmlns="" xmlns:m="http://schemas.openxmlformats.org/officeDocument/2006/math" xmlns:a14="http://schemas.microsoft.com/office/drawing/2010/main" xmlns:ma14="http://schemas.microsoft.com/office/mac/drawingml/2011/main" val="1"/>
+                  <ma14:wrappingTextBoxFlag xmlns:ma14="http://schemas.microsoft.com/office/mac/drawingml/2011/main" xmlns:a14="http://schemas.microsoft.com/office/drawing/2010/main" xmlns:m="http://schemas.openxmlformats.org/officeDocument/2006/math" xmlns="" val="1"/>
                 </a:ext>
               </a:extLst>
             </p:spPr>
@@ -36923,7 +36843,7 @@
               </a:effectLst>
               <a:extLst>
                 <a:ext uri="{C572A759-6A51-4108-AA02-DFA0A04FC94B}">
-                  <ma14:wrappingTextBoxFlag xmlns="" xmlns:m="http://schemas.openxmlformats.org/officeDocument/2006/math" xmlns:a14="http://schemas.microsoft.com/office/drawing/2010/main" xmlns:ma14="http://schemas.microsoft.com/office/mac/drawingml/2011/main" val="1"/>
+                  <ma14:wrappingTextBoxFlag xmlns:ma14="http://schemas.microsoft.com/office/mac/drawingml/2011/main" xmlns:a14="http://schemas.microsoft.com/office/drawing/2010/main" xmlns:m="http://schemas.openxmlformats.org/officeDocument/2006/math" xmlns="" val="1"/>
                 </a:ext>
               </a:extLst>
             </p:spPr>
@@ -36991,7 +36911,7 @@
               </a:effectLst>
               <a:extLst>
                 <a:ext uri="{C572A759-6A51-4108-AA02-DFA0A04FC94B}">
-                  <ma14:wrappingTextBoxFlag xmlns="" xmlns:m="http://schemas.openxmlformats.org/officeDocument/2006/math" xmlns:a14="http://schemas.microsoft.com/office/drawing/2010/main" xmlns:ma14="http://schemas.microsoft.com/office/mac/drawingml/2011/main" val="1"/>
+                  <ma14:wrappingTextBoxFlag xmlns:ma14="http://schemas.microsoft.com/office/mac/drawingml/2011/main" xmlns:a14="http://schemas.microsoft.com/office/drawing/2010/main" xmlns:m="http://schemas.openxmlformats.org/officeDocument/2006/math" xmlns="" val="1"/>
                 </a:ext>
               </a:extLst>
             </p:spPr>
@@ -37079,7 +36999,7 @@
                 </a:effectLst>
                 <a:extLst>
                   <a:ext uri="{C572A759-6A51-4108-AA02-DFA0A04FC94B}">
-                    <ma14:wrappingTextBoxFlag xmlns="" xmlns:m="http://schemas.openxmlformats.org/officeDocument/2006/math" xmlns:a14="http://schemas.microsoft.com/office/drawing/2010/main" xmlns:ma14="http://schemas.microsoft.com/office/mac/drawingml/2011/main" val="1"/>
+                    <ma14:wrappingTextBoxFlag xmlns:ma14="http://schemas.microsoft.com/office/mac/drawingml/2011/main" xmlns:a14="http://schemas.microsoft.com/office/drawing/2010/main" xmlns:m="http://schemas.openxmlformats.org/officeDocument/2006/math" xmlns="" val="1"/>
                   </a:ext>
                 </a:extLst>
               </p:spPr>
@@ -37257,7 +37177,7 @@
                   <a:effectLst/>
                   <a:extLst>
                     <a:ext uri="{C572A759-6A51-4108-AA02-DFA0A04FC94B}">
-                      <ma14:wrappingTextBoxFlag xmlns="" xmlns:m="http://schemas.openxmlformats.org/officeDocument/2006/math" xmlns:a14="http://schemas.microsoft.com/office/drawing/2010/main" xmlns:ma14="http://schemas.microsoft.com/office/mac/drawingml/2011/main" val="1"/>
+                      <ma14:wrappingTextBoxFlag xmlns:ma14="http://schemas.microsoft.com/office/mac/drawingml/2011/main" xmlns:a14="http://schemas.microsoft.com/office/drawing/2010/main" xmlns:m="http://schemas.openxmlformats.org/officeDocument/2006/math" xmlns="" val="1"/>
                     </a:ext>
                   </a:extLst>
                 </p:spPr>
@@ -37457,7 +37377,7 @@
                   <a:effectLst/>
                   <a:extLst>
                     <a:ext uri="{C572A759-6A51-4108-AA02-DFA0A04FC94B}">
-                      <ma14:wrappingTextBoxFlag xmlns="" xmlns:m="http://schemas.openxmlformats.org/officeDocument/2006/math" xmlns:a14="http://schemas.microsoft.com/office/drawing/2010/main" xmlns:ma14="http://schemas.microsoft.com/office/mac/drawingml/2011/main" val="1"/>
+                      <ma14:wrappingTextBoxFlag xmlns:ma14="http://schemas.microsoft.com/office/mac/drawingml/2011/main" xmlns:a14="http://schemas.microsoft.com/office/drawing/2010/main" xmlns:m="http://schemas.openxmlformats.org/officeDocument/2006/math" xmlns="" val="1"/>
                     </a:ext>
                   </a:extLst>
                 </p:spPr>
@@ -37547,7 +37467,7 @@
                 </a:effectLst>
                 <a:extLst>
                   <a:ext uri="{C572A759-6A51-4108-AA02-DFA0A04FC94B}">
-                    <ma14:wrappingTextBoxFlag xmlns="" xmlns:m="http://schemas.openxmlformats.org/officeDocument/2006/math" xmlns:a14="http://schemas.microsoft.com/office/drawing/2010/main" xmlns:ma14="http://schemas.microsoft.com/office/mac/drawingml/2011/main" val="1"/>
+                    <ma14:wrappingTextBoxFlag xmlns:ma14="http://schemas.microsoft.com/office/mac/drawingml/2011/main" xmlns:a14="http://schemas.microsoft.com/office/drawing/2010/main" xmlns:m="http://schemas.openxmlformats.org/officeDocument/2006/math" xmlns="" val="1"/>
                   </a:ext>
                 </a:extLst>
               </p:spPr>
@@ -37725,7 +37645,7 @@
                   <a:effectLst/>
                   <a:extLst>
                     <a:ext uri="{C572A759-6A51-4108-AA02-DFA0A04FC94B}">
-                      <ma14:wrappingTextBoxFlag xmlns="" xmlns:m="http://schemas.openxmlformats.org/officeDocument/2006/math" xmlns:a14="http://schemas.microsoft.com/office/drawing/2010/main" xmlns:ma14="http://schemas.microsoft.com/office/mac/drawingml/2011/main" val="1"/>
+                      <ma14:wrappingTextBoxFlag xmlns:ma14="http://schemas.microsoft.com/office/mac/drawingml/2011/main" xmlns:a14="http://schemas.microsoft.com/office/drawing/2010/main" xmlns:m="http://schemas.openxmlformats.org/officeDocument/2006/math" xmlns="" val="1"/>
                     </a:ext>
                   </a:extLst>
                 </p:spPr>
@@ -37815,7 +37735,7 @@
                 </a:effectLst>
                 <a:extLst>
                   <a:ext uri="{C572A759-6A51-4108-AA02-DFA0A04FC94B}">
-                    <ma14:wrappingTextBoxFlag xmlns="" xmlns:m="http://schemas.openxmlformats.org/officeDocument/2006/math" xmlns:a14="http://schemas.microsoft.com/office/drawing/2010/main" xmlns:ma14="http://schemas.microsoft.com/office/mac/drawingml/2011/main" val="1"/>
+                    <ma14:wrappingTextBoxFlag xmlns:ma14="http://schemas.microsoft.com/office/mac/drawingml/2011/main" xmlns:a14="http://schemas.microsoft.com/office/drawing/2010/main" xmlns:m="http://schemas.openxmlformats.org/officeDocument/2006/math" xmlns="" val="1"/>
                   </a:ext>
                 </a:extLst>
               </p:spPr>
@@ -37993,7 +37913,7 @@
                   <a:effectLst/>
                   <a:extLst>
                     <a:ext uri="{C572A759-6A51-4108-AA02-DFA0A04FC94B}">
-                      <ma14:wrappingTextBoxFlag xmlns="" xmlns:m="http://schemas.openxmlformats.org/officeDocument/2006/math" xmlns:a14="http://schemas.microsoft.com/office/drawing/2010/main" xmlns:ma14="http://schemas.microsoft.com/office/mac/drawingml/2011/main" val="1"/>
+                      <ma14:wrappingTextBoxFlag xmlns:ma14="http://schemas.microsoft.com/office/mac/drawingml/2011/main" xmlns:a14="http://schemas.microsoft.com/office/drawing/2010/main" xmlns:m="http://schemas.openxmlformats.org/officeDocument/2006/math" xmlns="" val="1"/>
                     </a:ext>
                   </a:extLst>
                 </p:spPr>
@@ -38064,7 +37984,7 @@
             </a:effectLst>
             <a:extLst>
               <a:ext uri="{C572A759-6A51-4108-AA02-DFA0A04FC94B}">
-                <ma14:wrappingTextBoxFlag xmlns="" xmlns:m="http://schemas.openxmlformats.org/officeDocument/2006/math" xmlns:a14="http://schemas.microsoft.com/office/drawing/2010/main" xmlns:ma14="http://schemas.microsoft.com/office/mac/drawingml/2011/main" val="1"/>
+                <ma14:wrappingTextBoxFlag xmlns:ma14="http://schemas.microsoft.com/office/mac/drawingml/2011/main" xmlns:a14="http://schemas.microsoft.com/office/drawing/2010/main" xmlns:m="http://schemas.openxmlformats.org/officeDocument/2006/math" xmlns="" val="1"/>
               </a:ext>
             </a:extLst>
           </p:spPr>
@@ -38291,7 +38211,7 @@
           </a:prstGeom>
           <a:extLst>
             <a:ext uri="{C572A759-6A51-4108-AA02-DFA0A04FC94B}">
-              <ma14:wrappingTextBoxFlag xmlns="" xmlns:m="http://schemas.openxmlformats.org/officeDocument/2006/math" xmlns:a14="http://schemas.microsoft.com/office/drawing/2010/main" xmlns:ma14="http://schemas.microsoft.com/office/mac/drawingml/2011/main" val="1"/>
+              <ma14:wrappingTextBoxFlag xmlns:ma14="http://schemas.microsoft.com/office/mac/drawingml/2011/main" xmlns:a14="http://schemas.microsoft.com/office/drawing/2010/main" xmlns:m="http://schemas.openxmlformats.org/officeDocument/2006/math" xmlns="" val="1"/>
             </a:ext>
           </a:extLst>
         </p:spPr>
@@ -41740,7 +41660,7 @@
                 <a:effectLst/>
                 <a:latin typeface="Consolas" panose="020B0609020204030204" pitchFamily="49" charset="0"/>
               </a:rPr>
-              <a:t>=&gt;</a:t>
+              <a:t>=&gt; </a:t>
             </a:r>
             <a:r>
               <a:rPr lang="en-US" sz="2400" b="0" dirty="0">
@@ -42337,170 +42257,6 @@
     <p:extLst>
       <p:ext uri="{BB962C8B-B14F-4D97-AF65-F5344CB8AC3E}">
         <p14:creationId xmlns:p14="http://schemas.microsoft.com/office/powerpoint/2010/main" val="2176297323"/>
-      </p:ext>
-    </p:extLst>
-  </p:cSld>
-  <p:clrMapOvr>
-    <a:masterClrMapping/>
-  </p:clrMapOvr>
-</p:sld>
-</file>
-
-<file path=ppt/slides/slide35.xml><?xml version="1.0" encoding="utf-8"?>
-<p:sld xmlns:a="http://schemas.openxmlformats.org/drawingml/2006/main" xmlns:r="http://schemas.openxmlformats.org/officeDocument/2006/relationships" xmlns:p="http://schemas.openxmlformats.org/presentationml/2006/main">
-  <p:cSld>
-    <p:spTree>
-      <p:nvGrpSpPr>
-        <p:cNvPr id="1" name=""/>
-        <p:cNvGrpSpPr/>
-        <p:nvPr/>
-      </p:nvGrpSpPr>
-      <p:grpSpPr>
-        <a:xfrm>
-          <a:off x="0" y="0"/>
-          <a:ext cx="0" cy="0"/>
-          <a:chOff x="0" y="0"/>
-          <a:chExt cx="0" cy="0"/>
-        </a:xfrm>
-      </p:grpSpPr>
-      <p:sp>
-        <p:nvSpPr>
-          <p:cNvPr id="2" name="Title 1">
-            <a:extLst>
-              <a:ext uri="{FF2B5EF4-FFF2-40B4-BE49-F238E27FC236}">
-                <a16:creationId xmlns:a16="http://schemas.microsoft.com/office/drawing/2014/main" id="{E743D407-5B53-49A7-9907-E801EA7FFD8E}"/>
-              </a:ext>
-            </a:extLst>
-          </p:cNvPr>
-          <p:cNvSpPr>
-            <a:spLocks noGrp="1"/>
-          </p:cNvSpPr>
-          <p:nvPr>
-            <p:ph type="title"/>
-          </p:nvPr>
-        </p:nvSpPr>
-        <p:spPr/>
-        <p:txBody>
-          <a:bodyPr/>
-          <a:lstStyle/>
-          <a:p>
-            <a:r>
-              <a:rPr lang="en-US" dirty="0"/>
-              <a:t>Learning Goals for this Lesson (expanded)</a:t>
-            </a:r>
-          </a:p>
-        </p:txBody>
-      </p:sp>
-      <p:sp>
-        <p:nvSpPr>
-          <p:cNvPr id="3" name="Content Placeholder 2">
-            <a:extLst>
-              <a:ext uri="{FF2B5EF4-FFF2-40B4-BE49-F238E27FC236}">
-                <a16:creationId xmlns:a16="http://schemas.microsoft.com/office/drawing/2014/main" id="{AC300E2B-BFD0-4090-AFC5-FE82683F997F}"/>
-              </a:ext>
-            </a:extLst>
-          </p:cNvPr>
-          <p:cNvSpPr>
-            <a:spLocks noGrp="1"/>
-          </p:cNvSpPr>
-          <p:nvPr>
-            <p:ph idx="1"/>
-          </p:nvPr>
-        </p:nvSpPr>
-        <p:spPr>
-          <a:xfrm>
-            <a:off x="838199" y="1500160"/>
-            <a:ext cx="10515599" cy="4351338"/>
-          </a:xfrm>
-        </p:spPr>
-        <p:txBody>
-          <a:bodyPr/>
-          <a:lstStyle/>
-          <a:p>
-            <a:r>
-              <a:rPr lang="en-US" dirty="0"/>
-              <a:t>At the end of this lesson, you should be prepared to:</a:t>
-            </a:r>
-          </a:p>
-          <a:p>
-            <a:pPr lvl="1"/>
-            <a:r>
-              <a:rPr lang="en-US" dirty="0"/>
-              <a:t>Explain how to achieve concurrency through asynchronous operations and </a:t>
-            </a:r>
-            <a:r>
-              <a:rPr lang="en-US" dirty="0" err="1"/>
-              <a:t>Promise.all</a:t>
-            </a:r>
-            <a:r>
-              <a:rPr lang="en-US" dirty="0"/>
-              <a:t> in TypeScript.</a:t>
-            </a:r>
-          </a:p>
-          <a:p>
-            <a:pPr lvl="1"/>
-            <a:r>
-              <a:rPr lang="en-US" dirty="0"/>
-              <a:t>Write asynchronous and concurrent code in TypeScript using async/await and </a:t>
-            </a:r>
-            <a:r>
-              <a:rPr lang="en-US" dirty="0" err="1"/>
-              <a:t>Promise.all</a:t>
-            </a:r>
-            <a:r>
-              <a:rPr lang="en-US" dirty="0"/>
-              <a:t>.</a:t>
-            </a:r>
-          </a:p>
-          <a:p>
-            <a:pPr lvl="1"/>
-            <a:r>
-              <a:rPr lang="en-US" dirty="0"/>
-              <a:t>Write asynchronous code using promises and .then().</a:t>
-            </a:r>
-          </a:p>
-          <a:p>
-            <a:pPr lvl="1"/>
-            <a:r>
-              <a:rPr lang="en-US" dirty="0"/>
-              <a:t>Explain the difference between JS run-to-completion semantics and interrupt-based semantics.</a:t>
-            </a:r>
-          </a:p>
-        </p:txBody>
-      </p:sp>
-      <p:sp>
-        <p:nvSpPr>
-          <p:cNvPr id="4" name="Slide Number Placeholder 3">
-            <a:extLst>
-              <a:ext uri="{FF2B5EF4-FFF2-40B4-BE49-F238E27FC236}">
-                <a16:creationId xmlns:a16="http://schemas.microsoft.com/office/drawing/2014/main" id="{B7BF3F82-6F96-41E0-9C15-23CE00076176}"/>
-              </a:ext>
-            </a:extLst>
-          </p:cNvPr>
-          <p:cNvSpPr>
-            <a:spLocks noGrp="1"/>
-          </p:cNvSpPr>
-          <p:nvPr>
-            <p:ph type="sldNum" sz="quarter" idx="12"/>
-          </p:nvPr>
-        </p:nvSpPr>
-        <p:spPr/>
-        <p:txBody>
-          <a:bodyPr/>
-          <a:lstStyle/>
-          <a:p>
-            <a:fld id="{20F37917-FD3A-4669-9018-DA04BCDD3D75}" type="slidenum">
-              <a:rPr lang="en-US" smtClean="0"/>
-              <a:t>35</a:t>
-            </a:fld>
-            <a:endParaRPr lang="en-US"/>
-          </a:p>
-        </p:txBody>
-      </p:sp>
-    </p:spTree>
-    <p:extLst>
-      <p:ext uri="{BB962C8B-B14F-4D97-AF65-F5344CB8AC3E}">
-        <p14:creationId xmlns:p14="http://schemas.microsoft.com/office/powerpoint/2010/main" val="1338222677"/>
       </p:ext>
     </p:extLst>
   </p:cSld>

--- a/Slides/Module 05 Concurrency Patterns in Typescript.pptx
+++ b/Slides/Module 05 Concurrency Patterns in Typescript.pptx
@@ -447,60 +447,6 @@
           <pc:docMk/>
           <pc:sldMk cId="2314319587" sldId="556"/>
         </pc:sldMkLst>
-      </pc:sldChg>
-    </pc:docChg>
-  </pc:docChgLst>
-  <pc:docChgLst>
-    <pc:chgData name="Mitchell Wand" userId="de9b44c55c049659" providerId="LiveId" clId="{5F788236-F622-4F92-81A2-AAB773A767CB}"/>
-    <pc:docChg chg="undo custSel addSld modSld">
-      <pc:chgData name="Mitchell Wand" userId="de9b44c55c049659" providerId="LiveId" clId="{5F788236-F622-4F92-81A2-AAB773A767CB}" dt="2022-09-20T18:38:28.835" v="671" actId="20577"/>
-      <pc:docMkLst>
-        <pc:docMk/>
-      </pc:docMkLst>
-      <pc:sldChg chg="modNotesTx">
-        <pc:chgData name="Mitchell Wand" userId="de9b44c55c049659" providerId="LiveId" clId="{5F788236-F622-4F92-81A2-AAB773A767CB}" dt="2022-09-20T17:28:28.152" v="82" actId="20577"/>
-        <pc:sldMkLst>
-          <pc:docMk/>
-          <pc:sldMk cId="0" sldId="262"/>
-        </pc:sldMkLst>
-      </pc:sldChg>
-      <pc:sldChg chg="modNotesTx">
-        <pc:chgData name="Mitchell Wand" userId="de9b44c55c049659" providerId="LiveId" clId="{5F788236-F622-4F92-81A2-AAB773A767CB}" dt="2022-09-20T17:29:13.896" v="184" actId="20577"/>
-        <pc:sldMkLst>
-          <pc:docMk/>
-          <pc:sldMk cId="966027799" sldId="514"/>
-        </pc:sldMkLst>
-      </pc:sldChg>
-      <pc:sldChg chg="addSp modSp new mod modNotesTx">
-        <pc:chgData name="Mitchell Wand" userId="de9b44c55c049659" providerId="LiveId" clId="{5F788236-F622-4F92-81A2-AAB773A767CB}" dt="2022-09-20T18:38:28.835" v="671" actId="20577"/>
-        <pc:sldMkLst>
-          <pc:docMk/>
-          <pc:sldMk cId="3573365039" sldId="557"/>
-        </pc:sldMkLst>
-        <pc:spChg chg="mod">
-          <ac:chgData name="Mitchell Wand" userId="de9b44c55c049659" providerId="LiveId" clId="{5F788236-F622-4F92-81A2-AAB773A767CB}" dt="2022-09-20T18:38:28.835" v="671" actId="20577"/>
-          <ac:spMkLst>
-            <pc:docMk/>
-            <pc:sldMk cId="3573365039" sldId="557"/>
-            <ac:spMk id="2" creationId="{4AB7B9C2-5D09-C319-491E-9E97079CFA3D}"/>
-          </ac:spMkLst>
-        </pc:spChg>
-        <pc:spChg chg="mod">
-          <ac:chgData name="Mitchell Wand" userId="de9b44c55c049659" providerId="LiveId" clId="{5F788236-F622-4F92-81A2-AAB773A767CB}" dt="2022-09-20T18:34:42.701" v="281"/>
-          <ac:spMkLst>
-            <pc:docMk/>
-            <pc:sldMk cId="3573365039" sldId="557"/>
-            <ac:spMk id="3" creationId="{E95A29C5-3A07-008B-EE77-48C8F818925D}"/>
-          </ac:spMkLst>
-        </pc:spChg>
-        <pc:spChg chg="add mod">
-          <ac:chgData name="Mitchell Wand" userId="de9b44c55c049659" providerId="LiveId" clId="{5F788236-F622-4F92-81A2-AAB773A767CB}" dt="2022-09-20T18:36:09.157" v="308" actId="6549"/>
-          <ac:spMkLst>
-            <pc:docMk/>
-            <pc:sldMk cId="3573365039" sldId="557"/>
-            <ac:spMk id="6" creationId="{D7EEA937-36F0-3A62-61A1-D81A0C7A205D}"/>
-          </ac:spMkLst>
-        </pc:spChg>
       </pc:sldChg>
     </pc:docChg>
   </pc:docChgLst>
@@ -1054,6 +1000,60 @@
           <pc:docMk/>
           <pc:sldMk cId="1831664636" sldId="580"/>
         </pc:sldMkLst>
+      </pc:sldChg>
+    </pc:docChg>
+  </pc:docChgLst>
+  <pc:docChgLst>
+    <pc:chgData name="Mitchell Wand" userId="de9b44c55c049659" providerId="LiveId" clId="{5F788236-F622-4F92-81A2-AAB773A767CB}"/>
+    <pc:docChg chg="undo custSel addSld modSld">
+      <pc:chgData name="Mitchell Wand" userId="de9b44c55c049659" providerId="LiveId" clId="{5F788236-F622-4F92-81A2-AAB773A767CB}" dt="2022-09-20T18:38:28.835" v="671" actId="20577"/>
+      <pc:docMkLst>
+        <pc:docMk/>
+      </pc:docMkLst>
+      <pc:sldChg chg="modNotesTx">
+        <pc:chgData name="Mitchell Wand" userId="de9b44c55c049659" providerId="LiveId" clId="{5F788236-F622-4F92-81A2-AAB773A767CB}" dt="2022-09-20T17:28:28.152" v="82" actId="20577"/>
+        <pc:sldMkLst>
+          <pc:docMk/>
+          <pc:sldMk cId="0" sldId="262"/>
+        </pc:sldMkLst>
+      </pc:sldChg>
+      <pc:sldChg chg="modNotesTx">
+        <pc:chgData name="Mitchell Wand" userId="de9b44c55c049659" providerId="LiveId" clId="{5F788236-F622-4F92-81A2-AAB773A767CB}" dt="2022-09-20T17:29:13.896" v="184" actId="20577"/>
+        <pc:sldMkLst>
+          <pc:docMk/>
+          <pc:sldMk cId="966027799" sldId="514"/>
+        </pc:sldMkLst>
+      </pc:sldChg>
+      <pc:sldChg chg="addSp modSp new mod modNotesTx">
+        <pc:chgData name="Mitchell Wand" userId="de9b44c55c049659" providerId="LiveId" clId="{5F788236-F622-4F92-81A2-AAB773A767CB}" dt="2022-09-20T18:38:28.835" v="671" actId="20577"/>
+        <pc:sldMkLst>
+          <pc:docMk/>
+          <pc:sldMk cId="3573365039" sldId="557"/>
+        </pc:sldMkLst>
+        <pc:spChg chg="mod">
+          <ac:chgData name="Mitchell Wand" userId="de9b44c55c049659" providerId="LiveId" clId="{5F788236-F622-4F92-81A2-AAB773A767CB}" dt="2022-09-20T18:38:28.835" v="671" actId="20577"/>
+          <ac:spMkLst>
+            <pc:docMk/>
+            <pc:sldMk cId="3573365039" sldId="557"/>
+            <ac:spMk id="2" creationId="{4AB7B9C2-5D09-C319-491E-9E97079CFA3D}"/>
+          </ac:spMkLst>
+        </pc:spChg>
+        <pc:spChg chg="mod">
+          <ac:chgData name="Mitchell Wand" userId="de9b44c55c049659" providerId="LiveId" clId="{5F788236-F622-4F92-81A2-AAB773A767CB}" dt="2022-09-20T18:34:42.701" v="281"/>
+          <ac:spMkLst>
+            <pc:docMk/>
+            <pc:sldMk cId="3573365039" sldId="557"/>
+            <ac:spMk id="3" creationId="{E95A29C5-3A07-008B-EE77-48C8F818925D}"/>
+          </ac:spMkLst>
+        </pc:spChg>
+        <pc:spChg chg="add mod">
+          <ac:chgData name="Mitchell Wand" userId="de9b44c55c049659" providerId="LiveId" clId="{5F788236-F622-4F92-81A2-AAB773A767CB}" dt="2022-09-20T18:36:09.157" v="308" actId="6549"/>
+          <ac:spMkLst>
+            <pc:docMk/>
+            <pc:sldMk cId="3573365039" sldId="557"/>
+            <ac:spMk id="6" creationId="{D7EEA937-36F0-3A62-61A1-D81A0C7A205D}"/>
+          </ac:spMkLst>
+        </pc:spChg>
       </pc:sldChg>
     </pc:docChg>
   </pc:docChgLst>
@@ -2859,14 +2859,17 @@
           <a:bodyPr/>
           <a:lstStyle/>
           <a:p>
-            <a:endParaRPr lang="en-US" dirty="0"/>
+            <a:r>
+              <a:rPr lang="en-US" dirty="0"/>
+              <a:t>Here, the caller waits for each request to finish before starting the next one.</a:t>
+            </a:r>
           </a:p>
         </p:txBody>
       </p:sp>
     </p:spTree>
     <p:extLst>
       <p:ext uri="{BB962C8B-B14F-4D97-AF65-F5344CB8AC3E}">
-        <p14:creationId xmlns:p14="http://schemas.microsoft.com/office/powerpoint/2010/main" val="3451085426"/>
+        <p14:creationId xmlns:p14="http://schemas.microsoft.com/office/powerpoint/2010/main" val="2293380916"/>
       </p:ext>
     </p:extLst>
   </p:cSld>
@@ -2922,16 +2925,7 @@
           <a:p>
             <a:r>
               <a:rPr lang="en-US" dirty="0"/>
-              <a:t>We should leverage concurrency whenever possible. </a:t>
-            </a:r>
-          </a:p>
-          <a:p>
-            <a:endParaRPr lang="en-US" dirty="0"/>
-          </a:p>
-          <a:p>
-            <a:r>
-              <a:rPr lang="en-US" dirty="0"/>
-              <a:t>(Time is average of 100 runs on Prof. Wand’s Lenovo X1)</a:t>
+              <a:t>In previous examples, promised were returned (but there were implied or implicit). Now you can clearly see them and store them</a:t>
             </a:r>
           </a:p>
         </p:txBody>
@@ -2939,7 +2933,7 @@
     </p:spTree>
     <p:extLst>
       <p:ext uri="{BB962C8B-B14F-4D97-AF65-F5344CB8AC3E}">
-        <p14:creationId xmlns:p14="http://schemas.microsoft.com/office/powerpoint/2010/main" val="2468432417"/>
+        <p14:creationId xmlns:p14="http://schemas.microsoft.com/office/powerpoint/2010/main" val="4173860277"/>
       </p:ext>
     </p:extLst>
   </p:cSld>
@@ -2994,58 +2988,12 @@
           <a:lstStyle/>
           <a:p>
             <a:r>
+              <a:rPr lang="en-US" dirty="0" err="1"/>
+              <a:t>Promise.all</a:t>
+            </a:r>
+            <a:r>
               <a:rPr lang="en-US" dirty="0"/>
-              <a:t>Concurrency lets us mask latency. </a:t>
-            </a:r>
-          </a:p>
-          <a:p>
-            <a:endParaRPr lang="en-US" dirty="0"/>
-          </a:p>
-          <a:p>
-            <a:r>
-              <a:rPr lang="en-US" dirty="0"/>
-              <a:t>Well-written asynchronous code leverages concurrency when possible.</a:t>
-            </a:r>
-          </a:p>
-          <a:p>
-            <a:r>
-              <a:rPr lang="en-US" dirty="0"/>
-              <a:t>If you have a bunch of things that can be done at the same time, say, making 3 requests to servers, and you don’t care the order in which those requests are made, then do not write code that enforces any ordering. The example on the right will produce output that might have a different order than the one on the left, but if we are OK with that, we can mask how slow that I/O is by doing things concurrently.</a:t>
-            </a:r>
-          </a:p>
-          <a:p>
-            <a:endParaRPr lang="en-US" dirty="0"/>
-          </a:p>
-          <a:p>
-            <a:r>
-              <a:rPr lang="en-US" dirty="0"/>
-              <a:t>(Click through builds to see the sequence of operations. The * stands in for </a:t>
-            </a:r>
-            <a:r>
-              <a:rPr lang="en-US" dirty="0" err="1"/>
-              <a:t>console.log</a:t>
-            </a:r>
-            <a:r>
-              <a:rPr lang="en-US" dirty="0"/>
-              <a:t>, boxes are not to-scale. Notice how on the concurrent one the results got printed as 3,2,1.</a:t>
-            </a:r>
-          </a:p>
-          <a:p>
-            <a:endParaRPr lang="en-US" dirty="0"/>
-          </a:p>
-          <a:p>
-            <a:r>
-              <a:rPr lang="en-US" dirty="0"/>
-              <a:t>In this simple example the performance difference is a small absolute number (130msec), but another way of saying it is that the code on the left is 2.5x slower!</a:t>
-            </a:r>
-          </a:p>
-          <a:p>
-            <a:endParaRPr lang="en-US" dirty="0"/>
-          </a:p>
-          <a:p>
-            <a:r>
-              <a:rPr lang="en-US" dirty="0"/>
-              <a:t>If you had more concurrent requests to make (say 10 instead of 3), then losing the latency is a bigger loss: 105 vs. 694 msecs:  a 7x difference!!</a:t>
+              <a:t> allows you to block some process until ALL of the promises are satisfied.</a:t>
             </a:r>
           </a:p>
         </p:txBody>
@@ -3053,7 +3001,7 @@
     </p:spTree>
     <p:extLst>
       <p:ext uri="{BB962C8B-B14F-4D97-AF65-F5344CB8AC3E}">
-        <p14:creationId xmlns:p14="http://schemas.microsoft.com/office/powerpoint/2010/main" val="3672567741"/>
+        <p14:creationId xmlns:p14="http://schemas.microsoft.com/office/powerpoint/2010/main" val="3451085426"/>
       </p:ext>
     </p:extLst>
   </p:cSld>
@@ -3107,14 +3055,26 @@
           <a:bodyPr/>
           <a:lstStyle/>
           <a:p>
+            <a:r>
+              <a:rPr lang="en-US" dirty="0"/>
+              <a:t>We should leverage concurrency whenever possible. </a:t>
+            </a:r>
+          </a:p>
+          <a:p>
             <a:endParaRPr lang="en-US" dirty="0"/>
+          </a:p>
+          <a:p>
+            <a:r>
+              <a:rPr lang="en-US" dirty="0"/>
+              <a:t>(Time is average of 100 runs on Prof. Wand’s Lenovo X1)</a:t>
+            </a:r>
           </a:p>
         </p:txBody>
       </p:sp>
     </p:spTree>
     <p:extLst>
       <p:ext uri="{BB962C8B-B14F-4D97-AF65-F5344CB8AC3E}">
-        <p14:creationId xmlns:p14="http://schemas.microsoft.com/office/powerpoint/2010/main" val="993467052"/>
+        <p14:creationId xmlns:p14="http://schemas.microsoft.com/office/powerpoint/2010/main" val="2468432417"/>
       </p:ext>
     </p:extLst>
   </p:cSld>
@@ -3170,23 +3130,22 @@
           <a:p>
             <a:r>
               <a:rPr lang="en-US" dirty="0"/>
-              <a:t>To test an async function, make the second argument to ‘</a:t>
-            </a:r>
-            <a:r>
-              <a:rPr lang="en-US" b="1" dirty="0"/>
-              <a:t>test</a:t>
-            </a:r>
+              <a:t>Concurrency lets us mask latency. </a:t>
+            </a:r>
+          </a:p>
+          <a:p>
+            <a:endParaRPr lang="en-US" dirty="0"/>
+          </a:p>
+          <a:p>
             <a:r>
               <a:rPr lang="en-US" dirty="0"/>
-              <a:t>’ an async function.  This will make ‘</a:t>
-            </a:r>
-            <a:r>
-              <a:rPr lang="en-US" b="1" dirty="0"/>
-              <a:t>expect</a:t>
-            </a:r>
+              <a:t>Well-written asynchronous code leverages concurrency when possible.</a:t>
+            </a:r>
+          </a:p>
+          <a:p>
             <a:r>
               <a:rPr lang="en-US" dirty="0"/>
-              <a:t>’ itself an async function, so you will need to ‘await’ its result.  </a:t>
+              <a:t>If you have a bunch of things that can be done at the same time, say, making 3 requests to servers, and you don’t care the order in which those requests are made, then do not write code that enforces any ordering. The example on the right will produce output that might have a different order than the one on the left, but if we are OK with that, we can mask how slow that I/O is by doing things concurrently.</a:t>
             </a:r>
           </a:p>
           <a:p>
@@ -3195,23 +3154,24 @@
           <a:p>
             <a:r>
               <a:rPr lang="en-US" dirty="0"/>
-              <a:t>Here, </a:t>
-            </a:r>
-            <a:r>
-              <a:rPr lang="en-US" b="1" dirty="0"/>
-              <a:t>echo</a:t>
+              <a:t>(Click through builds to see the sequence of operations. The * stands in for </a:t>
+            </a:r>
+            <a:r>
+              <a:rPr lang="en-US" dirty="0" err="1"/>
+              <a:t>console.log</a:t>
             </a:r>
             <a:r>
               <a:rPr lang="en-US" dirty="0"/>
-              <a:t> is an async function, so it returns a promise, which should eventually return a string (here “33”) to the async function that called it (here, the </a:t>
-            </a:r>
-            <a:r>
-              <a:rPr lang="en-US" b="1" dirty="0"/>
-              <a:t>expect</a:t>
-            </a:r>
+              <a:t>, boxes are not to-scale. Notice how on the concurrent one the results got printed as 3,2,1.</a:t>
+            </a:r>
+          </a:p>
+          <a:p>
+            <a:endParaRPr lang="en-US" dirty="0"/>
+          </a:p>
+          <a:p>
             <a:r>
               <a:rPr lang="en-US" dirty="0"/>
-              <a:t>).  So here we are saying that we expect echo(33) to return a promise that will eventually resolve to “33”.</a:t>
+              <a:t>In this simple example the performance difference is a small absolute number (130msec), but another way of saying it is that the code on the left is 2.5x slower!</a:t>
             </a:r>
           </a:p>
           <a:p>
@@ -3220,27 +3180,7 @@
           <a:p>
             <a:r>
               <a:rPr lang="en-US" dirty="0"/>
-              <a:t>Note the await on the next to last line.  If you leave that out, the async function in the test will succeed immediately, without waiting for the expect to run.   The </a:t>
-            </a:r>
-            <a:r>
-              <a:rPr lang="en-US" b="1" dirty="0" err="1"/>
-              <a:t>expect.assertions</a:t>
-            </a:r>
-            <a:r>
-              <a:rPr lang="en-US" b="1" dirty="0"/>
-              <a:t> </a:t>
-            </a:r>
-            <a:r>
-              <a:rPr lang="en-US" dirty="0"/>
-              <a:t>(in blue) tells Jest that the test should run exactly 1 test, so that will make the test fail if you leave out the </a:t>
-            </a:r>
-            <a:r>
-              <a:rPr lang="en-US" b="1" dirty="0"/>
-              <a:t>await</a:t>
-            </a:r>
-            <a:r>
-              <a:rPr lang="en-US" dirty="0"/>
-              <a:t>.</a:t>
+              <a:t>If you had more concurrent requests to make (say 10 instead of 3), then losing the latency is a bigger loss: 105 vs. 694 msecs:  a 7x difference!!</a:t>
             </a:r>
           </a:p>
         </p:txBody>
@@ -3248,7 +3188,7 @@
     </p:spTree>
     <p:extLst>
       <p:ext uri="{BB962C8B-B14F-4D97-AF65-F5344CB8AC3E}">
-        <p14:creationId xmlns:p14="http://schemas.microsoft.com/office/powerpoint/2010/main" val="2346919348"/>
+        <p14:creationId xmlns:p14="http://schemas.microsoft.com/office/powerpoint/2010/main" val="3672567741"/>
       </p:ext>
     </p:extLst>
   </p:cSld>
@@ -3302,84 +3242,6 @@
           <a:bodyPr/>
           <a:lstStyle/>
           <a:p>
-            <a:pPr marL="0" marR="0" lvl="0" indent="0" algn="l" defTabSz="228600" eaLnBrk="1" fontAlgn="auto" latinLnBrk="0" hangingPunct="1">
-              <a:lnSpc>
-                <a:spcPct val="117999"/>
-              </a:lnSpc>
-              <a:spcBef>
-                <a:spcPts val="0"/>
-              </a:spcBef>
-              <a:spcAft>
-                <a:spcPts val="0"/>
-              </a:spcAft>
-              <a:buClrTx/>
-              <a:buSzTx/>
-              <a:buFontTx/>
-              <a:buNone/>
-              <a:tabLst/>
-              <a:defRPr/>
-            </a:pPr>
-            <a:r>
-              <a:rPr lang="en-US" dirty="0"/>
-              <a:t>(Read slide, these points summarize past few slides, adding the note that if you have concurrency, you have concurrency)</a:t>
-            </a:r>
-            <a:r>
-              <a:rPr lang="en-US" sz="1100" b="1" dirty="0">
-                <a:solidFill>
-                  <a:schemeClr val="tx1"/>
-                </a:solidFill>
-                <a:latin typeface="Ink Free" panose="03080402000500000000" pitchFamily="66" charset="0"/>
-              </a:rPr>
-              <a:t> </a:t>
-            </a:r>
-          </a:p>
-          <a:p>
-            <a:pPr marL="0" marR="0" lvl="0" indent="0" algn="l" defTabSz="228600" eaLnBrk="1" fontAlgn="auto" latinLnBrk="0" hangingPunct="1">
-              <a:lnSpc>
-                <a:spcPct val="117999"/>
-              </a:lnSpc>
-              <a:spcBef>
-                <a:spcPts val="0"/>
-              </a:spcBef>
-              <a:spcAft>
-                <a:spcPts val="0"/>
-              </a:spcAft>
-              <a:buClrTx/>
-              <a:buSzTx/>
-              <a:buFontTx/>
-              <a:buNone/>
-              <a:tabLst/>
-              <a:defRPr/>
-            </a:pPr>
-            <a:r>
-              <a:rPr lang="en-US" sz="1100" b="0" dirty="0">
-                <a:solidFill>
-                  <a:schemeClr val="tx1"/>
-                </a:solidFill>
-                <a:latin typeface="Ink Free" panose="03080402000500000000" pitchFamily="66" charset="0"/>
-              </a:rPr>
-              <a:t>Remember that we broke up </a:t>
-            </a:r>
-            <a:r>
-              <a:rPr lang="en-US" sz="1100" b="0" dirty="0" err="1">
-                <a:solidFill>
-                  <a:schemeClr val="tx1"/>
-                </a:solidFill>
-                <a:latin typeface="Ink Free" panose="03080402000500000000" pitchFamily="66" charset="0"/>
-              </a:rPr>
-              <a:t>asyncProcessStudent</a:t>
-            </a:r>
-            <a:r>
-              <a:rPr lang="en-US" sz="1100" b="0" dirty="0">
-                <a:solidFill>
-                  <a:schemeClr val="tx1"/>
-                </a:solidFill>
-                <a:latin typeface="Ink Free" panose="03080402000500000000" pitchFamily="66" charset="0"/>
-              </a:rPr>
-              <a:t> to give other processes a chance to run; that was an example of the second bullet.</a:t>
-            </a:r>
-          </a:p>
-          <a:p>
             <a:endParaRPr lang="en-US" dirty="0"/>
           </a:p>
         </p:txBody>
@@ -3387,7 +3249,7 @@
     </p:spTree>
     <p:extLst>
       <p:ext uri="{BB962C8B-B14F-4D97-AF65-F5344CB8AC3E}">
-        <p14:creationId xmlns:p14="http://schemas.microsoft.com/office/powerpoint/2010/main" val="358283542"/>
+        <p14:creationId xmlns:p14="http://schemas.microsoft.com/office/powerpoint/2010/main" val="993467052"/>
       </p:ext>
     </p:extLst>
   </p:cSld>
@@ -3443,7 +3305,77 @@
           <a:p>
             <a:r>
               <a:rPr lang="en-US" dirty="0"/>
-              <a:t>Promises </a:t>
+              <a:t>To test an async function, make the second argument to ‘</a:t>
+            </a:r>
+            <a:r>
+              <a:rPr lang="en-US" b="1" dirty="0"/>
+              <a:t>test</a:t>
+            </a:r>
+            <a:r>
+              <a:rPr lang="en-US" dirty="0"/>
+              <a:t>’ an async function.  This will make ‘</a:t>
+            </a:r>
+            <a:r>
+              <a:rPr lang="en-US" b="1" dirty="0"/>
+              <a:t>expect</a:t>
+            </a:r>
+            <a:r>
+              <a:rPr lang="en-US" dirty="0"/>
+              <a:t>’ itself an async function, so you will need to ‘await’ its result.  </a:t>
+            </a:r>
+          </a:p>
+          <a:p>
+            <a:endParaRPr lang="en-US" dirty="0"/>
+          </a:p>
+          <a:p>
+            <a:r>
+              <a:rPr lang="en-US" dirty="0"/>
+              <a:t>Here, </a:t>
+            </a:r>
+            <a:r>
+              <a:rPr lang="en-US" b="1" dirty="0"/>
+              <a:t>echo</a:t>
+            </a:r>
+            <a:r>
+              <a:rPr lang="en-US" dirty="0"/>
+              <a:t> is an async function, so it returns a promise, which should eventually return a string (here “33”) to the async function that called it (here, the </a:t>
+            </a:r>
+            <a:r>
+              <a:rPr lang="en-US" b="1" dirty="0"/>
+              <a:t>expect</a:t>
+            </a:r>
+            <a:r>
+              <a:rPr lang="en-US" dirty="0"/>
+              <a:t>).  So here we are saying that we expect echo(33) to return a promise that will eventually resolve to “33”.</a:t>
+            </a:r>
+          </a:p>
+          <a:p>
+            <a:endParaRPr lang="en-US" dirty="0"/>
+          </a:p>
+          <a:p>
+            <a:r>
+              <a:rPr lang="en-US" dirty="0"/>
+              <a:t>Note the await on the next to last line.  If you leave that out, the async function in the test will succeed immediately, without waiting for the expect to run.   The </a:t>
+            </a:r>
+            <a:r>
+              <a:rPr lang="en-US" b="1" dirty="0" err="1"/>
+              <a:t>expect.assertions</a:t>
+            </a:r>
+            <a:r>
+              <a:rPr lang="en-US" b="1" dirty="0"/>
+              <a:t> </a:t>
+            </a:r>
+            <a:r>
+              <a:rPr lang="en-US" dirty="0"/>
+              <a:t>(in blue) tells Jest that the test should run exactly 1 test, so that will make the test fail if you leave out the </a:t>
+            </a:r>
+            <a:r>
+              <a:rPr lang="en-US" b="1" dirty="0"/>
+              <a:t>await</a:t>
+            </a:r>
+            <a:r>
+              <a:rPr lang="en-US" dirty="0"/>
+              <a:t>.</a:t>
             </a:r>
           </a:p>
         </p:txBody>
@@ -3451,7 +3383,7 @@
     </p:spTree>
     <p:extLst>
       <p:ext uri="{BB962C8B-B14F-4D97-AF65-F5344CB8AC3E}">
-        <p14:creationId xmlns:p14="http://schemas.microsoft.com/office/powerpoint/2010/main" val="1096998824"/>
+        <p14:creationId xmlns:p14="http://schemas.microsoft.com/office/powerpoint/2010/main" val="2346919348"/>
       </p:ext>
     </p:extLst>
   </p:cSld>
@@ -3505,42 +3437,92 @@
           <a:bodyPr/>
           <a:lstStyle/>
           <a:p>
+            <a:pPr marL="0" marR="0" lvl="0" indent="0" algn="l" defTabSz="228600" eaLnBrk="1" fontAlgn="auto" latinLnBrk="0" hangingPunct="1">
+              <a:lnSpc>
+                <a:spcPct val="117999"/>
+              </a:lnSpc>
+              <a:spcBef>
+                <a:spcPts val="0"/>
+              </a:spcBef>
+              <a:spcAft>
+                <a:spcPts val="0"/>
+              </a:spcAft>
+              <a:buClrTx/>
+              <a:buSzTx/>
+              <a:buFontTx/>
+              <a:buNone/>
+              <a:tabLst/>
+              <a:defRPr/>
+            </a:pPr>
             <a:r>
               <a:rPr lang="en-US" dirty="0"/>
-              <a:t>Promises enforce the order of operations only through the .then. The code in the ‘then’ won’t run until the promise is resolved.</a:t>
-            </a:r>
-          </a:p>
-          <a:p>
-            <a:br>
-              <a:rPr lang="en-US" dirty="0"/>
-            </a:br>
-            <a:r>
-              <a:rPr lang="en-US" dirty="0"/>
-              <a:t>(build through example, explaining the possible orders of results. Point out that we should never depend on the order of results we hear back form google/</a:t>
-            </a:r>
-            <a:r>
-              <a:rPr lang="en-US" dirty="0" err="1"/>
-              <a:t>facebook</a:t>
-            </a:r>
-            <a:r>
-              <a:rPr lang="en-US" dirty="0"/>
-              <a:t>/</a:t>
-            </a:r>
-            <a:r>
-              <a:rPr lang="en-US" dirty="0" err="1"/>
-              <a:t>coveytown</a:t>
-            </a:r>
-            <a:r>
-              <a:rPr lang="en-US" dirty="0"/>
-              <a:t> because it is non-deterministic. You might happen to see 9/10 times one ordering, but there is no guarantee)</a:t>
-            </a:r>
+              <a:t>(Read slide, these points summarize past few slides, adding the note that if you have concurrency, you have concurrency)</a:t>
+            </a:r>
+            <a:r>
+              <a:rPr lang="en-US" sz="1100" b="1" dirty="0">
+                <a:solidFill>
+                  <a:schemeClr val="tx1"/>
+                </a:solidFill>
+                <a:latin typeface="Ink Free" panose="03080402000500000000" pitchFamily="66" charset="0"/>
+              </a:rPr>
+              <a:t> </a:t>
+            </a:r>
+          </a:p>
+          <a:p>
+            <a:pPr marL="0" marR="0" lvl="0" indent="0" algn="l" defTabSz="228600" eaLnBrk="1" fontAlgn="auto" latinLnBrk="0" hangingPunct="1">
+              <a:lnSpc>
+                <a:spcPct val="117999"/>
+              </a:lnSpc>
+              <a:spcBef>
+                <a:spcPts val="0"/>
+              </a:spcBef>
+              <a:spcAft>
+                <a:spcPts val="0"/>
+              </a:spcAft>
+              <a:buClrTx/>
+              <a:buSzTx/>
+              <a:buFontTx/>
+              <a:buNone/>
+              <a:tabLst/>
+              <a:defRPr/>
+            </a:pPr>
+            <a:r>
+              <a:rPr lang="en-US" sz="1100" b="0" dirty="0">
+                <a:solidFill>
+                  <a:schemeClr val="tx1"/>
+                </a:solidFill>
+                <a:latin typeface="Ink Free" panose="03080402000500000000" pitchFamily="66" charset="0"/>
+              </a:rPr>
+              <a:t>Remember that we broke up </a:t>
+            </a:r>
+            <a:r>
+              <a:rPr lang="en-US" sz="1100" b="0" dirty="0" err="1">
+                <a:solidFill>
+                  <a:schemeClr val="tx1"/>
+                </a:solidFill>
+                <a:latin typeface="Ink Free" panose="03080402000500000000" pitchFamily="66" charset="0"/>
+              </a:rPr>
+              <a:t>asyncProcessStudent</a:t>
+            </a:r>
+            <a:r>
+              <a:rPr lang="en-US" sz="1100" b="0" dirty="0">
+                <a:solidFill>
+                  <a:schemeClr val="tx1"/>
+                </a:solidFill>
+                <a:latin typeface="Ink Free" panose="03080402000500000000" pitchFamily="66" charset="0"/>
+              </a:rPr>
+              <a:t> to give other processes a chance to run; that was an example of the second bullet.</a:t>
+            </a:r>
+          </a:p>
+          <a:p>
+            <a:endParaRPr lang="en-US" dirty="0"/>
           </a:p>
         </p:txBody>
       </p:sp>
     </p:spTree>
     <p:extLst>
       <p:ext uri="{BB962C8B-B14F-4D97-AF65-F5344CB8AC3E}">
-        <p14:creationId xmlns:p14="http://schemas.microsoft.com/office/powerpoint/2010/main" val="939291855"/>
+        <p14:creationId xmlns:p14="http://schemas.microsoft.com/office/powerpoint/2010/main" val="358283542"/>
       </p:ext>
     </p:extLst>
   </p:cSld>
@@ -3596,37 +3578,15 @@
           <a:p>
             <a:r>
               <a:rPr lang="en-US" dirty="0"/>
-              <a:t>You can still have a data race with async await.   Here the printed value of x depends on which of the two promises returns first:  if </a:t>
-            </a:r>
-            <a:r>
-              <a:rPr lang="en-US" dirty="0" err="1"/>
-              <a:t>asyncDouble</a:t>
-            </a:r>
-            <a:r>
-              <a:rPr lang="en-US" dirty="0"/>
-              <a:t> returns first, then the result will be 22 (10*2 + 1 + 1).  If </a:t>
-            </a:r>
-            <a:r>
-              <a:rPr lang="en-US" dirty="0" err="1"/>
-              <a:t>asyncIncrementTwice</a:t>
-            </a:r>
-            <a:r>
-              <a:rPr lang="en-US" dirty="0"/>
-              <a:t> returns first, then the result will be 24 (10+1+1)*2 .</a:t>
-            </a:r>
-          </a:p>
-          <a:p>
-            <a:endParaRPr lang="en-US" dirty="0"/>
-          </a:p>
-          <a:p>
-            <a:endParaRPr lang="en-US" dirty="0"/>
+              <a:t>Promises </a:t>
+            </a:r>
           </a:p>
         </p:txBody>
       </p:sp>
     </p:spTree>
     <p:extLst>
       <p:ext uri="{BB962C8B-B14F-4D97-AF65-F5344CB8AC3E}">
-        <p14:creationId xmlns:p14="http://schemas.microsoft.com/office/powerpoint/2010/main" val="3094308994"/>
+        <p14:creationId xmlns:p14="http://schemas.microsoft.com/office/powerpoint/2010/main" val="1096998824"/>
       </p:ext>
     </p:extLst>
   </p:cSld>
@@ -3681,111 +3641,41 @@
           <a:lstStyle/>
           <a:p>
             <a:r>
-              <a:rPr lang="en-US" b="0" dirty="0">
-                <a:solidFill>
-                  <a:srgbClr val="008000"/>
-                </a:solidFill>
-                <a:effectLst/>
-                <a:latin typeface="Consolas" panose="020B0609020204030204" pitchFamily="49" charset="0"/>
-              </a:rPr>
-              <a:t>In an interrupt-based model, it is possible that statement 1 runs *BETWEEN*</a:t>
-            </a:r>
-            <a:endParaRPr lang="en-US" b="0" dirty="0">
-              <a:solidFill>
-                <a:srgbClr val="000000"/>
-              </a:solidFill>
-              <a:effectLst/>
-              <a:latin typeface="Consolas" panose="020B0609020204030204" pitchFamily="49" charset="0"/>
-            </a:endParaRPr>
-          </a:p>
-          <a:p>
-            <a:r>
-              <a:rPr lang="en-US" b="0" dirty="0">
-                <a:solidFill>
-                  <a:srgbClr val="008000"/>
-                </a:solidFill>
-                <a:effectLst/>
-                <a:latin typeface="Consolas" panose="020B0609020204030204" pitchFamily="49" charset="0"/>
-              </a:rPr>
-              <a:t>statement 2 and statement 3, yielding the order of execution</a:t>
-            </a:r>
-            <a:endParaRPr lang="en-US" b="0" dirty="0">
-              <a:solidFill>
-                <a:srgbClr val="000000"/>
-              </a:solidFill>
-              <a:effectLst/>
-              <a:latin typeface="Consolas" panose="020B0609020204030204" pitchFamily="49" charset="0"/>
-            </a:endParaRPr>
-          </a:p>
-          <a:p>
-            <a:r>
-              <a:rPr lang="en-US" b="0" dirty="0">
-                <a:solidFill>
-                  <a:srgbClr val="008000"/>
-                </a:solidFill>
-                <a:effectLst/>
-                <a:latin typeface="Consolas" panose="020B0609020204030204" pitchFamily="49" charset="0"/>
-              </a:rPr>
-              <a:t>2,1,3  (final value of x is 25).</a:t>
-            </a:r>
-          </a:p>
-          <a:p>
-            <a:endParaRPr lang="en-US" b="0" dirty="0">
-              <a:solidFill>
-                <a:srgbClr val="008000"/>
-              </a:solidFill>
-              <a:effectLst/>
-              <a:latin typeface="Consolas" panose="020B0609020204030204" pitchFamily="49" charset="0"/>
-            </a:endParaRPr>
-          </a:p>
-          <a:p>
-            <a:r>
               <a:rPr lang="en-US" dirty="0"/>
-              <a:t>Luckily, in Typescript run-to-completion semantics, it is much harder to have an accidental data race– you pretty much have to work to create one.</a:t>
-            </a:r>
-          </a:p>
-          <a:p>
-            <a:endParaRPr lang="en-US" dirty="0"/>
-          </a:p>
-          <a:p>
-            <a:endParaRPr lang="en-US" b="0" dirty="0">
-              <a:solidFill>
-                <a:srgbClr val="000000"/>
-              </a:solidFill>
-              <a:effectLst/>
-              <a:latin typeface="Consolas" panose="020B0609020204030204" pitchFamily="49" charset="0"/>
-            </a:endParaRPr>
+              <a:t>Promises enforce the order of operations only through the .then. The code in the ‘then’ won’t run until the promise is resolved.</a:t>
+            </a:r>
           </a:p>
           <a:p>
             <a:br>
-              <a:rPr lang="en-US" b="0" dirty="0">
-                <a:solidFill>
-                  <a:srgbClr val="000000"/>
-                </a:solidFill>
-                <a:effectLst/>
-                <a:latin typeface="Consolas" panose="020B0609020204030204" pitchFamily="49" charset="0"/>
-              </a:rPr>
+              <a:rPr lang="en-US" dirty="0"/>
             </a:br>
-            <a:endParaRPr lang="en-US" b="0" dirty="0">
-              <a:solidFill>
-                <a:srgbClr val="000000"/>
-              </a:solidFill>
-              <a:effectLst/>
-              <a:latin typeface="Consolas" panose="020B0609020204030204" pitchFamily="49" charset="0"/>
-            </a:endParaRPr>
-          </a:p>
-          <a:p>
-            <a:endParaRPr lang="en-US" dirty="0"/>
-          </a:p>
-          <a:p>
-            <a:endParaRPr lang="en-US" dirty="0"/>
+            <a:r>
+              <a:rPr lang="en-US" dirty="0"/>
+              <a:t>(build through example, explaining the possible orders of results. Point out that we should never depend on the order of results we hear back form google/</a:t>
+            </a:r>
+            <a:r>
+              <a:rPr lang="en-US" dirty="0" err="1"/>
+              <a:t>facebook</a:t>
+            </a:r>
+            <a:r>
+              <a:rPr lang="en-US" dirty="0"/>
+              <a:t>/</a:t>
+            </a:r>
+            <a:r>
+              <a:rPr lang="en-US" dirty="0" err="1"/>
+              <a:t>coveytown</a:t>
+            </a:r>
+            <a:r>
+              <a:rPr lang="en-US" dirty="0"/>
+              <a:t> because it is non-deterministic. You might happen to see 9/10 times one ordering, but there is no guarantee)</a:t>
+            </a:r>
           </a:p>
         </p:txBody>
       </p:sp>
     </p:spTree>
     <p:extLst>
       <p:ext uri="{BB962C8B-B14F-4D97-AF65-F5344CB8AC3E}">
-        <p14:creationId xmlns:p14="http://schemas.microsoft.com/office/powerpoint/2010/main" val="3282751170"/>
+        <p14:creationId xmlns:p14="http://schemas.microsoft.com/office/powerpoint/2010/main" val="939291855"/>
       </p:ext>
     </p:extLst>
   </p:cSld>
@@ -3928,6 +3818,251 @@
           <a:p>
             <a:r>
               <a:rPr lang="en-US" dirty="0"/>
+              <a:t>You can still have a data race with async await.   Here the printed value of x depends on which of the two promises returns first:  if </a:t>
+            </a:r>
+            <a:r>
+              <a:rPr lang="en-US" dirty="0" err="1"/>
+              <a:t>asyncDouble</a:t>
+            </a:r>
+            <a:r>
+              <a:rPr lang="en-US" dirty="0"/>
+              <a:t> returns first, then the result will be 22 (10*2 + 1 + 1).  If </a:t>
+            </a:r>
+            <a:r>
+              <a:rPr lang="en-US" dirty="0" err="1"/>
+              <a:t>asyncIncrementTwice</a:t>
+            </a:r>
+            <a:r>
+              <a:rPr lang="en-US" dirty="0"/>
+              <a:t> returns first, then the result will be 24 (10+1+1)*2 .</a:t>
+            </a:r>
+          </a:p>
+          <a:p>
+            <a:endParaRPr lang="en-US" dirty="0"/>
+          </a:p>
+          <a:p>
+            <a:endParaRPr lang="en-US" dirty="0"/>
+          </a:p>
+        </p:txBody>
+      </p:sp>
+    </p:spTree>
+    <p:extLst>
+      <p:ext uri="{BB962C8B-B14F-4D97-AF65-F5344CB8AC3E}">
+        <p14:creationId xmlns:p14="http://schemas.microsoft.com/office/powerpoint/2010/main" val="3094308994"/>
+      </p:ext>
+    </p:extLst>
+  </p:cSld>
+  <p:clrMapOvr>
+    <a:masterClrMapping/>
+  </p:clrMapOvr>
+</p:notes>
+</file>
+
+<file path=ppt/notesSlides/notesSlide21.xml><?xml version="1.0" encoding="utf-8"?>
+<p:notes xmlns:a="http://schemas.openxmlformats.org/drawingml/2006/main" xmlns:r="http://schemas.openxmlformats.org/officeDocument/2006/relationships" xmlns:p="http://schemas.openxmlformats.org/presentationml/2006/main">
+  <p:cSld>
+    <p:spTree>
+      <p:nvGrpSpPr>
+        <p:cNvPr id="1" name=""/>
+        <p:cNvGrpSpPr/>
+        <p:nvPr/>
+      </p:nvGrpSpPr>
+      <p:grpSpPr>
+        <a:xfrm>
+          <a:off x="0" y="0"/>
+          <a:ext cx="0" cy="0"/>
+          <a:chOff x="0" y="0"/>
+          <a:chExt cx="0" cy="0"/>
+        </a:xfrm>
+      </p:grpSpPr>
+      <p:sp>
+        <p:nvSpPr>
+          <p:cNvPr id="2" name="Slide Image Placeholder 1"/>
+          <p:cNvSpPr>
+            <a:spLocks noGrp="1" noRot="1" noChangeAspect="1"/>
+          </p:cNvSpPr>
+          <p:nvPr>
+            <p:ph type="sldImg"/>
+          </p:nvPr>
+        </p:nvSpPr>
+        <p:spPr/>
+      </p:sp>
+      <p:sp>
+        <p:nvSpPr>
+          <p:cNvPr id="3" name="Notes Placeholder 2"/>
+          <p:cNvSpPr>
+            <a:spLocks noGrp="1"/>
+          </p:cNvSpPr>
+          <p:nvPr>
+            <p:ph type="body" idx="1"/>
+          </p:nvPr>
+        </p:nvSpPr>
+        <p:spPr/>
+        <p:txBody>
+          <a:bodyPr/>
+          <a:lstStyle/>
+          <a:p>
+            <a:r>
+              <a:rPr lang="en-US" b="0" dirty="0">
+                <a:solidFill>
+                  <a:srgbClr val="008000"/>
+                </a:solidFill>
+                <a:effectLst/>
+                <a:latin typeface="Consolas" panose="020B0609020204030204" pitchFamily="49" charset="0"/>
+              </a:rPr>
+              <a:t>In an interrupt-based model, it is possible that statement 1 runs *BETWEEN*</a:t>
+            </a:r>
+            <a:endParaRPr lang="en-US" b="0" dirty="0">
+              <a:solidFill>
+                <a:srgbClr val="000000"/>
+              </a:solidFill>
+              <a:effectLst/>
+              <a:latin typeface="Consolas" panose="020B0609020204030204" pitchFamily="49" charset="0"/>
+            </a:endParaRPr>
+          </a:p>
+          <a:p>
+            <a:r>
+              <a:rPr lang="en-US" b="0" dirty="0">
+                <a:solidFill>
+                  <a:srgbClr val="008000"/>
+                </a:solidFill>
+                <a:effectLst/>
+                <a:latin typeface="Consolas" panose="020B0609020204030204" pitchFamily="49" charset="0"/>
+              </a:rPr>
+              <a:t>statement 2 and statement 3, yielding the order of execution</a:t>
+            </a:r>
+            <a:endParaRPr lang="en-US" b="0" dirty="0">
+              <a:solidFill>
+                <a:srgbClr val="000000"/>
+              </a:solidFill>
+              <a:effectLst/>
+              <a:latin typeface="Consolas" panose="020B0609020204030204" pitchFamily="49" charset="0"/>
+            </a:endParaRPr>
+          </a:p>
+          <a:p>
+            <a:r>
+              <a:rPr lang="en-US" b="0" dirty="0">
+                <a:solidFill>
+                  <a:srgbClr val="008000"/>
+                </a:solidFill>
+                <a:effectLst/>
+                <a:latin typeface="Consolas" panose="020B0609020204030204" pitchFamily="49" charset="0"/>
+              </a:rPr>
+              <a:t>2,1,3  (final value of x is 25).</a:t>
+            </a:r>
+          </a:p>
+          <a:p>
+            <a:endParaRPr lang="en-US" b="0" dirty="0">
+              <a:solidFill>
+                <a:srgbClr val="008000"/>
+              </a:solidFill>
+              <a:effectLst/>
+              <a:latin typeface="Consolas" panose="020B0609020204030204" pitchFamily="49" charset="0"/>
+            </a:endParaRPr>
+          </a:p>
+          <a:p>
+            <a:r>
+              <a:rPr lang="en-US" dirty="0"/>
+              <a:t>Luckily, in Typescript run-to-completion semantics, it is much harder to have an accidental data race– you pretty much have to work to create one.</a:t>
+            </a:r>
+          </a:p>
+          <a:p>
+            <a:endParaRPr lang="en-US" dirty="0"/>
+          </a:p>
+          <a:p>
+            <a:endParaRPr lang="en-US" b="0" dirty="0">
+              <a:solidFill>
+                <a:srgbClr val="000000"/>
+              </a:solidFill>
+              <a:effectLst/>
+              <a:latin typeface="Consolas" panose="020B0609020204030204" pitchFamily="49" charset="0"/>
+            </a:endParaRPr>
+          </a:p>
+          <a:p>
+            <a:br>
+              <a:rPr lang="en-US" b="0" dirty="0">
+                <a:solidFill>
+                  <a:srgbClr val="000000"/>
+                </a:solidFill>
+                <a:effectLst/>
+                <a:latin typeface="Consolas" panose="020B0609020204030204" pitchFamily="49" charset="0"/>
+              </a:rPr>
+            </a:br>
+            <a:endParaRPr lang="en-US" b="0" dirty="0">
+              <a:solidFill>
+                <a:srgbClr val="000000"/>
+              </a:solidFill>
+              <a:effectLst/>
+              <a:latin typeface="Consolas" panose="020B0609020204030204" pitchFamily="49" charset="0"/>
+            </a:endParaRPr>
+          </a:p>
+          <a:p>
+            <a:endParaRPr lang="en-US" dirty="0"/>
+          </a:p>
+          <a:p>
+            <a:endParaRPr lang="en-US" dirty="0"/>
+          </a:p>
+        </p:txBody>
+      </p:sp>
+    </p:spTree>
+    <p:extLst>
+      <p:ext uri="{BB962C8B-B14F-4D97-AF65-F5344CB8AC3E}">
+        <p14:creationId xmlns:p14="http://schemas.microsoft.com/office/powerpoint/2010/main" val="3282751170"/>
+      </p:ext>
+    </p:extLst>
+  </p:cSld>
+  <p:clrMapOvr>
+    <a:masterClrMapping/>
+  </p:clrMapOvr>
+</p:notes>
+</file>
+
+<file path=ppt/notesSlides/notesSlide22.xml><?xml version="1.0" encoding="utf-8"?>
+<p:notes xmlns:a="http://schemas.openxmlformats.org/drawingml/2006/main" xmlns:r="http://schemas.openxmlformats.org/officeDocument/2006/relationships" xmlns:p="http://schemas.openxmlformats.org/presentationml/2006/main">
+  <p:cSld>
+    <p:spTree>
+      <p:nvGrpSpPr>
+        <p:cNvPr id="1" name=""/>
+        <p:cNvGrpSpPr/>
+        <p:nvPr/>
+      </p:nvGrpSpPr>
+      <p:grpSpPr>
+        <a:xfrm>
+          <a:off x="0" y="0"/>
+          <a:ext cx="0" cy="0"/>
+          <a:chOff x="0" y="0"/>
+          <a:chExt cx="0" cy="0"/>
+        </a:xfrm>
+      </p:grpSpPr>
+      <p:sp>
+        <p:nvSpPr>
+          <p:cNvPr id="2" name="Slide Image Placeholder 1"/>
+          <p:cNvSpPr>
+            <a:spLocks noGrp="1" noRot="1" noChangeAspect="1"/>
+          </p:cNvSpPr>
+          <p:nvPr>
+            <p:ph type="sldImg"/>
+          </p:nvPr>
+        </p:nvSpPr>
+        <p:spPr/>
+      </p:sp>
+      <p:sp>
+        <p:nvSpPr>
+          <p:cNvPr id="3" name="Notes Placeholder 2"/>
+          <p:cNvSpPr>
+            <a:spLocks noGrp="1"/>
+          </p:cNvSpPr>
+          <p:nvPr>
+            <p:ph type="body" idx="1"/>
+          </p:nvPr>
+        </p:nvSpPr>
+        <p:spPr/>
+        <p:txBody>
+          <a:bodyPr/>
+          <a:lstStyle/>
+          <a:p>
+            <a:r>
+              <a:rPr lang="en-US" dirty="0"/>
               <a:t>We said at the end of the last lecture that making a clock that ticks by itself was easy and that we would learn about it in the next lecture.  Well, here it is.</a:t>
             </a:r>
           </a:p>
@@ -3974,7 +4109,7 @@
 </p:notes>
 </file>
 
-<file path=ppt/notesSlides/notesSlide21.xml><?xml version="1.0" encoding="utf-8"?>
+<file path=ppt/notesSlides/notesSlide23.xml><?xml version="1.0" encoding="utf-8"?>
 <p:notes xmlns:a="http://schemas.openxmlformats.org/drawingml/2006/main" xmlns:r="http://schemas.openxmlformats.org/officeDocument/2006/relationships" xmlns:p="http://schemas.openxmlformats.org/presentationml/2006/main">
   <p:cSld>
     <p:spTree>
@@ -4062,7 +4197,7 @@
 </p:notes>
 </file>
 
-<file path=ppt/notesSlides/notesSlide22.xml><?xml version="1.0" encoding="utf-8"?>
+<file path=ppt/notesSlides/notesSlide24.xml><?xml version="1.0" encoding="utf-8"?>
 <p:notes xmlns:a="http://schemas.openxmlformats.org/drawingml/2006/main" xmlns:r="http://schemas.openxmlformats.org/officeDocument/2006/relationships" xmlns:p="http://schemas.openxmlformats.org/presentationml/2006/main">
   <p:cSld>
     <p:spTree>
@@ -4304,15 +4439,7 @@
             </a:br>
             <a:r>
               <a:rPr lang="en-US" dirty="0"/>
-              <a:t>You might be familiar with this programming model. As it turns out, the “</a:t>
-            </a:r>
-            <a:r>
-              <a:rPr lang="en-US" dirty="0" err="1"/>
-              <a:t>interprocess</a:t>
-            </a:r>
-            <a:r>
-              <a:rPr lang="en-US" dirty="0"/>
-              <a:t> communication by shared memory” part is extremely hard to get right, and almost impossible to prove correct</a:t>
+              <a:t>You might be familiar with this programming model. As it turns out, the “inter-process communication by shared memory” part is extremely hard to get right, and almost impossible to prove correct</a:t>
             </a:r>
           </a:p>
           <a:p>
@@ -4447,14 +4574,17 @@
           <a:bodyPr/>
           <a:lstStyle/>
           <a:p>
-            <a:endParaRPr lang="en-US" dirty="0"/>
+            <a:r>
+              <a:rPr lang="en-US" dirty="0"/>
+              <a:t>The idea that a computation runs until it is either suspended or completed is known as “Run to completion” semantic. JS event handler will not get interrupted and it will continue its work on the current task. This is true even when you create another async task because that async task will not start executing right away. The control will not switch over to any other task.</a:t>
+            </a:r>
           </a:p>
         </p:txBody>
       </p:sp>
     </p:spTree>
     <p:extLst>
       <p:ext uri="{BB962C8B-B14F-4D97-AF65-F5344CB8AC3E}">
-        <p14:creationId xmlns:p14="http://schemas.microsoft.com/office/powerpoint/2010/main" val="710289817"/>
+        <p14:creationId xmlns:p14="http://schemas.microsoft.com/office/powerpoint/2010/main" val="2913262345"/>
       </p:ext>
     </p:extLst>
   </p:cSld>
@@ -4510,39 +4640,39 @@
           <a:p>
             <a:r>
               <a:rPr lang="en-US" dirty="0"/>
-              <a:t>Note:</a:t>
-            </a:r>
-          </a:p>
-          <a:p>
+              <a:t>It is important to note that you can call </a:t>
+            </a:r>
+            <a:r>
+              <a:rPr lang="en-US" dirty="0" err="1"/>
+              <a:t>makeRequest</a:t>
+            </a:r>
             <a:r>
               <a:rPr lang="en-US" dirty="0"/>
-              <a:t>When one request starts, this code proceeds to the next one.</a:t>
-            </a:r>
-          </a:p>
-          <a:p>
+              <a:t> but it will be awaiting a future response (called a promise). That promise was returned immediately back to the caller (whichever thread called the </a:t>
+            </a:r>
+            <a:r>
+              <a:rPr lang="en-US" dirty="0" err="1"/>
+              <a:t>makeRequest</a:t>
+            </a:r>
             <a:r>
               <a:rPr lang="en-US" dirty="0"/>
-              <a:t>The starting process ran to completion: the Console.log executed before the requests.</a:t>
-            </a:r>
-          </a:p>
-          <a:p>
-            <a:endParaRPr lang="en-US" dirty="0"/>
-          </a:p>
-          <a:p>
+              <a:t>) and the important point to remember is that the caller’s thread continues on while </a:t>
+            </a:r>
+            <a:r>
+              <a:rPr lang="en-US" dirty="0" err="1"/>
+              <a:t>makeRequest</a:t>
+            </a:r>
             <a:r>
               <a:rPr lang="en-US" dirty="0"/>
-              <a:t>Transmission is out-of-order:  Request 2 evidently reached the server before Request 1.</a:t>
-            </a:r>
-          </a:p>
-          <a:p>
-            <a:endParaRPr lang="en-US" dirty="0"/>
+              <a:t> is awaiting</a:t>
+            </a:r>
           </a:p>
         </p:txBody>
       </p:sp>
     </p:spTree>
     <p:extLst>
       <p:ext uri="{BB962C8B-B14F-4D97-AF65-F5344CB8AC3E}">
-        <p14:creationId xmlns:p14="http://schemas.microsoft.com/office/powerpoint/2010/main" val="1088576058"/>
+        <p14:creationId xmlns:p14="http://schemas.microsoft.com/office/powerpoint/2010/main" val="710289817"/>
       </p:ext>
     </p:extLst>
   </p:cSld>
@@ -4598,7 +4728,7 @@
           <a:p>
             <a:r>
               <a:rPr lang="en-US" dirty="0"/>
-              <a:t>Here, the caller waits for each request to finish before starting the next one.</a:t>
+              <a:t>Run to completion semantics are shown in this output. Here the main thread continued its execution after making the request. Event handler will NOT switch to any other task until the main thread is completed (or it yields)</a:t>
             </a:r>
           </a:p>
         </p:txBody>
@@ -4606,7 +4736,7 @@
     </p:spTree>
     <p:extLst>
       <p:ext uri="{BB962C8B-B14F-4D97-AF65-F5344CB8AC3E}">
-        <p14:creationId xmlns:p14="http://schemas.microsoft.com/office/powerpoint/2010/main" val="2293380916"/>
+        <p14:creationId xmlns:p14="http://schemas.microsoft.com/office/powerpoint/2010/main" val="1659280304"/>
       </p:ext>
     </p:extLst>
   </p:cSld>
@@ -4660,6 +4790,41 @@
           <a:bodyPr/>
           <a:lstStyle/>
           <a:p>
+            <a:r>
+              <a:rPr lang="en-US" dirty="0"/>
+              <a:t>Note:</a:t>
+            </a:r>
+          </a:p>
+          <a:p>
+            <a:r>
+              <a:rPr lang="en-US" dirty="0"/>
+              <a:t>When one request starts, this code proceeds to the next one. Each request got blocked due to “await” keyword but it returned the control immediately to the calling thread.</a:t>
+            </a:r>
+          </a:p>
+          <a:p>
+            <a:r>
+              <a:rPr lang="en-US" dirty="0"/>
+              <a:t>The starting process (i.., </a:t>
+            </a:r>
+            <a:r>
+              <a:rPr lang="en-US" dirty="0" err="1"/>
+              <a:t>makeThreeSimpleRequests</a:t>
+            </a:r>
+            <a:r>
+              <a:rPr lang="en-US" dirty="0"/>
+              <a:t> method) ran to completion: the Console.log executed before the requests.</a:t>
+            </a:r>
+          </a:p>
+          <a:p>
+            <a:endParaRPr lang="en-US" dirty="0"/>
+          </a:p>
+          <a:p>
+            <a:r>
+              <a:rPr lang="en-US" dirty="0"/>
+              <a:t>Transmission is out-of-order:  Request 2 evidently reached the server before Request 1.</a:t>
+            </a:r>
+          </a:p>
+          <a:p>
             <a:endParaRPr lang="en-US" dirty="0"/>
           </a:p>
         </p:txBody>
@@ -4667,7 +4832,7 @@
     </p:spTree>
     <p:extLst>
       <p:ext uri="{BB962C8B-B14F-4D97-AF65-F5344CB8AC3E}">
-        <p14:creationId xmlns:p14="http://schemas.microsoft.com/office/powerpoint/2010/main" val="4173860277"/>
+        <p14:creationId xmlns:p14="http://schemas.microsoft.com/office/powerpoint/2010/main" val="1088576058"/>
       </p:ext>
     </p:extLst>
   </p:cSld>
@@ -4880,7 +5045,7 @@
                 <a:tabLst/>
                 <a:defRPr/>
               </a:pPr>
-              <a:t>1/17/2023</a:t>
+              <a:t>1/20/2023</a:t>
             </a:fld>
             <a:endParaRPr kumimoji="0" lang="en-US" sz="1200" b="0" i="0" u="none" strike="noStrike" kern="1200" cap="none" spc="0" normalizeH="0" baseline="0" noProof="0">
               <a:ln>
@@ -5364,7 +5529,7 @@
                 <a:tabLst/>
                 <a:defRPr/>
               </a:pPr>
-              <a:t>1/17/2023</a:t>
+              <a:t>1/20/2023</a:t>
             </a:fld>
             <a:endParaRPr kumimoji="0" lang="en-US" sz="1200" b="0" i="0" u="none" strike="noStrike" kern="1200" cap="none" spc="0" normalizeH="0" baseline="0" noProof="0">
               <a:ln>
@@ -5722,7 +5887,7 @@
                 <a:tabLst/>
                 <a:defRPr/>
               </a:pPr>
-              <a:t>1/17/2023</a:t>
+              <a:t>1/20/2023</a:t>
             </a:fld>
             <a:endParaRPr kumimoji="0" lang="en-US" sz="1200" b="0" i="0" u="none" strike="noStrike" kern="1200" cap="none" spc="0" normalizeH="0" baseline="0" noProof="0">
               <a:ln>
@@ -6090,7 +6255,7 @@
                 <a:tabLst/>
                 <a:defRPr/>
               </a:pPr>
-              <a:t>1/17/2023</a:t>
+              <a:t>1/20/2023</a:t>
             </a:fld>
             <a:endParaRPr kumimoji="0" lang="en-US" sz="1200" b="0" i="0" u="none" strike="noStrike" kern="1200" cap="none" spc="0" normalizeH="0" baseline="0" noProof="0">
               <a:ln>
@@ -7056,7 +7221,7 @@
                 <a:tabLst/>
                 <a:defRPr/>
               </a:pPr>
-              <a:t>1/17/2023</a:t>
+              <a:t>1/20/2023</a:t>
             </a:fld>
             <a:endParaRPr kumimoji="0" lang="en-US" sz="1200" b="0" i="0" u="none" strike="noStrike" kern="1200" cap="none" spc="0" normalizeH="0" baseline="0" noProof="0">
               <a:ln>
@@ -7466,7 +7631,7 @@
                 <a:tabLst/>
                 <a:defRPr/>
               </a:pPr>
-              <a:t>1/17/2023</a:t>
+              <a:t>1/20/2023</a:t>
             </a:fld>
             <a:endParaRPr kumimoji="0" lang="en-US" sz="1200" b="0" i="0" u="none" strike="noStrike" kern="1200" cap="none" spc="0" normalizeH="0" baseline="0" noProof="0">
               <a:ln>
@@ -7808,7 +7973,7 @@
                 <a:tabLst/>
                 <a:defRPr/>
               </a:pPr>
-              <a:t>1/17/2023</a:t>
+              <a:t>1/20/2023</a:t>
             </a:fld>
             <a:endParaRPr kumimoji="0" lang="en-US" sz="1200" b="0" i="0" u="none" strike="noStrike" kern="1200" cap="none" spc="0" normalizeH="0" baseline="0" noProof="0">
               <a:ln>
@@ -8281,7 +8446,7 @@
                 <a:tabLst/>
                 <a:defRPr/>
               </a:pPr>
-              <a:t>1/17/2023</a:t>
+              <a:t>1/20/2023</a:t>
             </a:fld>
             <a:endParaRPr kumimoji="0" lang="en-US" sz="1200" b="0" i="0" u="none" strike="noStrike" kern="1200" cap="none" spc="0" normalizeH="0" baseline="0" noProof="0">
               <a:ln>
@@ -8742,7 +8907,7 @@
                 <a:tabLst/>
                 <a:defRPr/>
               </a:pPr>
-              <a:t>1/17/2023</a:t>
+              <a:t>1/20/2023</a:t>
             </a:fld>
             <a:endParaRPr kumimoji="0" lang="en-US" sz="1200" b="0" i="0" u="none" strike="noStrike" kern="1200" cap="none" spc="0" normalizeH="0" baseline="0" noProof="0">
               <a:ln>
@@ -9350,7 +9515,7 @@
                 <a:tabLst/>
                 <a:defRPr/>
               </a:pPr>
-              <a:t>1/17/2023</a:t>
+              <a:t>1/20/2023</a:t>
             </a:fld>
             <a:endParaRPr kumimoji="0" lang="en-US" sz="1200" b="0" i="0" u="none" strike="noStrike" kern="1200" cap="none" spc="0" normalizeH="0" baseline="0" noProof="0">
               <a:ln>
@@ -9623,7 +9788,7 @@
                 <a:tabLst/>
                 <a:defRPr/>
               </a:pPr>
-              <a:t>1/17/2023</a:t>
+              <a:t>1/20/2023</a:t>
             </a:fld>
             <a:endParaRPr kumimoji="0" lang="en-US" sz="1200" b="0" i="0" u="none" strike="noStrike" kern="1200" cap="none" spc="0" normalizeH="0" baseline="0" noProof="0">
               <a:ln>
@@ -10094,7 +10259,7 @@
                 <a:tabLst/>
                 <a:defRPr/>
               </a:pPr>
-              <a:t>1/17/2023</a:t>
+              <a:t>1/20/2023</a:t>
             </a:fld>
             <a:endParaRPr kumimoji="0" lang="en-US" sz="1200" b="0" i="0" u="none" strike="noStrike" kern="1200" cap="none" spc="0" normalizeH="0" baseline="0" noProof="0">
               <a:ln>
@@ -10495,7 +10660,7 @@
                 <a:tabLst/>
                 <a:defRPr/>
               </a:pPr>
-              <a:t>1/17/2023</a:t>
+              <a:t>1/20/2023</a:t>
             </a:fld>
             <a:endParaRPr kumimoji="0" lang="en-US" sz="1200" b="0" i="0" u="none" strike="noStrike" kern="1200" cap="none" spc="0" normalizeH="0" baseline="0" noProof="0">
               <a:ln>
@@ -11365,7 +11530,7 @@
               </a:pPr>
               <a:t>10</a:t>
             </a:fld>
-            <a:endParaRPr kumimoji="0" lang="en-US" sz="1200" b="0" i="0" u="none" strike="noStrike" kern="1200" cap="none" spc="0" normalizeH="0" baseline="0" noProof="0">
+            <a:endParaRPr kumimoji="0" lang="en-US" sz="1200" b="0" i="0" u="none" strike="noStrike" kern="1200" cap="none" spc="0" normalizeH="0" baseline="0" noProof="0" dirty="0">
               <a:ln>
                 <a:noFill/>
               </a:ln>
@@ -13180,6 +13345,64 @@
           </a:p>
         </p:txBody>
       </p:sp>
+      <p:sp>
+        <p:nvSpPr>
+          <p:cNvPr id="3" name="Star: 5 Points 2">
+            <a:extLst>
+              <a:ext uri="{FF2B5EF4-FFF2-40B4-BE49-F238E27FC236}">
+                <a16:creationId xmlns:a16="http://schemas.microsoft.com/office/drawing/2014/main" id="{6B6B87F5-1DC0-A19D-8B9B-B87909D4915B}"/>
+              </a:ext>
+            </a:extLst>
+          </p:cNvPr>
+          <p:cNvSpPr/>
+          <p:nvPr/>
+        </p:nvSpPr>
+        <p:spPr>
+          <a:xfrm>
+            <a:off x="166684" y="5436296"/>
+            <a:ext cx="456205" cy="458008"/>
+          </a:xfrm>
+          <a:prstGeom prst="star5">
+            <a:avLst/>
+          </a:prstGeom>
+          <a:solidFill>
+            <a:srgbClr val="C00000"/>
+          </a:solidFill>
+          <a:ln>
+            <a:solidFill>
+              <a:srgbClr val="0070C0"/>
+            </a:solidFill>
+          </a:ln>
+        </p:spPr>
+        <p:style>
+          <a:lnRef idx="2">
+            <a:schemeClr val="accent1">
+              <a:shade val="50000"/>
+            </a:schemeClr>
+          </a:lnRef>
+          <a:fillRef idx="1">
+            <a:schemeClr val="accent1"/>
+          </a:fillRef>
+          <a:effectRef idx="0">
+            <a:schemeClr val="accent1"/>
+          </a:effectRef>
+          <a:fontRef idx="minor">
+            <a:schemeClr val="lt1"/>
+          </a:fontRef>
+        </p:style>
+        <p:txBody>
+          <a:bodyPr rtlCol="0" anchor="ctr"/>
+          <a:lstStyle/>
+          <a:p>
+            <a:pPr algn="l"/>
+            <a:endParaRPr lang="en-US" dirty="0">
+              <a:solidFill>
+                <a:schemeClr val="tx1"/>
+              </a:solidFill>
+            </a:endParaRPr>
+          </a:p>
+        </p:txBody>
+      </p:sp>
     </p:spTree>
     <p:extLst>
       <p:ext uri="{BB962C8B-B14F-4D97-AF65-F5344CB8AC3E}">
@@ -14142,7 +14365,7 @@
                 <a:effectLst/>
                 <a:latin typeface="Consolas" panose="020B0609020204030204" pitchFamily="49" charset="0"/>
               </a:rPr>
-              <a:t>"Three requests made; main thread finishes"</a:t>
+              <a:t>"Three requests made; this thread finishes"</a:t>
             </a:r>
             <a:r>
               <a:rPr lang="en-US" sz="1600" b="0" dirty="0">
@@ -14456,7 +14679,7 @@
                 </a:highlight>
                 <a:latin typeface="Lucida Console" panose="020B0609040504020204" pitchFamily="49" charset="0"/>
               </a:rPr>
-              <a:t>Three requests made; main thread finishes</a:t>
+              <a:t>Three requests made; this thread finishes</a:t>
             </a:r>
           </a:p>
           <a:p>
@@ -14816,7 +15039,7 @@
                   </a:solidFill>
                   <a:latin typeface="Ink Free" panose="03080402000500000000" pitchFamily="66" charset="0"/>
                 </a:rPr>
-                <a:t>But request 3 arrived at the server before request 1.</a:t>
+                <a:t>But the response for request 3 arrived from the server before request 1.</a:t>
               </a:r>
             </a:p>
           </p:txBody>
@@ -15754,7 +15977,7 @@
                 <a:effectLst/>
                 <a:latin typeface="Consolas" panose="020B0609020204030204" pitchFamily="49" charset="0"/>
               </a:rPr>
-              <a:t>"Three requests made; main thread finishes"</a:t>
+              <a:t>"Three requests made; this thread finishes"</a:t>
             </a:r>
             <a:r>
               <a:rPr lang="en-US" sz="1600" b="0" dirty="0">
@@ -16118,7 +16341,7 @@
                 </a:highlight>
                 <a:latin typeface="Lucida Console" panose="020B0609040504020204" pitchFamily="49" charset="0"/>
               </a:rPr>
-              <a:t>Three requests made; main thread finishes</a:t>
+              <a:t>Three requests made; this thread finishes</a:t>
             </a:r>
           </a:p>
           <a:p>
@@ -17245,7 +17468,7 @@
                 <a:effectLst/>
                 <a:latin typeface="Consolas" panose="020B0609020204030204" pitchFamily="49" charset="0"/>
               </a:rPr>
-              <a:t>`Main thread reports: </a:t>
+              <a:t>`This thread reports: </a:t>
             </a:r>
             <a:r>
               <a:rPr lang="en-US" sz="1600" b="0" dirty="0" err="1">
@@ -17378,7 +17601,7 @@
                 <a:effectLst/>
                 <a:latin typeface="Consolas" panose="020B0609020204030204" pitchFamily="49" charset="0"/>
               </a:rPr>
-              <a:t>`Main thread finishes`</a:t>
+              <a:t>`This thread finishes`</a:t>
             </a:r>
             <a:r>
               <a:rPr lang="en-US" sz="1600" b="0" dirty="0">
@@ -17637,7 +17860,7 @@
                   <a:schemeClr val="tx1"/>
                 </a:solidFill>
               </a:rPr>
-              <a:t>Main thread reports: </a:t>
+              <a:t>This thread reports: </a:t>
             </a:r>
             <a:r>
               <a:rPr lang="en-US" sz="1600" dirty="0" err="1">
@@ -17664,7 +17887,7 @@
                   <a:schemeClr val="tx1"/>
                 </a:solidFill>
               </a:rPr>
-              <a:t>Main thread finishes</a:t>
+              <a:t>This thread finishes</a:t>
             </a:r>
           </a:p>
           <a:p>
@@ -17802,7 +18025,7 @@
                 </a:solidFill>
                 <a:latin typeface="Ink Free" panose="03080402000500000000" pitchFamily="66" charset="0"/>
               </a:rPr>
-              <a:t>So you can make lists of them!</a:t>
+              <a:t>So, you can make lists of them!</a:t>
             </a:r>
           </a:p>
         </p:txBody>
@@ -18895,7 +19118,7 @@
                 <a:effectLst/>
                 <a:latin typeface="Consolas" panose="020B0609020204030204" pitchFamily="49" charset="0"/>
               </a:rPr>
-              <a:t>`Main thread reports: </a:t>
+              <a:t>`This thread reports: </a:t>
             </a:r>
             <a:r>
               <a:rPr lang="en-US" sz="1600" b="0" dirty="0" err="1">
@@ -19028,7 +19251,7 @@
                 <a:effectLst/>
                 <a:latin typeface="Consolas" panose="020B0609020204030204" pitchFamily="49" charset="0"/>
               </a:rPr>
-              <a:t>`Main thread finishes`</a:t>
+              <a:t>`This thread finishes`</a:t>
             </a:r>
             <a:r>
               <a:rPr lang="en-US" sz="1600" b="0" dirty="0">
@@ -19347,7 +19570,7 @@
                   <a:srgbClr val="FFFF00"/>
                 </a:highlight>
               </a:rPr>
-              <a:t>Main thread reports: </a:t>
+              <a:t>This thread reports: </a:t>
             </a:r>
             <a:r>
               <a:rPr lang="en-US" sz="1600" dirty="0" err="1">
@@ -19380,7 +19603,7 @@
                   <a:schemeClr val="tx1"/>
                 </a:solidFill>
               </a:rPr>
-              <a:t>Main thread finishes</a:t>
+              <a:t>This thread finishes</a:t>
             </a:r>
           </a:p>
           <a:p>
@@ -19524,7 +19747,7 @@
                 </a:solidFill>
                 <a:latin typeface="Ink Free" panose="03080402000500000000" pitchFamily="66" charset="0"/>
               </a:rPr>
-              <a:t>Main thread doesn’t resume until ALL of the promises are satisfied</a:t>
+              <a:t>The thread doesn’t resume until ALL of the promises are satisfied</a:t>
             </a:r>
           </a:p>
         </p:txBody>
@@ -19812,7 +20035,7 @@
           </a:ln>
           <a:extLst>
             <a:ext uri="{C572A759-6A51-4108-AA02-DFA0A04FC94B}">
-              <ma14:wrappingTextBoxFlag xmlns="" xmlns:m="http://schemas.openxmlformats.org/officeDocument/2006/math" xmlns:a14="http://schemas.microsoft.com/office/drawing/2010/main" xmlns:ma14="http://schemas.microsoft.com/office/mac/drawingml/2011/main" val="1"/>
+              <ma14:wrappingTextBoxFlag xmlns:ma14="http://schemas.microsoft.com/office/mac/drawingml/2011/main" xmlns:a14="http://schemas.microsoft.com/office/drawing/2010/main" xmlns:m="http://schemas.openxmlformats.org/officeDocument/2006/math" xmlns="" val="1"/>
             </a:ext>
           </a:extLst>
         </p:spPr>
@@ -20401,7 +20624,7 @@
           </a:ln>
           <a:extLst>
             <a:ext uri="{C572A759-6A51-4108-AA02-DFA0A04FC94B}">
-              <ma14:wrappingTextBoxFlag xmlns="" xmlns:m="http://schemas.openxmlformats.org/officeDocument/2006/math" xmlns:a14="http://schemas.microsoft.com/office/drawing/2010/main" xmlns:ma14="http://schemas.microsoft.com/office/mac/drawingml/2011/main" val="1"/>
+              <ma14:wrappingTextBoxFlag xmlns:ma14="http://schemas.microsoft.com/office/mac/drawingml/2011/main" xmlns:a14="http://schemas.microsoft.com/office/drawing/2010/main" xmlns:m="http://schemas.openxmlformats.org/officeDocument/2006/math" xmlns="" val="1"/>
             </a:ext>
           </a:extLst>
         </p:spPr>
@@ -21602,7 +21825,7 @@
             <a:effectLst/>
             <a:extLst>
               <a:ext uri="{C572A759-6A51-4108-AA02-DFA0A04FC94B}">
-                <ma14:wrappingTextBoxFlag xmlns="" xmlns:m="http://schemas.openxmlformats.org/officeDocument/2006/math" xmlns:a14="http://schemas.microsoft.com/office/drawing/2010/main" xmlns:ma14="http://schemas.microsoft.com/office/mac/drawingml/2011/main" val="1"/>
+                <ma14:wrappingTextBoxFlag xmlns:ma14="http://schemas.microsoft.com/office/mac/drawingml/2011/main" xmlns:a14="http://schemas.microsoft.com/office/drawing/2010/main" xmlns:m="http://schemas.openxmlformats.org/officeDocument/2006/math" xmlns="" val="1"/>
               </a:ext>
             </a:extLst>
           </p:spPr>
@@ -21671,7 +21894,7 @@
             <a:effectLst/>
             <a:extLst>
               <a:ext uri="{C572A759-6A51-4108-AA02-DFA0A04FC94B}">
-                <ma14:wrappingTextBoxFlag xmlns="" xmlns:m="http://schemas.openxmlformats.org/officeDocument/2006/math" xmlns:a14="http://schemas.microsoft.com/office/drawing/2010/main" xmlns:ma14="http://schemas.microsoft.com/office/mac/drawingml/2011/main" val="1"/>
+                <ma14:wrappingTextBoxFlag xmlns:ma14="http://schemas.microsoft.com/office/mac/drawingml/2011/main" xmlns:a14="http://schemas.microsoft.com/office/drawing/2010/main" xmlns:m="http://schemas.openxmlformats.org/officeDocument/2006/math" xmlns="" val="1"/>
               </a:ext>
             </a:extLst>
           </p:spPr>
@@ -21737,7 +21960,7 @@
             </a:ln>
             <a:extLst>
               <a:ext uri="{C572A759-6A51-4108-AA02-DFA0A04FC94B}">
-                <ma14:wrappingTextBoxFlag xmlns="" xmlns:m="http://schemas.openxmlformats.org/officeDocument/2006/math" xmlns:a14="http://schemas.microsoft.com/office/drawing/2010/main" xmlns:ma14="http://schemas.microsoft.com/office/mac/drawingml/2011/main" val="1"/>
+                <ma14:wrappingTextBoxFlag xmlns:ma14="http://schemas.microsoft.com/office/mac/drawingml/2011/main" xmlns:a14="http://schemas.microsoft.com/office/drawing/2010/main" xmlns:m="http://schemas.openxmlformats.org/officeDocument/2006/math" xmlns="" val="1"/>
               </a:ext>
             </a:extLst>
           </p:spPr>
@@ -21795,7 +22018,7 @@
             </a:ln>
             <a:extLst>
               <a:ext uri="{C572A759-6A51-4108-AA02-DFA0A04FC94B}">
-                <ma14:wrappingTextBoxFlag xmlns="" xmlns:m="http://schemas.openxmlformats.org/officeDocument/2006/math" xmlns:a14="http://schemas.microsoft.com/office/drawing/2010/main" xmlns:ma14="http://schemas.microsoft.com/office/mac/drawingml/2011/main" val="1"/>
+                <ma14:wrappingTextBoxFlag xmlns:ma14="http://schemas.microsoft.com/office/mac/drawingml/2011/main" xmlns:a14="http://schemas.microsoft.com/office/drawing/2010/main" xmlns:m="http://schemas.openxmlformats.org/officeDocument/2006/math" xmlns="" val="1"/>
               </a:ext>
             </a:extLst>
           </p:spPr>
@@ -21876,7 +22099,7 @@
             <a:effectLst/>
             <a:extLst>
               <a:ext uri="{C572A759-6A51-4108-AA02-DFA0A04FC94B}">
-                <ma14:wrappingTextBoxFlag xmlns="" xmlns:m="http://schemas.openxmlformats.org/officeDocument/2006/math" xmlns:a14="http://schemas.microsoft.com/office/drawing/2010/main" xmlns:ma14="http://schemas.microsoft.com/office/mac/drawingml/2011/main" val="1"/>
+                <ma14:wrappingTextBoxFlag xmlns:ma14="http://schemas.microsoft.com/office/mac/drawingml/2011/main" xmlns:a14="http://schemas.microsoft.com/office/drawing/2010/main" xmlns:m="http://schemas.openxmlformats.org/officeDocument/2006/math" xmlns="" val="1"/>
               </a:ext>
             </a:extLst>
           </p:spPr>
@@ -21949,7 +22172,7 @@
             <a:effectLst/>
             <a:extLst>
               <a:ext uri="{C572A759-6A51-4108-AA02-DFA0A04FC94B}">
-                <ma14:wrappingTextBoxFlag xmlns="" xmlns:m="http://schemas.openxmlformats.org/officeDocument/2006/math" xmlns:a14="http://schemas.microsoft.com/office/drawing/2010/main" xmlns:ma14="http://schemas.microsoft.com/office/mac/drawingml/2011/main" val="1"/>
+                <ma14:wrappingTextBoxFlag xmlns:ma14="http://schemas.microsoft.com/office/mac/drawingml/2011/main" xmlns:a14="http://schemas.microsoft.com/office/drawing/2010/main" xmlns:m="http://schemas.openxmlformats.org/officeDocument/2006/math" xmlns="" val="1"/>
               </a:ext>
             </a:extLst>
           </p:spPr>
@@ -22015,7 +22238,7 @@
             </a:ln>
             <a:extLst>
               <a:ext uri="{C572A759-6A51-4108-AA02-DFA0A04FC94B}">
-                <ma14:wrappingTextBoxFlag xmlns="" xmlns:m="http://schemas.openxmlformats.org/officeDocument/2006/math" xmlns:a14="http://schemas.microsoft.com/office/drawing/2010/main" xmlns:ma14="http://schemas.microsoft.com/office/mac/drawingml/2011/main" val="1"/>
+                <ma14:wrappingTextBoxFlag xmlns:ma14="http://schemas.microsoft.com/office/mac/drawingml/2011/main" xmlns:a14="http://schemas.microsoft.com/office/drawing/2010/main" xmlns:m="http://schemas.openxmlformats.org/officeDocument/2006/math" xmlns="" val="1"/>
               </a:ext>
             </a:extLst>
           </p:spPr>
@@ -22073,7 +22296,7 @@
             </a:ln>
             <a:extLst>
               <a:ext uri="{C572A759-6A51-4108-AA02-DFA0A04FC94B}">
-                <ma14:wrappingTextBoxFlag xmlns="" xmlns:m="http://schemas.openxmlformats.org/officeDocument/2006/math" xmlns:a14="http://schemas.microsoft.com/office/drawing/2010/main" xmlns:ma14="http://schemas.microsoft.com/office/mac/drawingml/2011/main" val="1"/>
+                <ma14:wrappingTextBoxFlag xmlns:ma14="http://schemas.microsoft.com/office/mac/drawingml/2011/main" xmlns:a14="http://schemas.microsoft.com/office/drawing/2010/main" xmlns:m="http://schemas.openxmlformats.org/officeDocument/2006/math" xmlns="" val="1"/>
               </a:ext>
             </a:extLst>
           </p:spPr>
@@ -22154,7 +22377,7 @@
             <a:effectLst/>
             <a:extLst>
               <a:ext uri="{C572A759-6A51-4108-AA02-DFA0A04FC94B}">
-                <ma14:wrappingTextBoxFlag xmlns="" xmlns:m="http://schemas.openxmlformats.org/officeDocument/2006/math" xmlns:a14="http://schemas.microsoft.com/office/drawing/2010/main" xmlns:ma14="http://schemas.microsoft.com/office/mac/drawingml/2011/main" val="1"/>
+                <ma14:wrappingTextBoxFlag xmlns:ma14="http://schemas.microsoft.com/office/mac/drawingml/2011/main" xmlns:a14="http://schemas.microsoft.com/office/drawing/2010/main" xmlns:m="http://schemas.openxmlformats.org/officeDocument/2006/math" xmlns="" val="1"/>
               </a:ext>
             </a:extLst>
           </p:spPr>
@@ -22227,7 +22450,7 @@
             <a:effectLst/>
             <a:extLst>
               <a:ext uri="{C572A759-6A51-4108-AA02-DFA0A04FC94B}">
-                <ma14:wrappingTextBoxFlag xmlns="" xmlns:m="http://schemas.openxmlformats.org/officeDocument/2006/math" xmlns:a14="http://schemas.microsoft.com/office/drawing/2010/main" xmlns:ma14="http://schemas.microsoft.com/office/mac/drawingml/2011/main" val="1"/>
+                <ma14:wrappingTextBoxFlag xmlns:ma14="http://schemas.microsoft.com/office/mac/drawingml/2011/main" xmlns:a14="http://schemas.microsoft.com/office/drawing/2010/main" xmlns:m="http://schemas.openxmlformats.org/officeDocument/2006/math" xmlns="" val="1"/>
               </a:ext>
             </a:extLst>
           </p:spPr>
@@ -22293,7 +22516,7 @@
             </a:ln>
             <a:extLst>
               <a:ext uri="{C572A759-6A51-4108-AA02-DFA0A04FC94B}">
-                <ma14:wrappingTextBoxFlag xmlns="" xmlns:m="http://schemas.openxmlformats.org/officeDocument/2006/math" xmlns:a14="http://schemas.microsoft.com/office/drawing/2010/main" xmlns:ma14="http://schemas.microsoft.com/office/mac/drawingml/2011/main" val="1"/>
+                <ma14:wrappingTextBoxFlag xmlns:ma14="http://schemas.microsoft.com/office/mac/drawingml/2011/main" xmlns:a14="http://schemas.microsoft.com/office/drawing/2010/main" xmlns:m="http://schemas.openxmlformats.org/officeDocument/2006/math" xmlns="" val="1"/>
               </a:ext>
             </a:extLst>
           </p:spPr>
@@ -22351,7 +22574,7 @@
             </a:ln>
             <a:extLst>
               <a:ext uri="{C572A759-6A51-4108-AA02-DFA0A04FC94B}">
-                <ma14:wrappingTextBoxFlag xmlns="" xmlns:m="http://schemas.openxmlformats.org/officeDocument/2006/math" xmlns:a14="http://schemas.microsoft.com/office/drawing/2010/main" xmlns:ma14="http://schemas.microsoft.com/office/mac/drawingml/2011/main" val="1"/>
+                <ma14:wrappingTextBoxFlag xmlns:ma14="http://schemas.microsoft.com/office/mac/drawingml/2011/main" xmlns:a14="http://schemas.microsoft.com/office/drawing/2010/main" xmlns:m="http://schemas.openxmlformats.org/officeDocument/2006/math" xmlns="" val="1"/>
               </a:ext>
             </a:extLst>
           </p:spPr>
@@ -22432,7 +22655,7 @@
             <a:effectLst/>
             <a:extLst>
               <a:ext uri="{C572A759-6A51-4108-AA02-DFA0A04FC94B}">
-                <ma14:wrappingTextBoxFlag xmlns="" xmlns:m="http://schemas.openxmlformats.org/officeDocument/2006/math" xmlns:a14="http://schemas.microsoft.com/office/drawing/2010/main" xmlns:ma14="http://schemas.microsoft.com/office/mac/drawingml/2011/main" val="1"/>
+                <ma14:wrappingTextBoxFlag xmlns:ma14="http://schemas.microsoft.com/office/mac/drawingml/2011/main" xmlns:a14="http://schemas.microsoft.com/office/drawing/2010/main" xmlns:m="http://schemas.openxmlformats.org/officeDocument/2006/math" xmlns="" val="1"/>
               </a:ext>
             </a:extLst>
           </p:spPr>
@@ -22501,7 +22724,7 @@
             <a:effectLst/>
             <a:extLst>
               <a:ext uri="{C572A759-6A51-4108-AA02-DFA0A04FC94B}">
-                <ma14:wrappingTextBoxFlag xmlns="" xmlns:m="http://schemas.openxmlformats.org/officeDocument/2006/math" xmlns:a14="http://schemas.microsoft.com/office/drawing/2010/main" xmlns:ma14="http://schemas.microsoft.com/office/mac/drawingml/2011/main" val="1"/>
+                <ma14:wrappingTextBoxFlag xmlns:ma14="http://schemas.microsoft.com/office/mac/drawingml/2011/main" xmlns:a14="http://schemas.microsoft.com/office/drawing/2010/main" xmlns:m="http://schemas.openxmlformats.org/officeDocument/2006/math" xmlns="" val="1"/>
               </a:ext>
             </a:extLst>
           </p:spPr>
@@ -22567,7 +22790,7 @@
             </a:ln>
             <a:extLst>
               <a:ext uri="{C572A759-6A51-4108-AA02-DFA0A04FC94B}">
-                <ma14:wrappingTextBoxFlag xmlns="" xmlns:m="http://schemas.openxmlformats.org/officeDocument/2006/math" xmlns:a14="http://schemas.microsoft.com/office/drawing/2010/main" xmlns:ma14="http://schemas.microsoft.com/office/mac/drawingml/2011/main" val="1"/>
+                <ma14:wrappingTextBoxFlag xmlns:ma14="http://schemas.microsoft.com/office/mac/drawingml/2011/main" xmlns:a14="http://schemas.microsoft.com/office/drawing/2010/main" xmlns:m="http://schemas.openxmlformats.org/officeDocument/2006/math" xmlns="" val="1"/>
               </a:ext>
             </a:extLst>
           </p:spPr>
@@ -22625,7 +22848,7 @@
             </a:ln>
             <a:extLst>
               <a:ext uri="{C572A759-6A51-4108-AA02-DFA0A04FC94B}">
-                <ma14:wrappingTextBoxFlag xmlns="" xmlns:m="http://schemas.openxmlformats.org/officeDocument/2006/math" xmlns:a14="http://schemas.microsoft.com/office/drawing/2010/main" xmlns:ma14="http://schemas.microsoft.com/office/mac/drawingml/2011/main" val="1"/>
+                <ma14:wrappingTextBoxFlag xmlns:ma14="http://schemas.microsoft.com/office/mac/drawingml/2011/main" xmlns:a14="http://schemas.microsoft.com/office/drawing/2010/main" xmlns:m="http://schemas.openxmlformats.org/officeDocument/2006/math" xmlns="" val="1"/>
               </a:ext>
             </a:extLst>
           </p:spPr>
@@ -22706,7 +22929,7 @@
             <a:effectLst/>
             <a:extLst>
               <a:ext uri="{C572A759-6A51-4108-AA02-DFA0A04FC94B}">
-                <ma14:wrappingTextBoxFlag xmlns="" xmlns:m="http://schemas.openxmlformats.org/officeDocument/2006/math" xmlns:a14="http://schemas.microsoft.com/office/drawing/2010/main" xmlns:ma14="http://schemas.microsoft.com/office/mac/drawingml/2011/main" val="1"/>
+                <ma14:wrappingTextBoxFlag xmlns:ma14="http://schemas.microsoft.com/office/mac/drawingml/2011/main" xmlns:a14="http://schemas.microsoft.com/office/drawing/2010/main" xmlns:m="http://schemas.openxmlformats.org/officeDocument/2006/math" xmlns="" val="1"/>
               </a:ext>
             </a:extLst>
           </p:spPr>
@@ -22799,7 +23022,7 @@
               <a:effectLst/>
               <a:extLst>
                 <a:ext uri="{C572A759-6A51-4108-AA02-DFA0A04FC94B}">
-                  <ma14:wrappingTextBoxFlag xmlns="" xmlns:m="http://schemas.openxmlformats.org/officeDocument/2006/math" xmlns:a14="http://schemas.microsoft.com/office/drawing/2010/main" xmlns:ma14="http://schemas.microsoft.com/office/mac/drawingml/2011/main" val="1"/>
+                  <ma14:wrappingTextBoxFlag xmlns:ma14="http://schemas.microsoft.com/office/mac/drawingml/2011/main" xmlns:a14="http://schemas.microsoft.com/office/drawing/2010/main" xmlns:m="http://schemas.openxmlformats.org/officeDocument/2006/math" xmlns="" val="1"/>
                 </a:ext>
               </a:extLst>
             </p:spPr>
@@ -22865,7 +23088,7 @@
               </a:ln>
               <a:extLst>
                 <a:ext uri="{C572A759-6A51-4108-AA02-DFA0A04FC94B}">
-                  <ma14:wrappingTextBoxFlag xmlns="" xmlns:m="http://schemas.openxmlformats.org/officeDocument/2006/math" xmlns:a14="http://schemas.microsoft.com/office/drawing/2010/main" xmlns:ma14="http://schemas.microsoft.com/office/mac/drawingml/2011/main" val="1"/>
+                  <ma14:wrappingTextBoxFlag xmlns:ma14="http://schemas.microsoft.com/office/mac/drawingml/2011/main" xmlns:a14="http://schemas.microsoft.com/office/drawing/2010/main" xmlns:m="http://schemas.openxmlformats.org/officeDocument/2006/math" xmlns="" val="1"/>
                 </a:ext>
               </a:extLst>
             </p:spPr>
@@ -22923,7 +23146,7 @@
               </a:ln>
               <a:extLst>
                 <a:ext uri="{C572A759-6A51-4108-AA02-DFA0A04FC94B}">
-                  <ma14:wrappingTextBoxFlag xmlns="" xmlns:m="http://schemas.openxmlformats.org/officeDocument/2006/math" xmlns:a14="http://schemas.microsoft.com/office/drawing/2010/main" xmlns:ma14="http://schemas.microsoft.com/office/mac/drawingml/2011/main" val="1"/>
+                  <ma14:wrappingTextBoxFlag xmlns:ma14="http://schemas.microsoft.com/office/mac/drawingml/2011/main" xmlns:a14="http://schemas.microsoft.com/office/drawing/2010/main" xmlns:m="http://schemas.openxmlformats.org/officeDocument/2006/math" xmlns="" val="1"/>
                 </a:ext>
               </a:extLst>
             </p:spPr>
@@ -23005,7 +23228,7 @@
             <a:effectLst/>
             <a:extLst>
               <a:ext uri="{C572A759-6A51-4108-AA02-DFA0A04FC94B}">
-                <ma14:wrappingTextBoxFlag xmlns="" xmlns:m="http://schemas.openxmlformats.org/officeDocument/2006/math" xmlns:a14="http://schemas.microsoft.com/office/drawing/2010/main" xmlns:ma14="http://schemas.microsoft.com/office/mac/drawingml/2011/main" val="1"/>
+                <ma14:wrappingTextBoxFlag xmlns:ma14="http://schemas.microsoft.com/office/mac/drawingml/2011/main" xmlns:a14="http://schemas.microsoft.com/office/drawing/2010/main" xmlns:m="http://schemas.openxmlformats.org/officeDocument/2006/math" xmlns="" val="1"/>
               </a:ext>
             </a:extLst>
           </p:spPr>
@@ -23078,7 +23301,7 @@
             <a:effectLst/>
             <a:extLst>
               <a:ext uri="{C572A759-6A51-4108-AA02-DFA0A04FC94B}">
-                <ma14:wrappingTextBoxFlag xmlns="" xmlns:m="http://schemas.openxmlformats.org/officeDocument/2006/math" xmlns:a14="http://schemas.microsoft.com/office/drawing/2010/main" xmlns:ma14="http://schemas.microsoft.com/office/mac/drawingml/2011/main" val="1"/>
+                <ma14:wrappingTextBoxFlag xmlns:ma14="http://schemas.microsoft.com/office/mac/drawingml/2011/main" xmlns:a14="http://schemas.microsoft.com/office/drawing/2010/main" xmlns:m="http://schemas.openxmlformats.org/officeDocument/2006/math" xmlns="" val="1"/>
               </a:ext>
             </a:extLst>
           </p:spPr>
@@ -23144,7 +23367,7 @@
             </a:ln>
             <a:extLst>
               <a:ext uri="{C572A759-6A51-4108-AA02-DFA0A04FC94B}">
-                <ma14:wrappingTextBoxFlag xmlns="" xmlns:m="http://schemas.openxmlformats.org/officeDocument/2006/math" xmlns:a14="http://schemas.microsoft.com/office/drawing/2010/main" xmlns:ma14="http://schemas.microsoft.com/office/mac/drawingml/2011/main" val="1"/>
+                <ma14:wrappingTextBoxFlag xmlns:ma14="http://schemas.microsoft.com/office/mac/drawingml/2011/main" xmlns:a14="http://schemas.microsoft.com/office/drawing/2010/main" xmlns:m="http://schemas.openxmlformats.org/officeDocument/2006/math" xmlns="" val="1"/>
               </a:ext>
             </a:extLst>
           </p:spPr>
@@ -23202,7 +23425,7 @@
             </a:ln>
             <a:extLst>
               <a:ext uri="{C572A759-6A51-4108-AA02-DFA0A04FC94B}">
-                <ma14:wrappingTextBoxFlag xmlns="" xmlns:m="http://schemas.openxmlformats.org/officeDocument/2006/math" xmlns:a14="http://schemas.microsoft.com/office/drawing/2010/main" xmlns:ma14="http://schemas.microsoft.com/office/mac/drawingml/2011/main" val="1"/>
+                <ma14:wrappingTextBoxFlag xmlns:ma14="http://schemas.microsoft.com/office/mac/drawingml/2011/main" xmlns:a14="http://schemas.microsoft.com/office/drawing/2010/main" xmlns:m="http://schemas.openxmlformats.org/officeDocument/2006/math" xmlns="" val="1"/>
               </a:ext>
             </a:extLst>
           </p:spPr>
@@ -23261,7 +23484,7 @@
           </a:ln>
           <a:extLst>
             <a:ext uri="{C572A759-6A51-4108-AA02-DFA0A04FC94B}">
-              <ma14:wrappingTextBoxFlag xmlns="" xmlns:m="http://schemas.openxmlformats.org/officeDocument/2006/math" xmlns:a14="http://schemas.microsoft.com/office/drawing/2010/main" xmlns:ma14="http://schemas.microsoft.com/office/mac/drawingml/2011/main" val="1"/>
+              <ma14:wrappingTextBoxFlag xmlns:ma14="http://schemas.microsoft.com/office/mac/drawingml/2011/main" xmlns:a14="http://schemas.microsoft.com/office/drawing/2010/main" xmlns:m="http://schemas.openxmlformats.org/officeDocument/2006/math" xmlns="" val="1"/>
             </a:ext>
           </a:extLst>
         </p:spPr>
@@ -23319,7 +23542,7 @@
           </a:ln>
           <a:extLst>
             <a:ext uri="{C572A759-6A51-4108-AA02-DFA0A04FC94B}">
-              <ma14:wrappingTextBoxFlag xmlns="" xmlns:m="http://schemas.openxmlformats.org/officeDocument/2006/math" xmlns:a14="http://schemas.microsoft.com/office/drawing/2010/main" xmlns:ma14="http://schemas.microsoft.com/office/mac/drawingml/2011/main" val="1"/>
+              <ma14:wrappingTextBoxFlag xmlns:ma14="http://schemas.microsoft.com/office/mac/drawingml/2011/main" xmlns:a14="http://schemas.microsoft.com/office/drawing/2010/main" xmlns:m="http://schemas.openxmlformats.org/officeDocument/2006/math" xmlns="" val="1"/>
             </a:ext>
           </a:extLst>
         </p:spPr>
@@ -23563,7 +23786,7 @@
             </a:ln>
             <a:extLst>
               <a:ext uri="{C572A759-6A51-4108-AA02-DFA0A04FC94B}">
-                <ma14:wrappingTextBoxFlag xmlns="" xmlns:m="http://schemas.openxmlformats.org/officeDocument/2006/math" xmlns:a14="http://schemas.microsoft.com/office/drawing/2010/main" xmlns:ma14="http://schemas.microsoft.com/office/mac/drawingml/2011/main" val="1"/>
+                <ma14:wrappingTextBoxFlag xmlns:ma14="http://schemas.microsoft.com/office/mac/drawingml/2011/main" xmlns:a14="http://schemas.microsoft.com/office/drawing/2010/main" xmlns:m="http://schemas.openxmlformats.org/officeDocument/2006/math" xmlns="" val="1"/>
               </a:ext>
             </a:extLst>
           </p:spPr>
@@ -24115,7 +24338,7 @@
             </a:ln>
             <a:extLst>
               <a:ext uri="{C572A759-6A51-4108-AA02-DFA0A04FC94B}">
-                <ma14:wrappingTextBoxFlag xmlns="" xmlns:m="http://schemas.openxmlformats.org/officeDocument/2006/math" xmlns:a14="http://schemas.microsoft.com/office/drawing/2010/main" xmlns:ma14="http://schemas.microsoft.com/office/mac/drawingml/2011/main" val="1"/>
+                <ma14:wrappingTextBoxFlag xmlns:ma14="http://schemas.microsoft.com/office/mac/drawingml/2011/main" xmlns:a14="http://schemas.microsoft.com/office/drawing/2010/main" xmlns:m="http://schemas.openxmlformats.org/officeDocument/2006/math" xmlns="" val="1"/>
               </a:ext>
             </a:extLst>
           </p:spPr>
@@ -24852,7 +25075,7 @@
           </a:prstGeom>
           <a:extLst>
             <a:ext uri="{C572A759-6A51-4108-AA02-DFA0A04FC94B}">
-              <ma14:wrappingTextBoxFlag xmlns="" xmlns:m="http://schemas.openxmlformats.org/officeDocument/2006/math" xmlns:a14="http://schemas.microsoft.com/office/drawing/2010/main" xmlns:ma14="http://schemas.microsoft.com/office/mac/drawingml/2011/main" val="1"/>
+              <ma14:wrappingTextBoxFlag xmlns:ma14="http://schemas.microsoft.com/office/mac/drawingml/2011/main" xmlns:a14="http://schemas.microsoft.com/office/drawing/2010/main" xmlns:m="http://schemas.openxmlformats.org/officeDocument/2006/math" xmlns="" val="1"/>
             </a:ext>
           </a:extLst>
         </p:spPr>
@@ -34019,15 +34242,7 @@
             <a:pPr lvl="1"/>
             <a:r>
               <a:rPr lang="en-US" dirty="0"/>
-              <a:t>Call async procedures only from other async functions or </a:t>
-            </a:r>
-            <a:r>
-              <a:rPr lang="en-US" dirty="0" err="1"/>
-              <a:t>fromthe</a:t>
-            </a:r>
-            <a:r>
-              <a:rPr lang="en-US" dirty="0"/>
-              <a:t> top level.</a:t>
+              <a:t>Call async procedures only from other async functions or from the top level.</a:t>
             </a:r>
           </a:p>
           <a:p>
@@ -34066,27 +34281,7 @@
             </a:r>
             <a:r>
               <a:rPr lang="en-US" dirty="0"/>
-              <a:t>if you need to wait for multiple </a:t>
-            </a:r>
-            <a:r>
-              <a:rPr lang="en-US" dirty="0" err="1"/>
-              <a:t>promi</a:t>
-            </a:r>
-            <a:r>
-              <a:rPr lang="en-US" b="1" dirty="0" err="1"/>
-              <a:t>promise.all</a:t>
-            </a:r>
-            <a:r>
-              <a:rPr lang="en-US" b="1" dirty="0"/>
-              <a:t> </a:t>
-            </a:r>
-            <a:r>
-              <a:rPr lang="en-US" dirty="0" err="1"/>
-              <a:t>ses</a:t>
-            </a:r>
-            <a:r>
-              <a:rPr lang="en-US" dirty="0"/>
-              <a:t> to return.</a:t>
+              <a:t>if you need to wait for multiple promises to return.</a:t>
             </a:r>
             <a:endParaRPr dirty="0"/>
           </a:p>
@@ -35425,7 +35620,7 @@
           </a:ln>
           <a:extLst>
             <a:ext uri="{C572A759-6A51-4108-AA02-DFA0A04FC94B}">
-              <ma14:wrappingTextBoxFlag xmlns="" xmlns:m="http://schemas.openxmlformats.org/officeDocument/2006/math" xmlns:a14="http://schemas.microsoft.com/office/drawing/2010/main" xmlns:ma14="http://schemas.microsoft.com/office/mac/drawingml/2011/main" val="1"/>
+              <ma14:wrappingTextBoxFlag xmlns:ma14="http://schemas.microsoft.com/office/mac/drawingml/2011/main" xmlns:a14="http://schemas.microsoft.com/office/drawing/2010/main" xmlns:m="http://schemas.openxmlformats.org/officeDocument/2006/math" xmlns="" val="1"/>
             </a:ext>
           </a:extLst>
         </p:spPr>
@@ -36383,7 +36578,7 @@
           </a:prstGeom>
           <a:extLst>
             <a:ext uri="{C572A759-6A51-4108-AA02-DFA0A04FC94B}">
-              <ma14:wrappingTextBoxFlag xmlns:ma14="http://schemas.microsoft.com/office/mac/drawingml/2011/main" xmlns:a14="http://schemas.microsoft.com/office/drawing/2010/main" xmlns:m="http://schemas.openxmlformats.org/officeDocument/2006/math" xmlns="" val="1"/>
+              <ma14:wrappingTextBoxFlag xmlns="" xmlns:m="http://schemas.openxmlformats.org/officeDocument/2006/math" xmlns:a14="http://schemas.microsoft.com/office/drawing/2010/main" xmlns:ma14="http://schemas.microsoft.com/office/mac/drawingml/2011/main" val="1"/>
             </a:ext>
           </a:extLst>
         </p:spPr>
@@ -36773,7 +36968,7 @@
               </a:effectLst>
               <a:extLst>
                 <a:ext uri="{C572A759-6A51-4108-AA02-DFA0A04FC94B}">
-                  <ma14:wrappingTextBoxFlag xmlns:ma14="http://schemas.microsoft.com/office/mac/drawingml/2011/main" xmlns:a14="http://schemas.microsoft.com/office/drawing/2010/main" xmlns:m="http://schemas.openxmlformats.org/officeDocument/2006/math" xmlns="" val="1"/>
+                  <ma14:wrappingTextBoxFlag xmlns="" xmlns:m="http://schemas.openxmlformats.org/officeDocument/2006/math" xmlns:a14="http://schemas.microsoft.com/office/drawing/2010/main" xmlns:ma14="http://schemas.microsoft.com/office/mac/drawingml/2011/main" val="1"/>
                 </a:ext>
               </a:extLst>
             </p:spPr>
@@ -36843,7 +37038,7 @@
               </a:effectLst>
               <a:extLst>
                 <a:ext uri="{C572A759-6A51-4108-AA02-DFA0A04FC94B}">
-                  <ma14:wrappingTextBoxFlag xmlns:ma14="http://schemas.microsoft.com/office/mac/drawingml/2011/main" xmlns:a14="http://schemas.microsoft.com/office/drawing/2010/main" xmlns:m="http://schemas.openxmlformats.org/officeDocument/2006/math" xmlns="" val="1"/>
+                  <ma14:wrappingTextBoxFlag xmlns="" xmlns:m="http://schemas.openxmlformats.org/officeDocument/2006/math" xmlns:a14="http://schemas.microsoft.com/office/drawing/2010/main" xmlns:ma14="http://schemas.microsoft.com/office/mac/drawingml/2011/main" val="1"/>
                 </a:ext>
               </a:extLst>
             </p:spPr>
@@ -36911,7 +37106,7 @@
               </a:effectLst>
               <a:extLst>
                 <a:ext uri="{C572A759-6A51-4108-AA02-DFA0A04FC94B}">
-                  <ma14:wrappingTextBoxFlag xmlns:ma14="http://schemas.microsoft.com/office/mac/drawingml/2011/main" xmlns:a14="http://schemas.microsoft.com/office/drawing/2010/main" xmlns:m="http://schemas.openxmlformats.org/officeDocument/2006/math" xmlns="" val="1"/>
+                  <ma14:wrappingTextBoxFlag xmlns="" xmlns:m="http://schemas.openxmlformats.org/officeDocument/2006/math" xmlns:a14="http://schemas.microsoft.com/office/drawing/2010/main" xmlns:ma14="http://schemas.microsoft.com/office/mac/drawingml/2011/main" val="1"/>
                 </a:ext>
               </a:extLst>
             </p:spPr>
@@ -36999,7 +37194,7 @@
                 </a:effectLst>
                 <a:extLst>
                   <a:ext uri="{C572A759-6A51-4108-AA02-DFA0A04FC94B}">
-                    <ma14:wrappingTextBoxFlag xmlns:ma14="http://schemas.microsoft.com/office/mac/drawingml/2011/main" xmlns:a14="http://schemas.microsoft.com/office/drawing/2010/main" xmlns:m="http://schemas.openxmlformats.org/officeDocument/2006/math" xmlns="" val="1"/>
+                    <ma14:wrappingTextBoxFlag xmlns="" xmlns:m="http://schemas.openxmlformats.org/officeDocument/2006/math" xmlns:a14="http://schemas.microsoft.com/office/drawing/2010/main" xmlns:ma14="http://schemas.microsoft.com/office/mac/drawingml/2011/main" val="1"/>
                   </a:ext>
                 </a:extLst>
               </p:spPr>
@@ -37177,7 +37372,7 @@
                   <a:effectLst/>
                   <a:extLst>
                     <a:ext uri="{C572A759-6A51-4108-AA02-DFA0A04FC94B}">
-                      <ma14:wrappingTextBoxFlag xmlns:ma14="http://schemas.microsoft.com/office/mac/drawingml/2011/main" xmlns:a14="http://schemas.microsoft.com/office/drawing/2010/main" xmlns:m="http://schemas.openxmlformats.org/officeDocument/2006/math" xmlns="" val="1"/>
+                      <ma14:wrappingTextBoxFlag xmlns="" xmlns:m="http://schemas.openxmlformats.org/officeDocument/2006/math" xmlns:a14="http://schemas.microsoft.com/office/drawing/2010/main" xmlns:ma14="http://schemas.microsoft.com/office/mac/drawingml/2011/main" val="1"/>
                     </a:ext>
                   </a:extLst>
                 </p:spPr>
@@ -37377,7 +37572,7 @@
                   <a:effectLst/>
                   <a:extLst>
                     <a:ext uri="{C572A759-6A51-4108-AA02-DFA0A04FC94B}">
-                      <ma14:wrappingTextBoxFlag xmlns:ma14="http://schemas.microsoft.com/office/mac/drawingml/2011/main" xmlns:a14="http://schemas.microsoft.com/office/drawing/2010/main" xmlns:m="http://schemas.openxmlformats.org/officeDocument/2006/math" xmlns="" val="1"/>
+                      <ma14:wrappingTextBoxFlag xmlns="" xmlns:m="http://schemas.openxmlformats.org/officeDocument/2006/math" xmlns:a14="http://schemas.microsoft.com/office/drawing/2010/main" xmlns:ma14="http://schemas.microsoft.com/office/mac/drawingml/2011/main" val="1"/>
                     </a:ext>
                   </a:extLst>
                 </p:spPr>
@@ -37467,7 +37662,7 @@
                 </a:effectLst>
                 <a:extLst>
                   <a:ext uri="{C572A759-6A51-4108-AA02-DFA0A04FC94B}">
-                    <ma14:wrappingTextBoxFlag xmlns:ma14="http://schemas.microsoft.com/office/mac/drawingml/2011/main" xmlns:a14="http://schemas.microsoft.com/office/drawing/2010/main" xmlns:m="http://schemas.openxmlformats.org/officeDocument/2006/math" xmlns="" val="1"/>
+                    <ma14:wrappingTextBoxFlag xmlns="" xmlns:m="http://schemas.openxmlformats.org/officeDocument/2006/math" xmlns:a14="http://schemas.microsoft.com/office/drawing/2010/main" xmlns:ma14="http://schemas.microsoft.com/office/mac/drawingml/2011/main" val="1"/>
                   </a:ext>
                 </a:extLst>
               </p:spPr>
@@ -37645,7 +37840,7 @@
                   <a:effectLst/>
                   <a:extLst>
                     <a:ext uri="{C572A759-6A51-4108-AA02-DFA0A04FC94B}">
-                      <ma14:wrappingTextBoxFlag xmlns:ma14="http://schemas.microsoft.com/office/mac/drawingml/2011/main" xmlns:a14="http://schemas.microsoft.com/office/drawing/2010/main" xmlns:m="http://schemas.openxmlformats.org/officeDocument/2006/math" xmlns="" val="1"/>
+                      <ma14:wrappingTextBoxFlag xmlns="" xmlns:m="http://schemas.openxmlformats.org/officeDocument/2006/math" xmlns:a14="http://schemas.microsoft.com/office/drawing/2010/main" xmlns:ma14="http://schemas.microsoft.com/office/mac/drawingml/2011/main" val="1"/>
                     </a:ext>
                   </a:extLst>
                 </p:spPr>
@@ -37735,7 +37930,7 @@
                 </a:effectLst>
                 <a:extLst>
                   <a:ext uri="{C572A759-6A51-4108-AA02-DFA0A04FC94B}">
-                    <ma14:wrappingTextBoxFlag xmlns:ma14="http://schemas.microsoft.com/office/mac/drawingml/2011/main" xmlns:a14="http://schemas.microsoft.com/office/drawing/2010/main" xmlns:m="http://schemas.openxmlformats.org/officeDocument/2006/math" xmlns="" val="1"/>
+                    <ma14:wrappingTextBoxFlag xmlns="" xmlns:m="http://schemas.openxmlformats.org/officeDocument/2006/math" xmlns:a14="http://schemas.microsoft.com/office/drawing/2010/main" xmlns:ma14="http://schemas.microsoft.com/office/mac/drawingml/2011/main" val="1"/>
                   </a:ext>
                 </a:extLst>
               </p:spPr>
@@ -37913,7 +38108,7 @@
                   <a:effectLst/>
                   <a:extLst>
                     <a:ext uri="{C572A759-6A51-4108-AA02-DFA0A04FC94B}">
-                      <ma14:wrappingTextBoxFlag xmlns:ma14="http://schemas.microsoft.com/office/mac/drawingml/2011/main" xmlns:a14="http://schemas.microsoft.com/office/drawing/2010/main" xmlns:m="http://schemas.openxmlformats.org/officeDocument/2006/math" xmlns="" val="1"/>
+                      <ma14:wrappingTextBoxFlag xmlns="" xmlns:m="http://schemas.openxmlformats.org/officeDocument/2006/math" xmlns:a14="http://schemas.microsoft.com/office/drawing/2010/main" xmlns:ma14="http://schemas.microsoft.com/office/mac/drawingml/2011/main" val="1"/>
                     </a:ext>
                   </a:extLst>
                 </p:spPr>
@@ -37984,7 +38179,7 @@
             </a:effectLst>
             <a:extLst>
               <a:ext uri="{C572A759-6A51-4108-AA02-DFA0A04FC94B}">
-                <ma14:wrappingTextBoxFlag xmlns:ma14="http://schemas.microsoft.com/office/mac/drawingml/2011/main" xmlns:a14="http://schemas.microsoft.com/office/drawing/2010/main" xmlns:m="http://schemas.openxmlformats.org/officeDocument/2006/math" xmlns="" val="1"/>
+                <ma14:wrappingTextBoxFlag xmlns="" xmlns:m="http://schemas.openxmlformats.org/officeDocument/2006/math" xmlns:a14="http://schemas.microsoft.com/office/drawing/2010/main" xmlns:ma14="http://schemas.microsoft.com/office/mac/drawingml/2011/main" val="1"/>
               </a:ext>
             </a:extLst>
           </p:spPr>
@@ -38211,7 +38406,7 @@
           </a:prstGeom>
           <a:extLst>
             <a:ext uri="{C572A759-6A51-4108-AA02-DFA0A04FC94B}">
-              <ma14:wrappingTextBoxFlag xmlns:ma14="http://schemas.microsoft.com/office/mac/drawingml/2011/main" xmlns:a14="http://schemas.microsoft.com/office/drawing/2010/main" xmlns:m="http://schemas.openxmlformats.org/officeDocument/2006/math" xmlns="" val="1"/>
+              <ma14:wrappingTextBoxFlag xmlns="" xmlns:m="http://schemas.openxmlformats.org/officeDocument/2006/math" xmlns:a14="http://schemas.microsoft.com/office/drawing/2010/main" xmlns:ma14="http://schemas.microsoft.com/office/mac/drawingml/2011/main" val="1"/>
             </a:ext>
           </a:extLst>
         </p:spPr>
@@ -42350,12 +42545,8 @@
           <a:p>
             <a:pPr lvl="0"/>
             <a:r>
-              <a:rPr lang="en-US" dirty="0" err="1"/>
-              <a:t>Interprocess</a:t>
-            </a:r>
-            <a:r>
               <a:rPr lang="en-US" dirty="0"/>
-              <a:t> communication by shared memory</a:t>
+              <a:t>Inter-process communication by shared memory</a:t>
             </a:r>
           </a:p>
           <a:p>
@@ -42471,7 +42662,19 @@
           <a:p>
             <a:r>
               <a:rPr lang="en-US" dirty="0"/>
-              <a:t>Each thread decides when it should yield to let</a:t>
+              <a:t>Each thread decides when it should </a:t>
+            </a:r>
+            <a:r>
+              <a:rPr lang="en-US" b="1" i="1" dirty="0">
+                <a:solidFill>
+                  <a:srgbClr val="FF0000"/>
+                </a:solidFill>
+              </a:rPr>
+              <a:t>yield</a:t>
+            </a:r>
+            <a:r>
+              <a:rPr lang="en-US" dirty="0"/>
+              <a:t> to let</a:t>
             </a:r>
             <a:r>
               <a:rPr lang="en-US" baseline="0" dirty="0"/>
@@ -42589,11 +42792,173 @@
           <a:p>
             <a:r>
               <a:rPr lang="en-US" dirty="0"/>
-              <a:t>This means that a computation runs continuously until it is either suspended or completed.</a:t>
+              <a:t>This means that a computation runs </a:t>
+            </a:r>
+            <a:r>
+              <a:rPr lang="en-US" b="1" dirty="0"/>
+              <a:t>continuously</a:t>
+            </a:r>
+            <a:r>
+              <a:rPr lang="en-US" dirty="0"/>
+              <a:t> until it is either suspended or completed.</a:t>
             </a:r>
           </a:p>
         </p:txBody>
       </p:sp>
+      <p:grpSp>
+        <p:nvGrpSpPr>
+          <p:cNvPr id="3" name="Group 2">
+            <a:extLst>
+              <a:ext uri="{FF2B5EF4-FFF2-40B4-BE49-F238E27FC236}">
+                <a16:creationId xmlns:a16="http://schemas.microsoft.com/office/drawing/2014/main" id="{8A237A46-0022-18EF-17E5-E870950CAE3A}"/>
+              </a:ext>
+            </a:extLst>
+          </p:cNvPr>
+          <p:cNvGrpSpPr/>
+          <p:nvPr/>
+        </p:nvGrpSpPr>
+        <p:grpSpPr>
+          <a:xfrm>
+            <a:off x="4198404" y="3821227"/>
+            <a:ext cx="7504723" cy="1176658"/>
+            <a:chOff x="4293618" y="2935823"/>
+            <a:chExt cx="7504723" cy="1176658"/>
+          </a:xfrm>
+        </p:grpSpPr>
+        <p:sp>
+          <p:nvSpPr>
+            <p:cNvPr id="5" name="TextBox 4">
+              <a:extLst>
+                <a:ext uri="{FF2B5EF4-FFF2-40B4-BE49-F238E27FC236}">
+                  <a16:creationId xmlns:a16="http://schemas.microsoft.com/office/drawing/2014/main" id="{B83463A6-DC68-2216-A653-6CF0AE24DFC8}"/>
+                </a:ext>
+              </a:extLst>
+            </p:cNvPr>
+            <p:cNvSpPr txBox="1"/>
+            <p:nvPr/>
+          </p:nvSpPr>
+          <p:spPr>
+            <a:xfrm>
+              <a:off x="6708956" y="3328042"/>
+              <a:ext cx="5089385" cy="784439"/>
+            </a:xfrm>
+            <a:prstGeom prst="rect">
+              <a:avLst/>
+            </a:prstGeom>
+            <a:solidFill>
+              <a:schemeClr val="accent2">
+                <a:lumMod val="20000"/>
+                <a:lumOff val="80000"/>
+              </a:schemeClr>
+            </a:solidFill>
+            <a:ln>
+              <a:solidFill>
+                <a:srgbClr val="0A52B1"/>
+              </a:solidFill>
+            </a:ln>
+          </p:spPr>
+          <p:style>
+            <a:lnRef idx="2">
+              <a:schemeClr val="accent1">
+                <a:shade val="50000"/>
+              </a:schemeClr>
+            </a:lnRef>
+            <a:fillRef idx="1">
+              <a:schemeClr val="accent1"/>
+            </a:fillRef>
+            <a:effectRef idx="0">
+              <a:schemeClr val="accent1"/>
+            </a:effectRef>
+            <a:fontRef idx="minor">
+              <a:schemeClr val="lt1"/>
+            </a:fontRef>
+          </p:style>
+          <p:txBody>
+            <a:bodyPr rot="0" spcFirstLastPara="0" vertOverflow="overflow" horzOverflow="overflow" vert="horz" wrap="square" lIns="91440" tIns="45720" rIns="91440" bIns="45720" numCol="1" spcCol="0" rtlCol="0" fromWordArt="0" anchor="ctr" anchorCtr="0" forceAA="0" compatLnSpc="1">
+              <a:prstTxWarp prst="textNoShape">
+                <a:avLst/>
+              </a:prstTxWarp>
+              <a:noAutofit/>
+            </a:bodyPr>
+            <a:lstStyle/>
+            <a:p>
+              <a:pPr algn="l"/>
+              <a:r>
+                <a:rPr lang="en-US" sz="2400" b="1" dirty="0">
+                  <a:solidFill>
+                    <a:schemeClr val="tx1"/>
+                  </a:solidFill>
+                  <a:latin typeface="Ink Free" panose="03080402000500000000" pitchFamily="66" charset="0"/>
+                </a:rPr>
+                <a:t>This is known as “</a:t>
+              </a:r>
+              <a:r>
+                <a:rPr lang="en-US" sz="2400" dirty="0">
+                  <a:solidFill>
+                    <a:schemeClr val="tx1"/>
+                  </a:solidFill>
+                  <a:latin typeface="Ink Free" panose="03080402000500000000" pitchFamily="66" charset="0"/>
+                </a:rPr>
+                <a:t>Run to Completion</a:t>
+              </a:r>
+              <a:r>
+                <a:rPr lang="en-US" sz="2400" b="1" dirty="0">
+                  <a:solidFill>
+                    <a:schemeClr val="tx1"/>
+                  </a:solidFill>
+                  <a:latin typeface="Ink Free" panose="03080402000500000000" pitchFamily="66" charset="0"/>
+                </a:rPr>
+                <a:t>”</a:t>
+              </a:r>
+            </a:p>
+          </p:txBody>
+        </p:sp>
+        <p:cxnSp>
+          <p:nvCxnSpPr>
+            <p:cNvPr id="6" name="Straight Arrow Connector 5">
+              <a:extLst>
+                <a:ext uri="{FF2B5EF4-FFF2-40B4-BE49-F238E27FC236}">
+                  <a16:creationId xmlns:a16="http://schemas.microsoft.com/office/drawing/2014/main" id="{8AE9874A-EAC2-9450-4274-5CE879E92AD4}"/>
+                </a:ext>
+              </a:extLst>
+            </p:cNvPr>
+            <p:cNvCxnSpPr>
+              <a:cxnSpLocks/>
+              <a:stCxn id="5" idx="1"/>
+            </p:cNvCxnSpPr>
+            <p:nvPr/>
+          </p:nvCxnSpPr>
+          <p:spPr>
+            <a:xfrm flipH="1" flipV="1">
+              <a:off x="4293618" y="2935823"/>
+              <a:ext cx="2415338" cy="784439"/>
+            </a:xfrm>
+            <a:prstGeom prst="straightConnector1">
+              <a:avLst/>
+            </a:prstGeom>
+            <a:ln w="12700">
+              <a:solidFill>
+                <a:srgbClr val="0A52B1"/>
+              </a:solidFill>
+              <a:tailEnd type="stealth" w="lg" len="lg"/>
+            </a:ln>
+          </p:spPr>
+          <p:style>
+            <a:lnRef idx="1">
+              <a:schemeClr val="accent1"/>
+            </a:lnRef>
+            <a:fillRef idx="0">
+              <a:schemeClr val="accent1"/>
+            </a:fillRef>
+            <a:effectRef idx="0">
+              <a:schemeClr val="accent1"/>
+            </a:effectRef>
+            <a:fontRef idx="minor">
+              <a:schemeClr val="tx1"/>
+            </a:fontRef>
+          </p:style>
+        </p:cxnSp>
+      </p:grpSp>
     </p:spTree>
     <p:extLst>
       <p:ext uri="{BB962C8B-B14F-4D97-AF65-F5344CB8AC3E}">
@@ -42604,6 +42969,134 @@
   <p:clrMapOvr>
     <a:masterClrMapping/>
   </p:clrMapOvr>
+  <p:timing>
+    <p:tnLst>
+      <p:par>
+        <p:cTn id="1" dur="indefinite" restart="never" nodeType="tmRoot">
+          <p:childTnLst>
+            <p:seq concurrent="1" nextAc="seek">
+              <p:cTn id="2" dur="indefinite" nodeType="mainSeq">
+                <p:childTnLst>
+                  <p:par>
+                    <p:cTn id="3" fill="hold">
+                      <p:stCondLst>
+                        <p:cond delay="indefinite"/>
+                      </p:stCondLst>
+                      <p:childTnLst>
+                        <p:par>
+                          <p:cTn id="4" fill="hold">
+                            <p:stCondLst>
+                              <p:cond delay="0"/>
+                            </p:stCondLst>
+                            <p:childTnLst>
+                              <p:par>
+                                <p:cTn id="5" presetID="1" presetClass="entr" presetSubtype="0" fill="hold" nodeType="clickEffect">
+                                  <p:stCondLst>
+                                    <p:cond delay="0"/>
+                                  </p:stCondLst>
+                                  <p:childTnLst>
+                                    <p:set>
+                                      <p:cBhvr>
+                                        <p:cTn id="6" dur="1" fill="hold">
+                                          <p:stCondLst>
+                                            <p:cond delay="0"/>
+                                          </p:stCondLst>
+                                        </p:cTn>
+                                        <p:tgtEl>
+                                          <p:spTgt spid="3"/>
+                                        </p:tgtEl>
+                                        <p:attrNameLst>
+                                          <p:attrName>style.visibility</p:attrName>
+                                        </p:attrNameLst>
+                                      </p:cBhvr>
+                                      <p:to>
+                                        <p:strVal val="visible"/>
+                                      </p:to>
+                                    </p:set>
+                                  </p:childTnLst>
+                                </p:cTn>
+                              </p:par>
+                            </p:childTnLst>
+                          </p:cTn>
+                        </p:par>
+                      </p:childTnLst>
+                    </p:cTn>
+                  </p:par>
+                  <p:par>
+                    <p:cTn id="7" fill="hold">
+                      <p:stCondLst>
+                        <p:cond delay="indefinite"/>
+                      </p:stCondLst>
+                      <p:childTnLst>
+                        <p:par>
+                          <p:cTn id="8" fill="hold">
+                            <p:stCondLst>
+                              <p:cond delay="0"/>
+                            </p:stCondLst>
+                            <p:childTnLst>
+                              <p:par>
+                                <p:cTn id="9" presetID="10" presetClass="exit" presetSubtype="0" fill="hold" nodeType="clickEffect">
+                                  <p:stCondLst>
+                                    <p:cond delay="0"/>
+                                  </p:stCondLst>
+                                  <p:childTnLst>
+                                    <p:animEffect transition="out" filter="fade">
+                                      <p:cBhvr>
+                                        <p:cTn id="10" dur="500"/>
+                                        <p:tgtEl>
+                                          <p:spTgt spid="3"/>
+                                        </p:tgtEl>
+                                      </p:cBhvr>
+                                    </p:animEffect>
+                                    <p:set>
+                                      <p:cBhvr>
+                                        <p:cTn id="11" dur="1" fill="hold">
+                                          <p:stCondLst>
+                                            <p:cond delay="499"/>
+                                          </p:stCondLst>
+                                        </p:cTn>
+                                        <p:tgtEl>
+                                          <p:spTgt spid="3"/>
+                                        </p:tgtEl>
+                                        <p:attrNameLst>
+                                          <p:attrName>style.visibility</p:attrName>
+                                        </p:attrNameLst>
+                                      </p:cBhvr>
+                                      <p:to>
+                                        <p:strVal val="hidden"/>
+                                      </p:to>
+                                    </p:set>
+                                  </p:childTnLst>
+                                </p:cTn>
+                              </p:par>
+                            </p:childTnLst>
+                          </p:cTn>
+                        </p:par>
+                      </p:childTnLst>
+                    </p:cTn>
+                  </p:par>
+                </p:childTnLst>
+              </p:cTn>
+              <p:prevCondLst>
+                <p:cond evt="onPrev" delay="0">
+                  <p:tgtEl>
+                    <p:sldTgt/>
+                  </p:tgtEl>
+                </p:cond>
+              </p:prevCondLst>
+              <p:nextCondLst>
+                <p:cond evt="onNext" delay="0">
+                  <p:tgtEl>
+                    <p:sldTgt/>
+                  </p:tgtEl>
+                </p:cond>
+              </p:nextCondLst>
+            </p:seq>
+          </p:childTnLst>
+        </p:cTn>
+      </p:par>
+    </p:tnLst>
+  </p:timing>
 </p:sld>
 </file>
 
@@ -42864,15 +43357,7 @@
           <a:p>
             <a:r>
               <a:rPr lang="en-US" dirty="0"/>
-              <a:t>You will hardly ever call one of these primitives yourself; usually they are wrapped in a convenient procedure, </a:t>
-            </a:r>
-            <a:r>
-              <a:rPr lang="en-US" dirty="0" err="1"/>
-              <a:t>eg</a:t>
-            </a:r>
-            <a:r>
-              <a:rPr lang="en-US" dirty="0"/>
-              <a:t>, we write</a:t>
+              <a:t>You will hardly ever call one of these primitives yourself; usually they are wrapped in a convenient procedure, e.g., we write</a:t>
             </a:r>
           </a:p>
           <a:p>
@@ -43262,7 +43747,7 @@
           <a:p>
             <a:r>
               <a:rPr lang="en-US" dirty="0"/>
-              <a:t>A promise is created to do the </a:t>
+              <a:t>A promise is created to run the </a:t>
             </a:r>
             <a:r>
               <a:rPr lang="en-US" sz="2800" b="0" dirty="0">
@@ -43275,8 +43760,12 @@
               <a:t>more code </a:t>
             </a:r>
             <a:r>
+              <a:rPr lang="en-US" i="1" dirty="0"/>
+              <a:t>after</a:t>
+            </a:r>
+            <a:r>
               <a:rPr lang="en-US" dirty="0"/>
-              <a:t>after the http call returns.</a:t>
+              <a:t> the http call returns (i.e., the code after “awaits” is blocked)</a:t>
             </a:r>
           </a:p>
           <a:p>
@@ -43305,7 +43794,15 @@
             </a:r>
             <a:r>
               <a:rPr lang="en-US" dirty="0"/>
-              <a:t>returns immediately.</a:t>
+              <a:t>returns </a:t>
+            </a:r>
+            <a:r>
+              <a:rPr lang="en-US" u="sng" dirty="0"/>
+              <a:t>immediately</a:t>
+            </a:r>
+            <a:r>
+              <a:rPr lang="en-US" dirty="0"/>
+              <a:t>.</a:t>
             </a:r>
           </a:p>
           <a:p>
@@ -43411,7 +43908,7 @@
               </a:pPr>
               <a:t>9</a:t>
             </a:fld>
-            <a:endParaRPr kumimoji="0" lang="en-US" sz="1200" b="0" i="0" u="none" strike="noStrike" kern="1200" cap="none" spc="0" normalizeH="0" baseline="0" noProof="0">
+            <a:endParaRPr kumimoji="0" lang="en-US" sz="1200" b="0" i="0" u="none" strike="noStrike" kern="1200" cap="none" spc="0" normalizeH="0" baseline="0" noProof="0" dirty="0">
               <a:ln>
                 <a:noFill/>
               </a:ln>
@@ -43445,7 +43942,7 @@
         <p:spPr>
           <a:xfrm>
             <a:off x="520996" y="1701523"/>
-            <a:ext cx="11281144" cy="2246769"/>
+            <a:ext cx="11281144" cy="2677656"/>
           </a:xfrm>
           <a:prstGeom prst="rect">
             <a:avLst/>
@@ -43593,6 +44090,36 @@
                 <a:latin typeface="Consolas" panose="020B0609020204030204" pitchFamily="49" charset="0"/>
               </a:rPr>
               <a:t>    </a:t>
+            </a:r>
+            <a:r>
+              <a:rPr lang="en-US" sz="2800" b="0" dirty="0">
+                <a:solidFill>
+                  <a:srgbClr val="008000"/>
+                </a:solidFill>
+                <a:effectLst/>
+                <a:latin typeface="Consolas" panose="020B0609020204030204" pitchFamily="49" charset="0"/>
+              </a:rPr>
+              <a:t>// some code</a:t>
+            </a:r>
+            <a:endParaRPr lang="en-US" sz="2800" b="0" dirty="0">
+              <a:solidFill>
+                <a:srgbClr val="000000"/>
+              </a:solidFill>
+              <a:effectLst/>
+              <a:latin typeface="Consolas" panose="020B0609020204030204" pitchFamily="49" charset="0"/>
+            </a:endParaRPr>
+          </a:p>
+          <a:p>
+            <a:pPr algn="l"/>
+            <a:r>
+              <a:rPr lang="en-US" sz="2800" b="0" dirty="0">
+                <a:solidFill>
+                  <a:srgbClr val="000000"/>
+                </a:solidFill>
+                <a:effectLst/>
+                <a:latin typeface="Consolas" panose="020B0609020204030204" pitchFamily="49" charset="0"/>
+              </a:rPr>
+              <a:t>    </a:t>
             </a:r>
             <a:r>
               <a:rPr lang="en-US" sz="2800" b="0" dirty="0">

--- a/Slides/Module 05 Concurrency Patterns in Typescript.pptx
+++ b/Slides/Module 05 Concurrency Patterns in Typescript.pptx
@@ -447,6 +447,60 @@
           <pc:docMk/>
           <pc:sldMk cId="2314319587" sldId="556"/>
         </pc:sldMkLst>
+      </pc:sldChg>
+    </pc:docChg>
+  </pc:docChgLst>
+  <pc:docChgLst>
+    <pc:chgData name="Mitchell Wand" userId="de9b44c55c049659" providerId="LiveId" clId="{5F788236-F622-4F92-81A2-AAB773A767CB}"/>
+    <pc:docChg chg="undo custSel addSld modSld">
+      <pc:chgData name="Mitchell Wand" userId="de9b44c55c049659" providerId="LiveId" clId="{5F788236-F622-4F92-81A2-AAB773A767CB}" dt="2022-09-20T18:38:28.835" v="671" actId="20577"/>
+      <pc:docMkLst>
+        <pc:docMk/>
+      </pc:docMkLst>
+      <pc:sldChg chg="modNotesTx">
+        <pc:chgData name="Mitchell Wand" userId="de9b44c55c049659" providerId="LiveId" clId="{5F788236-F622-4F92-81A2-AAB773A767CB}" dt="2022-09-20T17:28:28.152" v="82" actId="20577"/>
+        <pc:sldMkLst>
+          <pc:docMk/>
+          <pc:sldMk cId="0" sldId="262"/>
+        </pc:sldMkLst>
+      </pc:sldChg>
+      <pc:sldChg chg="modNotesTx">
+        <pc:chgData name="Mitchell Wand" userId="de9b44c55c049659" providerId="LiveId" clId="{5F788236-F622-4F92-81A2-AAB773A767CB}" dt="2022-09-20T17:29:13.896" v="184" actId="20577"/>
+        <pc:sldMkLst>
+          <pc:docMk/>
+          <pc:sldMk cId="966027799" sldId="514"/>
+        </pc:sldMkLst>
+      </pc:sldChg>
+      <pc:sldChg chg="addSp modSp new mod modNotesTx">
+        <pc:chgData name="Mitchell Wand" userId="de9b44c55c049659" providerId="LiveId" clId="{5F788236-F622-4F92-81A2-AAB773A767CB}" dt="2022-09-20T18:38:28.835" v="671" actId="20577"/>
+        <pc:sldMkLst>
+          <pc:docMk/>
+          <pc:sldMk cId="3573365039" sldId="557"/>
+        </pc:sldMkLst>
+        <pc:spChg chg="mod">
+          <ac:chgData name="Mitchell Wand" userId="de9b44c55c049659" providerId="LiveId" clId="{5F788236-F622-4F92-81A2-AAB773A767CB}" dt="2022-09-20T18:38:28.835" v="671" actId="20577"/>
+          <ac:spMkLst>
+            <pc:docMk/>
+            <pc:sldMk cId="3573365039" sldId="557"/>
+            <ac:spMk id="2" creationId="{4AB7B9C2-5D09-C319-491E-9E97079CFA3D}"/>
+          </ac:spMkLst>
+        </pc:spChg>
+        <pc:spChg chg="mod">
+          <ac:chgData name="Mitchell Wand" userId="de9b44c55c049659" providerId="LiveId" clId="{5F788236-F622-4F92-81A2-AAB773A767CB}" dt="2022-09-20T18:34:42.701" v="281"/>
+          <ac:spMkLst>
+            <pc:docMk/>
+            <pc:sldMk cId="3573365039" sldId="557"/>
+            <ac:spMk id="3" creationId="{E95A29C5-3A07-008B-EE77-48C8F818925D}"/>
+          </ac:spMkLst>
+        </pc:spChg>
+        <pc:spChg chg="add mod">
+          <ac:chgData name="Mitchell Wand" userId="de9b44c55c049659" providerId="LiveId" clId="{5F788236-F622-4F92-81A2-AAB773A767CB}" dt="2022-09-20T18:36:09.157" v="308" actId="6549"/>
+          <ac:spMkLst>
+            <pc:docMk/>
+            <pc:sldMk cId="3573365039" sldId="557"/>
+            <ac:spMk id="6" creationId="{D7EEA937-36F0-3A62-61A1-D81A0C7A205D}"/>
+          </ac:spMkLst>
+        </pc:spChg>
       </pc:sldChg>
     </pc:docChg>
   </pc:docChgLst>
@@ -1000,60 +1054,6 @@
           <pc:docMk/>
           <pc:sldMk cId="1831664636" sldId="580"/>
         </pc:sldMkLst>
-      </pc:sldChg>
-    </pc:docChg>
-  </pc:docChgLst>
-  <pc:docChgLst>
-    <pc:chgData name="Mitchell Wand" userId="de9b44c55c049659" providerId="LiveId" clId="{5F788236-F622-4F92-81A2-AAB773A767CB}"/>
-    <pc:docChg chg="undo custSel addSld modSld">
-      <pc:chgData name="Mitchell Wand" userId="de9b44c55c049659" providerId="LiveId" clId="{5F788236-F622-4F92-81A2-AAB773A767CB}" dt="2022-09-20T18:38:28.835" v="671" actId="20577"/>
-      <pc:docMkLst>
-        <pc:docMk/>
-      </pc:docMkLst>
-      <pc:sldChg chg="modNotesTx">
-        <pc:chgData name="Mitchell Wand" userId="de9b44c55c049659" providerId="LiveId" clId="{5F788236-F622-4F92-81A2-AAB773A767CB}" dt="2022-09-20T17:28:28.152" v="82" actId="20577"/>
-        <pc:sldMkLst>
-          <pc:docMk/>
-          <pc:sldMk cId="0" sldId="262"/>
-        </pc:sldMkLst>
-      </pc:sldChg>
-      <pc:sldChg chg="modNotesTx">
-        <pc:chgData name="Mitchell Wand" userId="de9b44c55c049659" providerId="LiveId" clId="{5F788236-F622-4F92-81A2-AAB773A767CB}" dt="2022-09-20T17:29:13.896" v="184" actId="20577"/>
-        <pc:sldMkLst>
-          <pc:docMk/>
-          <pc:sldMk cId="966027799" sldId="514"/>
-        </pc:sldMkLst>
-      </pc:sldChg>
-      <pc:sldChg chg="addSp modSp new mod modNotesTx">
-        <pc:chgData name="Mitchell Wand" userId="de9b44c55c049659" providerId="LiveId" clId="{5F788236-F622-4F92-81A2-AAB773A767CB}" dt="2022-09-20T18:38:28.835" v="671" actId="20577"/>
-        <pc:sldMkLst>
-          <pc:docMk/>
-          <pc:sldMk cId="3573365039" sldId="557"/>
-        </pc:sldMkLst>
-        <pc:spChg chg="mod">
-          <ac:chgData name="Mitchell Wand" userId="de9b44c55c049659" providerId="LiveId" clId="{5F788236-F622-4F92-81A2-AAB773A767CB}" dt="2022-09-20T18:38:28.835" v="671" actId="20577"/>
-          <ac:spMkLst>
-            <pc:docMk/>
-            <pc:sldMk cId="3573365039" sldId="557"/>
-            <ac:spMk id="2" creationId="{4AB7B9C2-5D09-C319-491E-9E97079CFA3D}"/>
-          </ac:spMkLst>
-        </pc:spChg>
-        <pc:spChg chg="mod">
-          <ac:chgData name="Mitchell Wand" userId="de9b44c55c049659" providerId="LiveId" clId="{5F788236-F622-4F92-81A2-AAB773A767CB}" dt="2022-09-20T18:34:42.701" v="281"/>
-          <ac:spMkLst>
-            <pc:docMk/>
-            <pc:sldMk cId="3573365039" sldId="557"/>
-            <ac:spMk id="3" creationId="{E95A29C5-3A07-008B-EE77-48C8F818925D}"/>
-          </ac:spMkLst>
-        </pc:spChg>
-        <pc:spChg chg="add mod">
-          <ac:chgData name="Mitchell Wand" userId="de9b44c55c049659" providerId="LiveId" clId="{5F788236-F622-4F92-81A2-AAB773A767CB}" dt="2022-09-20T18:36:09.157" v="308" actId="6549"/>
-          <ac:spMkLst>
-            <pc:docMk/>
-            <pc:sldMk cId="3573365039" sldId="557"/>
-            <ac:spMk id="6" creationId="{D7EEA937-36F0-3A62-61A1-D81A0C7A205D}"/>
-          </ac:spMkLst>
-        </pc:spChg>
       </pc:sldChg>
     </pc:docChg>
   </pc:docChgLst>
@@ -2861,15 +2861,47 @@
           <a:p>
             <a:r>
               <a:rPr lang="en-US" dirty="0"/>
-              <a:t>Here, the caller waits for each request to finish before starting the next one.</a:t>
-            </a:r>
+              <a:t>Note:</a:t>
+            </a:r>
+          </a:p>
+          <a:p>
+            <a:r>
+              <a:rPr lang="en-US" dirty="0"/>
+              <a:t>When one request starts, this code proceeds to the next one. Each request got blocked due to “await” keyword but it returned the control immediately to the calling thread.</a:t>
+            </a:r>
+          </a:p>
+          <a:p>
+            <a:r>
+              <a:rPr lang="en-US" dirty="0"/>
+              <a:t>The starting process (i.., </a:t>
+            </a:r>
+            <a:r>
+              <a:rPr lang="en-US" dirty="0" err="1"/>
+              <a:t>makeThreeSimpleRequests</a:t>
+            </a:r>
+            <a:r>
+              <a:rPr lang="en-US" dirty="0"/>
+              <a:t> method) ran to completion: the Console.log executed before the requests.</a:t>
+            </a:r>
+          </a:p>
+          <a:p>
+            <a:endParaRPr lang="en-US" dirty="0"/>
+          </a:p>
+          <a:p>
+            <a:r>
+              <a:rPr lang="en-US" dirty="0"/>
+              <a:t>Transmission is out-of-order:  Request 2 evidently reached the server before Request 1.</a:t>
+            </a:r>
+          </a:p>
+          <a:p>
+            <a:endParaRPr lang="en-US" dirty="0"/>
           </a:p>
         </p:txBody>
       </p:sp>
     </p:spTree>
     <p:extLst>
       <p:ext uri="{BB962C8B-B14F-4D97-AF65-F5344CB8AC3E}">
-        <p14:creationId xmlns:p14="http://schemas.microsoft.com/office/powerpoint/2010/main" val="2293380916"/>
+        <p14:creationId xmlns:p14="http://schemas.microsoft.com/office/powerpoint/2010/main" val="1088576058"/>
       </p:ext>
     </p:extLst>
   </p:cSld>
@@ -2925,7 +2957,7 @@
           <a:p>
             <a:r>
               <a:rPr lang="en-US" dirty="0"/>
-              <a:t>In previous examples, promised were returned (but there were implied or implicit). Now you can clearly see them and store them</a:t>
+              <a:t>Here, the caller waits for each request to finish before starting the next one.</a:t>
             </a:r>
           </a:p>
         </p:txBody>
@@ -2933,7 +2965,7 @@
     </p:spTree>
     <p:extLst>
       <p:ext uri="{BB962C8B-B14F-4D97-AF65-F5344CB8AC3E}">
-        <p14:creationId xmlns:p14="http://schemas.microsoft.com/office/powerpoint/2010/main" val="4173860277"/>
+        <p14:creationId xmlns:p14="http://schemas.microsoft.com/office/powerpoint/2010/main" val="2293380916"/>
       </p:ext>
     </p:extLst>
   </p:cSld>
@@ -2988,12 +3020,8 @@
           <a:lstStyle/>
           <a:p>
             <a:r>
-              <a:rPr lang="en-US" dirty="0" err="1"/>
-              <a:t>Promise.all</a:t>
-            </a:r>
-            <a:r>
               <a:rPr lang="en-US" dirty="0"/>
-              <a:t> allows you to block some process until ALL of the promises are satisfied.</a:t>
+              <a:t>In previous examples, promised were returned (but there were implied or implicit). Now you can clearly see them and store them</a:t>
             </a:r>
           </a:p>
         </p:txBody>
@@ -3001,7 +3029,7 @@
     </p:spTree>
     <p:extLst>
       <p:ext uri="{BB962C8B-B14F-4D97-AF65-F5344CB8AC3E}">
-        <p14:creationId xmlns:p14="http://schemas.microsoft.com/office/powerpoint/2010/main" val="3451085426"/>
+        <p14:creationId xmlns:p14="http://schemas.microsoft.com/office/powerpoint/2010/main" val="4173860277"/>
       </p:ext>
     </p:extLst>
   </p:cSld>
@@ -3056,17 +3084,12 @@
           <a:lstStyle/>
           <a:p>
             <a:r>
+              <a:rPr lang="en-US" dirty="0" err="1"/>
+              <a:t>Promise.all</a:t>
+            </a:r>
+            <a:r>
               <a:rPr lang="en-US" dirty="0"/>
-              <a:t>We should leverage concurrency whenever possible. </a:t>
-            </a:r>
-          </a:p>
-          <a:p>
-            <a:endParaRPr lang="en-US" dirty="0"/>
-          </a:p>
-          <a:p>
-            <a:r>
-              <a:rPr lang="en-US" dirty="0"/>
-              <a:t>(Time is average of 100 runs on Prof. Wand’s Lenovo X1)</a:t>
+              <a:t> allows you to block some process until ALL of the promises are satisfied.</a:t>
             </a:r>
           </a:p>
         </p:txBody>
@@ -3074,7 +3097,7 @@
     </p:spTree>
     <p:extLst>
       <p:ext uri="{BB962C8B-B14F-4D97-AF65-F5344CB8AC3E}">
-        <p14:creationId xmlns:p14="http://schemas.microsoft.com/office/powerpoint/2010/main" val="2468432417"/>
+        <p14:creationId xmlns:p14="http://schemas.microsoft.com/office/powerpoint/2010/main" val="3451085426"/>
       </p:ext>
     </p:extLst>
   </p:cSld>
@@ -3130,7 +3153,7 @@
           <a:p>
             <a:r>
               <a:rPr lang="en-US" dirty="0"/>
-              <a:t>Concurrency lets us mask latency. </a:t>
+              <a:t>We should leverage concurrency whenever possible. </a:t>
             </a:r>
           </a:p>
           <a:p>
@@ -3139,48 +3162,7 @@
           <a:p>
             <a:r>
               <a:rPr lang="en-US" dirty="0"/>
-              <a:t>Well-written asynchronous code leverages concurrency when possible.</a:t>
-            </a:r>
-          </a:p>
-          <a:p>
-            <a:r>
-              <a:rPr lang="en-US" dirty="0"/>
-              <a:t>If you have a bunch of things that can be done at the same time, say, making 3 requests to servers, and you don’t care the order in which those requests are made, then do not write code that enforces any ordering. The example on the right will produce output that might have a different order than the one on the left, but if we are OK with that, we can mask how slow that I/O is by doing things concurrently.</a:t>
-            </a:r>
-          </a:p>
-          <a:p>
-            <a:endParaRPr lang="en-US" dirty="0"/>
-          </a:p>
-          <a:p>
-            <a:r>
-              <a:rPr lang="en-US" dirty="0"/>
-              <a:t>(Click through builds to see the sequence of operations. The * stands in for </a:t>
-            </a:r>
-            <a:r>
-              <a:rPr lang="en-US" dirty="0" err="1"/>
-              <a:t>console.log</a:t>
-            </a:r>
-            <a:r>
-              <a:rPr lang="en-US" dirty="0"/>
-              <a:t>, boxes are not to-scale. Notice how on the concurrent one the results got printed as 3,2,1.</a:t>
-            </a:r>
-          </a:p>
-          <a:p>
-            <a:endParaRPr lang="en-US" dirty="0"/>
-          </a:p>
-          <a:p>
-            <a:r>
-              <a:rPr lang="en-US" dirty="0"/>
-              <a:t>In this simple example the performance difference is a small absolute number (130msec), but another way of saying it is that the code on the left is 2.5x slower!</a:t>
-            </a:r>
-          </a:p>
-          <a:p>
-            <a:endParaRPr lang="en-US" dirty="0"/>
-          </a:p>
-          <a:p>
-            <a:r>
-              <a:rPr lang="en-US" dirty="0"/>
-              <a:t>If you had more concurrent requests to make (say 10 instead of 3), then losing the latency is a bigger loss: 105 vs. 694 msecs:  a 7x difference!!</a:t>
+              <a:t>(Time is average of 100 runs on Prof. Wand’s Lenovo X1)</a:t>
             </a:r>
           </a:p>
         </p:txBody>
@@ -3188,7 +3170,7 @@
     </p:spTree>
     <p:extLst>
       <p:ext uri="{BB962C8B-B14F-4D97-AF65-F5344CB8AC3E}">
-        <p14:creationId xmlns:p14="http://schemas.microsoft.com/office/powerpoint/2010/main" val="3672567741"/>
+        <p14:creationId xmlns:p14="http://schemas.microsoft.com/office/powerpoint/2010/main" val="2468432417"/>
       </p:ext>
     </p:extLst>
   </p:cSld>
@@ -3242,14 +3224,67 @@
           <a:bodyPr/>
           <a:lstStyle/>
           <a:p>
+            <a:r>
+              <a:rPr lang="en-US" dirty="0"/>
+              <a:t>Concurrency lets us mask latency. </a:t>
+            </a:r>
+          </a:p>
+          <a:p>
             <a:endParaRPr lang="en-US" dirty="0"/>
+          </a:p>
+          <a:p>
+            <a:r>
+              <a:rPr lang="en-US" dirty="0"/>
+              <a:t>Well-written asynchronous code leverages concurrency when possible.</a:t>
+            </a:r>
+          </a:p>
+          <a:p>
+            <a:r>
+              <a:rPr lang="en-US" dirty="0"/>
+              <a:t>If you have a bunch of things that can be done at the same time, say, making 3 requests to servers, and you don’t care the order in which those requests are made, then do not write code that enforces any ordering. The example on the right will produce output that might have a different order than the one on the left, but if we are OK with that, we can mask how slow that I/O is by doing things concurrently.</a:t>
+            </a:r>
+          </a:p>
+          <a:p>
+            <a:endParaRPr lang="en-US" dirty="0"/>
+          </a:p>
+          <a:p>
+            <a:r>
+              <a:rPr lang="en-US" dirty="0"/>
+              <a:t>(Click through builds to see the sequence of operations. The * stands in for </a:t>
+            </a:r>
+            <a:r>
+              <a:rPr lang="en-US" dirty="0" err="1"/>
+              <a:t>console.log</a:t>
+            </a:r>
+            <a:r>
+              <a:rPr lang="en-US" dirty="0"/>
+              <a:t>, boxes are not to-scale. Notice how on the concurrent one the results got printed as 3,2,1.</a:t>
+            </a:r>
+          </a:p>
+          <a:p>
+            <a:endParaRPr lang="en-US" dirty="0"/>
+          </a:p>
+          <a:p>
+            <a:r>
+              <a:rPr lang="en-US" dirty="0"/>
+              <a:t>In this simple example the performance difference is a small absolute number (130msec), but another way of saying it is that the code on the left is 2.5x slower!</a:t>
+            </a:r>
+          </a:p>
+          <a:p>
+            <a:endParaRPr lang="en-US" dirty="0"/>
+          </a:p>
+          <a:p>
+            <a:r>
+              <a:rPr lang="en-US" dirty="0"/>
+              <a:t>If you had more concurrent requests to make (say 10 instead of 3), then losing the latency is a bigger loss: 105 vs. 694 msecs:  a 7x difference!!</a:t>
+            </a:r>
           </a:p>
         </p:txBody>
       </p:sp>
     </p:spTree>
     <p:extLst>
       <p:ext uri="{BB962C8B-B14F-4D97-AF65-F5344CB8AC3E}">
-        <p14:creationId xmlns:p14="http://schemas.microsoft.com/office/powerpoint/2010/main" val="993467052"/>
+        <p14:creationId xmlns:p14="http://schemas.microsoft.com/office/powerpoint/2010/main" val="3672567741"/>
       </p:ext>
     </p:extLst>
   </p:cSld>
@@ -3303,87 +3338,14 @@
           <a:bodyPr/>
           <a:lstStyle/>
           <a:p>
-            <a:r>
-              <a:rPr lang="en-US" dirty="0"/>
-              <a:t>To test an async function, make the second argument to ‘</a:t>
-            </a:r>
-            <a:r>
-              <a:rPr lang="en-US" b="1" dirty="0"/>
-              <a:t>test</a:t>
-            </a:r>
-            <a:r>
-              <a:rPr lang="en-US" dirty="0"/>
-              <a:t>’ an async function.  This will make ‘</a:t>
-            </a:r>
-            <a:r>
-              <a:rPr lang="en-US" b="1" dirty="0"/>
-              <a:t>expect</a:t>
-            </a:r>
-            <a:r>
-              <a:rPr lang="en-US" dirty="0"/>
-              <a:t>’ itself an async function, so you will need to ‘await’ its result.  </a:t>
-            </a:r>
-          </a:p>
-          <a:p>
             <a:endParaRPr lang="en-US" dirty="0"/>
-          </a:p>
-          <a:p>
-            <a:r>
-              <a:rPr lang="en-US" dirty="0"/>
-              <a:t>Here, </a:t>
-            </a:r>
-            <a:r>
-              <a:rPr lang="en-US" b="1" dirty="0"/>
-              <a:t>echo</a:t>
-            </a:r>
-            <a:r>
-              <a:rPr lang="en-US" dirty="0"/>
-              <a:t> is an async function, so it returns a promise, which should eventually return a string (here “33”) to the async function that called it (here, the </a:t>
-            </a:r>
-            <a:r>
-              <a:rPr lang="en-US" b="1" dirty="0"/>
-              <a:t>expect</a:t>
-            </a:r>
-            <a:r>
-              <a:rPr lang="en-US" dirty="0"/>
-              <a:t>).  So here we are saying that we expect echo(33) to return a promise that will eventually resolve to “33”.</a:t>
-            </a:r>
-          </a:p>
-          <a:p>
-            <a:endParaRPr lang="en-US" dirty="0"/>
-          </a:p>
-          <a:p>
-            <a:r>
-              <a:rPr lang="en-US" dirty="0"/>
-              <a:t>Note the await on the next to last line.  If you leave that out, the async function in the test will succeed immediately, without waiting for the expect to run.   The </a:t>
-            </a:r>
-            <a:r>
-              <a:rPr lang="en-US" b="1" dirty="0" err="1"/>
-              <a:t>expect.assertions</a:t>
-            </a:r>
-            <a:r>
-              <a:rPr lang="en-US" b="1" dirty="0"/>
-              <a:t> </a:t>
-            </a:r>
-            <a:r>
-              <a:rPr lang="en-US" dirty="0"/>
-              <a:t>(in blue) tells Jest that the test should run exactly 1 test, so that will make the test fail if you leave out the </a:t>
-            </a:r>
-            <a:r>
-              <a:rPr lang="en-US" b="1" dirty="0"/>
-              <a:t>await</a:t>
-            </a:r>
-            <a:r>
-              <a:rPr lang="en-US" dirty="0"/>
-              <a:t>.</a:t>
-            </a:r>
           </a:p>
         </p:txBody>
       </p:sp>
     </p:spTree>
     <p:extLst>
       <p:ext uri="{BB962C8B-B14F-4D97-AF65-F5344CB8AC3E}">
-        <p14:creationId xmlns:p14="http://schemas.microsoft.com/office/powerpoint/2010/main" val="2346919348"/>
+        <p14:creationId xmlns:p14="http://schemas.microsoft.com/office/powerpoint/2010/main" val="993467052"/>
       </p:ext>
     </p:extLst>
   </p:cSld>
@@ -3437,92 +3399,87 @@
           <a:bodyPr/>
           <a:lstStyle/>
           <a:p>
-            <a:pPr marL="0" marR="0" lvl="0" indent="0" algn="l" defTabSz="228600" eaLnBrk="1" fontAlgn="auto" latinLnBrk="0" hangingPunct="1">
-              <a:lnSpc>
-                <a:spcPct val="117999"/>
-              </a:lnSpc>
-              <a:spcBef>
-                <a:spcPts val="0"/>
-              </a:spcBef>
-              <a:spcAft>
-                <a:spcPts val="0"/>
-              </a:spcAft>
-              <a:buClrTx/>
-              <a:buSzTx/>
-              <a:buFontTx/>
-              <a:buNone/>
-              <a:tabLst/>
-              <a:defRPr/>
-            </a:pPr>
             <a:r>
               <a:rPr lang="en-US" dirty="0"/>
-              <a:t>(Read slide, these points summarize past few slides, adding the note that if you have concurrency, you have concurrency)</a:t>
-            </a:r>
-            <a:r>
-              <a:rPr lang="en-US" sz="1100" b="1" dirty="0">
-                <a:solidFill>
-                  <a:schemeClr val="tx1"/>
-                </a:solidFill>
-                <a:latin typeface="Ink Free" panose="03080402000500000000" pitchFamily="66" charset="0"/>
-              </a:rPr>
+              <a:t>To test an async function, make the second argument to ‘</a:t>
+            </a:r>
+            <a:r>
+              <a:rPr lang="en-US" b="1" dirty="0"/>
+              <a:t>test</a:t>
+            </a:r>
+            <a:r>
+              <a:rPr lang="en-US" dirty="0"/>
+              <a:t>’ an async function.  This will make ‘</a:t>
+            </a:r>
+            <a:r>
+              <a:rPr lang="en-US" b="1" dirty="0"/>
+              <a:t>expect</a:t>
+            </a:r>
+            <a:r>
+              <a:rPr lang="en-US" dirty="0"/>
+              <a:t>’ itself an async function, so you will need to ‘await’ its result.  </a:t>
+            </a:r>
+          </a:p>
+          <a:p>
+            <a:endParaRPr lang="en-US" dirty="0"/>
+          </a:p>
+          <a:p>
+            <a:r>
+              <a:rPr lang="en-US" dirty="0"/>
+              <a:t>Here, </a:t>
+            </a:r>
+            <a:r>
+              <a:rPr lang="en-US" b="1" dirty="0"/>
+              <a:t>echo</a:t>
+            </a:r>
+            <a:r>
+              <a:rPr lang="en-US" dirty="0"/>
+              <a:t> is an async function, so it returns a promise, which should eventually return a string (here “33”) to the async function that called it (here, the </a:t>
+            </a:r>
+            <a:r>
+              <a:rPr lang="en-US" b="1" dirty="0"/>
+              <a:t>expect</a:t>
+            </a:r>
+            <a:r>
+              <a:rPr lang="en-US" dirty="0"/>
+              <a:t>).  So here we are saying that we expect echo(33) to return a promise that will eventually resolve to “33”.</a:t>
+            </a:r>
+          </a:p>
+          <a:p>
+            <a:endParaRPr lang="en-US" dirty="0"/>
+          </a:p>
+          <a:p>
+            <a:r>
+              <a:rPr lang="en-US" dirty="0"/>
+              <a:t>Note the await on the next to last line.  If you leave that out, the async function in the test will succeed immediately, without waiting for the expect to run.   The </a:t>
+            </a:r>
+            <a:r>
+              <a:rPr lang="en-US" b="1" dirty="0" err="1"/>
+              <a:t>expect.assertions</a:t>
+            </a:r>
+            <a:r>
+              <a:rPr lang="en-US" b="1" dirty="0"/>
               <a:t> </a:t>
             </a:r>
-          </a:p>
-          <a:p>
-            <a:pPr marL="0" marR="0" lvl="0" indent="0" algn="l" defTabSz="228600" eaLnBrk="1" fontAlgn="auto" latinLnBrk="0" hangingPunct="1">
-              <a:lnSpc>
-                <a:spcPct val="117999"/>
-              </a:lnSpc>
-              <a:spcBef>
-                <a:spcPts val="0"/>
-              </a:spcBef>
-              <a:spcAft>
-                <a:spcPts val="0"/>
-              </a:spcAft>
-              <a:buClrTx/>
-              <a:buSzTx/>
-              <a:buFontTx/>
-              <a:buNone/>
-              <a:tabLst/>
-              <a:defRPr/>
-            </a:pPr>
-            <a:r>
-              <a:rPr lang="en-US" sz="1100" b="0" dirty="0">
-                <a:solidFill>
-                  <a:schemeClr val="tx1"/>
-                </a:solidFill>
-                <a:latin typeface="Ink Free" panose="03080402000500000000" pitchFamily="66" charset="0"/>
-              </a:rPr>
-              <a:t>Remember that we broke up </a:t>
-            </a:r>
-            <a:r>
-              <a:rPr lang="en-US" sz="1100" b="0" dirty="0" err="1">
-                <a:solidFill>
-                  <a:schemeClr val="tx1"/>
-                </a:solidFill>
-                <a:latin typeface="Ink Free" panose="03080402000500000000" pitchFamily="66" charset="0"/>
-              </a:rPr>
-              <a:t>asyncProcessStudent</a:t>
-            </a:r>
-            <a:r>
-              <a:rPr lang="en-US" sz="1100" b="0" dirty="0">
-                <a:solidFill>
-                  <a:schemeClr val="tx1"/>
-                </a:solidFill>
-                <a:latin typeface="Ink Free" panose="03080402000500000000" pitchFamily="66" charset="0"/>
-              </a:rPr>
-              <a:t> to give other processes a chance to run; that was an example of the second bullet.</a:t>
-            </a:r>
-          </a:p>
-          <a:p>
-            <a:endParaRPr lang="en-US" dirty="0"/>
+            <a:r>
+              <a:rPr lang="en-US" dirty="0"/>
+              <a:t>(in blue) tells Jest that the test should run exactly 1 test, so that will make the test fail if you leave out the </a:t>
+            </a:r>
+            <a:r>
+              <a:rPr lang="en-US" b="1" dirty="0"/>
+              <a:t>await</a:t>
+            </a:r>
+            <a:r>
+              <a:rPr lang="en-US" dirty="0"/>
+              <a:t>.</a:t>
+            </a:r>
           </a:p>
         </p:txBody>
       </p:sp>
     </p:spTree>
     <p:extLst>
       <p:ext uri="{BB962C8B-B14F-4D97-AF65-F5344CB8AC3E}">
-        <p14:creationId xmlns:p14="http://schemas.microsoft.com/office/powerpoint/2010/main" val="358283542"/>
+        <p14:creationId xmlns:p14="http://schemas.microsoft.com/office/powerpoint/2010/main" val="2346919348"/>
       </p:ext>
     </p:extLst>
   </p:cSld>
@@ -3576,17 +3533,92 @@
           <a:bodyPr/>
           <a:lstStyle/>
           <a:p>
+            <a:pPr marL="0" marR="0" lvl="0" indent="0" algn="l" defTabSz="228600" eaLnBrk="1" fontAlgn="auto" latinLnBrk="0" hangingPunct="1">
+              <a:lnSpc>
+                <a:spcPct val="117999"/>
+              </a:lnSpc>
+              <a:spcBef>
+                <a:spcPts val="0"/>
+              </a:spcBef>
+              <a:spcAft>
+                <a:spcPts val="0"/>
+              </a:spcAft>
+              <a:buClrTx/>
+              <a:buSzTx/>
+              <a:buFontTx/>
+              <a:buNone/>
+              <a:tabLst/>
+              <a:defRPr/>
+            </a:pPr>
             <a:r>
               <a:rPr lang="en-US" dirty="0"/>
-              <a:t>Promises </a:t>
-            </a:r>
+              <a:t>(Read slide, these points summarize past few slides, adding the note that if you have concurrency, you have concurrency)</a:t>
+            </a:r>
+            <a:r>
+              <a:rPr lang="en-US" sz="1100" b="1" dirty="0">
+                <a:solidFill>
+                  <a:schemeClr val="tx1"/>
+                </a:solidFill>
+                <a:latin typeface="Ink Free" panose="03080402000500000000" pitchFamily="66" charset="0"/>
+              </a:rPr>
+              <a:t> </a:t>
+            </a:r>
+          </a:p>
+          <a:p>
+            <a:pPr marL="0" marR="0" lvl="0" indent="0" algn="l" defTabSz="228600" eaLnBrk="1" fontAlgn="auto" latinLnBrk="0" hangingPunct="1">
+              <a:lnSpc>
+                <a:spcPct val="117999"/>
+              </a:lnSpc>
+              <a:spcBef>
+                <a:spcPts val="0"/>
+              </a:spcBef>
+              <a:spcAft>
+                <a:spcPts val="0"/>
+              </a:spcAft>
+              <a:buClrTx/>
+              <a:buSzTx/>
+              <a:buFontTx/>
+              <a:buNone/>
+              <a:tabLst/>
+              <a:defRPr/>
+            </a:pPr>
+            <a:r>
+              <a:rPr lang="en-US" sz="1100" b="0" dirty="0">
+                <a:solidFill>
+                  <a:schemeClr val="tx1"/>
+                </a:solidFill>
+                <a:latin typeface="Ink Free" panose="03080402000500000000" pitchFamily="66" charset="0"/>
+              </a:rPr>
+              <a:t>Remember that we broke up </a:t>
+            </a:r>
+            <a:r>
+              <a:rPr lang="en-US" sz="1100" b="0" dirty="0" err="1">
+                <a:solidFill>
+                  <a:schemeClr val="tx1"/>
+                </a:solidFill>
+                <a:latin typeface="Ink Free" panose="03080402000500000000" pitchFamily="66" charset="0"/>
+              </a:rPr>
+              <a:t>asyncProcessStudent</a:t>
+            </a:r>
+            <a:r>
+              <a:rPr lang="en-US" sz="1100" b="0" dirty="0">
+                <a:solidFill>
+                  <a:schemeClr val="tx1"/>
+                </a:solidFill>
+                <a:latin typeface="Ink Free" panose="03080402000500000000" pitchFamily="66" charset="0"/>
+              </a:rPr>
+              <a:t> to give other processes a chance to run; that was an example of the second bullet.</a:t>
+            </a:r>
+          </a:p>
+          <a:p>
+            <a:endParaRPr lang="en-US" dirty="0"/>
           </a:p>
         </p:txBody>
       </p:sp>
     </p:spTree>
     <p:extLst>
       <p:ext uri="{BB962C8B-B14F-4D97-AF65-F5344CB8AC3E}">
-        <p14:creationId xmlns:p14="http://schemas.microsoft.com/office/powerpoint/2010/main" val="1096998824"/>
+        <p14:creationId xmlns:p14="http://schemas.microsoft.com/office/powerpoint/2010/main" val="358283542"/>
       </p:ext>
     </p:extLst>
   </p:cSld>
@@ -3642,32 +3674,7 @@
           <a:p>
             <a:r>
               <a:rPr lang="en-US" dirty="0"/>
-              <a:t>Promises enforce the order of operations only through the .then. The code in the ‘then’ won’t run until the promise is resolved.</a:t>
-            </a:r>
-          </a:p>
-          <a:p>
-            <a:br>
-              <a:rPr lang="en-US" dirty="0"/>
-            </a:br>
-            <a:r>
-              <a:rPr lang="en-US" dirty="0"/>
-              <a:t>(build through example, explaining the possible orders of results. Point out that we should never depend on the order of results we hear back form google/</a:t>
-            </a:r>
-            <a:r>
-              <a:rPr lang="en-US" dirty="0" err="1"/>
-              <a:t>facebook</a:t>
-            </a:r>
-            <a:r>
-              <a:rPr lang="en-US" dirty="0"/>
-              <a:t>/</a:t>
-            </a:r>
-            <a:r>
-              <a:rPr lang="en-US" dirty="0" err="1"/>
-              <a:t>coveytown</a:t>
-            </a:r>
-            <a:r>
-              <a:rPr lang="en-US" dirty="0"/>
-              <a:t> because it is non-deterministic. You might happen to see 9/10 times one ordering, but there is no guarantee)</a:t>
+              <a:t>Promises </a:t>
             </a:r>
           </a:p>
         </p:txBody>
@@ -3675,7 +3682,7 @@
     </p:spTree>
     <p:extLst>
       <p:ext uri="{BB962C8B-B14F-4D97-AF65-F5344CB8AC3E}">
-        <p14:creationId xmlns:p14="http://schemas.microsoft.com/office/powerpoint/2010/main" val="939291855"/>
+        <p14:creationId xmlns:p14="http://schemas.microsoft.com/office/powerpoint/2010/main" val="1096998824"/>
       </p:ext>
     </p:extLst>
   </p:cSld>
@@ -3818,37 +3825,40 @@
           <a:p>
             <a:r>
               <a:rPr lang="en-US" dirty="0"/>
-              <a:t>You can still have a data race with async await.   Here the printed value of x depends on which of the two promises returns first:  if </a:t>
+              <a:t>Promises enforce the order of operations only through the .then. The code in the ‘then’ won’t run until the promise is resolved.</a:t>
+            </a:r>
+          </a:p>
+          <a:p>
+            <a:br>
+              <a:rPr lang="en-US" dirty="0"/>
+            </a:br>
+            <a:r>
+              <a:rPr lang="en-US" dirty="0"/>
+              <a:t>(build through example, explaining the possible orders of results. Point out that we should never depend on the order of results we hear back form google/</a:t>
             </a:r>
             <a:r>
               <a:rPr lang="en-US" dirty="0" err="1"/>
-              <a:t>asyncDouble</a:t>
+              <a:t>facebook</a:t>
             </a:r>
             <a:r>
               <a:rPr lang="en-US" dirty="0"/>
-              <a:t> returns first, then the result will be 22 (10*2 + 1 + 1).  If </a:t>
+              <a:t>/</a:t>
             </a:r>
             <a:r>
               <a:rPr lang="en-US" dirty="0" err="1"/>
-              <a:t>asyncIncrementTwice</a:t>
+              <a:t>coveytown</a:t>
             </a:r>
             <a:r>
               <a:rPr lang="en-US" dirty="0"/>
-              <a:t> returns first, then the result will be 24 (10+1+1)*2 .</a:t>
-            </a:r>
-          </a:p>
-          <a:p>
-            <a:endParaRPr lang="en-US" dirty="0"/>
-          </a:p>
-          <a:p>
-            <a:endParaRPr lang="en-US" dirty="0"/>
+              <a:t> because it is non-deterministic. You might happen to see 9/10 times one ordering, but there is no guarantee)</a:t>
+            </a:r>
           </a:p>
         </p:txBody>
       </p:sp>
     </p:spTree>
     <p:extLst>
       <p:ext uri="{BB962C8B-B14F-4D97-AF65-F5344CB8AC3E}">
-        <p14:creationId xmlns:p14="http://schemas.microsoft.com/office/powerpoint/2010/main" val="3094308994"/>
+        <p14:creationId xmlns:p14="http://schemas.microsoft.com/office/powerpoint/2010/main" val="939291855"/>
       </p:ext>
     </p:extLst>
   </p:cSld>
@@ -3903,98 +3913,25 @@
           <a:lstStyle/>
           <a:p>
             <a:r>
-              <a:rPr lang="en-US" b="0" dirty="0">
-                <a:solidFill>
-                  <a:srgbClr val="008000"/>
-                </a:solidFill>
-                <a:effectLst/>
-                <a:latin typeface="Consolas" panose="020B0609020204030204" pitchFamily="49" charset="0"/>
-              </a:rPr>
-              <a:t>In an interrupt-based model, it is possible that statement 1 runs *BETWEEN*</a:t>
-            </a:r>
-            <a:endParaRPr lang="en-US" b="0" dirty="0">
-              <a:solidFill>
-                <a:srgbClr val="000000"/>
-              </a:solidFill>
-              <a:effectLst/>
-              <a:latin typeface="Consolas" panose="020B0609020204030204" pitchFamily="49" charset="0"/>
-            </a:endParaRPr>
-          </a:p>
-          <a:p>
-            <a:r>
-              <a:rPr lang="en-US" b="0" dirty="0">
-                <a:solidFill>
-                  <a:srgbClr val="008000"/>
-                </a:solidFill>
-                <a:effectLst/>
-                <a:latin typeface="Consolas" panose="020B0609020204030204" pitchFamily="49" charset="0"/>
-              </a:rPr>
-              <a:t>statement 2 and statement 3, yielding the order of execution</a:t>
-            </a:r>
-            <a:endParaRPr lang="en-US" b="0" dirty="0">
-              <a:solidFill>
-                <a:srgbClr val="000000"/>
-              </a:solidFill>
-              <a:effectLst/>
-              <a:latin typeface="Consolas" panose="020B0609020204030204" pitchFamily="49" charset="0"/>
-            </a:endParaRPr>
-          </a:p>
-          <a:p>
-            <a:r>
-              <a:rPr lang="en-US" b="0" dirty="0">
-                <a:solidFill>
-                  <a:srgbClr val="008000"/>
-                </a:solidFill>
-                <a:effectLst/>
-                <a:latin typeface="Consolas" panose="020B0609020204030204" pitchFamily="49" charset="0"/>
-              </a:rPr>
-              <a:t>2,1,3  (final value of x is 25).</a:t>
-            </a:r>
-          </a:p>
-          <a:p>
-            <a:endParaRPr lang="en-US" b="0" dirty="0">
-              <a:solidFill>
-                <a:srgbClr val="008000"/>
-              </a:solidFill>
-              <a:effectLst/>
-              <a:latin typeface="Consolas" panose="020B0609020204030204" pitchFamily="49" charset="0"/>
-            </a:endParaRPr>
-          </a:p>
-          <a:p>
-            <a:r>
               <a:rPr lang="en-US" dirty="0"/>
-              <a:t>Luckily, in Typescript run-to-completion semantics, it is much harder to have an accidental data race– you pretty much have to work to create one.</a:t>
-            </a:r>
-          </a:p>
-          <a:p>
-            <a:endParaRPr lang="en-US" dirty="0"/>
-          </a:p>
-          <a:p>
-            <a:endParaRPr lang="en-US" b="0" dirty="0">
-              <a:solidFill>
-                <a:srgbClr val="000000"/>
-              </a:solidFill>
-              <a:effectLst/>
-              <a:latin typeface="Consolas" panose="020B0609020204030204" pitchFamily="49" charset="0"/>
-            </a:endParaRPr>
-          </a:p>
-          <a:p>
-            <a:br>
-              <a:rPr lang="en-US" b="0" dirty="0">
-                <a:solidFill>
-                  <a:srgbClr val="000000"/>
-                </a:solidFill>
-                <a:effectLst/>
-                <a:latin typeface="Consolas" panose="020B0609020204030204" pitchFamily="49" charset="0"/>
-              </a:rPr>
-            </a:br>
-            <a:endParaRPr lang="en-US" b="0" dirty="0">
-              <a:solidFill>
-                <a:srgbClr val="000000"/>
-              </a:solidFill>
-              <a:effectLst/>
-              <a:latin typeface="Consolas" panose="020B0609020204030204" pitchFamily="49" charset="0"/>
-            </a:endParaRPr>
+              <a:t>You can still have a data race with async await.   Here the printed value of x depends on which of the two promises returns first:  if </a:t>
+            </a:r>
+            <a:r>
+              <a:rPr lang="en-US" dirty="0" err="1"/>
+              <a:t>asyncDouble</a:t>
+            </a:r>
+            <a:r>
+              <a:rPr lang="en-US" dirty="0"/>
+              <a:t> returns first, then the result will be 22 (10*2 + 1 + 1).  If </a:t>
+            </a:r>
+            <a:r>
+              <a:rPr lang="en-US" dirty="0" err="1"/>
+              <a:t>asyncIncrementTwice</a:t>
+            </a:r>
+            <a:r>
+              <a:rPr lang="en-US" dirty="0"/>
+              <a:t> returns first, then the result will be 24 (10+1+1)*2 .</a:t>
+            </a:r>
           </a:p>
           <a:p>
             <a:endParaRPr lang="en-US" dirty="0"/>
@@ -4007,7 +3944,7 @@
     </p:spTree>
     <p:extLst>
       <p:ext uri="{BB962C8B-B14F-4D97-AF65-F5344CB8AC3E}">
-        <p14:creationId xmlns:p14="http://schemas.microsoft.com/office/powerpoint/2010/main" val="3282751170"/>
+        <p14:creationId xmlns:p14="http://schemas.microsoft.com/office/powerpoint/2010/main" val="3094308994"/>
       </p:ext>
     </p:extLst>
   </p:cSld>
@@ -4062,6 +3999,165 @@
           <a:lstStyle/>
           <a:p>
             <a:r>
+              <a:rPr lang="en-US" b="0" dirty="0">
+                <a:solidFill>
+                  <a:srgbClr val="008000"/>
+                </a:solidFill>
+                <a:effectLst/>
+                <a:latin typeface="Consolas" panose="020B0609020204030204" pitchFamily="49" charset="0"/>
+              </a:rPr>
+              <a:t>In an interrupt-based model, it is possible that statement 1 runs *BETWEEN*</a:t>
+            </a:r>
+            <a:endParaRPr lang="en-US" b="0" dirty="0">
+              <a:solidFill>
+                <a:srgbClr val="000000"/>
+              </a:solidFill>
+              <a:effectLst/>
+              <a:latin typeface="Consolas" panose="020B0609020204030204" pitchFamily="49" charset="0"/>
+            </a:endParaRPr>
+          </a:p>
+          <a:p>
+            <a:r>
+              <a:rPr lang="en-US" b="0" dirty="0">
+                <a:solidFill>
+                  <a:srgbClr val="008000"/>
+                </a:solidFill>
+                <a:effectLst/>
+                <a:latin typeface="Consolas" panose="020B0609020204030204" pitchFamily="49" charset="0"/>
+              </a:rPr>
+              <a:t>statement 2 and statement 3, yielding the order of execution</a:t>
+            </a:r>
+            <a:endParaRPr lang="en-US" b="0" dirty="0">
+              <a:solidFill>
+                <a:srgbClr val="000000"/>
+              </a:solidFill>
+              <a:effectLst/>
+              <a:latin typeface="Consolas" panose="020B0609020204030204" pitchFamily="49" charset="0"/>
+            </a:endParaRPr>
+          </a:p>
+          <a:p>
+            <a:r>
+              <a:rPr lang="en-US" b="0" dirty="0">
+                <a:solidFill>
+                  <a:srgbClr val="008000"/>
+                </a:solidFill>
+                <a:effectLst/>
+                <a:latin typeface="Consolas" panose="020B0609020204030204" pitchFamily="49" charset="0"/>
+              </a:rPr>
+              <a:t>2,1,3  (final value of x is 25).</a:t>
+            </a:r>
+          </a:p>
+          <a:p>
+            <a:endParaRPr lang="en-US" b="0" dirty="0">
+              <a:solidFill>
+                <a:srgbClr val="008000"/>
+              </a:solidFill>
+              <a:effectLst/>
+              <a:latin typeface="Consolas" panose="020B0609020204030204" pitchFamily="49" charset="0"/>
+            </a:endParaRPr>
+          </a:p>
+          <a:p>
+            <a:r>
+              <a:rPr lang="en-US" dirty="0"/>
+              <a:t>Luckily, in Typescript run-to-completion semantics, it is much harder to have an accidental data race– you pretty much have to work to create one.</a:t>
+            </a:r>
+          </a:p>
+          <a:p>
+            <a:endParaRPr lang="en-US" dirty="0"/>
+          </a:p>
+          <a:p>
+            <a:endParaRPr lang="en-US" b="0" dirty="0">
+              <a:solidFill>
+                <a:srgbClr val="000000"/>
+              </a:solidFill>
+              <a:effectLst/>
+              <a:latin typeface="Consolas" panose="020B0609020204030204" pitchFamily="49" charset="0"/>
+            </a:endParaRPr>
+          </a:p>
+          <a:p>
+            <a:br>
+              <a:rPr lang="en-US" b="0" dirty="0">
+                <a:solidFill>
+                  <a:srgbClr val="000000"/>
+                </a:solidFill>
+                <a:effectLst/>
+                <a:latin typeface="Consolas" panose="020B0609020204030204" pitchFamily="49" charset="0"/>
+              </a:rPr>
+            </a:br>
+            <a:endParaRPr lang="en-US" b="0" dirty="0">
+              <a:solidFill>
+                <a:srgbClr val="000000"/>
+              </a:solidFill>
+              <a:effectLst/>
+              <a:latin typeface="Consolas" panose="020B0609020204030204" pitchFamily="49" charset="0"/>
+            </a:endParaRPr>
+          </a:p>
+          <a:p>
+            <a:endParaRPr lang="en-US" dirty="0"/>
+          </a:p>
+          <a:p>
+            <a:endParaRPr lang="en-US" dirty="0"/>
+          </a:p>
+        </p:txBody>
+      </p:sp>
+    </p:spTree>
+    <p:extLst>
+      <p:ext uri="{BB962C8B-B14F-4D97-AF65-F5344CB8AC3E}">
+        <p14:creationId xmlns:p14="http://schemas.microsoft.com/office/powerpoint/2010/main" val="3282751170"/>
+      </p:ext>
+    </p:extLst>
+  </p:cSld>
+  <p:clrMapOvr>
+    <a:masterClrMapping/>
+  </p:clrMapOvr>
+</p:notes>
+</file>
+
+<file path=ppt/notesSlides/notesSlide23.xml><?xml version="1.0" encoding="utf-8"?>
+<p:notes xmlns:a="http://schemas.openxmlformats.org/drawingml/2006/main" xmlns:r="http://schemas.openxmlformats.org/officeDocument/2006/relationships" xmlns:p="http://schemas.openxmlformats.org/presentationml/2006/main">
+  <p:cSld>
+    <p:spTree>
+      <p:nvGrpSpPr>
+        <p:cNvPr id="1" name=""/>
+        <p:cNvGrpSpPr/>
+        <p:nvPr/>
+      </p:nvGrpSpPr>
+      <p:grpSpPr>
+        <a:xfrm>
+          <a:off x="0" y="0"/>
+          <a:ext cx="0" cy="0"/>
+          <a:chOff x="0" y="0"/>
+          <a:chExt cx="0" cy="0"/>
+        </a:xfrm>
+      </p:grpSpPr>
+      <p:sp>
+        <p:nvSpPr>
+          <p:cNvPr id="2" name="Slide Image Placeholder 1"/>
+          <p:cNvSpPr>
+            <a:spLocks noGrp="1" noRot="1" noChangeAspect="1"/>
+          </p:cNvSpPr>
+          <p:nvPr>
+            <p:ph type="sldImg"/>
+          </p:nvPr>
+        </p:nvSpPr>
+        <p:spPr/>
+      </p:sp>
+      <p:sp>
+        <p:nvSpPr>
+          <p:cNvPr id="3" name="Notes Placeholder 2"/>
+          <p:cNvSpPr>
+            <a:spLocks noGrp="1"/>
+          </p:cNvSpPr>
+          <p:nvPr>
+            <p:ph type="body" idx="1"/>
+          </p:nvPr>
+        </p:nvSpPr>
+        <p:spPr/>
+        <p:txBody>
+          <a:bodyPr/>
+          <a:lstStyle/>
+          <a:p>
+            <a:r>
               <a:rPr lang="en-US" dirty="0"/>
               <a:t>We said at the end of the last lecture that making a clock that ticks by itself was easy and that we would learn about it in the next lecture.  Well, here it is.</a:t>
             </a:r>
@@ -4109,7 +4205,7 @@
 </p:notes>
 </file>
 
-<file path=ppt/notesSlides/notesSlide23.xml><?xml version="1.0" encoding="utf-8"?>
+<file path=ppt/notesSlides/notesSlide24.xml><?xml version="1.0" encoding="utf-8"?>
 <p:notes xmlns:a="http://schemas.openxmlformats.org/drawingml/2006/main" xmlns:r="http://schemas.openxmlformats.org/officeDocument/2006/relationships" xmlns:p="http://schemas.openxmlformats.org/presentationml/2006/main">
   <p:cSld>
     <p:spTree>
@@ -4197,7 +4293,7 @@
 </p:notes>
 </file>
 
-<file path=ppt/notesSlides/notesSlide24.xml><?xml version="1.0" encoding="utf-8"?>
+<file path=ppt/notesSlides/notesSlide25.xml><?xml version="1.0" encoding="utf-8"?>
 <p:notes xmlns:a="http://schemas.openxmlformats.org/drawingml/2006/main" xmlns:r="http://schemas.openxmlformats.org/officeDocument/2006/relationships" xmlns:p="http://schemas.openxmlformats.org/presentationml/2006/main">
   <p:cSld>
     <p:spTree>
@@ -4576,7 +4672,7 @@
           <a:p>
             <a:r>
               <a:rPr lang="en-US" dirty="0"/>
-              <a:t>The idea that a computation runs until it is either suspended or completed is known as “Run to completion” semantic. JS event handler will not get interrupted and it will continue its work on the current task. This is true even when you create another async task because that async task will not start executing right away. The control will not switch over to any other task.</a:t>
+              <a:t>The idea that a computation runs until it is either suspended or completed is known as “Run to completion” semantic. JS event handler will not get “interrupted” and it will continue its work on the current task. This is true even when you create another async task because that async task will not start executing right away. The control will not switch over to any other task.</a:t>
             </a:r>
           </a:p>
         </p:txBody>
@@ -4639,32 +4735,82 @@
           <a:lstStyle/>
           <a:p>
             <a:r>
+              <a:rPr lang="en-US" dirty="0" err="1"/>
+              <a:t>Javascript</a:t>
+            </a:r>
+            <a:r>
               <a:rPr lang="en-US" dirty="0"/>
-              <a:t>It is important to note that you can call </a:t>
+              <a:t> is a single threaded language. This means it has one call stack and one memory heap. It uses </a:t>
             </a:r>
             <a:r>
               <a:rPr lang="en-US" dirty="0" err="1"/>
-              <a:t>makeRequest</a:t>
+              <a:t>WebAPI</a:t>
             </a:r>
             <a:r>
               <a:rPr lang="en-US" dirty="0"/>
-              <a:t> but it will be awaiting a future response (called a promise). That promise was returned immediately back to the caller (whichever thread called the </a:t>
+              <a:t> to work asynchronously.</a:t>
+            </a:r>
+          </a:p>
+          <a:p>
+            <a:endParaRPr lang="en-US" dirty="0"/>
+          </a:p>
+          <a:p>
+            <a:r>
+              <a:rPr lang="en-US" dirty="0"/>
+              <a:t>How do we get asynchronous code with </a:t>
             </a:r>
             <a:r>
               <a:rPr lang="en-US" dirty="0" err="1"/>
-              <a:t>makeRequest</a:t>
+              <a:t>Javascript</a:t>
             </a:r>
             <a:r>
               <a:rPr lang="en-US" dirty="0"/>
-              <a:t>) and the important point to remember is that the caller’s thread continues on while </a:t>
+              <a:t> then?</a:t>
+            </a:r>
+          </a:p>
+          <a:p>
+            <a:r>
+              <a:rPr lang="en-US" dirty="0"/>
+              <a:t>Well, we can thank the </a:t>
             </a:r>
             <a:r>
               <a:rPr lang="en-US" dirty="0" err="1"/>
-              <a:t>makeRequest</a:t>
+              <a:t>Javascript</a:t>
             </a:r>
             <a:r>
               <a:rPr lang="en-US" dirty="0"/>
-              <a:t> is awaiting</a:t>
+              <a:t> engine (V8, </a:t>
+            </a:r>
+            <a:r>
+              <a:rPr lang="en-US" dirty="0" err="1"/>
+              <a:t>Spidermonkey</a:t>
+            </a:r>
+            <a:r>
+              <a:rPr lang="en-US" dirty="0"/>
+              <a:t>, </a:t>
+            </a:r>
+            <a:r>
+              <a:rPr lang="en-US" dirty="0" err="1"/>
+              <a:t>JavaScriptCore</a:t>
+            </a:r>
+            <a:r>
+              <a:rPr lang="en-US" dirty="0"/>
+              <a:t>, etc...) for that, which has Web API that handle these tasks in the background. The call stack recognizes functions of the Web API and hands them off to be handled by the browser. Once those tasks are finished by the browser, they return and are pushed onto the stack as a callback.</a:t>
+            </a:r>
+          </a:p>
+          <a:p>
+            <a:r>
+              <a:rPr lang="en-US" dirty="0"/>
+              <a:t>Then they are picked up by the event loop one by one.</a:t>
+            </a:r>
+          </a:p>
+          <a:p>
+            <a:endParaRPr lang="en-US" dirty="0"/>
+          </a:p>
+          <a:p>
+            <a:r>
+              <a:rPr lang="en-US" dirty="0"/>
+              <a:t>Try this http://latentflip.com/loupe </a:t>
             </a:r>
           </a:p>
         </p:txBody>
@@ -4672,7 +4818,7 @@
     </p:spTree>
     <p:extLst>
       <p:ext uri="{BB962C8B-B14F-4D97-AF65-F5344CB8AC3E}">
-        <p14:creationId xmlns:p14="http://schemas.microsoft.com/office/powerpoint/2010/main" val="710289817"/>
+        <p14:creationId xmlns:p14="http://schemas.microsoft.com/office/powerpoint/2010/main" val="3945719619"/>
       </p:ext>
     </p:extLst>
   </p:cSld>
@@ -4728,7 +4874,31 @@
           <a:p>
             <a:r>
               <a:rPr lang="en-US" dirty="0"/>
-              <a:t>Run to completion semantics are shown in this output. Here the main thread continued its execution after making the request. Event handler will NOT switch to any other task until the main thread is completed (or it yields)</a:t>
+              <a:t>It is important to note that you can call </a:t>
+            </a:r>
+            <a:r>
+              <a:rPr lang="en-US" dirty="0" err="1"/>
+              <a:t>makeRequest</a:t>
+            </a:r>
+            <a:r>
+              <a:rPr lang="en-US" dirty="0"/>
+              <a:t> but it will be awaiting a future response (called a promise). That promise was returned immediately back to the caller (whichever thread called the </a:t>
+            </a:r>
+            <a:r>
+              <a:rPr lang="en-US" dirty="0" err="1"/>
+              <a:t>makeRequest</a:t>
+            </a:r>
+            <a:r>
+              <a:rPr lang="en-US" dirty="0"/>
+              <a:t>) and the important point to remember is that the caller’s thread continues on while </a:t>
+            </a:r>
+            <a:r>
+              <a:rPr lang="en-US" dirty="0" err="1"/>
+              <a:t>makeRequest</a:t>
+            </a:r>
+            <a:r>
+              <a:rPr lang="en-US" dirty="0"/>
+              <a:t> is awaiting</a:t>
             </a:r>
           </a:p>
         </p:txBody>
@@ -4736,7 +4906,7 @@
     </p:spTree>
     <p:extLst>
       <p:ext uri="{BB962C8B-B14F-4D97-AF65-F5344CB8AC3E}">
-        <p14:creationId xmlns:p14="http://schemas.microsoft.com/office/powerpoint/2010/main" val="1659280304"/>
+        <p14:creationId xmlns:p14="http://schemas.microsoft.com/office/powerpoint/2010/main" val="710289817"/>
       </p:ext>
     </p:extLst>
   </p:cSld>
@@ -4792,47 +4962,15 @@
           <a:p>
             <a:r>
               <a:rPr lang="en-US" dirty="0"/>
-              <a:t>Note:</a:t>
-            </a:r>
-          </a:p>
-          <a:p>
-            <a:r>
-              <a:rPr lang="en-US" dirty="0"/>
-              <a:t>When one request starts, this code proceeds to the next one. Each request got blocked due to “await” keyword but it returned the control immediately to the calling thread.</a:t>
-            </a:r>
-          </a:p>
-          <a:p>
-            <a:r>
-              <a:rPr lang="en-US" dirty="0"/>
-              <a:t>The starting process (i.., </a:t>
-            </a:r>
-            <a:r>
-              <a:rPr lang="en-US" dirty="0" err="1"/>
-              <a:t>makeThreeSimpleRequests</a:t>
-            </a:r>
-            <a:r>
-              <a:rPr lang="en-US" dirty="0"/>
-              <a:t> method) ran to completion: the Console.log executed before the requests.</a:t>
-            </a:r>
-          </a:p>
-          <a:p>
-            <a:endParaRPr lang="en-US" dirty="0"/>
-          </a:p>
-          <a:p>
-            <a:r>
-              <a:rPr lang="en-US" dirty="0"/>
-              <a:t>Transmission is out-of-order:  Request 2 evidently reached the server before Request 1.</a:t>
-            </a:r>
-          </a:p>
-          <a:p>
-            <a:endParaRPr lang="en-US" dirty="0"/>
+              <a:t>Run to completion semantics are shown in this output. Here the main thread continued its execution after making the request. Event handler will NOT switch to any other task until the main thread is completed (or it yields)</a:t>
+            </a:r>
           </a:p>
         </p:txBody>
       </p:sp>
     </p:spTree>
     <p:extLst>
       <p:ext uri="{BB962C8B-B14F-4D97-AF65-F5344CB8AC3E}">
-        <p14:creationId xmlns:p14="http://schemas.microsoft.com/office/powerpoint/2010/main" val="1088576058"/>
+        <p14:creationId xmlns:p14="http://schemas.microsoft.com/office/powerpoint/2010/main" val="1659280304"/>
       </p:ext>
     </p:extLst>
   </p:cSld>
@@ -20035,7 +20173,7 @@
           </a:ln>
           <a:extLst>
             <a:ext uri="{C572A759-6A51-4108-AA02-DFA0A04FC94B}">
-              <ma14:wrappingTextBoxFlag xmlns:ma14="http://schemas.microsoft.com/office/mac/drawingml/2011/main" xmlns:a14="http://schemas.microsoft.com/office/drawing/2010/main" xmlns:m="http://schemas.openxmlformats.org/officeDocument/2006/math" xmlns="" val="1"/>
+              <ma14:wrappingTextBoxFlag xmlns="" xmlns:m="http://schemas.openxmlformats.org/officeDocument/2006/math" xmlns:a14="http://schemas.microsoft.com/office/drawing/2010/main" xmlns:ma14="http://schemas.microsoft.com/office/mac/drawingml/2011/main" val="1"/>
             </a:ext>
           </a:extLst>
         </p:spPr>
@@ -20624,7 +20762,7 @@
           </a:ln>
           <a:extLst>
             <a:ext uri="{C572A759-6A51-4108-AA02-DFA0A04FC94B}">
-              <ma14:wrappingTextBoxFlag xmlns:ma14="http://schemas.microsoft.com/office/mac/drawingml/2011/main" xmlns:a14="http://schemas.microsoft.com/office/drawing/2010/main" xmlns:m="http://schemas.openxmlformats.org/officeDocument/2006/math" xmlns="" val="1"/>
+              <ma14:wrappingTextBoxFlag xmlns="" xmlns:m="http://schemas.openxmlformats.org/officeDocument/2006/math" xmlns:a14="http://schemas.microsoft.com/office/drawing/2010/main" xmlns:ma14="http://schemas.microsoft.com/office/mac/drawingml/2011/main" val="1"/>
             </a:ext>
           </a:extLst>
         </p:spPr>
@@ -21825,7 +21963,7 @@
             <a:effectLst/>
             <a:extLst>
               <a:ext uri="{C572A759-6A51-4108-AA02-DFA0A04FC94B}">
-                <ma14:wrappingTextBoxFlag xmlns:ma14="http://schemas.microsoft.com/office/mac/drawingml/2011/main" xmlns:a14="http://schemas.microsoft.com/office/drawing/2010/main" xmlns:m="http://schemas.openxmlformats.org/officeDocument/2006/math" xmlns="" val="1"/>
+                <ma14:wrappingTextBoxFlag xmlns="" xmlns:m="http://schemas.openxmlformats.org/officeDocument/2006/math" xmlns:a14="http://schemas.microsoft.com/office/drawing/2010/main" xmlns:ma14="http://schemas.microsoft.com/office/mac/drawingml/2011/main" val="1"/>
               </a:ext>
             </a:extLst>
           </p:spPr>
@@ -21894,7 +22032,7 @@
             <a:effectLst/>
             <a:extLst>
               <a:ext uri="{C572A759-6A51-4108-AA02-DFA0A04FC94B}">
-                <ma14:wrappingTextBoxFlag xmlns:ma14="http://schemas.microsoft.com/office/mac/drawingml/2011/main" xmlns:a14="http://schemas.microsoft.com/office/drawing/2010/main" xmlns:m="http://schemas.openxmlformats.org/officeDocument/2006/math" xmlns="" val="1"/>
+                <ma14:wrappingTextBoxFlag xmlns="" xmlns:m="http://schemas.openxmlformats.org/officeDocument/2006/math" xmlns:a14="http://schemas.microsoft.com/office/drawing/2010/main" xmlns:ma14="http://schemas.microsoft.com/office/mac/drawingml/2011/main" val="1"/>
               </a:ext>
             </a:extLst>
           </p:spPr>
@@ -21960,7 +22098,7 @@
             </a:ln>
             <a:extLst>
               <a:ext uri="{C572A759-6A51-4108-AA02-DFA0A04FC94B}">
-                <ma14:wrappingTextBoxFlag xmlns:ma14="http://schemas.microsoft.com/office/mac/drawingml/2011/main" xmlns:a14="http://schemas.microsoft.com/office/drawing/2010/main" xmlns:m="http://schemas.openxmlformats.org/officeDocument/2006/math" xmlns="" val="1"/>
+                <ma14:wrappingTextBoxFlag xmlns="" xmlns:m="http://schemas.openxmlformats.org/officeDocument/2006/math" xmlns:a14="http://schemas.microsoft.com/office/drawing/2010/main" xmlns:ma14="http://schemas.microsoft.com/office/mac/drawingml/2011/main" val="1"/>
               </a:ext>
             </a:extLst>
           </p:spPr>
@@ -22018,7 +22156,7 @@
             </a:ln>
             <a:extLst>
               <a:ext uri="{C572A759-6A51-4108-AA02-DFA0A04FC94B}">
-                <ma14:wrappingTextBoxFlag xmlns:ma14="http://schemas.microsoft.com/office/mac/drawingml/2011/main" xmlns:a14="http://schemas.microsoft.com/office/drawing/2010/main" xmlns:m="http://schemas.openxmlformats.org/officeDocument/2006/math" xmlns="" val="1"/>
+                <ma14:wrappingTextBoxFlag xmlns="" xmlns:m="http://schemas.openxmlformats.org/officeDocument/2006/math" xmlns:a14="http://schemas.microsoft.com/office/drawing/2010/main" xmlns:ma14="http://schemas.microsoft.com/office/mac/drawingml/2011/main" val="1"/>
               </a:ext>
             </a:extLst>
           </p:spPr>
@@ -22099,7 +22237,7 @@
             <a:effectLst/>
             <a:extLst>
               <a:ext uri="{C572A759-6A51-4108-AA02-DFA0A04FC94B}">
-                <ma14:wrappingTextBoxFlag xmlns:ma14="http://schemas.microsoft.com/office/mac/drawingml/2011/main" xmlns:a14="http://schemas.microsoft.com/office/drawing/2010/main" xmlns:m="http://schemas.openxmlformats.org/officeDocument/2006/math" xmlns="" val="1"/>
+                <ma14:wrappingTextBoxFlag xmlns="" xmlns:m="http://schemas.openxmlformats.org/officeDocument/2006/math" xmlns:a14="http://schemas.microsoft.com/office/drawing/2010/main" xmlns:ma14="http://schemas.microsoft.com/office/mac/drawingml/2011/main" val="1"/>
               </a:ext>
             </a:extLst>
           </p:spPr>
@@ -22172,7 +22310,7 @@
             <a:effectLst/>
             <a:extLst>
               <a:ext uri="{C572A759-6A51-4108-AA02-DFA0A04FC94B}">
-                <ma14:wrappingTextBoxFlag xmlns:ma14="http://schemas.microsoft.com/office/mac/drawingml/2011/main" xmlns:a14="http://schemas.microsoft.com/office/drawing/2010/main" xmlns:m="http://schemas.openxmlformats.org/officeDocument/2006/math" xmlns="" val="1"/>
+                <ma14:wrappingTextBoxFlag xmlns="" xmlns:m="http://schemas.openxmlformats.org/officeDocument/2006/math" xmlns:a14="http://schemas.microsoft.com/office/drawing/2010/main" xmlns:ma14="http://schemas.microsoft.com/office/mac/drawingml/2011/main" val="1"/>
               </a:ext>
             </a:extLst>
           </p:spPr>
@@ -22238,7 +22376,7 @@
             </a:ln>
             <a:extLst>
               <a:ext uri="{C572A759-6A51-4108-AA02-DFA0A04FC94B}">
-                <ma14:wrappingTextBoxFlag xmlns:ma14="http://schemas.microsoft.com/office/mac/drawingml/2011/main" xmlns:a14="http://schemas.microsoft.com/office/drawing/2010/main" xmlns:m="http://schemas.openxmlformats.org/officeDocument/2006/math" xmlns="" val="1"/>
+                <ma14:wrappingTextBoxFlag xmlns="" xmlns:m="http://schemas.openxmlformats.org/officeDocument/2006/math" xmlns:a14="http://schemas.microsoft.com/office/drawing/2010/main" xmlns:ma14="http://schemas.microsoft.com/office/mac/drawingml/2011/main" val="1"/>
               </a:ext>
             </a:extLst>
           </p:spPr>
@@ -22296,7 +22434,7 @@
             </a:ln>
             <a:extLst>
               <a:ext uri="{C572A759-6A51-4108-AA02-DFA0A04FC94B}">
-                <ma14:wrappingTextBoxFlag xmlns:ma14="http://schemas.microsoft.com/office/mac/drawingml/2011/main" xmlns:a14="http://schemas.microsoft.com/office/drawing/2010/main" xmlns:m="http://schemas.openxmlformats.org/officeDocument/2006/math" xmlns="" val="1"/>
+                <ma14:wrappingTextBoxFlag xmlns="" xmlns:m="http://schemas.openxmlformats.org/officeDocument/2006/math" xmlns:a14="http://schemas.microsoft.com/office/drawing/2010/main" xmlns:ma14="http://schemas.microsoft.com/office/mac/drawingml/2011/main" val="1"/>
               </a:ext>
             </a:extLst>
           </p:spPr>
@@ -22377,7 +22515,7 @@
             <a:effectLst/>
             <a:extLst>
               <a:ext uri="{C572A759-6A51-4108-AA02-DFA0A04FC94B}">
-                <ma14:wrappingTextBoxFlag xmlns:ma14="http://schemas.microsoft.com/office/mac/drawingml/2011/main" xmlns:a14="http://schemas.microsoft.com/office/drawing/2010/main" xmlns:m="http://schemas.openxmlformats.org/officeDocument/2006/math" xmlns="" val="1"/>
+                <ma14:wrappingTextBoxFlag xmlns="" xmlns:m="http://schemas.openxmlformats.org/officeDocument/2006/math" xmlns:a14="http://schemas.microsoft.com/office/drawing/2010/main" xmlns:ma14="http://schemas.microsoft.com/office/mac/drawingml/2011/main" val="1"/>
               </a:ext>
             </a:extLst>
           </p:spPr>
@@ -22450,7 +22588,7 @@
             <a:effectLst/>
             <a:extLst>
               <a:ext uri="{C572A759-6A51-4108-AA02-DFA0A04FC94B}">
-                <ma14:wrappingTextBoxFlag xmlns:ma14="http://schemas.microsoft.com/office/mac/drawingml/2011/main" xmlns:a14="http://schemas.microsoft.com/office/drawing/2010/main" xmlns:m="http://schemas.openxmlformats.org/officeDocument/2006/math" xmlns="" val="1"/>
+                <ma14:wrappingTextBoxFlag xmlns="" xmlns:m="http://schemas.openxmlformats.org/officeDocument/2006/math" xmlns:a14="http://schemas.microsoft.com/office/drawing/2010/main" xmlns:ma14="http://schemas.microsoft.com/office/mac/drawingml/2011/main" val="1"/>
               </a:ext>
             </a:extLst>
           </p:spPr>
@@ -22516,7 +22654,7 @@
             </a:ln>
             <a:extLst>
               <a:ext uri="{C572A759-6A51-4108-AA02-DFA0A04FC94B}">
-                <ma14:wrappingTextBoxFlag xmlns:ma14="http://schemas.microsoft.com/office/mac/drawingml/2011/main" xmlns:a14="http://schemas.microsoft.com/office/drawing/2010/main" xmlns:m="http://schemas.openxmlformats.org/officeDocument/2006/math" xmlns="" val="1"/>
+                <ma14:wrappingTextBoxFlag xmlns="" xmlns:m="http://schemas.openxmlformats.org/officeDocument/2006/math" xmlns:a14="http://schemas.microsoft.com/office/drawing/2010/main" xmlns:ma14="http://schemas.microsoft.com/office/mac/drawingml/2011/main" val="1"/>
               </a:ext>
             </a:extLst>
           </p:spPr>
@@ -22574,7 +22712,7 @@
             </a:ln>
             <a:extLst>
               <a:ext uri="{C572A759-6A51-4108-AA02-DFA0A04FC94B}">
-                <ma14:wrappingTextBoxFlag xmlns:ma14="http://schemas.microsoft.com/office/mac/drawingml/2011/main" xmlns:a14="http://schemas.microsoft.com/office/drawing/2010/main" xmlns:m="http://schemas.openxmlformats.org/officeDocument/2006/math" xmlns="" val="1"/>
+                <ma14:wrappingTextBoxFlag xmlns="" xmlns:m="http://schemas.openxmlformats.org/officeDocument/2006/math" xmlns:a14="http://schemas.microsoft.com/office/drawing/2010/main" xmlns:ma14="http://schemas.microsoft.com/office/mac/drawingml/2011/main" val="1"/>
               </a:ext>
             </a:extLst>
           </p:spPr>
@@ -22655,7 +22793,7 @@
             <a:effectLst/>
             <a:extLst>
               <a:ext uri="{C572A759-6A51-4108-AA02-DFA0A04FC94B}">
-                <ma14:wrappingTextBoxFlag xmlns:ma14="http://schemas.microsoft.com/office/mac/drawingml/2011/main" xmlns:a14="http://schemas.microsoft.com/office/drawing/2010/main" xmlns:m="http://schemas.openxmlformats.org/officeDocument/2006/math" xmlns="" val="1"/>
+                <ma14:wrappingTextBoxFlag xmlns="" xmlns:m="http://schemas.openxmlformats.org/officeDocument/2006/math" xmlns:a14="http://schemas.microsoft.com/office/drawing/2010/main" xmlns:ma14="http://schemas.microsoft.com/office/mac/drawingml/2011/main" val="1"/>
               </a:ext>
             </a:extLst>
           </p:spPr>
@@ -22724,7 +22862,7 @@
             <a:effectLst/>
             <a:extLst>
               <a:ext uri="{C572A759-6A51-4108-AA02-DFA0A04FC94B}">
-                <ma14:wrappingTextBoxFlag xmlns:ma14="http://schemas.microsoft.com/office/mac/drawingml/2011/main" xmlns:a14="http://schemas.microsoft.com/office/drawing/2010/main" xmlns:m="http://schemas.openxmlformats.org/officeDocument/2006/math" xmlns="" val="1"/>
+                <ma14:wrappingTextBoxFlag xmlns="" xmlns:m="http://schemas.openxmlformats.org/officeDocument/2006/math" xmlns:a14="http://schemas.microsoft.com/office/drawing/2010/main" xmlns:ma14="http://schemas.microsoft.com/office/mac/drawingml/2011/main" val="1"/>
               </a:ext>
             </a:extLst>
           </p:spPr>
@@ -22790,7 +22928,7 @@
             </a:ln>
             <a:extLst>
               <a:ext uri="{C572A759-6A51-4108-AA02-DFA0A04FC94B}">
-                <ma14:wrappingTextBoxFlag xmlns:ma14="http://schemas.microsoft.com/office/mac/drawingml/2011/main" xmlns:a14="http://schemas.microsoft.com/office/drawing/2010/main" xmlns:m="http://schemas.openxmlformats.org/officeDocument/2006/math" xmlns="" val="1"/>
+                <ma14:wrappingTextBoxFlag xmlns="" xmlns:m="http://schemas.openxmlformats.org/officeDocument/2006/math" xmlns:a14="http://schemas.microsoft.com/office/drawing/2010/main" xmlns:ma14="http://schemas.microsoft.com/office/mac/drawingml/2011/main" val="1"/>
               </a:ext>
             </a:extLst>
           </p:spPr>
@@ -22848,7 +22986,7 @@
             </a:ln>
             <a:extLst>
               <a:ext uri="{C572A759-6A51-4108-AA02-DFA0A04FC94B}">
-                <ma14:wrappingTextBoxFlag xmlns:ma14="http://schemas.microsoft.com/office/mac/drawingml/2011/main" xmlns:a14="http://schemas.microsoft.com/office/drawing/2010/main" xmlns:m="http://schemas.openxmlformats.org/officeDocument/2006/math" xmlns="" val="1"/>
+                <ma14:wrappingTextBoxFlag xmlns="" xmlns:m="http://schemas.openxmlformats.org/officeDocument/2006/math" xmlns:a14="http://schemas.microsoft.com/office/drawing/2010/main" xmlns:ma14="http://schemas.microsoft.com/office/mac/drawingml/2011/main" val="1"/>
               </a:ext>
             </a:extLst>
           </p:spPr>
@@ -22929,7 +23067,7 @@
             <a:effectLst/>
             <a:extLst>
               <a:ext uri="{C572A759-6A51-4108-AA02-DFA0A04FC94B}">
-                <ma14:wrappingTextBoxFlag xmlns:ma14="http://schemas.microsoft.com/office/mac/drawingml/2011/main" xmlns:a14="http://schemas.microsoft.com/office/drawing/2010/main" xmlns:m="http://schemas.openxmlformats.org/officeDocument/2006/math" xmlns="" val="1"/>
+                <ma14:wrappingTextBoxFlag xmlns="" xmlns:m="http://schemas.openxmlformats.org/officeDocument/2006/math" xmlns:a14="http://schemas.microsoft.com/office/drawing/2010/main" xmlns:ma14="http://schemas.microsoft.com/office/mac/drawingml/2011/main" val="1"/>
               </a:ext>
             </a:extLst>
           </p:spPr>
@@ -23022,7 +23160,7 @@
               <a:effectLst/>
               <a:extLst>
                 <a:ext uri="{C572A759-6A51-4108-AA02-DFA0A04FC94B}">
-                  <ma14:wrappingTextBoxFlag xmlns:ma14="http://schemas.microsoft.com/office/mac/drawingml/2011/main" xmlns:a14="http://schemas.microsoft.com/office/drawing/2010/main" xmlns:m="http://schemas.openxmlformats.org/officeDocument/2006/math" xmlns="" val="1"/>
+                  <ma14:wrappingTextBoxFlag xmlns="" xmlns:m="http://schemas.openxmlformats.org/officeDocument/2006/math" xmlns:a14="http://schemas.microsoft.com/office/drawing/2010/main" xmlns:ma14="http://schemas.microsoft.com/office/mac/drawingml/2011/main" val="1"/>
                 </a:ext>
               </a:extLst>
             </p:spPr>
@@ -23088,7 +23226,7 @@
               </a:ln>
               <a:extLst>
                 <a:ext uri="{C572A759-6A51-4108-AA02-DFA0A04FC94B}">
-                  <ma14:wrappingTextBoxFlag xmlns:ma14="http://schemas.microsoft.com/office/mac/drawingml/2011/main" xmlns:a14="http://schemas.microsoft.com/office/drawing/2010/main" xmlns:m="http://schemas.openxmlformats.org/officeDocument/2006/math" xmlns="" val="1"/>
+                  <ma14:wrappingTextBoxFlag xmlns="" xmlns:m="http://schemas.openxmlformats.org/officeDocument/2006/math" xmlns:a14="http://schemas.microsoft.com/office/drawing/2010/main" xmlns:ma14="http://schemas.microsoft.com/office/mac/drawingml/2011/main" val="1"/>
                 </a:ext>
               </a:extLst>
             </p:spPr>
@@ -23146,7 +23284,7 @@
               </a:ln>
               <a:extLst>
                 <a:ext uri="{C572A759-6A51-4108-AA02-DFA0A04FC94B}">
-                  <ma14:wrappingTextBoxFlag xmlns:ma14="http://schemas.microsoft.com/office/mac/drawingml/2011/main" xmlns:a14="http://schemas.microsoft.com/office/drawing/2010/main" xmlns:m="http://schemas.openxmlformats.org/officeDocument/2006/math" xmlns="" val="1"/>
+                  <ma14:wrappingTextBoxFlag xmlns="" xmlns:m="http://schemas.openxmlformats.org/officeDocument/2006/math" xmlns:a14="http://schemas.microsoft.com/office/drawing/2010/main" xmlns:ma14="http://schemas.microsoft.com/office/mac/drawingml/2011/main" val="1"/>
                 </a:ext>
               </a:extLst>
             </p:spPr>
@@ -23228,7 +23366,7 @@
             <a:effectLst/>
             <a:extLst>
               <a:ext uri="{C572A759-6A51-4108-AA02-DFA0A04FC94B}">
-                <ma14:wrappingTextBoxFlag xmlns:ma14="http://schemas.microsoft.com/office/mac/drawingml/2011/main" xmlns:a14="http://schemas.microsoft.com/office/drawing/2010/main" xmlns:m="http://schemas.openxmlformats.org/officeDocument/2006/math" xmlns="" val="1"/>
+                <ma14:wrappingTextBoxFlag xmlns="" xmlns:m="http://schemas.openxmlformats.org/officeDocument/2006/math" xmlns:a14="http://schemas.microsoft.com/office/drawing/2010/main" xmlns:ma14="http://schemas.microsoft.com/office/mac/drawingml/2011/main" val="1"/>
               </a:ext>
             </a:extLst>
           </p:spPr>
@@ -23301,7 +23439,7 @@
             <a:effectLst/>
             <a:extLst>
               <a:ext uri="{C572A759-6A51-4108-AA02-DFA0A04FC94B}">
-                <ma14:wrappingTextBoxFlag xmlns:ma14="http://schemas.microsoft.com/office/mac/drawingml/2011/main" xmlns:a14="http://schemas.microsoft.com/office/drawing/2010/main" xmlns:m="http://schemas.openxmlformats.org/officeDocument/2006/math" xmlns="" val="1"/>
+                <ma14:wrappingTextBoxFlag xmlns="" xmlns:m="http://schemas.openxmlformats.org/officeDocument/2006/math" xmlns:a14="http://schemas.microsoft.com/office/drawing/2010/main" xmlns:ma14="http://schemas.microsoft.com/office/mac/drawingml/2011/main" val="1"/>
               </a:ext>
             </a:extLst>
           </p:spPr>
@@ -23367,7 +23505,7 @@
             </a:ln>
             <a:extLst>
               <a:ext uri="{C572A759-6A51-4108-AA02-DFA0A04FC94B}">
-                <ma14:wrappingTextBoxFlag xmlns:ma14="http://schemas.microsoft.com/office/mac/drawingml/2011/main" xmlns:a14="http://schemas.microsoft.com/office/drawing/2010/main" xmlns:m="http://schemas.openxmlformats.org/officeDocument/2006/math" xmlns="" val="1"/>
+                <ma14:wrappingTextBoxFlag xmlns="" xmlns:m="http://schemas.openxmlformats.org/officeDocument/2006/math" xmlns:a14="http://schemas.microsoft.com/office/drawing/2010/main" xmlns:ma14="http://schemas.microsoft.com/office/mac/drawingml/2011/main" val="1"/>
               </a:ext>
             </a:extLst>
           </p:spPr>
@@ -23425,7 +23563,7 @@
             </a:ln>
             <a:extLst>
               <a:ext uri="{C572A759-6A51-4108-AA02-DFA0A04FC94B}">
-                <ma14:wrappingTextBoxFlag xmlns:ma14="http://schemas.microsoft.com/office/mac/drawingml/2011/main" xmlns:a14="http://schemas.microsoft.com/office/drawing/2010/main" xmlns:m="http://schemas.openxmlformats.org/officeDocument/2006/math" xmlns="" val="1"/>
+                <ma14:wrappingTextBoxFlag xmlns="" xmlns:m="http://schemas.openxmlformats.org/officeDocument/2006/math" xmlns:a14="http://schemas.microsoft.com/office/drawing/2010/main" xmlns:ma14="http://schemas.microsoft.com/office/mac/drawingml/2011/main" val="1"/>
               </a:ext>
             </a:extLst>
           </p:spPr>
@@ -23484,7 +23622,7 @@
           </a:ln>
           <a:extLst>
             <a:ext uri="{C572A759-6A51-4108-AA02-DFA0A04FC94B}">
-              <ma14:wrappingTextBoxFlag xmlns:ma14="http://schemas.microsoft.com/office/mac/drawingml/2011/main" xmlns:a14="http://schemas.microsoft.com/office/drawing/2010/main" xmlns:m="http://schemas.openxmlformats.org/officeDocument/2006/math" xmlns="" val="1"/>
+              <ma14:wrappingTextBoxFlag xmlns="" xmlns:m="http://schemas.openxmlformats.org/officeDocument/2006/math" xmlns:a14="http://schemas.microsoft.com/office/drawing/2010/main" xmlns:ma14="http://schemas.microsoft.com/office/mac/drawingml/2011/main" val="1"/>
             </a:ext>
           </a:extLst>
         </p:spPr>
@@ -23542,7 +23680,7 @@
           </a:ln>
           <a:extLst>
             <a:ext uri="{C572A759-6A51-4108-AA02-DFA0A04FC94B}">
-              <ma14:wrappingTextBoxFlag xmlns:ma14="http://schemas.microsoft.com/office/mac/drawingml/2011/main" xmlns:a14="http://schemas.microsoft.com/office/drawing/2010/main" xmlns:m="http://schemas.openxmlformats.org/officeDocument/2006/math" xmlns="" val="1"/>
+              <ma14:wrappingTextBoxFlag xmlns="" xmlns:m="http://schemas.openxmlformats.org/officeDocument/2006/math" xmlns:a14="http://schemas.microsoft.com/office/drawing/2010/main" xmlns:ma14="http://schemas.microsoft.com/office/mac/drawingml/2011/main" val="1"/>
             </a:ext>
           </a:extLst>
         </p:spPr>
@@ -23786,7 +23924,7 @@
             </a:ln>
             <a:extLst>
               <a:ext uri="{C572A759-6A51-4108-AA02-DFA0A04FC94B}">
-                <ma14:wrappingTextBoxFlag xmlns:ma14="http://schemas.microsoft.com/office/mac/drawingml/2011/main" xmlns:a14="http://schemas.microsoft.com/office/drawing/2010/main" xmlns:m="http://schemas.openxmlformats.org/officeDocument/2006/math" xmlns="" val="1"/>
+                <ma14:wrappingTextBoxFlag xmlns="" xmlns:m="http://schemas.openxmlformats.org/officeDocument/2006/math" xmlns:a14="http://schemas.microsoft.com/office/drawing/2010/main" xmlns:ma14="http://schemas.microsoft.com/office/mac/drawingml/2011/main" val="1"/>
               </a:ext>
             </a:extLst>
           </p:spPr>
@@ -24338,7 +24476,7 @@
             </a:ln>
             <a:extLst>
               <a:ext uri="{C572A759-6A51-4108-AA02-DFA0A04FC94B}">
-                <ma14:wrappingTextBoxFlag xmlns:ma14="http://schemas.microsoft.com/office/mac/drawingml/2011/main" xmlns:a14="http://schemas.microsoft.com/office/drawing/2010/main" xmlns:m="http://schemas.openxmlformats.org/officeDocument/2006/math" xmlns="" val="1"/>
+                <ma14:wrappingTextBoxFlag xmlns="" xmlns:m="http://schemas.openxmlformats.org/officeDocument/2006/math" xmlns:a14="http://schemas.microsoft.com/office/drawing/2010/main" xmlns:ma14="http://schemas.microsoft.com/office/mac/drawingml/2011/main" val="1"/>
               </a:ext>
             </a:extLst>
           </p:spPr>
@@ -25075,7 +25213,7 @@
           </a:prstGeom>
           <a:extLst>
             <a:ext uri="{C572A759-6A51-4108-AA02-DFA0A04FC94B}">
-              <ma14:wrappingTextBoxFlag xmlns:ma14="http://schemas.microsoft.com/office/mac/drawingml/2011/main" xmlns:a14="http://schemas.microsoft.com/office/drawing/2010/main" xmlns:m="http://schemas.openxmlformats.org/officeDocument/2006/math" xmlns="" val="1"/>
+              <ma14:wrappingTextBoxFlag xmlns="" xmlns:m="http://schemas.openxmlformats.org/officeDocument/2006/math" xmlns:a14="http://schemas.microsoft.com/office/drawing/2010/main" xmlns:ma14="http://schemas.microsoft.com/office/mac/drawingml/2011/main" val="1"/>
             </a:ext>
           </a:extLst>
         </p:spPr>
@@ -35620,7 +35758,7 @@
           </a:ln>
           <a:extLst>
             <a:ext uri="{C572A759-6A51-4108-AA02-DFA0A04FC94B}">
-              <ma14:wrappingTextBoxFlag xmlns:ma14="http://schemas.microsoft.com/office/mac/drawingml/2011/main" xmlns:a14="http://schemas.microsoft.com/office/drawing/2010/main" xmlns:m="http://schemas.openxmlformats.org/officeDocument/2006/math" xmlns="" val="1"/>
+              <ma14:wrappingTextBoxFlag xmlns="" xmlns:m="http://schemas.openxmlformats.org/officeDocument/2006/math" xmlns:a14="http://schemas.microsoft.com/office/drawing/2010/main" xmlns:ma14="http://schemas.microsoft.com/office/mac/drawingml/2011/main" val="1"/>
             </a:ext>
           </a:extLst>
         </p:spPr>
@@ -36578,7 +36716,7 @@
           </a:prstGeom>
           <a:extLst>
             <a:ext uri="{C572A759-6A51-4108-AA02-DFA0A04FC94B}">
-              <ma14:wrappingTextBoxFlag xmlns="" xmlns:m="http://schemas.openxmlformats.org/officeDocument/2006/math" xmlns:a14="http://schemas.microsoft.com/office/drawing/2010/main" xmlns:ma14="http://schemas.microsoft.com/office/mac/drawingml/2011/main" val="1"/>
+              <ma14:wrappingTextBoxFlag xmlns:ma14="http://schemas.microsoft.com/office/mac/drawingml/2011/main" xmlns:a14="http://schemas.microsoft.com/office/drawing/2010/main" xmlns:m="http://schemas.openxmlformats.org/officeDocument/2006/math" xmlns="" val="1"/>
             </a:ext>
           </a:extLst>
         </p:spPr>
@@ -36968,7 +37106,7 @@
               </a:effectLst>
               <a:extLst>
                 <a:ext uri="{C572A759-6A51-4108-AA02-DFA0A04FC94B}">
-                  <ma14:wrappingTextBoxFlag xmlns="" xmlns:m="http://schemas.openxmlformats.org/officeDocument/2006/math" xmlns:a14="http://schemas.microsoft.com/office/drawing/2010/main" xmlns:ma14="http://schemas.microsoft.com/office/mac/drawingml/2011/main" val="1"/>
+                  <ma14:wrappingTextBoxFlag xmlns:ma14="http://schemas.microsoft.com/office/mac/drawingml/2011/main" xmlns:a14="http://schemas.microsoft.com/office/drawing/2010/main" xmlns:m="http://schemas.openxmlformats.org/officeDocument/2006/math" xmlns="" val="1"/>
                 </a:ext>
               </a:extLst>
             </p:spPr>
@@ -37038,7 +37176,7 @@
               </a:effectLst>
               <a:extLst>
                 <a:ext uri="{C572A759-6A51-4108-AA02-DFA0A04FC94B}">
-                  <ma14:wrappingTextBoxFlag xmlns="" xmlns:m="http://schemas.openxmlformats.org/officeDocument/2006/math" xmlns:a14="http://schemas.microsoft.com/office/drawing/2010/main" xmlns:ma14="http://schemas.microsoft.com/office/mac/drawingml/2011/main" val="1"/>
+                  <ma14:wrappingTextBoxFlag xmlns:ma14="http://schemas.microsoft.com/office/mac/drawingml/2011/main" xmlns:a14="http://schemas.microsoft.com/office/drawing/2010/main" xmlns:m="http://schemas.openxmlformats.org/officeDocument/2006/math" xmlns="" val="1"/>
                 </a:ext>
               </a:extLst>
             </p:spPr>
@@ -37106,7 +37244,7 @@
               </a:effectLst>
               <a:extLst>
                 <a:ext uri="{C572A759-6A51-4108-AA02-DFA0A04FC94B}">
-                  <ma14:wrappingTextBoxFlag xmlns="" xmlns:m="http://schemas.openxmlformats.org/officeDocument/2006/math" xmlns:a14="http://schemas.microsoft.com/office/drawing/2010/main" xmlns:ma14="http://schemas.microsoft.com/office/mac/drawingml/2011/main" val="1"/>
+                  <ma14:wrappingTextBoxFlag xmlns:ma14="http://schemas.microsoft.com/office/mac/drawingml/2011/main" xmlns:a14="http://schemas.microsoft.com/office/drawing/2010/main" xmlns:m="http://schemas.openxmlformats.org/officeDocument/2006/math" xmlns="" val="1"/>
                 </a:ext>
               </a:extLst>
             </p:spPr>
@@ -37194,7 +37332,7 @@
                 </a:effectLst>
                 <a:extLst>
                   <a:ext uri="{C572A759-6A51-4108-AA02-DFA0A04FC94B}">
-                    <ma14:wrappingTextBoxFlag xmlns="" xmlns:m="http://schemas.openxmlformats.org/officeDocument/2006/math" xmlns:a14="http://schemas.microsoft.com/office/drawing/2010/main" xmlns:ma14="http://schemas.microsoft.com/office/mac/drawingml/2011/main" val="1"/>
+                    <ma14:wrappingTextBoxFlag xmlns:ma14="http://schemas.microsoft.com/office/mac/drawingml/2011/main" xmlns:a14="http://schemas.microsoft.com/office/drawing/2010/main" xmlns:m="http://schemas.openxmlformats.org/officeDocument/2006/math" xmlns="" val="1"/>
                   </a:ext>
                 </a:extLst>
               </p:spPr>
@@ -37372,7 +37510,7 @@
                   <a:effectLst/>
                   <a:extLst>
                     <a:ext uri="{C572A759-6A51-4108-AA02-DFA0A04FC94B}">
-                      <ma14:wrappingTextBoxFlag xmlns="" xmlns:m="http://schemas.openxmlformats.org/officeDocument/2006/math" xmlns:a14="http://schemas.microsoft.com/office/drawing/2010/main" xmlns:ma14="http://schemas.microsoft.com/office/mac/drawingml/2011/main" val="1"/>
+                      <ma14:wrappingTextBoxFlag xmlns:ma14="http://schemas.microsoft.com/office/mac/drawingml/2011/main" xmlns:a14="http://schemas.microsoft.com/office/drawing/2010/main" xmlns:m="http://schemas.openxmlformats.org/officeDocument/2006/math" xmlns="" val="1"/>
                     </a:ext>
                   </a:extLst>
                 </p:spPr>
@@ -37572,7 +37710,7 @@
                   <a:effectLst/>
                   <a:extLst>
                     <a:ext uri="{C572A759-6A51-4108-AA02-DFA0A04FC94B}">
-                      <ma14:wrappingTextBoxFlag xmlns="" xmlns:m="http://schemas.openxmlformats.org/officeDocument/2006/math" xmlns:a14="http://schemas.microsoft.com/office/drawing/2010/main" xmlns:ma14="http://schemas.microsoft.com/office/mac/drawingml/2011/main" val="1"/>
+                      <ma14:wrappingTextBoxFlag xmlns:ma14="http://schemas.microsoft.com/office/mac/drawingml/2011/main" xmlns:a14="http://schemas.microsoft.com/office/drawing/2010/main" xmlns:m="http://schemas.openxmlformats.org/officeDocument/2006/math" xmlns="" val="1"/>
                     </a:ext>
                   </a:extLst>
                 </p:spPr>
@@ -37662,7 +37800,7 @@
                 </a:effectLst>
                 <a:extLst>
                   <a:ext uri="{C572A759-6A51-4108-AA02-DFA0A04FC94B}">
-                    <ma14:wrappingTextBoxFlag xmlns="" xmlns:m="http://schemas.openxmlformats.org/officeDocument/2006/math" xmlns:a14="http://schemas.microsoft.com/office/drawing/2010/main" xmlns:ma14="http://schemas.microsoft.com/office/mac/drawingml/2011/main" val="1"/>
+                    <ma14:wrappingTextBoxFlag xmlns:ma14="http://schemas.microsoft.com/office/mac/drawingml/2011/main" xmlns:a14="http://schemas.microsoft.com/office/drawing/2010/main" xmlns:m="http://schemas.openxmlformats.org/officeDocument/2006/math" xmlns="" val="1"/>
                   </a:ext>
                 </a:extLst>
               </p:spPr>
@@ -37840,7 +37978,7 @@
                   <a:effectLst/>
                   <a:extLst>
                     <a:ext uri="{C572A759-6A51-4108-AA02-DFA0A04FC94B}">
-                      <ma14:wrappingTextBoxFlag xmlns="" xmlns:m="http://schemas.openxmlformats.org/officeDocument/2006/math" xmlns:a14="http://schemas.microsoft.com/office/drawing/2010/main" xmlns:ma14="http://schemas.microsoft.com/office/mac/drawingml/2011/main" val="1"/>
+                      <ma14:wrappingTextBoxFlag xmlns:ma14="http://schemas.microsoft.com/office/mac/drawingml/2011/main" xmlns:a14="http://schemas.microsoft.com/office/drawing/2010/main" xmlns:m="http://schemas.openxmlformats.org/officeDocument/2006/math" xmlns="" val="1"/>
                     </a:ext>
                   </a:extLst>
                 </p:spPr>
@@ -37930,7 +38068,7 @@
                 </a:effectLst>
                 <a:extLst>
                   <a:ext uri="{C572A759-6A51-4108-AA02-DFA0A04FC94B}">
-                    <ma14:wrappingTextBoxFlag xmlns="" xmlns:m="http://schemas.openxmlformats.org/officeDocument/2006/math" xmlns:a14="http://schemas.microsoft.com/office/drawing/2010/main" xmlns:ma14="http://schemas.microsoft.com/office/mac/drawingml/2011/main" val="1"/>
+                    <ma14:wrappingTextBoxFlag xmlns:ma14="http://schemas.microsoft.com/office/mac/drawingml/2011/main" xmlns:a14="http://schemas.microsoft.com/office/drawing/2010/main" xmlns:m="http://schemas.openxmlformats.org/officeDocument/2006/math" xmlns="" val="1"/>
                   </a:ext>
                 </a:extLst>
               </p:spPr>
@@ -38108,7 +38246,7 @@
                   <a:effectLst/>
                   <a:extLst>
                     <a:ext uri="{C572A759-6A51-4108-AA02-DFA0A04FC94B}">
-                      <ma14:wrappingTextBoxFlag xmlns="" xmlns:m="http://schemas.openxmlformats.org/officeDocument/2006/math" xmlns:a14="http://schemas.microsoft.com/office/drawing/2010/main" xmlns:ma14="http://schemas.microsoft.com/office/mac/drawingml/2011/main" val="1"/>
+                      <ma14:wrappingTextBoxFlag xmlns:ma14="http://schemas.microsoft.com/office/mac/drawingml/2011/main" xmlns:a14="http://schemas.microsoft.com/office/drawing/2010/main" xmlns:m="http://schemas.openxmlformats.org/officeDocument/2006/math" xmlns="" val="1"/>
                     </a:ext>
                   </a:extLst>
                 </p:spPr>
@@ -38179,7 +38317,7 @@
             </a:effectLst>
             <a:extLst>
               <a:ext uri="{C572A759-6A51-4108-AA02-DFA0A04FC94B}">
-                <ma14:wrappingTextBoxFlag xmlns="" xmlns:m="http://schemas.openxmlformats.org/officeDocument/2006/math" xmlns:a14="http://schemas.microsoft.com/office/drawing/2010/main" xmlns:ma14="http://schemas.microsoft.com/office/mac/drawingml/2011/main" val="1"/>
+                <ma14:wrappingTextBoxFlag xmlns:ma14="http://schemas.microsoft.com/office/mac/drawingml/2011/main" xmlns:a14="http://schemas.microsoft.com/office/drawing/2010/main" xmlns:m="http://schemas.openxmlformats.org/officeDocument/2006/math" xmlns="" val="1"/>
               </a:ext>
             </a:extLst>
           </p:spPr>
@@ -38406,7 +38544,7 @@
           </a:prstGeom>
           <a:extLst>
             <a:ext uri="{C572A759-6A51-4108-AA02-DFA0A04FC94B}">
-              <ma14:wrappingTextBoxFlag xmlns="" xmlns:m="http://schemas.openxmlformats.org/officeDocument/2006/math" xmlns:a14="http://schemas.microsoft.com/office/drawing/2010/main" xmlns:ma14="http://schemas.microsoft.com/office/mac/drawingml/2011/main" val="1"/>
+              <ma14:wrappingTextBoxFlag xmlns:ma14="http://schemas.microsoft.com/office/mac/drawingml/2011/main" xmlns:a14="http://schemas.microsoft.com/office/drawing/2010/main" xmlns:m="http://schemas.openxmlformats.org/officeDocument/2006/math" xmlns="" val="1"/>
             </a:ext>
           </a:extLst>
         </p:spPr>
@@ -42959,6 +43097,139 @@
           </p:style>
         </p:cxnSp>
       </p:grpSp>
+      <p:sp>
+        <p:nvSpPr>
+          <p:cNvPr id="8" name="TextBox 7">
+            <a:extLst>
+              <a:ext uri="{FF2B5EF4-FFF2-40B4-BE49-F238E27FC236}">
+                <a16:creationId xmlns:a16="http://schemas.microsoft.com/office/drawing/2014/main" id="{6DD6ADFF-A541-B9EA-2297-9028D75F0F41}"/>
+              </a:ext>
+            </a:extLst>
+          </p:cNvPr>
+          <p:cNvSpPr txBox="1"/>
+          <p:nvPr/>
+        </p:nvSpPr>
+        <p:spPr>
+          <a:xfrm>
+            <a:off x="1728592" y="5430088"/>
+            <a:ext cx="8993687" cy="1095972"/>
+          </a:xfrm>
+          <a:prstGeom prst="rect">
+            <a:avLst/>
+          </a:prstGeom>
+          <a:solidFill>
+            <a:schemeClr val="accent2">
+              <a:lumMod val="20000"/>
+              <a:lumOff val="80000"/>
+            </a:schemeClr>
+          </a:solidFill>
+          <a:ln>
+            <a:solidFill>
+              <a:srgbClr val="0A52B1"/>
+            </a:solidFill>
+          </a:ln>
+        </p:spPr>
+        <p:style>
+          <a:lnRef idx="2">
+            <a:schemeClr val="accent1">
+              <a:shade val="50000"/>
+            </a:schemeClr>
+          </a:lnRef>
+          <a:fillRef idx="1">
+            <a:schemeClr val="accent1"/>
+          </a:fillRef>
+          <a:effectRef idx="0">
+            <a:schemeClr val="accent1"/>
+          </a:effectRef>
+          <a:fontRef idx="minor">
+            <a:schemeClr val="lt1"/>
+          </a:fontRef>
+        </p:style>
+        <p:txBody>
+          <a:bodyPr rot="0" spcFirstLastPara="0" vertOverflow="overflow" horzOverflow="overflow" vert="horz" wrap="square" lIns="91440" tIns="45720" rIns="91440" bIns="45720" numCol="1" spcCol="0" rtlCol="0" fromWordArt="0" anchor="ctr" anchorCtr="0" forceAA="0" compatLnSpc="1">
+            <a:prstTxWarp prst="textNoShape">
+              <a:avLst/>
+            </a:prstTxWarp>
+            <a:noAutofit/>
+          </a:bodyPr>
+          <a:lstStyle/>
+          <a:p>
+            <a:pPr algn="l"/>
+            <a:r>
+              <a:rPr lang="en-US" sz="2400" dirty="0">
+                <a:solidFill>
+                  <a:schemeClr val="tx1"/>
+                </a:solidFill>
+                <a:latin typeface="Ink Free" panose="03080402000500000000" pitchFamily="66" charset="0"/>
+              </a:rPr>
+              <a:t>JavaScript is </a:t>
+            </a:r>
+            <a:r>
+              <a:rPr lang="en-US" sz="2400" b="1" dirty="0">
+                <a:solidFill>
+                  <a:schemeClr val="tx1"/>
+                </a:solidFill>
+                <a:latin typeface="Ink Free" panose="03080402000500000000" pitchFamily="66" charset="0"/>
+              </a:rPr>
+              <a:t>Single-threaded </a:t>
+            </a:r>
+            <a:r>
+              <a:rPr lang="en-US" sz="2400" dirty="0">
+                <a:solidFill>
+                  <a:schemeClr val="tx1"/>
+                </a:solidFill>
+                <a:latin typeface="Ink Free" panose="03080402000500000000" pitchFamily="66" charset="0"/>
+              </a:rPr>
+              <a:t>language (with one call stack and one memory heap) and it uses </a:t>
+            </a:r>
+            <a:r>
+              <a:rPr lang="en-US" sz="2400" b="1" dirty="0" err="1">
+                <a:solidFill>
+                  <a:schemeClr val="tx1"/>
+                </a:solidFill>
+                <a:latin typeface="Ink Free" panose="03080402000500000000" pitchFamily="66" charset="0"/>
+              </a:rPr>
+              <a:t>WebAPI</a:t>
+            </a:r>
+            <a:r>
+              <a:rPr lang="en-US" sz="2400" b="1" dirty="0">
+                <a:solidFill>
+                  <a:schemeClr val="tx1"/>
+                </a:solidFill>
+                <a:latin typeface="Ink Free" panose="03080402000500000000" pitchFamily="66" charset="0"/>
+              </a:rPr>
+              <a:t> </a:t>
+            </a:r>
+            <a:r>
+              <a:rPr lang="en-US" sz="2400" dirty="0">
+                <a:solidFill>
+                  <a:schemeClr val="tx1"/>
+                </a:solidFill>
+                <a:latin typeface="Ink Free" panose="03080402000500000000" pitchFamily="66" charset="0"/>
+              </a:rPr>
+              <a:t>to run</a:t>
+            </a:r>
+            <a:r>
+              <a:rPr lang="en-US" sz="2400" b="1" dirty="0">
+                <a:solidFill>
+                  <a:schemeClr val="tx1"/>
+                </a:solidFill>
+                <a:latin typeface="Ink Free" panose="03080402000500000000" pitchFamily="66" charset="0"/>
+              </a:rPr>
+              <a:t> asynchronous </a:t>
+            </a:r>
+            <a:r>
+              <a:rPr lang="en-US" sz="2400" dirty="0">
+                <a:solidFill>
+                  <a:schemeClr val="tx1"/>
+                </a:solidFill>
+                <a:latin typeface="Ink Free" panose="03080402000500000000" pitchFamily="66" charset="0"/>
+              </a:rPr>
+              <a:t>tasks</a:t>
+            </a:r>
+          </a:p>
+        </p:txBody>
+      </p:sp>
     </p:spTree>
     <p:extLst>
       <p:ext uri="{BB962C8B-B14F-4D97-AF65-F5344CB8AC3E}">
@@ -43035,35 +43306,27 @@
                             </p:stCondLst>
                             <p:childTnLst>
                               <p:par>
-                                <p:cTn id="9" presetID="10" presetClass="exit" presetSubtype="0" fill="hold" nodeType="clickEffect">
+                                <p:cTn id="9" presetID="1" presetClass="entr" presetSubtype="0" fill="hold" grpId="0" nodeType="clickEffect">
                                   <p:stCondLst>
                                     <p:cond delay="0"/>
                                   </p:stCondLst>
                                   <p:childTnLst>
-                                    <p:animEffect transition="out" filter="fade">
-                                      <p:cBhvr>
-                                        <p:cTn id="10" dur="500"/>
-                                        <p:tgtEl>
-                                          <p:spTgt spid="3"/>
-                                        </p:tgtEl>
-                                      </p:cBhvr>
-                                    </p:animEffect>
                                     <p:set>
                                       <p:cBhvr>
-                                        <p:cTn id="11" dur="1" fill="hold">
+                                        <p:cTn id="10" dur="1" fill="hold">
                                           <p:stCondLst>
-                                            <p:cond delay="499"/>
+                                            <p:cond delay="0"/>
                                           </p:stCondLst>
                                         </p:cTn>
                                         <p:tgtEl>
-                                          <p:spTgt spid="3"/>
+                                          <p:spTgt spid="8"/>
                                         </p:tgtEl>
                                         <p:attrNameLst>
                                           <p:attrName>style.visibility</p:attrName>
                                         </p:attrNameLst>
                                       </p:cBhvr>
                                       <p:to>
-                                        <p:strVal val="hidden"/>
+                                        <p:strVal val="visible"/>
                                       </p:to>
                                     </p:set>
                                   </p:childTnLst>
@@ -43096,6 +43359,9 @@
         </p:cTn>
       </p:par>
     </p:tnLst>
+    <p:bldLst>
+      <p:bldP spid="8" grpId="0" animBg="1"/>
+    </p:bldLst>
   </p:timing>
 </p:sld>
 </file>

--- a/Slides/Module 05 Concurrency Patterns in Typescript.pptx
+++ b/Slides/Module 05 Concurrency Patterns in Typescript.pptx
@@ -447,60 +447,6 @@
           <pc:docMk/>
           <pc:sldMk cId="2314319587" sldId="556"/>
         </pc:sldMkLst>
-      </pc:sldChg>
-    </pc:docChg>
-  </pc:docChgLst>
-  <pc:docChgLst>
-    <pc:chgData name="Mitchell Wand" userId="de9b44c55c049659" providerId="LiveId" clId="{5F788236-F622-4F92-81A2-AAB773A767CB}"/>
-    <pc:docChg chg="undo custSel addSld modSld">
-      <pc:chgData name="Mitchell Wand" userId="de9b44c55c049659" providerId="LiveId" clId="{5F788236-F622-4F92-81A2-AAB773A767CB}" dt="2022-09-20T18:38:28.835" v="671" actId="20577"/>
-      <pc:docMkLst>
-        <pc:docMk/>
-      </pc:docMkLst>
-      <pc:sldChg chg="modNotesTx">
-        <pc:chgData name="Mitchell Wand" userId="de9b44c55c049659" providerId="LiveId" clId="{5F788236-F622-4F92-81A2-AAB773A767CB}" dt="2022-09-20T17:28:28.152" v="82" actId="20577"/>
-        <pc:sldMkLst>
-          <pc:docMk/>
-          <pc:sldMk cId="0" sldId="262"/>
-        </pc:sldMkLst>
-      </pc:sldChg>
-      <pc:sldChg chg="modNotesTx">
-        <pc:chgData name="Mitchell Wand" userId="de9b44c55c049659" providerId="LiveId" clId="{5F788236-F622-4F92-81A2-AAB773A767CB}" dt="2022-09-20T17:29:13.896" v="184" actId="20577"/>
-        <pc:sldMkLst>
-          <pc:docMk/>
-          <pc:sldMk cId="966027799" sldId="514"/>
-        </pc:sldMkLst>
-      </pc:sldChg>
-      <pc:sldChg chg="addSp modSp new mod modNotesTx">
-        <pc:chgData name="Mitchell Wand" userId="de9b44c55c049659" providerId="LiveId" clId="{5F788236-F622-4F92-81A2-AAB773A767CB}" dt="2022-09-20T18:38:28.835" v="671" actId="20577"/>
-        <pc:sldMkLst>
-          <pc:docMk/>
-          <pc:sldMk cId="3573365039" sldId="557"/>
-        </pc:sldMkLst>
-        <pc:spChg chg="mod">
-          <ac:chgData name="Mitchell Wand" userId="de9b44c55c049659" providerId="LiveId" clId="{5F788236-F622-4F92-81A2-AAB773A767CB}" dt="2022-09-20T18:38:28.835" v="671" actId="20577"/>
-          <ac:spMkLst>
-            <pc:docMk/>
-            <pc:sldMk cId="3573365039" sldId="557"/>
-            <ac:spMk id="2" creationId="{4AB7B9C2-5D09-C319-491E-9E97079CFA3D}"/>
-          </ac:spMkLst>
-        </pc:spChg>
-        <pc:spChg chg="mod">
-          <ac:chgData name="Mitchell Wand" userId="de9b44c55c049659" providerId="LiveId" clId="{5F788236-F622-4F92-81A2-AAB773A767CB}" dt="2022-09-20T18:34:42.701" v="281"/>
-          <ac:spMkLst>
-            <pc:docMk/>
-            <pc:sldMk cId="3573365039" sldId="557"/>
-            <ac:spMk id="3" creationId="{E95A29C5-3A07-008B-EE77-48C8F818925D}"/>
-          </ac:spMkLst>
-        </pc:spChg>
-        <pc:spChg chg="add mod">
-          <ac:chgData name="Mitchell Wand" userId="de9b44c55c049659" providerId="LiveId" clId="{5F788236-F622-4F92-81A2-AAB773A767CB}" dt="2022-09-20T18:36:09.157" v="308" actId="6549"/>
-          <ac:spMkLst>
-            <pc:docMk/>
-            <pc:sldMk cId="3573365039" sldId="557"/>
-            <ac:spMk id="6" creationId="{D7EEA937-36F0-3A62-61A1-D81A0C7A205D}"/>
-          </ac:spMkLst>
-        </pc:spChg>
       </pc:sldChg>
     </pc:docChg>
   </pc:docChgLst>
@@ -1054,6 +1000,60 @@
           <pc:docMk/>
           <pc:sldMk cId="1831664636" sldId="580"/>
         </pc:sldMkLst>
+      </pc:sldChg>
+    </pc:docChg>
+  </pc:docChgLst>
+  <pc:docChgLst>
+    <pc:chgData name="Mitchell Wand" userId="de9b44c55c049659" providerId="LiveId" clId="{5F788236-F622-4F92-81A2-AAB773A767CB}"/>
+    <pc:docChg chg="undo custSel addSld modSld">
+      <pc:chgData name="Mitchell Wand" userId="de9b44c55c049659" providerId="LiveId" clId="{5F788236-F622-4F92-81A2-AAB773A767CB}" dt="2022-09-20T18:38:28.835" v="671" actId="20577"/>
+      <pc:docMkLst>
+        <pc:docMk/>
+      </pc:docMkLst>
+      <pc:sldChg chg="modNotesTx">
+        <pc:chgData name="Mitchell Wand" userId="de9b44c55c049659" providerId="LiveId" clId="{5F788236-F622-4F92-81A2-AAB773A767CB}" dt="2022-09-20T17:28:28.152" v="82" actId="20577"/>
+        <pc:sldMkLst>
+          <pc:docMk/>
+          <pc:sldMk cId="0" sldId="262"/>
+        </pc:sldMkLst>
+      </pc:sldChg>
+      <pc:sldChg chg="modNotesTx">
+        <pc:chgData name="Mitchell Wand" userId="de9b44c55c049659" providerId="LiveId" clId="{5F788236-F622-4F92-81A2-AAB773A767CB}" dt="2022-09-20T17:29:13.896" v="184" actId="20577"/>
+        <pc:sldMkLst>
+          <pc:docMk/>
+          <pc:sldMk cId="966027799" sldId="514"/>
+        </pc:sldMkLst>
+      </pc:sldChg>
+      <pc:sldChg chg="addSp modSp new mod modNotesTx">
+        <pc:chgData name="Mitchell Wand" userId="de9b44c55c049659" providerId="LiveId" clId="{5F788236-F622-4F92-81A2-AAB773A767CB}" dt="2022-09-20T18:38:28.835" v="671" actId="20577"/>
+        <pc:sldMkLst>
+          <pc:docMk/>
+          <pc:sldMk cId="3573365039" sldId="557"/>
+        </pc:sldMkLst>
+        <pc:spChg chg="mod">
+          <ac:chgData name="Mitchell Wand" userId="de9b44c55c049659" providerId="LiveId" clId="{5F788236-F622-4F92-81A2-AAB773A767CB}" dt="2022-09-20T18:38:28.835" v="671" actId="20577"/>
+          <ac:spMkLst>
+            <pc:docMk/>
+            <pc:sldMk cId="3573365039" sldId="557"/>
+            <ac:spMk id="2" creationId="{4AB7B9C2-5D09-C319-491E-9E97079CFA3D}"/>
+          </ac:spMkLst>
+        </pc:spChg>
+        <pc:spChg chg="mod">
+          <ac:chgData name="Mitchell Wand" userId="de9b44c55c049659" providerId="LiveId" clId="{5F788236-F622-4F92-81A2-AAB773A767CB}" dt="2022-09-20T18:34:42.701" v="281"/>
+          <ac:spMkLst>
+            <pc:docMk/>
+            <pc:sldMk cId="3573365039" sldId="557"/>
+            <ac:spMk id="3" creationId="{E95A29C5-3A07-008B-EE77-48C8F818925D}"/>
+          </ac:spMkLst>
+        </pc:spChg>
+        <pc:spChg chg="add mod">
+          <ac:chgData name="Mitchell Wand" userId="de9b44c55c049659" providerId="LiveId" clId="{5F788236-F622-4F92-81A2-AAB773A767CB}" dt="2022-09-20T18:36:09.157" v="308" actId="6549"/>
+          <ac:spMkLst>
+            <pc:docMk/>
+            <pc:sldMk cId="3573365039" sldId="557"/>
+            <ac:spMk id="6" creationId="{D7EEA937-36F0-3A62-61A1-D81A0C7A205D}"/>
+          </ac:spMkLst>
+        </pc:spChg>
       </pc:sldChg>
     </pc:docChg>
   </pc:docChgLst>
@@ -14503,7 +14503,7 @@
                 <a:effectLst/>
                 <a:latin typeface="Consolas" panose="020B0609020204030204" pitchFamily="49" charset="0"/>
               </a:rPr>
-              <a:t>"Three requests made; this thread finishes"</a:t>
+              <a:t>"Three requests made; main thread finishes"</a:t>
             </a:r>
             <a:r>
               <a:rPr lang="en-US" sz="1600" b="0" dirty="0">
@@ -14817,7 +14817,7 @@
                 </a:highlight>
                 <a:latin typeface="Lucida Console" panose="020B0609040504020204" pitchFamily="49" charset="0"/>
               </a:rPr>
-              <a:t>Three requests made; this thread finishes</a:t>
+              <a:t>Three requests made; main thread finishes</a:t>
             </a:r>
           </a:p>
           <a:p>
@@ -16115,7 +16115,7 @@
                 <a:effectLst/>
                 <a:latin typeface="Consolas" panose="020B0609020204030204" pitchFamily="49" charset="0"/>
               </a:rPr>
-              <a:t>"Three requests made; this thread finishes"</a:t>
+              <a:t>"Three requests made; main thread finishes"</a:t>
             </a:r>
             <a:r>
               <a:rPr lang="en-US" sz="1600" b="0" dirty="0">
@@ -16479,7 +16479,7 @@
                 </a:highlight>
                 <a:latin typeface="Lucida Console" panose="020B0609040504020204" pitchFamily="49" charset="0"/>
               </a:rPr>
-              <a:t>Three requests made; this thread finishes</a:t>
+              <a:t>Three requests made; main thread finishes</a:t>
             </a:r>
           </a:p>
           <a:p>
@@ -17606,7 +17606,7 @@
                 <a:effectLst/>
                 <a:latin typeface="Consolas" panose="020B0609020204030204" pitchFamily="49" charset="0"/>
               </a:rPr>
-              <a:t>`This thread reports: </a:t>
+              <a:t>`main thread reports: </a:t>
             </a:r>
             <a:r>
               <a:rPr lang="en-US" sz="1600" b="0" dirty="0" err="1">
@@ -17739,7 +17739,7 @@
                 <a:effectLst/>
                 <a:latin typeface="Consolas" panose="020B0609020204030204" pitchFamily="49" charset="0"/>
               </a:rPr>
-              <a:t>`This thread finishes`</a:t>
+              <a:t>`main thread finishes`</a:t>
             </a:r>
             <a:r>
               <a:rPr lang="en-US" sz="1600" b="0" dirty="0">
@@ -17998,7 +17998,7 @@
                   <a:schemeClr val="tx1"/>
                 </a:solidFill>
               </a:rPr>
-              <a:t>This thread reports: </a:t>
+              <a:t>main thread reports: </a:t>
             </a:r>
             <a:r>
               <a:rPr lang="en-US" sz="1600" dirty="0" err="1">
@@ -18025,7 +18025,7 @@
                   <a:schemeClr val="tx1"/>
                 </a:solidFill>
               </a:rPr>
-              <a:t>This thread finishes</a:t>
+              <a:t>main thread finishes</a:t>
             </a:r>
           </a:p>
           <a:p>
@@ -18458,7 +18458,7 @@
               </a:pPr>
               <a:t>14</a:t>
             </a:fld>
-            <a:endParaRPr kumimoji="0" lang="en-US" sz="1200" b="0" i="0" u="none" strike="noStrike" kern="1200" cap="none" spc="0" normalizeH="0" baseline="0" noProof="0">
+            <a:endParaRPr kumimoji="0" lang="en-US" sz="1200" b="0" i="0" u="none" strike="noStrike" kern="1200" cap="none" spc="0" normalizeH="0" baseline="0" noProof="0" dirty="0">
               <a:ln>
                 <a:noFill/>
               </a:ln>
@@ -19256,7 +19256,7 @@
                 <a:effectLst/>
                 <a:latin typeface="Consolas" panose="020B0609020204030204" pitchFamily="49" charset="0"/>
               </a:rPr>
-              <a:t>`This thread reports: </a:t>
+              <a:t>`main thread reports: </a:t>
             </a:r>
             <a:r>
               <a:rPr lang="en-US" sz="1600" b="0" dirty="0" err="1">
@@ -19389,7 +19389,7 @@
                 <a:effectLst/>
                 <a:latin typeface="Consolas" panose="020B0609020204030204" pitchFamily="49" charset="0"/>
               </a:rPr>
-              <a:t>`This thread finishes`</a:t>
+              <a:t>`main thread finishes`</a:t>
             </a:r>
             <a:r>
               <a:rPr lang="en-US" sz="1600" b="0" dirty="0">
@@ -19708,7 +19708,7 @@
                   <a:srgbClr val="FFFF00"/>
                 </a:highlight>
               </a:rPr>
-              <a:t>This thread reports: </a:t>
+              <a:t>main thread reports: </a:t>
             </a:r>
             <a:r>
               <a:rPr lang="en-US" sz="1600" dirty="0" err="1">
@@ -19741,7 +19741,7 @@
                   <a:schemeClr val="tx1"/>
                 </a:solidFill>
               </a:rPr>
-              <a:t>This thread finishes</a:t>
+              <a:t>main thread finishes</a:t>
             </a:r>
           </a:p>
           <a:p>
@@ -19885,7 +19885,7 @@
                 </a:solidFill>
                 <a:latin typeface="Ink Free" panose="03080402000500000000" pitchFamily="66" charset="0"/>
               </a:rPr>
-              <a:t>The thread doesn’t resume until ALL of the promises are satisfied</a:t>
+              <a:t>Main thread doesn’t resume until ALL of the promises are satisfied</a:t>
             </a:r>
           </a:p>
         </p:txBody>
@@ -20173,7 +20173,7 @@
           </a:ln>
           <a:extLst>
             <a:ext uri="{C572A759-6A51-4108-AA02-DFA0A04FC94B}">
-              <ma14:wrappingTextBoxFlag xmlns="" xmlns:m="http://schemas.openxmlformats.org/officeDocument/2006/math" xmlns:a14="http://schemas.microsoft.com/office/drawing/2010/main" xmlns:ma14="http://schemas.microsoft.com/office/mac/drawingml/2011/main" val="1"/>
+              <ma14:wrappingTextBoxFlag xmlns:ma14="http://schemas.microsoft.com/office/mac/drawingml/2011/main" xmlns:a14="http://schemas.microsoft.com/office/drawing/2010/main" xmlns:m="http://schemas.openxmlformats.org/officeDocument/2006/math" xmlns="" val="1"/>
             </a:ext>
           </a:extLst>
         </p:spPr>
@@ -20762,7 +20762,7 @@
           </a:ln>
           <a:extLst>
             <a:ext uri="{C572A759-6A51-4108-AA02-DFA0A04FC94B}">
-              <ma14:wrappingTextBoxFlag xmlns="" xmlns:m="http://schemas.openxmlformats.org/officeDocument/2006/math" xmlns:a14="http://schemas.microsoft.com/office/drawing/2010/main" xmlns:ma14="http://schemas.microsoft.com/office/mac/drawingml/2011/main" val="1"/>
+              <ma14:wrappingTextBoxFlag xmlns:ma14="http://schemas.microsoft.com/office/mac/drawingml/2011/main" xmlns:a14="http://schemas.microsoft.com/office/drawing/2010/main" xmlns:m="http://schemas.openxmlformats.org/officeDocument/2006/math" xmlns="" val="1"/>
             </a:ext>
           </a:extLst>
         </p:spPr>
@@ -21963,7 +21963,7 @@
             <a:effectLst/>
             <a:extLst>
               <a:ext uri="{C572A759-6A51-4108-AA02-DFA0A04FC94B}">
-                <ma14:wrappingTextBoxFlag xmlns="" xmlns:m="http://schemas.openxmlformats.org/officeDocument/2006/math" xmlns:a14="http://schemas.microsoft.com/office/drawing/2010/main" xmlns:ma14="http://schemas.microsoft.com/office/mac/drawingml/2011/main" val="1"/>
+                <ma14:wrappingTextBoxFlag xmlns:ma14="http://schemas.microsoft.com/office/mac/drawingml/2011/main" xmlns:a14="http://schemas.microsoft.com/office/drawing/2010/main" xmlns:m="http://schemas.openxmlformats.org/officeDocument/2006/math" xmlns="" val="1"/>
               </a:ext>
             </a:extLst>
           </p:spPr>
@@ -22032,7 +22032,7 @@
             <a:effectLst/>
             <a:extLst>
               <a:ext uri="{C572A759-6A51-4108-AA02-DFA0A04FC94B}">
-                <ma14:wrappingTextBoxFlag xmlns="" xmlns:m="http://schemas.openxmlformats.org/officeDocument/2006/math" xmlns:a14="http://schemas.microsoft.com/office/drawing/2010/main" xmlns:ma14="http://schemas.microsoft.com/office/mac/drawingml/2011/main" val="1"/>
+                <ma14:wrappingTextBoxFlag xmlns:ma14="http://schemas.microsoft.com/office/mac/drawingml/2011/main" xmlns:a14="http://schemas.microsoft.com/office/drawing/2010/main" xmlns:m="http://schemas.openxmlformats.org/officeDocument/2006/math" xmlns="" val="1"/>
               </a:ext>
             </a:extLst>
           </p:spPr>
@@ -22098,7 +22098,7 @@
             </a:ln>
             <a:extLst>
               <a:ext uri="{C572A759-6A51-4108-AA02-DFA0A04FC94B}">
-                <ma14:wrappingTextBoxFlag xmlns="" xmlns:m="http://schemas.openxmlformats.org/officeDocument/2006/math" xmlns:a14="http://schemas.microsoft.com/office/drawing/2010/main" xmlns:ma14="http://schemas.microsoft.com/office/mac/drawingml/2011/main" val="1"/>
+                <ma14:wrappingTextBoxFlag xmlns:ma14="http://schemas.microsoft.com/office/mac/drawingml/2011/main" xmlns:a14="http://schemas.microsoft.com/office/drawing/2010/main" xmlns:m="http://schemas.openxmlformats.org/officeDocument/2006/math" xmlns="" val="1"/>
               </a:ext>
             </a:extLst>
           </p:spPr>
@@ -22156,7 +22156,7 @@
             </a:ln>
             <a:extLst>
               <a:ext uri="{C572A759-6A51-4108-AA02-DFA0A04FC94B}">
-                <ma14:wrappingTextBoxFlag xmlns="" xmlns:m="http://schemas.openxmlformats.org/officeDocument/2006/math" xmlns:a14="http://schemas.microsoft.com/office/drawing/2010/main" xmlns:ma14="http://schemas.microsoft.com/office/mac/drawingml/2011/main" val="1"/>
+                <ma14:wrappingTextBoxFlag xmlns:ma14="http://schemas.microsoft.com/office/mac/drawingml/2011/main" xmlns:a14="http://schemas.microsoft.com/office/drawing/2010/main" xmlns:m="http://schemas.openxmlformats.org/officeDocument/2006/math" xmlns="" val="1"/>
               </a:ext>
             </a:extLst>
           </p:spPr>
@@ -22237,7 +22237,7 @@
             <a:effectLst/>
             <a:extLst>
               <a:ext uri="{C572A759-6A51-4108-AA02-DFA0A04FC94B}">
-                <ma14:wrappingTextBoxFlag xmlns="" xmlns:m="http://schemas.openxmlformats.org/officeDocument/2006/math" xmlns:a14="http://schemas.microsoft.com/office/drawing/2010/main" xmlns:ma14="http://schemas.microsoft.com/office/mac/drawingml/2011/main" val="1"/>
+                <ma14:wrappingTextBoxFlag xmlns:ma14="http://schemas.microsoft.com/office/mac/drawingml/2011/main" xmlns:a14="http://schemas.microsoft.com/office/drawing/2010/main" xmlns:m="http://schemas.openxmlformats.org/officeDocument/2006/math" xmlns="" val="1"/>
               </a:ext>
             </a:extLst>
           </p:spPr>
@@ -22310,7 +22310,7 @@
             <a:effectLst/>
             <a:extLst>
               <a:ext uri="{C572A759-6A51-4108-AA02-DFA0A04FC94B}">
-                <ma14:wrappingTextBoxFlag xmlns="" xmlns:m="http://schemas.openxmlformats.org/officeDocument/2006/math" xmlns:a14="http://schemas.microsoft.com/office/drawing/2010/main" xmlns:ma14="http://schemas.microsoft.com/office/mac/drawingml/2011/main" val="1"/>
+                <ma14:wrappingTextBoxFlag xmlns:ma14="http://schemas.microsoft.com/office/mac/drawingml/2011/main" xmlns:a14="http://schemas.microsoft.com/office/drawing/2010/main" xmlns:m="http://schemas.openxmlformats.org/officeDocument/2006/math" xmlns="" val="1"/>
               </a:ext>
             </a:extLst>
           </p:spPr>
@@ -22376,7 +22376,7 @@
             </a:ln>
             <a:extLst>
               <a:ext uri="{C572A759-6A51-4108-AA02-DFA0A04FC94B}">
-                <ma14:wrappingTextBoxFlag xmlns="" xmlns:m="http://schemas.openxmlformats.org/officeDocument/2006/math" xmlns:a14="http://schemas.microsoft.com/office/drawing/2010/main" xmlns:ma14="http://schemas.microsoft.com/office/mac/drawingml/2011/main" val="1"/>
+                <ma14:wrappingTextBoxFlag xmlns:ma14="http://schemas.microsoft.com/office/mac/drawingml/2011/main" xmlns:a14="http://schemas.microsoft.com/office/drawing/2010/main" xmlns:m="http://schemas.openxmlformats.org/officeDocument/2006/math" xmlns="" val="1"/>
               </a:ext>
             </a:extLst>
           </p:spPr>
@@ -22434,7 +22434,7 @@
             </a:ln>
             <a:extLst>
               <a:ext uri="{C572A759-6A51-4108-AA02-DFA0A04FC94B}">
-                <ma14:wrappingTextBoxFlag xmlns="" xmlns:m="http://schemas.openxmlformats.org/officeDocument/2006/math" xmlns:a14="http://schemas.microsoft.com/office/drawing/2010/main" xmlns:ma14="http://schemas.microsoft.com/office/mac/drawingml/2011/main" val="1"/>
+                <ma14:wrappingTextBoxFlag xmlns:ma14="http://schemas.microsoft.com/office/mac/drawingml/2011/main" xmlns:a14="http://schemas.microsoft.com/office/drawing/2010/main" xmlns:m="http://schemas.openxmlformats.org/officeDocument/2006/math" xmlns="" val="1"/>
               </a:ext>
             </a:extLst>
           </p:spPr>
@@ -22515,7 +22515,7 @@
             <a:effectLst/>
             <a:extLst>
               <a:ext uri="{C572A759-6A51-4108-AA02-DFA0A04FC94B}">
-                <ma14:wrappingTextBoxFlag xmlns="" xmlns:m="http://schemas.openxmlformats.org/officeDocument/2006/math" xmlns:a14="http://schemas.microsoft.com/office/drawing/2010/main" xmlns:ma14="http://schemas.microsoft.com/office/mac/drawingml/2011/main" val="1"/>
+                <ma14:wrappingTextBoxFlag xmlns:ma14="http://schemas.microsoft.com/office/mac/drawingml/2011/main" xmlns:a14="http://schemas.microsoft.com/office/drawing/2010/main" xmlns:m="http://schemas.openxmlformats.org/officeDocument/2006/math" xmlns="" val="1"/>
               </a:ext>
             </a:extLst>
           </p:spPr>
@@ -22588,7 +22588,7 @@
             <a:effectLst/>
             <a:extLst>
               <a:ext uri="{C572A759-6A51-4108-AA02-DFA0A04FC94B}">
-                <ma14:wrappingTextBoxFlag xmlns="" xmlns:m="http://schemas.openxmlformats.org/officeDocument/2006/math" xmlns:a14="http://schemas.microsoft.com/office/drawing/2010/main" xmlns:ma14="http://schemas.microsoft.com/office/mac/drawingml/2011/main" val="1"/>
+                <ma14:wrappingTextBoxFlag xmlns:ma14="http://schemas.microsoft.com/office/mac/drawingml/2011/main" xmlns:a14="http://schemas.microsoft.com/office/drawing/2010/main" xmlns:m="http://schemas.openxmlformats.org/officeDocument/2006/math" xmlns="" val="1"/>
               </a:ext>
             </a:extLst>
           </p:spPr>
@@ -22654,7 +22654,7 @@
             </a:ln>
             <a:extLst>
               <a:ext uri="{C572A759-6A51-4108-AA02-DFA0A04FC94B}">
-                <ma14:wrappingTextBoxFlag xmlns="" xmlns:m="http://schemas.openxmlformats.org/officeDocument/2006/math" xmlns:a14="http://schemas.microsoft.com/office/drawing/2010/main" xmlns:ma14="http://schemas.microsoft.com/office/mac/drawingml/2011/main" val="1"/>
+                <ma14:wrappingTextBoxFlag xmlns:ma14="http://schemas.microsoft.com/office/mac/drawingml/2011/main" xmlns:a14="http://schemas.microsoft.com/office/drawing/2010/main" xmlns:m="http://schemas.openxmlformats.org/officeDocument/2006/math" xmlns="" val="1"/>
               </a:ext>
             </a:extLst>
           </p:spPr>
@@ -22712,7 +22712,7 @@
             </a:ln>
             <a:extLst>
               <a:ext uri="{C572A759-6A51-4108-AA02-DFA0A04FC94B}">
-                <ma14:wrappingTextBoxFlag xmlns="" xmlns:m="http://schemas.openxmlformats.org/officeDocument/2006/math" xmlns:a14="http://schemas.microsoft.com/office/drawing/2010/main" xmlns:ma14="http://schemas.microsoft.com/office/mac/drawingml/2011/main" val="1"/>
+                <ma14:wrappingTextBoxFlag xmlns:ma14="http://schemas.microsoft.com/office/mac/drawingml/2011/main" xmlns:a14="http://schemas.microsoft.com/office/drawing/2010/main" xmlns:m="http://schemas.openxmlformats.org/officeDocument/2006/math" xmlns="" val="1"/>
               </a:ext>
             </a:extLst>
           </p:spPr>
@@ -22793,7 +22793,7 @@
             <a:effectLst/>
             <a:extLst>
               <a:ext uri="{C572A759-6A51-4108-AA02-DFA0A04FC94B}">
-                <ma14:wrappingTextBoxFlag xmlns="" xmlns:m="http://schemas.openxmlformats.org/officeDocument/2006/math" xmlns:a14="http://schemas.microsoft.com/office/drawing/2010/main" xmlns:ma14="http://schemas.microsoft.com/office/mac/drawingml/2011/main" val="1"/>
+                <ma14:wrappingTextBoxFlag xmlns:ma14="http://schemas.microsoft.com/office/mac/drawingml/2011/main" xmlns:a14="http://schemas.microsoft.com/office/drawing/2010/main" xmlns:m="http://schemas.openxmlformats.org/officeDocument/2006/math" xmlns="" val="1"/>
               </a:ext>
             </a:extLst>
           </p:spPr>
@@ -22862,7 +22862,7 @@
             <a:effectLst/>
             <a:extLst>
               <a:ext uri="{C572A759-6A51-4108-AA02-DFA0A04FC94B}">
-                <ma14:wrappingTextBoxFlag xmlns="" xmlns:m="http://schemas.openxmlformats.org/officeDocument/2006/math" xmlns:a14="http://schemas.microsoft.com/office/drawing/2010/main" xmlns:ma14="http://schemas.microsoft.com/office/mac/drawingml/2011/main" val="1"/>
+                <ma14:wrappingTextBoxFlag xmlns:ma14="http://schemas.microsoft.com/office/mac/drawingml/2011/main" xmlns:a14="http://schemas.microsoft.com/office/drawing/2010/main" xmlns:m="http://schemas.openxmlformats.org/officeDocument/2006/math" xmlns="" val="1"/>
               </a:ext>
             </a:extLst>
           </p:spPr>
@@ -22928,7 +22928,7 @@
             </a:ln>
             <a:extLst>
               <a:ext uri="{C572A759-6A51-4108-AA02-DFA0A04FC94B}">
-                <ma14:wrappingTextBoxFlag xmlns="" xmlns:m="http://schemas.openxmlformats.org/officeDocument/2006/math" xmlns:a14="http://schemas.microsoft.com/office/drawing/2010/main" xmlns:ma14="http://schemas.microsoft.com/office/mac/drawingml/2011/main" val="1"/>
+                <ma14:wrappingTextBoxFlag xmlns:ma14="http://schemas.microsoft.com/office/mac/drawingml/2011/main" xmlns:a14="http://schemas.microsoft.com/office/drawing/2010/main" xmlns:m="http://schemas.openxmlformats.org/officeDocument/2006/math" xmlns="" val="1"/>
               </a:ext>
             </a:extLst>
           </p:spPr>
@@ -22986,7 +22986,7 @@
             </a:ln>
             <a:extLst>
               <a:ext uri="{C572A759-6A51-4108-AA02-DFA0A04FC94B}">
-                <ma14:wrappingTextBoxFlag xmlns="" xmlns:m="http://schemas.openxmlformats.org/officeDocument/2006/math" xmlns:a14="http://schemas.microsoft.com/office/drawing/2010/main" xmlns:ma14="http://schemas.microsoft.com/office/mac/drawingml/2011/main" val="1"/>
+                <ma14:wrappingTextBoxFlag xmlns:ma14="http://schemas.microsoft.com/office/mac/drawingml/2011/main" xmlns:a14="http://schemas.microsoft.com/office/drawing/2010/main" xmlns:m="http://schemas.openxmlformats.org/officeDocument/2006/math" xmlns="" val="1"/>
               </a:ext>
             </a:extLst>
           </p:spPr>
@@ -23067,7 +23067,7 @@
             <a:effectLst/>
             <a:extLst>
               <a:ext uri="{C572A759-6A51-4108-AA02-DFA0A04FC94B}">
-                <ma14:wrappingTextBoxFlag xmlns="" xmlns:m="http://schemas.openxmlformats.org/officeDocument/2006/math" xmlns:a14="http://schemas.microsoft.com/office/drawing/2010/main" xmlns:ma14="http://schemas.microsoft.com/office/mac/drawingml/2011/main" val="1"/>
+                <ma14:wrappingTextBoxFlag xmlns:ma14="http://schemas.microsoft.com/office/mac/drawingml/2011/main" xmlns:a14="http://schemas.microsoft.com/office/drawing/2010/main" xmlns:m="http://schemas.openxmlformats.org/officeDocument/2006/math" xmlns="" val="1"/>
               </a:ext>
             </a:extLst>
           </p:spPr>
@@ -23160,7 +23160,7 @@
               <a:effectLst/>
               <a:extLst>
                 <a:ext uri="{C572A759-6A51-4108-AA02-DFA0A04FC94B}">
-                  <ma14:wrappingTextBoxFlag xmlns="" xmlns:m="http://schemas.openxmlformats.org/officeDocument/2006/math" xmlns:a14="http://schemas.microsoft.com/office/drawing/2010/main" xmlns:ma14="http://schemas.microsoft.com/office/mac/drawingml/2011/main" val="1"/>
+                  <ma14:wrappingTextBoxFlag xmlns:ma14="http://schemas.microsoft.com/office/mac/drawingml/2011/main" xmlns:a14="http://schemas.microsoft.com/office/drawing/2010/main" xmlns:m="http://schemas.openxmlformats.org/officeDocument/2006/math" xmlns="" val="1"/>
                 </a:ext>
               </a:extLst>
             </p:spPr>
@@ -23226,7 +23226,7 @@
               </a:ln>
               <a:extLst>
                 <a:ext uri="{C572A759-6A51-4108-AA02-DFA0A04FC94B}">
-                  <ma14:wrappingTextBoxFlag xmlns="" xmlns:m="http://schemas.openxmlformats.org/officeDocument/2006/math" xmlns:a14="http://schemas.microsoft.com/office/drawing/2010/main" xmlns:ma14="http://schemas.microsoft.com/office/mac/drawingml/2011/main" val="1"/>
+                  <ma14:wrappingTextBoxFlag xmlns:ma14="http://schemas.microsoft.com/office/mac/drawingml/2011/main" xmlns:a14="http://schemas.microsoft.com/office/drawing/2010/main" xmlns:m="http://schemas.openxmlformats.org/officeDocument/2006/math" xmlns="" val="1"/>
                 </a:ext>
               </a:extLst>
             </p:spPr>
@@ -23284,7 +23284,7 @@
               </a:ln>
               <a:extLst>
                 <a:ext uri="{C572A759-6A51-4108-AA02-DFA0A04FC94B}">
-                  <ma14:wrappingTextBoxFlag xmlns="" xmlns:m="http://schemas.openxmlformats.org/officeDocument/2006/math" xmlns:a14="http://schemas.microsoft.com/office/drawing/2010/main" xmlns:ma14="http://schemas.microsoft.com/office/mac/drawingml/2011/main" val="1"/>
+                  <ma14:wrappingTextBoxFlag xmlns:ma14="http://schemas.microsoft.com/office/mac/drawingml/2011/main" xmlns:a14="http://schemas.microsoft.com/office/drawing/2010/main" xmlns:m="http://schemas.openxmlformats.org/officeDocument/2006/math" xmlns="" val="1"/>
                 </a:ext>
               </a:extLst>
             </p:spPr>
@@ -23366,7 +23366,7 @@
             <a:effectLst/>
             <a:extLst>
               <a:ext uri="{C572A759-6A51-4108-AA02-DFA0A04FC94B}">
-                <ma14:wrappingTextBoxFlag xmlns="" xmlns:m="http://schemas.openxmlformats.org/officeDocument/2006/math" xmlns:a14="http://schemas.microsoft.com/office/drawing/2010/main" xmlns:ma14="http://schemas.microsoft.com/office/mac/drawingml/2011/main" val="1"/>
+                <ma14:wrappingTextBoxFlag xmlns:ma14="http://schemas.microsoft.com/office/mac/drawingml/2011/main" xmlns:a14="http://schemas.microsoft.com/office/drawing/2010/main" xmlns:m="http://schemas.openxmlformats.org/officeDocument/2006/math" xmlns="" val="1"/>
               </a:ext>
             </a:extLst>
           </p:spPr>
@@ -23439,7 +23439,7 @@
             <a:effectLst/>
             <a:extLst>
               <a:ext uri="{C572A759-6A51-4108-AA02-DFA0A04FC94B}">
-                <ma14:wrappingTextBoxFlag xmlns="" xmlns:m="http://schemas.openxmlformats.org/officeDocument/2006/math" xmlns:a14="http://schemas.microsoft.com/office/drawing/2010/main" xmlns:ma14="http://schemas.microsoft.com/office/mac/drawingml/2011/main" val="1"/>
+                <ma14:wrappingTextBoxFlag xmlns:ma14="http://schemas.microsoft.com/office/mac/drawingml/2011/main" xmlns:a14="http://schemas.microsoft.com/office/drawing/2010/main" xmlns:m="http://schemas.openxmlformats.org/officeDocument/2006/math" xmlns="" val="1"/>
               </a:ext>
             </a:extLst>
           </p:spPr>
@@ -23505,7 +23505,7 @@
             </a:ln>
             <a:extLst>
               <a:ext uri="{C572A759-6A51-4108-AA02-DFA0A04FC94B}">
-                <ma14:wrappingTextBoxFlag xmlns="" xmlns:m="http://schemas.openxmlformats.org/officeDocument/2006/math" xmlns:a14="http://schemas.microsoft.com/office/drawing/2010/main" xmlns:ma14="http://schemas.microsoft.com/office/mac/drawingml/2011/main" val="1"/>
+                <ma14:wrappingTextBoxFlag xmlns:ma14="http://schemas.microsoft.com/office/mac/drawingml/2011/main" xmlns:a14="http://schemas.microsoft.com/office/drawing/2010/main" xmlns:m="http://schemas.openxmlformats.org/officeDocument/2006/math" xmlns="" val="1"/>
               </a:ext>
             </a:extLst>
           </p:spPr>
@@ -23563,7 +23563,7 @@
             </a:ln>
             <a:extLst>
               <a:ext uri="{C572A759-6A51-4108-AA02-DFA0A04FC94B}">
-                <ma14:wrappingTextBoxFlag xmlns="" xmlns:m="http://schemas.openxmlformats.org/officeDocument/2006/math" xmlns:a14="http://schemas.microsoft.com/office/drawing/2010/main" xmlns:ma14="http://schemas.microsoft.com/office/mac/drawingml/2011/main" val="1"/>
+                <ma14:wrappingTextBoxFlag xmlns:ma14="http://schemas.microsoft.com/office/mac/drawingml/2011/main" xmlns:a14="http://schemas.microsoft.com/office/drawing/2010/main" xmlns:m="http://schemas.openxmlformats.org/officeDocument/2006/math" xmlns="" val="1"/>
               </a:ext>
             </a:extLst>
           </p:spPr>
@@ -23622,7 +23622,7 @@
           </a:ln>
           <a:extLst>
             <a:ext uri="{C572A759-6A51-4108-AA02-DFA0A04FC94B}">
-              <ma14:wrappingTextBoxFlag xmlns="" xmlns:m="http://schemas.openxmlformats.org/officeDocument/2006/math" xmlns:a14="http://schemas.microsoft.com/office/drawing/2010/main" xmlns:ma14="http://schemas.microsoft.com/office/mac/drawingml/2011/main" val="1"/>
+              <ma14:wrappingTextBoxFlag xmlns:ma14="http://schemas.microsoft.com/office/mac/drawingml/2011/main" xmlns:a14="http://schemas.microsoft.com/office/drawing/2010/main" xmlns:m="http://schemas.openxmlformats.org/officeDocument/2006/math" xmlns="" val="1"/>
             </a:ext>
           </a:extLst>
         </p:spPr>
@@ -23680,7 +23680,7 @@
           </a:ln>
           <a:extLst>
             <a:ext uri="{C572A759-6A51-4108-AA02-DFA0A04FC94B}">
-              <ma14:wrappingTextBoxFlag xmlns="" xmlns:m="http://schemas.openxmlformats.org/officeDocument/2006/math" xmlns:a14="http://schemas.microsoft.com/office/drawing/2010/main" xmlns:ma14="http://schemas.microsoft.com/office/mac/drawingml/2011/main" val="1"/>
+              <ma14:wrappingTextBoxFlag xmlns:ma14="http://schemas.microsoft.com/office/mac/drawingml/2011/main" xmlns:a14="http://schemas.microsoft.com/office/drawing/2010/main" xmlns:m="http://schemas.openxmlformats.org/officeDocument/2006/math" xmlns="" val="1"/>
             </a:ext>
           </a:extLst>
         </p:spPr>
@@ -23924,7 +23924,7 @@
             </a:ln>
             <a:extLst>
               <a:ext uri="{C572A759-6A51-4108-AA02-DFA0A04FC94B}">
-                <ma14:wrappingTextBoxFlag xmlns="" xmlns:m="http://schemas.openxmlformats.org/officeDocument/2006/math" xmlns:a14="http://schemas.microsoft.com/office/drawing/2010/main" xmlns:ma14="http://schemas.microsoft.com/office/mac/drawingml/2011/main" val="1"/>
+                <ma14:wrappingTextBoxFlag xmlns:ma14="http://schemas.microsoft.com/office/mac/drawingml/2011/main" xmlns:a14="http://schemas.microsoft.com/office/drawing/2010/main" xmlns:m="http://schemas.openxmlformats.org/officeDocument/2006/math" xmlns="" val="1"/>
               </a:ext>
             </a:extLst>
           </p:spPr>
@@ -24476,7 +24476,7 @@
             </a:ln>
             <a:extLst>
               <a:ext uri="{C572A759-6A51-4108-AA02-DFA0A04FC94B}">
-                <ma14:wrappingTextBoxFlag xmlns="" xmlns:m="http://schemas.openxmlformats.org/officeDocument/2006/math" xmlns:a14="http://schemas.microsoft.com/office/drawing/2010/main" xmlns:ma14="http://schemas.microsoft.com/office/mac/drawingml/2011/main" val="1"/>
+                <ma14:wrappingTextBoxFlag xmlns:ma14="http://schemas.microsoft.com/office/mac/drawingml/2011/main" xmlns:a14="http://schemas.microsoft.com/office/drawing/2010/main" xmlns:m="http://schemas.openxmlformats.org/officeDocument/2006/math" xmlns="" val="1"/>
               </a:ext>
             </a:extLst>
           </p:spPr>
@@ -25213,7 +25213,7 @@
           </a:prstGeom>
           <a:extLst>
             <a:ext uri="{C572A759-6A51-4108-AA02-DFA0A04FC94B}">
-              <ma14:wrappingTextBoxFlag xmlns="" xmlns:m="http://schemas.openxmlformats.org/officeDocument/2006/math" xmlns:a14="http://schemas.microsoft.com/office/drawing/2010/main" xmlns:ma14="http://schemas.microsoft.com/office/mac/drawingml/2011/main" val="1"/>
+              <ma14:wrappingTextBoxFlag xmlns:ma14="http://schemas.microsoft.com/office/mac/drawingml/2011/main" xmlns:a14="http://schemas.microsoft.com/office/drawing/2010/main" xmlns:m="http://schemas.openxmlformats.org/officeDocument/2006/math" xmlns="" val="1"/>
             </a:ext>
           </a:extLst>
         </p:spPr>
@@ -35758,7 +35758,7 @@
           </a:ln>
           <a:extLst>
             <a:ext uri="{C572A759-6A51-4108-AA02-DFA0A04FC94B}">
-              <ma14:wrappingTextBoxFlag xmlns="" xmlns:m="http://schemas.openxmlformats.org/officeDocument/2006/math" xmlns:a14="http://schemas.microsoft.com/office/drawing/2010/main" xmlns:ma14="http://schemas.microsoft.com/office/mac/drawingml/2011/main" val="1"/>
+              <ma14:wrappingTextBoxFlag xmlns:ma14="http://schemas.microsoft.com/office/mac/drawingml/2011/main" xmlns:a14="http://schemas.microsoft.com/office/drawing/2010/main" xmlns:m="http://schemas.openxmlformats.org/officeDocument/2006/math" xmlns="" val="1"/>
             </a:ext>
           </a:extLst>
         </p:spPr>
@@ -36716,7 +36716,7 @@
           </a:prstGeom>
           <a:extLst>
             <a:ext uri="{C572A759-6A51-4108-AA02-DFA0A04FC94B}">
-              <ma14:wrappingTextBoxFlag xmlns:ma14="http://schemas.microsoft.com/office/mac/drawingml/2011/main" xmlns:a14="http://schemas.microsoft.com/office/drawing/2010/main" xmlns:m="http://schemas.openxmlformats.org/officeDocument/2006/math" xmlns="" val="1"/>
+              <ma14:wrappingTextBoxFlag xmlns="" xmlns:m="http://schemas.openxmlformats.org/officeDocument/2006/math" xmlns:a14="http://schemas.microsoft.com/office/drawing/2010/main" xmlns:ma14="http://schemas.microsoft.com/office/mac/drawingml/2011/main" val="1"/>
             </a:ext>
           </a:extLst>
         </p:spPr>
@@ -37106,7 +37106,7 @@
               </a:effectLst>
               <a:extLst>
                 <a:ext uri="{C572A759-6A51-4108-AA02-DFA0A04FC94B}">
-                  <ma14:wrappingTextBoxFlag xmlns:ma14="http://schemas.microsoft.com/office/mac/drawingml/2011/main" xmlns:a14="http://schemas.microsoft.com/office/drawing/2010/main" xmlns:m="http://schemas.openxmlformats.org/officeDocument/2006/math" xmlns="" val="1"/>
+                  <ma14:wrappingTextBoxFlag xmlns="" xmlns:m="http://schemas.openxmlformats.org/officeDocument/2006/math" xmlns:a14="http://schemas.microsoft.com/office/drawing/2010/main" xmlns:ma14="http://schemas.microsoft.com/office/mac/drawingml/2011/main" val="1"/>
                 </a:ext>
               </a:extLst>
             </p:spPr>
@@ -37176,7 +37176,7 @@
               </a:effectLst>
               <a:extLst>
                 <a:ext uri="{C572A759-6A51-4108-AA02-DFA0A04FC94B}">
-                  <ma14:wrappingTextBoxFlag xmlns:ma14="http://schemas.microsoft.com/office/mac/drawingml/2011/main" xmlns:a14="http://schemas.microsoft.com/office/drawing/2010/main" xmlns:m="http://schemas.openxmlformats.org/officeDocument/2006/math" xmlns="" val="1"/>
+                  <ma14:wrappingTextBoxFlag xmlns="" xmlns:m="http://schemas.openxmlformats.org/officeDocument/2006/math" xmlns:a14="http://schemas.microsoft.com/office/drawing/2010/main" xmlns:ma14="http://schemas.microsoft.com/office/mac/drawingml/2011/main" val="1"/>
                 </a:ext>
               </a:extLst>
             </p:spPr>
@@ -37244,7 +37244,7 @@
               </a:effectLst>
               <a:extLst>
                 <a:ext uri="{C572A759-6A51-4108-AA02-DFA0A04FC94B}">
-                  <ma14:wrappingTextBoxFlag xmlns:ma14="http://schemas.microsoft.com/office/mac/drawingml/2011/main" xmlns:a14="http://schemas.microsoft.com/office/drawing/2010/main" xmlns:m="http://schemas.openxmlformats.org/officeDocument/2006/math" xmlns="" val="1"/>
+                  <ma14:wrappingTextBoxFlag xmlns="" xmlns:m="http://schemas.openxmlformats.org/officeDocument/2006/math" xmlns:a14="http://schemas.microsoft.com/office/drawing/2010/main" xmlns:ma14="http://schemas.microsoft.com/office/mac/drawingml/2011/main" val="1"/>
                 </a:ext>
               </a:extLst>
             </p:spPr>
@@ -37332,7 +37332,7 @@
                 </a:effectLst>
                 <a:extLst>
                   <a:ext uri="{C572A759-6A51-4108-AA02-DFA0A04FC94B}">
-                    <ma14:wrappingTextBoxFlag xmlns:ma14="http://schemas.microsoft.com/office/mac/drawingml/2011/main" xmlns:a14="http://schemas.microsoft.com/office/drawing/2010/main" xmlns:m="http://schemas.openxmlformats.org/officeDocument/2006/math" xmlns="" val="1"/>
+                    <ma14:wrappingTextBoxFlag xmlns="" xmlns:m="http://schemas.openxmlformats.org/officeDocument/2006/math" xmlns:a14="http://schemas.microsoft.com/office/drawing/2010/main" xmlns:ma14="http://schemas.microsoft.com/office/mac/drawingml/2011/main" val="1"/>
                   </a:ext>
                 </a:extLst>
               </p:spPr>
@@ -37510,7 +37510,7 @@
                   <a:effectLst/>
                   <a:extLst>
                     <a:ext uri="{C572A759-6A51-4108-AA02-DFA0A04FC94B}">
-                      <ma14:wrappingTextBoxFlag xmlns:ma14="http://schemas.microsoft.com/office/mac/drawingml/2011/main" xmlns:a14="http://schemas.microsoft.com/office/drawing/2010/main" xmlns:m="http://schemas.openxmlformats.org/officeDocument/2006/math" xmlns="" val="1"/>
+                      <ma14:wrappingTextBoxFlag xmlns="" xmlns:m="http://schemas.openxmlformats.org/officeDocument/2006/math" xmlns:a14="http://schemas.microsoft.com/office/drawing/2010/main" xmlns:ma14="http://schemas.microsoft.com/office/mac/drawingml/2011/main" val="1"/>
                     </a:ext>
                   </a:extLst>
                 </p:spPr>
@@ -37710,7 +37710,7 @@
                   <a:effectLst/>
                   <a:extLst>
                     <a:ext uri="{C572A759-6A51-4108-AA02-DFA0A04FC94B}">
-                      <ma14:wrappingTextBoxFlag xmlns:ma14="http://schemas.microsoft.com/office/mac/drawingml/2011/main" xmlns:a14="http://schemas.microsoft.com/office/drawing/2010/main" xmlns:m="http://schemas.openxmlformats.org/officeDocument/2006/math" xmlns="" val="1"/>
+                      <ma14:wrappingTextBoxFlag xmlns="" xmlns:m="http://schemas.openxmlformats.org/officeDocument/2006/math" xmlns:a14="http://schemas.microsoft.com/office/drawing/2010/main" xmlns:ma14="http://schemas.microsoft.com/office/mac/drawingml/2011/main" val="1"/>
                     </a:ext>
                   </a:extLst>
                 </p:spPr>
@@ -37800,7 +37800,7 @@
                 </a:effectLst>
                 <a:extLst>
                   <a:ext uri="{C572A759-6A51-4108-AA02-DFA0A04FC94B}">
-                    <ma14:wrappingTextBoxFlag xmlns:ma14="http://schemas.microsoft.com/office/mac/drawingml/2011/main" xmlns:a14="http://schemas.microsoft.com/office/drawing/2010/main" xmlns:m="http://schemas.openxmlformats.org/officeDocument/2006/math" xmlns="" val="1"/>
+                    <ma14:wrappingTextBoxFlag xmlns="" xmlns:m="http://schemas.openxmlformats.org/officeDocument/2006/math" xmlns:a14="http://schemas.microsoft.com/office/drawing/2010/main" xmlns:ma14="http://schemas.microsoft.com/office/mac/drawingml/2011/main" val="1"/>
                   </a:ext>
                 </a:extLst>
               </p:spPr>
@@ -37978,7 +37978,7 @@
                   <a:effectLst/>
                   <a:extLst>
                     <a:ext uri="{C572A759-6A51-4108-AA02-DFA0A04FC94B}">
-                      <ma14:wrappingTextBoxFlag xmlns:ma14="http://schemas.microsoft.com/office/mac/drawingml/2011/main" xmlns:a14="http://schemas.microsoft.com/office/drawing/2010/main" xmlns:m="http://schemas.openxmlformats.org/officeDocument/2006/math" xmlns="" val="1"/>
+                      <ma14:wrappingTextBoxFlag xmlns="" xmlns:m="http://schemas.openxmlformats.org/officeDocument/2006/math" xmlns:a14="http://schemas.microsoft.com/office/drawing/2010/main" xmlns:ma14="http://schemas.microsoft.com/office/mac/drawingml/2011/main" val="1"/>
                     </a:ext>
                   </a:extLst>
                 </p:spPr>
@@ -38068,7 +38068,7 @@
                 </a:effectLst>
                 <a:extLst>
                   <a:ext uri="{C572A759-6A51-4108-AA02-DFA0A04FC94B}">
-                    <ma14:wrappingTextBoxFlag xmlns:ma14="http://schemas.microsoft.com/office/mac/drawingml/2011/main" xmlns:a14="http://schemas.microsoft.com/office/drawing/2010/main" xmlns:m="http://schemas.openxmlformats.org/officeDocument/2006/math" xmlns="" val="1"/>
+                    <ma14:wrappingTextBoxFlag xmlns="" xmlns:m="http://schemas.openxmlformats.org/officeDocument/2006/math" xmlns:a14="http://schemas.microsoft.com/office/drawing/2010/main" xmlns:ma14="http://schemas.microsoft.com/office/mac/drawingml/2011/main" val="1"/>
                   </a:ext>
                 </a:extLst>
               </p:spPr>
@@ -38246,7 +38246,7 @@
                   <a:effectLst/>
                   <a:extLst>
                     <a:ext uri="{C572A759-6A51-4108-AA02-DFA0A04FC94B}">
-                      <ma14:wrappingTextBoxFlag xmlns:ma14="http://schemas.microsoft.com/office/mac/drawingml/2011/main" xmlns:a14="http://schemas.microsoft.com/office/drawing/2010/main" xmlns:m="http://schemas.openxmlformats.org/officeDocument/2006/math" xmlns="" val="1"/>
+                      <ma14:wrappingTextBoxFlag xmlns="" xmlns:m="http://schemas.openxmlformats.org/officeDocument/2006/math" xmlns:a14="http://schemas.microsoft.com/office/drawing/2010/main" xmlns:ma14="http://schemas.microsoft.com/office/mac/drawingml/2011/main" val="1"/>
                     </a:ext>
                   </a:extLst>
                 </p:spPr>
@@ -38317,7 +38317,7 @@
             </a:effectLst>
             <a:extLst>
               <a:ext uri="{C572A759-6A51-4108-AA02-DFA0A04FC94B}">
-                <ma14:wrappingTextBoxFlag xmlns:ma14="http://schemas.microsoft.com/office/mac/drawingml/2011/main" xmlns:a14="http://schemas.microsoft.com/office/drawing/2010/main" xmlns:m="http://schemas.openxmlformats.org/officeDocument/2006/math" xmlns="" val="1"/>
+                <ma14:wrappingTextBoxFlag xmlns="" xmlns:m="http://schemas.openxmlformats.org/officeDocument/2006/math" xmlns:a14="http://schemas.microsoft.com/office/drawing/2010/main" xmlns:ma14="http://schemas.microsoft.com/office/mac/drawingml/2011/main" val="1"/>
               </a:ext>
             </a:extLst>
           </p:spPr>
@@ -38544,7 +38544,7 @@
           </a:prstGeom>
           <a:extLst>
             <a:ext uri="{C572A759-6A51-4108-AA02-DFA0A04FC94B}">
-              <ma14:wrappingTextBoxFlag xmlns:ma14="http://schemas.microsoft.com/office/mac/drawingml/2011/main" xmlns:a14="http://schemas.microsoft.com/office/drawing/2010/main" xmlns:m="http://schemas.openxmlformats.org/officeDocument/2006/math" xmlns="" val="1"/>
+              <ma14:wrappingTextBoxFlag xmlns="" xmlns:m="http://schemas.openxmlformats.org/officeDocument/2006/math" xmlns:a14="http://schemas.microsoft.com/office/drawing/2010/main" xmlns:ma14="http://schemas.microsoft.com/office/mac/drawingml/2011/main" val="1"/>
             </a:ext>
           </a:extLst>
         </p:spPr>

--- a/Slides/Module 05 Concurrency Patterns in Typescript.pptx
+++ b/Slides/Module 05 Concurrency Patterns in Typescript.pptx
@@ -14,7 +14,7 @@
     <p:sldId id="262" r:id="rId5"/>
     <p:sldId id="514" r:id="rId6"/>
     <p:sldId id="533" r:id="rId7"/>
-    <p:sldId id="577" r:id="rId8"/>
+    <p:sldId id="581" r:id="rId8"/>
     <p:sldId id="560" r:id="rId9"/>
     <p:sldId id="562" r:id="rId10"/>
     <p:sldId id="564" r:id="rId11"/>
@@ -447,6 +447,60 @@
           <pc:docMk/>
           <pc:sldMk cId="2314319587" sldId="556"/>
         </pc:sldMkLst>
+      </pc:sldChg>
+    </pc:docChg>
+  </pc:docChgLst>
+  <pc:docChgLst>
+    <pc:chgData name="Mitchell Wand" userId="de9b44c55c049659" providerId="LiveId" clId="{5F788236-F622-4F92-81A2-AAB773A767CB}"/>
+    <pc:docChg chg="undo custSel addSld modSld">
+      <pc:chgData name="Mitchell Wand" userId="de9b44c55c049659" providerId="LiveId" clId="{5F788236-F622-4F92-81A2-AAB773A767CB}" dt="2022-09-20T18:38:28.835" v="671" actId="20577"/>
+      <pc:docMkLst>
+        <pc:docMk/>
+      </pc:docMkLst>
+      <pc:sldChg chg="modNotesTx">
+        <pc:chgData name="Mitchell Wand" userId="de9b44c55c049659" providerId="LiveId" clId="{5F788236-F622-4F92-81A2-AAB773A767CB}" dt="2022-09-20T17:28:28.152" v="82" actId="20577"/>
+        <pc:sldMkLst>
+          <pc:docMk/>
+          <pc:sldMk cId="0" sldId="262"/>
+        </pc:sldMkLst>
+      </pc:sldChg>
+      <pc:sldChg chg="modNotesTx">
+        <pc:chgData name="Mitchell Wand" userId="de9b44c55c049659" providerId="LiveId" clId="{5F788236-F622-4F92-81A2-AAB773A767CB}" dt="2022-09-20T17:29:13.896" v="184" actId="20577"/>
+        <pc:sldMkLst>
+          <pc:docMk/>
+          <pc:sldMk cId="966027799" sldId="514"/>
+        </pc:sldMkLst>
+      </pc:sldChg>
+      <pc:sldChg chg="addSp modSp new mod modNotesTx">
+        <pc:chgData name="Mitchell Wand" userId="de9b44c55c049659" providerId="LiveId" clId="{5F788236-F622-4F92-81A2-AAB773A767CB}" dt="2022-09-20T18:38:28.835" v="671" actId="20577"/>
+        <pc:sldMkLst>
+          <pc:docMk/>
+          <pc:sldMk cId="3573365039" sldId="557"/>
+        </pc:sldMkLst>
+        <pc:spChg chg="mod">
+          <ac:chgData name="Mitchell Wand" userId="de9b44c55c049659" providerId="LiveId" clId="{5F788236-F622-4F92-81A2-AAB773A767CB}" dt="2022-09-20T18:38:28.835" v="671" actId="20577"/>
+          <ac:spMkLst>
+            <pc:docMk/>
+            <pc:sldMk cId="3573365039" sldId="557"/>
+            <ac:spMk id="2" creationId="{4AB7B9C2-5D09-C319-491E-9E97079CFA3D}"/>
+          </ac:spMkLst>
+        </pc:spChg>
+        <pc:spChg chg="mod">
+          <ac:chgData name="Mitchell Wand" userId="de9b44c55c049659" providerId="LiveId" clId="{5F788236-F622-4F92-81A2-AAB773A767CB}" dt="2022-09-20T18:34:42.701" v="281"/>
+          <ac:spMkLst>
+            <pc:docMk/>
+            <pc:sldMk cId="3573365039" sldId="557"/>
+            <ac:spMk id="3" creationId="{E95A29C5-3A07-008B-EE77-48C8F818925D}"/>
+          </ac:spMkLst>
+        </pc:spChg>
+        <pc:spChg chg="add mod">
+          <ac:chgData name="Mitchell Wand" userId="de9b44c55c049659" providerId="LiveId" clId="{5F788236-F622-4F92-81A2-AAB773A767CB}" dt="2022-09-20T18:36:09.157" v="308" actId="6549"/>
+          <ac:spMkLst>
+            <pc:docMk/>
+            <pc:sldMk cId="3573365039" sldId="557"/>
+            <ac:spMk id="6" creationId="{D7EEA937-36F0-3A62-61A1-D81A0C7A205D}"/>
+          </ac:spMkLst>
+        </pc:spChg>
       </pc:sldChg>
     </pc:docChg>
   </pc:docChgLst>
@@ -1000,60 +1054,6 @@
           <pc:docMk/>
           <pc:sldMk cId="1831664636" sldId="580"/>
         </pc:sldMkLst>
-      </pc:sldChg>
-    </pc:docChg>
-  </pc:docChgLst>
-  <pc:docChgLst>
-    <pc:chgData name="Mitchell Wand" userId="de9b44c55c049659" providerId="LiveId" clId="{5F788236-F622-4F92-81A2-AAB773A767CB}"/>
-    <pc:docChg chg="undo custSel addSld modSld">
-      <pc:chgData name="Mitchell Wand" userId="de9b44c55c049659" providerId="LiveId" clId="{5F788236-F622-4F92-81A2-AAB773A767CB}" dt="2022-09-20T18:38:28.835" v="671" actId="20577"/>
-      <pc:docMkLst>
-        <pc:docMk/>
-      </pc:docMkLst>
-      <pc:sldChg chg="modNotesTx">
-        <pc:chgData name="Mitchell Wand" userId="de9b44c55c049659" providerId="LiveId" clId="{5F788236-F622-4F92-81A2-AAB773A767CB}" dt="2022-09-20T17:28:28.152" v="82" actId="20577"/>
-        <pc:sldMkLst>
-          <pc:docMk/>
-          <pc:sldMk cId="0" sldId="262"/>
-        </pc:sldMkLst>
-      </pc:sldChg>
-      <pc:sldChg chg="modNotesTx">
-        <pc:chgData name="Mitchell Wand" userId="de9b44c55c049659" providerId="LiveId" clId="{5F788236-F622-4F92-81A2-AAB773A767CB}" dt="2022-09-20T17:29:13.896" v="184" actId="20577"/>
-        <pc:sldMkLst>
-          <pc:docMk/>
-          <pc:sldMk cId="966027799" sldId="514"/>
-        </pc:sldMkLst>
-      </pc:sldChg>
-      <pc:sldChg chg="addSp modSp new mod modNotesTx">
-        <pc:chgData name="Mitchell Wand" userId="de9b44c55c049659" providerId="LiveId" clId="{5F788236-F622-4F92-81A2-AAB773A767CB}" dt="2022-09-20T18:38:28.835" v="671" actId="20577"/>
-        <pc:sldMkLst>
-          <pc:docMk/>
-          <pc:sldMk cId="3573365039" sldId="557"/>
-        </pc:sldMkLst>
-        <pc:spChg chg="mod">
-          <ac:chgData name="Mitchell Wand" userId="de9b44c55c049659" providerId="LiveId" clId="{5F788236-F622-4F92-81A2-AAB773A767CB}" dt="2022-09-20T18:38:28.835" v="671" actId="20577"/>
-          <ac:spMkLst>
-            <pc:docMk/>
-            <pc:sldMk cId="3573365039" sldId="557"/>
-            <ac:spMk id="2" creationId="{4AB7B9C2-5D09-C319-491E-9E97079CFA3D}"/>
-          </ac:spMkLst>
-        </pc:spChg>
-        <pc:spChg chg="mod">
-          <ac:chgData name="Mitchell Wand" userId="de9b44c55c049659" providerId="LiveId" clId="{5F788236-F622-4F92-81A2-AAB773A767CB}" dt="2022-09-20T18:34:42.701" v="281"/>
-          <ac:spMkLst>
-            <pc:docMk/>
-            <pc:sldMk cId="3573365039" sldId="557"/>
-            <ac:spMk id="3" creationId="{E95A29C5-3A07-008B-EE77-48C8F818925D}"/>
-          </ac:spMkLst>
-        </pc:spChg>
-        <pc:spChg chg="add mod">
-          <ac:chgData name="Mitchell Wand" userId="de9b44c55c049659" providerId="LiveId" clId="{5F788236-F622-4F92-81A2-AAB773A767CB}" dt="2022-09-20T18:36:09.157" v="308" actId="6549"/>
-          <ac:spMkLst>
-            <pc:docMk/>
-            <pc:sldMk cId="3573365039" sldId="557"/>
-            <ac:spMk id="6" creationId="{D7EEA937-36F0-3A62-61A1-D81A0C7A205D}"/>
-          </ac:spMkLst>
-        </pc:spChg>
       </pc:sldChg>
     </pc:docChg>
   </pc:docChgLst>
@@ -4813,6 +4813,95 @@
               <a:t>Try this http://latentflip.com/loupe </a:t>
             </a:r>
           </a:p>
+          <a:p>
+            <a:endParaRPr lang="en-US" dirty="0"/>
+          </a:p>
+          <a:p>
+            <a:r>
+              <a:rPr lang="en-US" b="1" dirty="0"/>
+              <a:t>APIs which use the thread pool:</a:t>
+            </a:r>
+            <a:endParaRPr lang="en-US" dirty="0"/>
+          </a:p>
+          <a:p>
+            <a:pPr>
+              <a:buFont typeface="Arial" panose="020B0604020202020204" pitchFamily="34" charset="0"/>
+              <a:buChar char="•"/>
+            </a:pPr>
+            <a:r>
+              <a:rPr lang="en-US" dirty="0"/>
+              <a:t>Every filesystem operation (fs module)</a:t>
+            </a:r>
+          </a:p>
+          <a:p>
+            <a:pPr>
+              <a:buFont typeface="Arial" panose="020B0604020202020204" pitchFamily="34" charset="0"/>
+              <a:buChar char="•"/>
+            </a:pPr>
+            <a:r>
+              <a:rPr lang="en-US" dirty="0" err="1"/>
+              <a:t>dns.lookup</a:t>
+            </a:r>
+            <a:endParaRPr lang="en-US" dirty="0"/>
+          </a:p>
+          <a:p>
+            <a:pPr>
+              <a:buFont typeface="Arial" panose="020B0604020202020204" pitchFamily="34" charset="0"/>
+              <a:buChar char="•"/>
+            </a:pPr>
+            <a:r>
+              <a:rPr lang="en-US" dirty="0"/>
+              <a:t>Pipes (edge cases)</a:t>
+            </a:r>
+          </a:p>
+          <a:p>
+            <a:r>
+              <a:rPr lang="en-US" b="1" dirty="0"/>
+              <a:t>APIs which are backed by kernel async operations:</a:t>
+            </a:r>
+            <a:endParaRPr lang="en-US" dirty="0"/>
+          </a:p>
+          <a:p>
+            <a:pPr>
+              <a:buFont typeface="Arial" panose="020B0604020202020204" pitchFamily="34" charset="0"/>
+              <a:buChar char="•"/>
+            </a:pPr>
+            <a:r>
+              <a:rPr lang="en-US" dirty="0"/>
+              <a:t>TCP/UDP servers and clients</a:t>
+            </a:r>
+          </a:p>
+          <a:p>
+            <a:pPr>
+              <a:buFont typeface="Arial" panose="020B0604020202020204" pitchFamily="34" charset="0"/>
+              <a:buChar char="•"/>
+            </a:pPr>
+            <a:r>
+              <a:rPr lang="en-US" dirty="0"/>
+              <a:t>Pipes</a:t>
+            </a:r>
+          </a:p>
+          <a:p>
+            <a:pPr>
+              <a:buFont typeface="Arial" panose="020B0604020202020204" pitchFamily="34" charset="0"/>
+              <a:buChar char="•"/>
+            </a:pPr>
+            <a:r>
+              <a:rPr lang="en-US" dirty="0" err="1"/>
+              <a:t>dns.resolve</a:t>
+            </a:r>
+            <a:endParaRPr lang="en-US" dirty="0"/>
+          </a:p>
+          <a:p>
+            <a:pPr>
+              <a:buFont typeface="Arial" panose="020B0604020202020204" pitchFamily="34" charset="0"/>
+              <a:buChar char="•"/>
+            </a:pPr>
+            <a:r>
+              <a:rPr lang="en-US" dirty="0"/>
+              <a:t>Child processes</a:t>
+            </a:r>
+          </a:p>
         </p:txBody>
       </p:sp>
     </p:spTree>
@@ -5183,7 +5272,7 @@
                 <a:tabLst/>
                 <a:defRPr/>
               </a:pPr>
-              <a:t>1/20/2023</a:t>
+              <a:t>1/24/2023</a:t>
             </a:fld>
             <a:endParaRPr kumimoji="0" lang="en-US" sz="1200" b="0" i="0" u="none" strike="noStrike" kern="1200" cap="none" spc="0" normalizeH="0" baseline="0" noProof="0">
               <a:ln>
@@ -5667,7 +5756,7 @@
                 <a:tabLst/>
                 <a:defRPr/>
               </a:pPr>
-              <a:t>1/20/2023</a:t>
+              <a:t>1/24/2023</a:t>
             </a:fld>
             <a:endParaRPr kumimoji="0" lang="en-US" sz="1200" b="0" i="0" u="none" strike="noStrike" kern="1200" cap="none" spc="0" normalizeH="0" baseline="0" noProof="0">
               <a:ln>
@@ -6025,7 +6114,7 @@
                 <a:tabLst/>
                 <a:defRPr/>
               </a:pPr>
-              <a:t>1/20/2023</a:t>
+              <a:t>1/24/2023</a:t>
             </a:fld>
             <a:endParaRPr kumimoji="0" lang="en-US" sz="1200" b="0" i="0" u="none" strike="noStrike" kern="1200" cap="none" spc="0" normalizeH="0" baseline="0" noProof="0">
               <a:ln>
@@ -6393,7 +6482,7 @@
                 <a:tabLst/>
                 <a:defRPr/>
               </a:pPr>
-              <a:t>1/20/2023</a:t>
+              <a:t>1/24/2023</a:t>
             </a:fld>
             <a:endParaRPr kumimoji="0" lang="en-US" sz="1200" b="0" i="0" u="none" strike="noStrike" kern="1200" cap="none" spc="0" normalizeH="0" baseline="0" noProof="0">
               <a:ln>
@@ -7359,7 +7448,7 @@
                 <a:tabLst/>
                 <a:defRPr/>
               </a:pPr>
-              <a:t>1/20/2023</a:t>
+              <a:t>1/24/2023</a:t>
             </a:fld>
             <a:endParaRPr kumimoji="0" lang="en-US" sz="1200" b="0" i="0" u="none" strike="noStrike" kern="1200" cap="none" spc="0" normalizeH="0" baseline="0" noProof="0">
               <a:ln>
@@ -7769,7 +7858,7 @@
                 <a:tabLst/>
                 <a:defRPr/>
               </a:pPr>
-              <a:t>1/20/2023</a:t>
+              <a:t>1/24/2023</a:t>
             </a:fld>
             <a:endParaRPr kumimoji="0" lang="en-US" sz="1200" b="0" i="0" u="none" strike="noStrike" kern="1200" cap="none" spc="0" normalizeH="0" baseline="0" noProof="0">
               <a:ln>
@@ -8111,7 +8200,7 @@
                 <a:tabLst/>
                 <a:defRPr/>
               </a:pPr>
-              <a:t>1/20/2023</a:t>
+              <a:t>1/24/2023</a:t>
             </a:fld>
             <a:endParaRPr kumimoji="0" lang="en-US" sz="1200" b="0" i="0" u="none" strike="noStrike" kern="1200" cap="none" spc="0" normalizeH="0" baseline="0" noProof="0">
               <a:ln>
@@ -8584,7 +8673,7 @@
                 <a:tabLst/>
                 <a:defRPr/>
               </a:pPr>
-              <a:t>1/20/2023</a:t>
+              <a:t>1/24/2023</a:t>
             </a:fld>
             <a:endParaRPr kumimoji="0" lang="en-US" sz="1200" b="0" i="0" u="none" strike="noStrike" kern="1200" cap="none" spc="0" normalizeH="0" baseline="0" noProof="0">
               <a:ln>
@@ -9045,7 +9134,7 @@
                 <a:tabLst/>
                 <a:defRPr/>
               </a:pPr>
-              <a:t>1/20/2023</a:t>
+              <a:t>1/24/2023</a:t>
             </a:fld>
             <a:endParaRPr kumimoji="0" lang="en-US" sz="1200" b="0" i="0" u="none" strike="noStrike" kern="1200" cap="none" spc="0" normalizeH="0" baseline="0" noProof="0">
               <a:ln>
@@ -9653,7 +9742,7 @@
                 <a:tabLst/>
                 <a:defRPr/>
               </a:pPr>
-              <a:t>1/20/2023</a:t>
+              <a:t>1/24/2023</a:t>
             </a:fld>
             <a:endParaRPr kumimoji="0" lang="en-US" sz="1200" b="0" i="0" u="none" strike="noStrike" kern="1200" cap="none" spc="0" normalizeH="0" baseline="0" noProof="0">
               <a:ln>
@@ -9926,7 +10015,7 @@
                 <a:tabLst/>
                 <a:defRPr/>
               </a:pPr>
-              <a:t>1/20/2023</a:t>
+              <a:t>1/24/2023</a:t>
             </a:fld>
             <a:endParaRPr kumimoji="0" lang="en-US" sz="1200" b="0" i="0" u="none" strike="noStrike" kern="1200" cap="none" spc="0" normalizeH="0" baseline="0" noProof="0">
               <a:ln>
@@ -10397,7 +10486,7 @@
                 <a:tabLst/>
                 <a:defRPr/>
               </a:pPr>
-              <a:t>1/20/2023</a:t>
+              <a:t>1/24/2023</a:t>
             </a:fld>
             <a:endParaRPr kumimoji="0" lang="en-US" sz="1200" b="0" i="0" u="none" strike="noStrike" kern="1200" cap="none" spc="0" normalizeH="0" baseline="0" noProof="0">
               <a:ln>
@@ -10798,7 +10887,7 @@
                 <a:tabLst/>
                 <a:defRPr/>
               </a:pPr>
-              <a:t>1/20/2023</a:t>
+              <a:t>1/24/2023</a:t>
             </a:fld>
             <a:endParaRPr kumimoji="0" lang="en-US" sz="1200" b="0" i="0" u="none" strike="noStrike" kern="1200" cap="none" spc="0" normalizeH="0" baseline="0" noProof="0">
               <a:ln>
@@ -20173,7 +20262,7 @@
           </a:ln>
           <a:extLst>
             <a:ext uri="{C572A759-6A51-4108-AA02-DFA0A04FC94B}">
-              <ma14:wrappingTextBoxFlag xmlns:ma14="http://schemas.microsoft.com/office/mac/drawingml/2011/main" xmlns:a14="http://schemas.microsoft.com/office/drawing/2010/main" xmlns:m="http://schemas.openxmlformats.org/officeDocument/2006/math" xmlns="" val="1"/>
+              <ma14:wrappingTextBoxFlag xmlns="" xmlns:m="http://schemas.openxmlformats.org/officeDocument/2006/math" xmlns:a14="http://schemas.microsoft.com/office/drawing/2010/main" xmlns:ma14="http://schemas.microsoft.com/office/mac/drawingml/2011/main" val="1"/>
             </a:ext>
           </a:extLst>
         </p:spPr>
@@ -20762,7 +20851,7 @@
           </a:ln>
           <a:extLst>
             <a:ext uri="{C572A759-6A51-4108-AA02-DFA0A04FC94B}">
-              <ma14:wrappingTextBoxFlag xmlns:ma14="http://schemas.microsoft.com/office/mac/drawingml/2011/main" xmlns:a14="http://schemas.microsoft.com/office/drawing/2010/main" xmlns:m="http://schemas.openxmlformats.org/officeDocument/2006/math" xmlns="" val="1"/>
+              <ma14:wrappingTextBoxFlag xmlns="" xmlns:m="http://schemas.openxmlformats.org/officeDocument/2006/math" xmlns:a14="http://schemas.microsoft.com/office/drawing/2010/main" xmlns:ma14="http://schemas.microsoft.com/office/mac/drawingml/2011/main" val="1"/>
             </a:ext>
           </a:extLst>
         </p:spPr>
@@ -21963,7 +22052,7 @@
             <a:effectLst/>
             <a:extLst>
               <a:ext uri="{C572A759-6A51-4108-AA02-DFA0A04FC94B}">
-                <ma14:wrappingTextBoxFlag xmlns:ma14="http://schemas.microsoft.com/office/mac/drawingml/2011/main" xmlns:a14="http://schemas.microsoft.com/office/drawing/2010/main" xmlns:m="http://schemas.openxmlformats.org/officeDocument/2006/math" xmlns="" val="1"/>
+                <ma14:wrappingTextBoxFlag xmlns="" xmlns:m="http://schemas.openxmlformats.org/officeDocument/2006/math" xmlns:a14="http://schemas.microsoft.com/office/drawing/2010/main" xmlns:ma14="http://schemas.microsoft.com/office/mac/drawingml/2011/main" val="1"/>
               </a:ext>
             </a:extLst>
           </p:spPr>
@@ -22032,7 +22121,7 @@
             <a:effectLst/>
             <a:extLst>
               <a:ext uri="{C572A759-6A51-4108-AA02-DFA0A04FC94B}">
-                <ma14:wrappingTextBoxFlag xmlns:ma14="http://schemas.microsoft.com/office/mac/drawingml/2011/main" xmlns:a14="http://schemas.microsoft.com/office/drawing/2010/main" xmlns:m="http://schemas.openxmlformats.org/officeDocument/2006/math" xmlns="" val="1"/>
+                <ma14:wrappingTextBoxFlag xmlns="" xmlns:m="http://schemas.openxmlformats.org/officeDocument/2006/math" xmlns:a14="http://schemas.microsoft.com/office/drawing/2010/main" xmlns:ma14="http://schemas.microsoft.com/office/mac/drawingml/2011/main" val="1"/>
               </a:ext>
             </a:extLst>
           </p:spPr>
@@ -22098,7 +22187,7 @@
             </a:ln>
             <a:extLst>
               <a:ext uri="{C572A759-6A51-4108-AA02-DFA0A04FC94B}">
-                <ma14:wrappingTextBoxFlag xmlns:ma14="http://schemas.microsoft.com/office/mac/drawingml/2011/main" xmlns:a14="http://schemas.microsoft.com/office/drawing/2010/main" xmlns:m="http://schemas.openxmlformats.org/officeDocument/2006/math" xmlns="" val="1"/>
+                <ma14:wrappingTextBoxFlag xmlns="" xmlns:m="http://schemas.openxmlformats.org/officeDocument/2006/math" xmlns:a14="http://schemas.microsoft.com/office/drawing/2010/main" xmlns:ma14="http://schemas.microsoft.com/office/mac/drawingml/2011/main" val="1"/>
               </a:ext>
             </a:extLst>
           </p:spPr>
@@ -22156,7 +22245,7 @@
             </a:ln>
             <a:extLst>
               <a:ext uri="{C572A759-6A51-4108-AA02-DFA0A04FC94B}">
-                <ma14:wrappingTextBoxFlag xmlns:ma14="http://schemas.microsoft.com/office/mac/drawingml/2011/main" xmlns:a14="http://schemas.microsoft.com/office/drawing/2010/main" xmlns:m="http://schemas.openxmlformats.org/officeDocument/2006/math" xmlns="" val="1"/>
+                <ma14:wrappingTextBoxFlag xmlns="" xmlns:m="http://schemas.openxmlformats.org/officeDocument/2006/math" xmlns:a14="http://schemas.microsoft.com/office/drawing/2010/main" xmlns:ma14="http://schemas.microsoft.com/office/mac/drawingml/2011/main" val="1"/>
               </a:ext>
             </a:extLst>
           </p:spPr>
@@ -22237,7 +22326,7 @@
             <a:effectLst/>
             <a:extLst>
               <a:ext uri="{C572A759-6A51-4108-AA02-DFA0A04FC94B}">
-                <ma14:wrappingTextBoxFlag xmlns:ma14="http://schemas.microsoft.com/office/mac/drawingml/2011/main" xmlns:a14="http://schemas.microsoft.com/office/drawing/2010/main" xmlns:m="http://schemas.openxmlformats.org/officeDocument/2006/math" xmlns="" val="1"/>
+                <ma14:wrappingTextBoxFlag xmlns="" xmlns:m="http://schemas.openxmlformats.org/officeDocument/2006/math" xmlns:a14="http://schemas.microsoft.com/office/drawing/2010/main" xmlns:ma14="http://schemas.microsoft.com/office/mac/drawingml/2011/main" val="1"/>
               </a:ext>
             </a:extLst>
           </p:spPr>
@@ -22310,7 +22399,7 @@
             <a:effectLst/>
             <a:extLst>
               <a:ext uri="{C572A759-6A51-4108-AA02-DFA0A04FC94B}">
-                <ma14:wrappingTextBoxFlag xmlns:ma14="http://schemas.microsoft.com/office/mac/drawingml/2011/main" xmlns:a14="http://schemas.microsoft.com/office/drawing/2010/main" xmlns:m="http://schemas.openxmlformats.org/officeDocument/2006/math" xmlns="" val="1"/>
+                <ma14:wrappingTextBoxFlag xmlns="" xmlns:m="http://schemas.openxmlformats.org/officeDocument/2006/math" xmlns:a14="http://schemas.microsoft.com/office/drawing/2010/main" xmlns:ma14="http://schemas.microsoft.com/office/mac/drawingml/2011/main" val="1"/>
               </a:ext>
             </a:extLst>
           </p:spPr>
@@ -22376,7 +22465,7 @@
             </a:ln>
             <a:extLst>
               <a:ext uri="{C572A759-6A51-4108-AA02-DFA0A04FC94B}">
-                <ma14:wrappingTextBoxFlag xmlns:ma14="http://schemas.microsoft.com/office/mac/drawingml/2011/main" xmlns:a14="http://schemas.microsoft.com/office/drawing/2010/main" xmlns:m="http://schemas.openxmlformats.org/officeDocument/2006/math" xmlns="" val="1"/>
+                <ma14:wrappingTextBoxFlag xmlns="" xmlns:m="http://schemas.openxmlformats.org/officeDocument/2006/math" xmlns:a14="http://schemas.microsoft.com/office/drawing/2010/main" xmlns:ma14="http://schemas.microsoft.com/office/mac/drawingml/2011/main" val="1"/>
               </a:ext>
             </a:extLst>
           </p:spPr>
@@ -22434,7 +22523,7 @@
             </a:ln>
             <a:extLst>
               <a:ext uri="{C572A759-6A51-4108-AA02-DFA0A04FC94B}">
-                <ma14:wrappingTextBoxFlag xmlns:ma14="http://schemas.microsoft.com/office/mac/drawingml/2011/main" xmlns:a14="http://schemas.microsoft.com/office/drawing/2010/main" xmlns:m="http://schemas.openxmlformats.org/officeDocument/2006/math" xmlns="" val="1"/>
+                <ma14:wrappingTextBoxFlag xmlns="" xmlns:m="http://schemas.openxmlformats.org/officeDocument/2006/math" xmlns:a14="http://schemas.microsoft.com/office/drawing/2010/main" xmlns:ma14="http://schemas.microsoft.com/office/mac/drawingml/2011/main" val="1"/>
               </a:ext>
             </a:extLst>
           </p:spPr>
@@ -22515,7 +22604,7 @@
             <a:effectLst/>
             <a:extLst>
               <a:ext uri="{C572A759-6A51-4108-AA02-DFA0A04FC94B}">
-                <ma14:wrappingTextBoxFlag xmlns:ma14="http://schemas.microsoft.com/office/mac/drawingml/2011/main" xmlns:a14="http://schemas.microsoft.com/office/drawing/2010/main" xmlns:m="http://schemas.openxmlformats.org/officeDocument/2006/math" xmlns="" val="1"/>
+                <ma14:wrappingTextBoxFlag xmlns="" xmlns:m="http://schemas.openxmlformats.org/officeDocument/2006/math" xmlns:a14="http://schemas.microsoft.com/office/drawing/2010/main" xmlns:ma14="http://schemas.microsoft.com/office/mac/drawingml/2011/main" val="1"/>
               </a:ext>
             </a:extLst>
           </p:spPr>
@@ -22588,7 +22677,7 @@
             <a:effectLst/>
             <a:extLst>
               <a:ext uri="{C572A759-6A51-4108-AA02-DFA0A04FC94B}">
-                <ma14:wrappingTextBoxFlag xmlns:ma14="http://schemas.microsoft.com/office/mac/drawingml/2011/main" xmlns:a14="http://schemas.microsoft.com/office/drawing/2010/main" xmlns:m="http://schemas.openxmlformats.org/officeDocument/2006/math" xmlns="" val="1"/>
+                <ma14:wrappingTextBoxFlag xmlns="" xmlns:m="http://schemas.openxmlformats.org/officeDocument/2006/math" xmlns:a14="http://schemas.microsoft.com/office/drawing/2010/main" xmlns:ma14="http://schemas.microsoft.com/office/mac/drawingml/2011/main" val="1"/>
               </a:ext>
             </a:extLst>
           </p:spPr>
@@ -22654,7 +22743,7 @@
             </a:ln>
             <a:extLst>
               <a:ext uri="{C572A759-6A51-4108-AA02-DFA0A04FC94B}">
-                <ma14:wrappingTextBoxFlag xmlns:ma14="http://schemas.microsoft.com/office/mac/drawingml/2011/main" xmlns:a14="http://schemas.microsoft.com/office/drawing/2010/main" xmlns:m="http://schemas.openxmlformats.org/officeDocument/2006/math" xmlns="" val="1"/>
+                <ma14:wrappingTextBoxFlag xmlns="" xmlns:m="http://schemas.openxmlformats.org/officeDocument/2006/math" xmlns:a14="http://schemas.microsoft.com/office/drawing/2010/main" xmlns:ma14="http://schemas.microsoft.com/office/mac/drawingml/2011/main" val="1"/>
               </a:ext>
             </a:extLst>
           </p:spPr>
@@ -22712,7 +22801,7 @@
             </a:ln>
             <a:extLst>
               <a:ext uri="{C572A759-6A51-4108-AA02-DFA0A04FC94B}">
-                <ma14:wrappingTextBoxFlag xmlns:ma14="http://schemas.microsoft.com/office/mac/drawingml/2011/main" xmlns:a14="http://schemas.microsoft.com/office/drawing/2010/main" xmlns:m="http://schemas.openxmlformats.org/officeDocument/2006/math" xmlns="" val="1"/>
+                <ma14:wrappingTextBoxFlag xmlns="" xmlns:m="http://schemas.openxmlformats.org/officeDocument/2006/math" xmlns:a14="http://schemas.microsoft.com/office/drawing/2010/main" xmlns:ma14="http://schemas.microsoft.com/office/mac/drawingml/2011/main" val="1"/>
               </a:ext>
             </a:extLst>
           </p:spPr>
@@ -22793,7 +22882,7 @@
             <a:effectLst/>
             <a:extLst>
               <a:ext uri="{C572A759-6A51-4108-AA02-DFA0A04FC94B}">
-                <ma14:wrappingTextBoxFlag xmlns:ma14="http://schemas.microsoft.com/office/mac/drawingml/2011/main" xmlns:a14="http://schemas.microsoft.com/office/drawing/2010/main" xmlns:m="http://schemas.openxmlformats.org/officeDocument/2006/math" xmlns="" val="1"/>
+                <ma14:wrappingTextBoxFlag xmlns="" xmlns:m="http://schemas.openxmlformats.org/officeDocument/2006/math" xmlns:a14="http://schemas.microsoft.com/office/drawing/2010/main" xmlns:ma14="http://schemas.microsoft.com/office/mac/drawingml/2011/main" val="1"/>
               </a:ext>
             </a:extLst>
           </p:spPr>
@@ -22862,7 +22951,7 @@
             <a:effectLst/>
             <a:extLst>
               <a:ext uri="{C572A759-6A51-4108-AA02-DFA0A04FC94B}">
-                <ma14:wrappingTextBoxFlag xmlns:ma14="http://schemas.microsoft.com/office/mac/drawingml/2011/main" xmlns:a14="http://schemas.microsoft.com/office/drawing/2010/main" xmlns:m="http://schemas.openxmlformats.org/officeDocument/2006/math" xmlns="" val="1"/>
+                <ma14:wrappingTextBoxFlag xmlns="" xmlns:m="http://schemas.openxmlformats.org/officeDocument/2006/math" xmlns:a14="http://schemas.microsoft.com/office/drawing/2010/main" xmlns:ma14="http://schemas.microsoft.com/office/mac/drawingml/2011/main" val="1"/>
               </a:ext>
             </a:extLst>
           </p:spPr>
@@ -22928,7 +23017,7 @@
             </a:ln>
             <a:extLst>
               <a:ext uri="{C572A759-6A51-4108-AA02-DFA0A04FC94B}">
-                <ma14:wrappingTextBoxFlag xmlns:ma14="http://schemas.microsoft.com/office/mac/drawingml/2011/main" xmlns:a14="http://schemas.microsoft.com/office/drawing/2010/main" xmlns:m="http://schemas.openxmlformats.org/officeDocument/2006/math" xmlns="" val="1"/>
+                <ma14:wrappingTextBoxFlag xmlns="" xmlns:m="http://schemas.openxmlformats.org/officeDocument/2006/math" xmlns:a14="http://schemas.microsoft.com/office/drawing/2010/main" xmlns:ma14="http://schemas.microsoft.com/office/mac/drawingml/2011/main" val="1"/>
               </a:ext>
             </a:extLst>
           </p:spPr>
@@ -22986,7 +23075,7 @@
             </a:ln>
             <a:extLst>
               <a:ext uri="{C572A759-6A51-4108-AA02-DFA0A04FC94B}">
-                <ma14:wrappingTextBoxFlag xmlns:ma14="http://schemas.microsoft.com/office/mac/drawingml/2011/main" xmlns:a14="http://schemas.microsoft.com/office/drawing/2010/main" xmlns:m="http://schemas.openxmlformats.org/officeDocument/2006/math" xmlns="" val="1"/>
+                <ma14:wrappingTextBoxFlag xmlns="" xmlns:m="http://schemas.openxmlformats.org/officeDocument/2006/math" xmlns:a14="http://schemas.microsoft.com/office/drawing/2010/main" xmlns:ma14="http://schemas.microsoft.com/office/mac/drawingml/2011/main" val="1"/>
               </a:ext>
             </a:extLst>
           </p:spPr>
@@ -23067,7 +23156,7 @@
             <a:effectLst/>
             <a:extLst>
               <a:ext uri="{C572A759-6A51-4108-AA02-DFA0A04FC94B}">
-                <ma14:wrappingTextBoxFlag xmlns:ma14="http://schemas.microsoft.com/office/mac/drawingml/2011/main" xmlns:a14="http://schemas.microsoft.com/office/drawing/2010/main" xmlns:m="http://schemas.openxmlformats.org/officeDocument/2006/math" xmlns="" val="1"/>
+                <ma14:wrappingTextBoxFlag xmlns="" xmlns:m="http://schemas.openxmlformats.org/officeDocument/2006/math" xmlns:a14="http://schemas.microsoft.com/office/drawing/2010/main" xmlns:ma14="http://schemas.microsoft.com/office/mac/drawingml/2011/main" val="1"/>
               </a:ext>
             </a:extLst>
           </p:spPr>
@@ -23160,7 +23249,7 @@
               <a:effectLst/>
               <a:extLst>
                 <a:ext uri="{C572A759-6A51-4108-AA02-DFA0A04FC94B}">
-                  <ma14:wrappingTextBoxFlag xmlns:ma14="http://schemas.microsoft.com/office/mac/drawingml/2011/main" xmlns:a14="http://schemas.microsoft.com/office/drawing/2010/main" xmlns:m="http://schemas.openxmlformats.org/officeDocument/2006/math" xmlns="" val="1"/>
+                  <ma14:wrappingTextBoxFlag xmlns="" xmlns:m="http://schemas.openxmlformats.org/officeDocument/2006/math" xmlns:a14="http://schemas.microsoft.com/office/drawing/2010/main" xmlns:ma14="http://schemas.microsoft.com/office/mac/drawingml/2011/main" val="1"/>
                 </a:ext>
               </a:extLst>
             </p:spPr>
@@ -23226,7 +23315,7 @@
               </a:ln>
               <a:extLst>
                 <a:ext uri="{C572A759-6A51-4108-AA02-DFA0A04FC94B}">
-                  <ma14:wrappingTextBoxFlag xmlns:ma14="http://schemas.microsoft.com/office/mac/drawingml/2011/main" xmlns:a14="http://schemas.microsoft.com/office/drawing/2010/main" xmlns:m="http://schemas.openxmlformats.org/officeDocument/2006/math" xmlns="" val="1"/>
+                  <ma14:wrappingTextBoxFlag xmlns="" xmlns:m="http://schemas.openxmlformats.org/officeDocument/2006/math" xmlns:a14="http://schemas.microsoft.com/office/drawing/2010/main" xmlns:ma14="http://schemas.microsoft.com/office/mac/drawingml/2011/main" val="1"/>
                 </a:ext>
               </a:extLst>
             </p:spPr>
@@ -23284,7 +23373,7 @@
               </a:ln>
               <a:extLst>
                 <a:ext uri="{C572A759-6A51-4108-AA02-DFA0A04FC94B}">
-                  <ma14:wrappingTextBoxFlag xmlns:ma14="http://schemas.microsoft.com/office/mac/drawingml/2011/main" xmlns:a14="http://schemas.microsoft.com/office/drawing/2010/main" xmlns:m="http://schemas.openxmlformats.org/officeDocument/2006/math" xmlns="" val="1"/>
+                  <ma14:wrappingTextBoxFlag xmlns="" xmlns:m="http://schemas.openxmlformats.org/officeDocument/2006/math" xmlns:a14="http://schemas.microsoft.com/office/drawing/2010/main" xmlns:ma14="http://schemas.microsoft.com/office/mac/drawingml/2011/main" val="1"/>
                 </a:ext>
               </a:extLst>
             </p:spPr>
@@ -23366,7 +23455,7 @@
             <a:effectLst/>
             <a:extLst>
               <a:ext uri="{C572A759-6A51-4108-AA02-DFA0A04FC94B}">
-                <ma14:wrappingTextBoxFlag xmlns:ma14="http://schemas.microsoft.com/office/mac/drawingml/2011/main" xmlns:a14="http://schemas.microsoft.com/office/drawing/2010/main" xmlns:m="http://schemas.openxmlformats.org/officeDocument/2006/math" xmlns="" val="1"/>
+                <ma14:wrappingTextBoxFlag xmlns="" xmlns:m="http://schemas.openxmlformats.org/officeDocument/2006/math" xmlns:a14="http://schemas.microsoft.com/office/drawing/2010/main" xmlns:ma14="http://schemas.microsoft.com/office/mac/drawingml/2011/main" val="1"/>
               </a:ext>
             </a:extLst>
           </p:spPr>
@@ -23439,7 +23528,7 @@
             <a:effectLst/>
             <a:extLst>
               <a:ext uri="{C572A759-6A51-4108-AA02-DFA0A04FC94B}">
-                <ma14:wrappingTextBoxFlag xmlns:ma14="http://schemas.microsoft.com/office/mac/drawingml/2011/main" xmlns:a14="http://schemas.microsoft.com/office/drawing/2010/main" xmlns:m="http://schemas.openxmlformats.org/officeDocument/2006/math" xmlns="" val="1"/>
+                <ma14:wrappingTextBoxFlag xmlns="" xmlns:m="http://schemas.openxmlformats.org/officeDocument/2006/math" xmlns:a14="http://schemas.microsoft.com/office/drawing/2010/main" xmlns:ma14="http://schemas.microsoft.com/office/mac/drawingml/2011/main" val="1"/>
               </a:ext>
             </a:extLst>
           </p:spPr>
@@ -23505,7 +23594,7 @@
             </a:ln>
             <a:extLst>
               <a:ext uri="{C572A759-6A51-4108-AA02-DFA0A04FC94B}">
-                <ma14:wrappingTextBoxFlag xmlns:ma14="http://schemas.microsoft.com/office/mac/drawingml/2011/main" xmlns:a14="http://schemas.microsoft.com/office/drawing/2010/main" xmlns:m="http://schemas.openxmlformats.org/officeDocument/2006/math" xmlns="" val="1"/>
+                <ma14:wrappingTextBoxFlag xmlns="" xmlns:m="http://schemas.openxmlformats.org/officeDocument/2006/math" xmlns:a14="http://schemas.microsoft.com/office/drawing/2010/main" xmlns:ma14="http://schemas.microsoft.com/office/mac/drawingml/2011/main" val="1"/>
               </a:ext>
             </a:extLst>
           </p:spPr>
@@ -23563,7 +23652,7 @@
             </a:ln>
             <a:extLst>
               <a:ext uri="{C572A759-6A51-4108-AA02-DFA0A04FC94B}">
-                <ma14:wrappingTextBoxFlag xmlns:ma14="http://schemas.microsoft.com/office/mac/drawingml/2011/main" xmlns:a14="http://schemas.microsoft.com/office/drawing/2010/main" xmlns:m="http://schemas.openxmlformats.org/officeDocument/2006/math" xmlns="" val="1"/>
+                <ma14:wrappingTextBoxFlag xmlns="" xmlns:m="http://schemas.openxmlformats.org/officeDocument/2006/math" xmlns:a14="http://schemas.microsoft.com/office/drawing/2010/main" xmlns:ma14="http://schemas.microsoft.com/office/mac/drawingml/2011/main" val="1"/>
               </a:ext>
             </a:extLst>
           </p:spPr>
@@ -23622,7 +23711,7 @@
           </a:ln>
           <a:extLst>
             <a:ext uri="{C572A759-6A51-4108-AA02-DFA0A04FC94B}">
-              <ma14:wrappingTextBoxFlag xmlns:ma14="http://schemas.microsoft.com/office/mac/drawingml/2011/main" xmlns:a14="http://schemas.microsoft.com/office/drawing/2010/main" xmlns:m="http://schemas.openxmlformats.org/officeDocument/2006/math" xmlns="" val="1"/>
+              <ma14:wrappingTextBoxFlag xmlns="" xmlns:m="http://schemas.openxmlformats.org/officeDocument/2006/math" xmlns:a14="http://schemas.microsoft.com/office/drawing/2010/main" xmlns:ma14="http://schemas.microsoft.com/office/mac/drawingml/2011/main" val="1"/>
             </a:ext>
           </a:extLst>
         </p:spPr>
@@ -23680,7 +23769,7 @@
           </a:ln>
           <a:extLst>
             <a:ext uri="{C572A759-6A51-4108-AA02-DFA0A04FC94B}">
-              <ma14:wrappingTextBoxFlag xmlns:ma14="http://schemas.microsoft.com/office/mac/drawingml/2011/main" xmlns:a14="http://schemas.microsoft.com/office/drawing/2010/main" xmlns:m="http://schemas.openxmlformats.org/officeDocument/2006/math" xmlns="" val="1"/>
+              <ma14:wrappingTextBoxFlag xmlns="" xmlns:m="http://schemas.openxmlformats.org/officeDocument/2006/math" xmlns:a14="http://schemas.microsoft.com/office/drawing/2010/main" xmlns:ma14="http://schemas.microsoft.com/office/mac/drawingml/2011/main" val="1"/>
             </a:ext>
           </a:extLst>
         </p:spPr>
@@ -23924,7 +24013,7 @@
             </a:ln>
             <a:extLst>
               <a:ext uri="{C572A759-6A51-4108-AA02-DFA0A04FC94B}">
-                <ma14:wrappingTextBoxFlag xmlns:ma14="http://schemas.microsoft.com/office/mac/drawingml/2011/main" xmlns:a14="http://schemas.microsoft.com/office/drawing/2010/main" xmlns:m="http://schemas.openxmlformats.org/officeDocument/2006/math" xmlns="" val="1"/>
+                <ma14:wrappingTextBoxFlag xmlns="" xmlns:m="http://schemas.openxmlformats.org/officeDocument/2006/math" xmlns:a14="http://schemas.microsoft.com/office/drawing/2010/main" xmlns:ma14="http://schemas.microsoft.com/office/mac/drawingml/2011/main" val="1"/>
               </a:ext>
             </a:extLst>
           </p:spPr>
@@ -24476,7 +24565,7 @@
             </a:ln>
             <a:extLst>
               <a:ext uri="{C572A759-6A51-4108-AA02-DFA0A04FC94B}">
-                <ma14:wrappingTextBoxFlag xmlns:ma14="http://schemas.microsoft.com/office/mac/drawingml/2011/main" xmlns:a14="http://schemas.microsoft.com/office/drawing/2010/main" xmlns:m="http://schemas.openxmlformats.org/officeDocument/2006/math" xmlns="" val="1"/>
+                <ma14:wrappingTextBoxFlag xmlns="" xmlns:m="http://schemas.openxmlformats.org/officeDocument/2006/math" xmlns:a14="http://schemas.microsoft.com/office/drawing/2010/main" xmlns:ma14="http://schemas.microsoft.com/office/mac/drawingml/2011/main" val="1"/>
               </a:ext>
             </a:extLst>
           </p:spPr>
@@ -25213,7 +25302,7 @@
           </a:prstGeom>
           <a:extLst>
             <a:ext uri="{C572A759-6A51-4108-AA02-DFA0A04FC94B}">
-              <ma14:wrappingTextBoxFlag xmlns:ma14="http://schemas.microsoft.com/office/mac/drawingml/2011/main" xmlns:a14="http://schemas.microsoft.com/office/drawing/2010/main" xmlns:m="http://schemas.openxmlformats.org/officeDocument/2006/math" xmlns="" val="1"/>
+              <ma14:wrappingTextBoxFlag xmlns="" xmlns:m="http://schemas.openxmlformats.org/officeDocument/2006/math" xmlns:a14="http://schemas.microsoft.com/office/drawing/2010/main" xmlns:ma14="http://schemas.microsoft.com/office/mac/drawingml/2011/main" val="1"/>
             </a:ext>
           </a:extLst>
         </p:spPr>
@@ -35758,7 +35847,7 @@
           </a:ln>
           <a:extLst>
             <a:ext uri="{C572A759-6A51-4108-AA02-DFA0A04FC94B}">
-              <ma14:wrappingTextBoxFlag xmlns:ma14="http://schemas.microsoft.com/office/mac/drawingml/2011/main" xmlns:a14="http://schemas.microsoft.com/office/drawing/2010/main" xmlns:m="http://schemas.openxmlformats.org/officeDocument/2006/math" xmlns="" val="1"/>
+              <ma14:wrappingTextBoxFlag xmlns="" xmlns:m="http://schemas.openxmlformats.org/officeDocument/2006/math" xmlns:a14="http://schemas.microsoft.com/office/drawing/2010/main" xmlns:ma14="http://schemas.microsoft.com/office/mac/drawingml/2011/main" val="1"/>
             </a:ext>
           </a:extLst>
         </p:spPr>
@@ -36716,7 +36805,7 @@
           </a:prstGeom>
           <a:extLst>
             <a:ext uri="{C572A759-6A51-4108-AA02-DFA0A04FC94B}">
-              <ma14:wrappingTextBoxFlag xmlns="" xmlns:m="http://schemas.openxmlformats.org/officeDocument/2006/math" xmlns:a14="http://schemas.microsoft.com/office/drawing/2010/main" xmlns:ma14="http://schemas.microsoft.com/office/mac/drawingml/2011/main" val="1"/>
+              <ma14:wrappingTextBoxFlag xmlns:ma14="http://schemas.microsoft.com/office/mac/drawingml/2011/main" xmlns:a14="http://schemas.microsoft.com/office/drawing/2010/main" xmlns:m="http://schemas.openxmlformats.org/officeDocument/2006/math" xmlns="" val="1"/>
             </a:ext>
           </a:extLst>
         </p:spPr>
@@ -37106,7 +37195,7 @@
               </a:effectLst>
               <a:extLst>
                 <a:ext uri="{C572A759-6A51-4108-AA02-DFA0A04FC94B}">
-                  <ma14:wrappingTextBoxFlag xmlns="" xmlns:m="http://schemas.openxmlformats.org/officeDocument/2006/math" xmlns:a14="http://schemas.microsoft.com/office/drawing/2010/main" xmlns:ma14="http://schemas.microsoft.com/office/mac/drawingml/2011/main" val="1"/>
+                  <ma14:wrappingTextBoxFlag xmlns:ma14="http://schemas.microsoft.com/office/mac/drawingml/2011/main" xmlns:a14="http://schemas.microsoft.com/office/drawing/2010/main" xmlns:m="http://schemas.openxmlformats.org/officeDocument/2006/math" xmlns="" val="1"/>
                 </a:ext>
               </a:extLst>
             </p:spPr>
@@ -37176,7 +37265,7 @@
               </a:effectLst>
               <a:extLst>
                 <a:ext uri="{C572A759-6A51-4108-AA02-DFA0A04FC94B}">
-                  <ma14:wrappingTextBoxFlag xmlns="" xmlns:m="http://schemas.openxmlformats.org/officeDocument/2006/math" xmlns:a14="http://schemas.microsoft.com/office/drawing/2010/main" xmlns:ma14="http://schemas.microsoft.com/office/mac/drawingml/2011/main" val="1"/>
+                  <ma14:wrappingTextBoxFlag xmlns:ma14="http://schemas.microsoft.com/office/mac/drawingml/2011/main" xmlns:a14="http://schemas.microsoft.com/office/drawing/2010/main" xmlns:m="http://schemas.openxmlformats.org/officeDocument/2006/math" xmlns="" val="1"/>
                 </a:ext>
               </a:extLst>
             </p:spPr>
@@ -37244,7 +37333,7 @@
               </a:effectLst>
               <a:extLst>
                 <a:ext uri="{C572A759-6A51-4108-AA02-DFA0A04FC94B}">
-                  <ma14:wrappingTextBoxFlag xmlns="" xmlns:m="http://schemas.openxmlformats.org/officeDocument/2006/math" xmlns:a14="http://schemas.microsoft.com/office/drawing/2010/main" xmlns:ma14="http://schemas.microsoft.com/office/mac/drawingml/2011/main" val="1"/>
+                  <ma14:wrappingTextBoxFlag xmlns:ma14="http://schemas.microsoft.com/office/mac/drawingml/2011/main" xmlns:a14="http://schemas.microsoft.com/office/drawing/2010/main" xmlns:m="http://schemas.openxmlformats.org/officeDocument/2006/math" xmlns="" val="1"/>
                 </a:ext>
               </a:extLst>
             </p:spPr>
@@ -37332,7 +37421,7 @@
                 </a:effectLst>
                 <a:extLst>
                   <a:ext uri="{C572A759-6A51-4108-AA02-DFA0A04FC94B}">
-                    <ma14:wrappingTextBoxFlag xmlns="" xmlns:m="http://schemas.openxmlformats.org/officeDocument/2006/math" xmlns:a14="http://schemas.microsoft.com/office/drawing/2010/main" xmlns:ma14="http://schemas.microsoft.com/office/mac/drawingml/2011/main" val="1"/>
+                    <ma14:wrappingTextBoxFlag xmlns:ma14="http://schemas.microsoft.com/office/mac/drawingml/2011/main" xmlns:a14="http://schemas.microsoft.com/office/drawing/2010/main" xmlns:m="http://schemas.openxmlformats.org/officeDocument/2006/math" xmlns="" val="1"/>
                   </a:ext>
                 </a:extLst>
               </p:spPr>
@@ -37510,7 +37599,7 @@
                   <a:effectLst/>
                   <a:extLst>
                     <a:ext uri="{C572A759-6A51-4108-AA02-DFA0A04FC94B}">
-                      <ma14:wrappingTextBoxFlag xmlns="" xmlns:m="http://schemas.openxmlformats.org/officeDocument/2006/math" xmlns:a14="http://schemas.microsoft.com/office/drawing/2010/main" xmlns:ma14="http://schemas.microsoft.com/office/mac/drawingml/2011/main" val="1"/>
+                      <ma14:wrappingTextBoxFlag xmlns:ma14="http://schemas.microsoft.com/office/mac/drawingml/2011/main" xmlns:a14="http://schemas.microsoft.com/office/drawing/2010/main" xmlns:m="http://schemas.openxmlformats.org/officeDocument/2006/math" xmlns="" val="1"/>
                     </a:ext>
                   </a:extLst>
                 </p:spPr>
@@ -37710,7 +37799,7 @@
                   <a:effectLst/>
                   <a:extLst>
                     <a:ext uri="{C572A759-6A51-4108-AA02-DFA0A04FC94B}">
-                      <ma14:wrappingTextBoxFlag xmlns="" xmlns:m="http://schemas.openxmlformats.org/officeDocument/2006/math" xmlns:a14="http://schemas.microsoft.com/office/drawing/2010/main" xmlns:ma14="http://schemas.microsoft.com/office/mac/drawingml/2011/main" val="1"/>
+                      <ma14:wrappingTextBoxFlag xmlns:ma14="http://schemas.microsoft.com/office/mac/drawingml/2011/main" xmlns:a14="http://schemas.microsoft.com/office/drawing/2010/main" xmlns:m="http://schemas.openxmlformats.org/officeDocument/2006/math" xmlns="" val="1"/>
                     </a:ext>
                   </a:extLst>
                 </p:spPr>
@@ -37800,7 +37889,7 @@
                 </a:effectLst>
                 <a:extLst>
                   <a:ext uri="{C572A759-6A51-4108-AA02-DFA0A04FC94B}">
-                    <ma14:wrappingTextBoxFlag xmlns="" xmlns:m="http://schemas.openxmlformats.org/officeDocument/2006/math" xmlns:a14="http://schemas.microsoft.com/office/drawing/2010/main" xmlns:ma14="http://schemas.microsoft.com/office/mac/drawingml/2011/main" val="1"/>
+                    <ma14:wrappingTextBoxFlag xmlns:ma14="http://schemas.microsoft.com/office/mac/drawingml/2011/main" xmlns:a14="http://schemas.microsoft.com/office/drawing/2010/main" xmlns:m="http://schemas.openxmlformats.org/officeDocument/2006/math" xmlns="" val="1"/>
                   </a:ext>
                 </a:extLst>
               </p:spPr>
@@ -37978,7 +38067,7 @@
                   <a:effectLst/>
                   <a:extLst>
                     <a:ext uri="{C572A759-6A51-4108-AA02-DFA0A04FC94B}">
-                      <ma14:wrappingTextBoxFlag xmlns="" xmlns:m="http://schemas.openxmlformats.org/officeDocument/2006/math" xmlns:a14="http://schemas.microsoft.com/office/drawing/2010/main" xmlns:ma14="http://schemas.microsoft.com/office/mac/drawingml/2011/main" val="1"/>
+                      <ma14:wrappingTextBoxFlag xmlns:ma14="http://schemas.microsoft.com/office/mac/drawingml/2011/main" xmlns:a14="http://schemas.microsoft.com/office/drawing/2010/main" xmlns:m="http://schemas.openxmlformats.org/officeDocument/2006/math" xmlns="" val="1"/>
                     </a:ext>
                   </a:extLst>
                 </p:spPr>
@@ -38068,7 +38157,7 @@
                 </a:effectLst>
                 <a:extLst>
                   <a:ext uri="{C572A759-6A51-4108-AA02-DFA0A04FC94B}">
-                    <ma14:wrappingTextBoxFlag xmlns="" xmlns:m="http://schemas.openxmlformats.org/officeDocument/2006/math" xmlns:a14="http://schemas.microsoft.com/office/drawing/2010/main" xmlns:ma14="http://schemas.microsoft.com/office/mac/drawingml/2011/main" val="1"/>
+                    <ma14:wrappingTextBoxFlag xmlns:ma14="http://schemas.microsoft.com/office/mac/drawingml/2011/main" xmlns:a14="http://schemas.microsoft.com/office/drawing/2010/main" xmlns:m="http://schemas.openxmlformats.org/officeDocument/2006/math" xmlns="" val="1"/>
                   </a:ext>
                 </a:extLst>
               </p:spPr>
@@ -38246,7 +38335,7 @@
                   <a:effectLst/>
                   <a:extLst>
                     <a:ext uri="{C572A759-6A51-4108-AA02-DFA0A04FC94B}">
-                      <ma14:wrappingTextBoxFlag xmlns="" xmlns:m="http://schemas.openxmlformats.org/officeDocument/2006/math" xmlns:a14="http://schemas.microsoft.com/office/drawing/2010/main" xmlns:ma14="http://schemas.microsoft.com/office/mac/drawingml/2011/main" val="1"/>
+                      <ma14:wrappingTextBoxFlag xmlns:ma14="http://schemas.microsoft.com/office/mac/drawingml/2011/main" xmlns:a14="http://schemas.microsoft.com/office/drawing/2010/main" xmlns:m="http://schemas.openxmlformats.org/officeDocument/2006/math" xmlns="" val="1"/>
                     </a:ext>
                   </a:extLst>
                 </p:spPr>
@@ -38317,7 +38406,7 @@
             </a:effectLst>
             <a:extLst>
               <a:ext uri="{C572A759-6A51-4108-AA02-DFA0A04FC94B}">
-                <ma14:wrappingTextBoxFlag xmlns="" xmlns:m="http://schemas.openxmlformats.org/officeDocument/2006/math" xmlns:a14="http://schemas.microsoft.com/office/drawing/2010/main" xmlns:ma14="http://schemas.microsoft.com/office/mac/drawingml/2011/main" val="1"/>
+                <ma14:wrappingTextBoxFlag xmlns:ma14="http://schemas.microsoft.com/office/mac/drawingml/2011/main" xmlns:a14="http://schemas.microsoft.com/office/drawing/2010/main" xmlns:m="http://schemas.openxmlformats.org/officeDocument/2006/math" xmlns="" val="1"/>
               </a:ext>
             </a:extLst>
           </p:spPr>
@@ -38544,7 +38633,7 @@
           </a:prstGeom>
           <a:extLst>
             <a:ext uri="{C572A759-6A51-4108-AA02-DFA0A04FC94B}">
-              <ma14:wrappingTextBoxFlag xmlns="" xmlns:m="http://schemas.openxmlformats.org/officeDocument/2006/math" xmlns:a14="http://schemas.microsoft.com/office/drawing/2010/main" xmlns:ma14="http://schemas.microsoft.com/office/mac/drawingml/2011/main" val="1"/>
+              <ma14:wrappingTextBoxFlag xmlns:ma14="http://schemas.microsoft.com/office/mac/drawingml/2011/main" xmlns:a14="http://schemas.microsoft.com/office/drawing/2010/main" xmlns:m="http://schemas.openxmlformats.org/officeDocument/2006/math" xmlns="" val="1"/>
             </a:ext>
           </a:extLst>
         </p:spPr>
@@ -43411,31 +43500,41 @@
           </a:p>
         </p:txBody>
       </p:sp>
-      <p:sp>
-        <p:nvSpPr>
-          <p:cNvPr id="3" name="Content Placeholder 2">
+      <p:pic>
+        <p:nvPicPr>
+          <p:cNvPr id="6" name="Content Placeholder 5" descr="Diagram&#10;&#10;Description automatically generated">
             <a:extLst>
               <a:ext uri="{FF2B5EF4-FFF2-40B4-BE49-F238E27FC236}">
-                <a16:creationId xmlns:a16="http://schemas.microsoft.com/office/drawing/2014/main" id="{03019515-7F5F-4812-3260-C7CCBFC37109}"/>
+                <a16:creationId xmlns:a16="http://schemas.microsoft.com/office/drawing/2014/main" id="{91D56080-0394-92FF-4F54-CA97CD62341E}"/>
               </a:ext>
             </a:extLst>
           </p:cNvPr>
-          <p:cNvSpPr>
-            <a:spLocks noGrp="1"/>
-          </p:cNvSpPr>
+          <p:cNvPicPr>
+            <a:picLocks noGrp="1" noChangeAspect="1"/>
+          </p:cNvPicPr>
           <p:nvPr>
             <p:ph idx="1"/>
           </p:nvPr>
-        </p:nvSpPr>
-        <p:spPr/>
-        <p:txBody>
-          <a:bodyPr/>
-          <a:lstStyle/>
-          <a:p>
-            <a:endParaRPr lang="en-US" dirty="0"/>
-          </a:p>
-        </p:txBody>
-      </p:sp>
+        </p:nvPicPr>
+        <p:blipFill>
+          <a:blip r:embed="rId3">
+            <a:extLst>
+              <a:ext uri="{28A0092B-C50C-407E-A947-70E740481C1C}">
+                <a14:useLocalDpi xmlns:a14="http://schemas.microsoft.com/office/drawing/2010/main" val="0"/>
+              </a:ext>
+            </a:extLst>
+          </a:blip>
+          <a:stretch>
+            <a:fillRect/>
+          </a:stretch>
+        </p:blipFill>
+        <p:spPr>
+          <a:xfrm>
+            <a:off x="2243254" y="1895095"/>
+            <a:ext cx="7886700" cy="3572675"/>
+          </a:xfrm>
+        </p:spPr>
+      </p:pic>
       <p:sp>
         <p:nvSpPr>
           <p:cNvPr id="4" name="Slide Number Placeholder 3">
@@ -43529,10 +43628,71 @@
           </a:p>
         </p:txBody>
       </p:sp>
+      <p:sp>
+        <p:nvSpPr>
+          <p:cNvPr id="8" name="TextBox 7">
+            <a:extLst>
+              <a:ext uri="{FF2B5EF4-FFF2-40B4-BE49-F238E27FC236}">
+                <a16:creationId xmlns:a16="http://schemas.microsoft.com/office/drawing/2014/main" id="{AA2E39F2-2246-3EF0-5A1B-58654526EA2B}"/>
+              </a:ext>
+            </a:extLst>
+          </p:cNvPr>
+          <p:cNvSpPr txBox="1"/>
+          <p:nvPr/>
+        </p:nvSpPr>
+        <p:spPr>
+          <a:xfrm>
+            <a:off x="5563530" y="5742047"/>
+            <a:ext cx="6094140" cy="276999"/>
+          </a:xfrm>
+          <a:prstGeom prst="rect">
+            <a:avLst/>
+          </a:prstGeom>
+          <a:noFill/>
+          <a:ln w="12700" cap="flat" cmpd="sng" algn="ctr">
+            <a:noFill/>
+            <a:prstDash val="solid"/>
+            <a:miter lim="800000"/>
+          </a:ln>
+          <a:effectLst/>
+        </p:spPr>
+        <p:style>
+          <a:lnRef idx="2">
+            <a:schemeClr val="accent1">
+              <a:shade val="50000"/>
+            </a:schemeClr>
+          </a:lnRef>
+          <a:fillRef idx="1">
+            <a:schemeClr val="accent1"/>
+          </a:fillRef>
+          <a:effectRef idx="0">
+            <a:schemeClr val="accent1"/>
+          </a:effectRef>
+          <a:fontRef idx="minor">
+            <a:schemeClr val="lt1"/>
+          </a:fontRef>
+        </p:style>
+        <p:txBody>
+          <a:bodyPr wrap="square">
+            <a:spAutoFit/>
+          </a:bodyPr>
+          <a:lstStyle/>
+          <a:p>
+            <a:r>
+              <a:rPr lang="en-US" dirty="0">
+                <a:solidFill>
+                  <a:schemeClr val="tx1"/>
+                </a:solidFill>
+              </a:rPr>
+              <a:t>Diagram courtesy of c-sharpcorner.com</a:t>
+            </a:r>
+          </a:p>
+        </p:txBody>
+      </p:sp>
     </p:spTree>
     <p:extLst>
       <p:ext uri="{BB962C8B-B14F-4D97-AF65-F5344CB8AC3E}">
-        <p14:creationId xmlns:p14="http://schemas.microsoft.com/office/powerpoint/2010/main" val="1290010112"/>
+        <p14:creationId xmlns:p14="http://schemas.microsoft.com/office/powerpoint/2010/main" val="293815280"/>
       </p:ext>
     </p:extLst>
   </p:cSld>

--- a/Slides/Module 05 Concurrency Patterns in Typescript.pptx
+++ b/Slides/Module 05 Concurrency Patterns in Typescript.pptx
@@ -351,16 +351,32 @@
 </p:presentation>
 </file>
 
-<file path=ppt/revisionInfo.xml><?xml version="1.0" encoding="utf-8"?>
-<p1510:revInfo xmlns:a="http://schemas.openxmlformats.org/drawingml/2006/main" xmlns:r="http://schemas.openxmlformats.org/officeDocument/2006/relationships" xmlns:p1510="http://schemas.microsoft.com/office/powerpoint/2015/10/main">
-  <p1510:revLst>
-    <p1510:client id="{B8E4A2AB-21F2-4458-9F7A-706A0E6C6B13}" v="46" dt="2022-12-20T16:41:21.569"/>
-  </p1510:revLst>
-</p1510:revInfo>
-</file>
-
 <file path=ppt/changesInfos/changesInfo1.xml><?xml version="1.0" encoding="utf-8"?>
 <pc:chgInfo xmlns:a="http://schemas.openxmlformats.org/drawingml/2006/main" xmlns:r="http://schemas.openxmlformats.org/officeDocument/2006/relationships" xmlns:ac="http://schemas.microsoft.com/office/drawing/2013/main/command" xmlns:pc="http://schemas.microsoft.com/office/powerpoint/2013/main/command">
+  <pc:docChgLst>
+    <pc:chgData name="Mitchell Wand" userId="de9b44c55c049659" providerId="LiveId" clId="{0B90FEE5-5829-4A4E-9080-9D20058FC5A1}"/>
+    <pc:docChg chg="modSld">
+      <pc:chgData name="Mitchell Wand" userId="de9b44c55c049659" providerId="LiveId" clId="{0B90FEE5-5829-4A4E-9080-9D20058FC5A1}" dt="2023-01-26T03:00:22.343" v="4" actId="20577"/>
+      <pc:docMkLst>
+        <pc:docMk/>
+      </pc:docMkLst>
+      <pc:sldChg chg="modSp mod modNotesTx">
+        <pc:chgData name="Mitchell Wand" userId="de9b44c55c049659" providerId="LiveId" clId="{0B90FEE5-5829-4A4E-9080-9D20058FC5A1}" dt="2023-01-26T03:00:22.343" v="4" actId="20577"/>
+        <pc:sldMkLst>
+          <pc:docMk/>
+          <pc:sldMk cId="4097829111" sldId="565"/>
+        </pc:sldMkLst>
+        <pc:spChg chg="mod">
+          <ac:chgData name="Mitchell Wand" userId="de9b44c55c049659" providerId="LiveId" clId="{0B90FEE5-5829-4A4E-9080-9D20058FC5A1}" dt="2023-01-26T03:00:22.343" v="4" actId="20577"/>
+          <ac:spMkLst>
+            <pc:docMk/>
+            <pc:sldMk cId="4097829111" sldId="565"/>
+            <ac:spMk id="17" creationId="{C8DD4A33-B160-11B4-49AC-7EE88C77C8E6}"/>
+          </ac:spMkLst>
+        </pc:spChg>
+      </pc:sldChg>
+    </pc:docChg>
+  </pc:docChgLst>
   <pc:docChgLst>
     <pc:chgData name="Mitchell Wand" userId="de9b44c55c049659" providerId="LiveId" clId="{AC681E7E-7BCE-42F4-8397-34877DEEDE5D}"/>
     <pc:docChg chg="addSld delSld modSld">
@@ -447,60 +463,6 @@
           <pc:docMk/>
           <pc:sldMk cId="2314319587" sldId="556"/>
         </pc:sldMkLst>
-      </pc:sldChg>
-    </pc:docChg>
-  </pc:docChgLst>
-  <pc:docChgLst>
-    <pc:chgData name="Mitchell Wand" userId="de9b44c55c049659" providerId="LiveId" clId="{5F788236-F622-4F92-81A2-AAB773A767CB}"/>
-    <pc:docChg chg="undo custSel addSld modSld">
-      <pc:chgData name="Mitchell Wand" userId="de9b44c55c049659" providerId="LiveId" clId="{5F788236-F622-4F92-81A2-AAB773A767CB}" dt="2022-09-20T18:38:28.835" v="671" actId="20577"/>
-      <pc:docMkLst>
-        <pc:docMk/>
-      </pc:docMkLst>
-      <pc:sldChg chg="modNotesTx">
-        <pc:chgData name="Mitchell Wand" userId="de9b44c55c049659" providerId="LiveId" clId="{5F788236-F622-4F92-81A2-AAB773A767CB}" dt="2022-09-20T17:28:28.152" v="82" actId="20577"/>
-        <pc:sldMkLst>
-          <pc:docMk/>
-          <pc:sldMk cId="0" sldId="262"/>
-        </pc:sldMkLst>
-      </pc:sldChg>
-      <pc:sldChg chg="modNotesTx">
-        <pc:chgData name="Mitchell Wand" userId="de9b44c55c049659" providerId="LiveId" clId="{5F788236-F622-4F92-81A2-AAB773A767CB}" dt="2022-09-20T17:29:13.896" v="184" actId="20577"/>
-        <pc:sldMkLst>
-          <pc:docMk/>
-          <pc:sldMk cId="966027799" sldId="514"/>
-        </pc:sldMkLst>
-      </pc:sldChg>
-      <pc:sldChg chg="addSp modSp new mod modNotesTx">
-        <pc:chgData name="Mitchell Wand" userId="de9b44c55c049659" providerId="LiveId" clId="{5F788236-F622-4F92-81A2-AAB773A767CB}" dt="2022-09-20T18:38:28.835" v="671" actId="20577"/>
-        <pc:sldMkLst>
-          <pc:docMk/>
-          <pc:sldMk cId="3573365039" sldId="557"/>
-        </pc:sldMkLst>
-        <pc:spChg chg="mod">
-          <ac:chgData name="Mitchell Wand" userId="de9b44c55c049659" providerId="LiveId" clId="{5F788236-F622-4F92-81A2-AAB773A767CB}" dt="2022-09-20T18:38:28.835" v="671" actId="20577"/>
-          <ac:spMkLst>
-            <pc:docMk/>
-            <pc:sldMk cId="3573365039" sldId="557"/>
-            <ac:spMk id="2" creationId="{4AB7B9C2-5D09-C319-491E-9E97079CFA3D}"/>
-          </ac:spMkLst>
-        </pc:spChg>
-        <pc:spChg chg="mod">
-          <ac:chgData name="Mitchell Wand" userId="de9b44c55c049659" providerId="LiveId" clId="{5F788236-F622-4F92-81A2-AAB773A767CB}" dt="2022-09-20T18:34:42.701" v="281"/>
-          <ac:spMkLst>
-            <pc:docMk/>
-            <pc:sldMk cId="3573365039" sldId="557"/>
-            <ac:spMk id="3" creationId="{E95A29C5-3A07-008B-EE77-48C8F818925D}"/>
-          </ac:spMkLst>
-        </pc:spChg>
-        <pc:spChg chg="add mod">
-          <ac:chgData name="Mitchell Wand" userId="de9b44c55c049659" providerId="LiveId" clId="{5F788236-F622-4F92-81A2-AAB773A767CB}" dt="2022-09-20T18:36:09.157" v="308" actId="6549"/>
-          <ac:spMkLst>
-            <pc:docMk/>
-            <pc:sldMk cId="3573365039" sldId="557"/>
-            <ac:spMk id="6" creationId="{D7EEA937-36F0-3A62-61A1-D81A0C7A205D}"/>
-          </ac:spMkLst>
-        </pc:spChg>
       </pc:sldChg>
     </pc:docChg>
   </pc:docChgLst>
@@ -1054,6 +1016,60 @@
           <pc:docMk/>
           <pc:sldMk cId="1831664636" sldId="580"/>
         </pc:sldMkLst>
+      </pc:sldChg>
+    </pc:docChg>
+  </pc:docChgLst>
+  <pc:docChgLst>
+    <pc:chgData name="Mitchell Wand" userId="de9b44c55c049659" providerId="LiveId" clId="{5F788236-F622-4F92-81A2-AAB773A767CB}"/>
+    <pc:docChg chg="undo custSel addSld modSld">
+      <pc:chgData name="Mitchell Wand" userId="de9b44c55c049659" providerId="LiveId" clId="{5F788236-F622-4F92-81A2-AAB773A767CB}" dt="2022-09-20T18:38:28.835" v="671" actId="20577"/>
+      <pc:docMkLst>
+        <pc:docMk/>
+      </pc:docMkLst>
+      <pc:sldChg chg="modNotesTx">
+        <pc:chgData name="Mitchell Wand" userId="de9b44c55c049659" providerId="LiveId" clId="{5F788236-F622-4F92-81A2-AAB773A767CB}" dt="2022-09-20T17:28:28.152" v="82" actId="20577"/>
+        <pc:sldMkLst>
+          <pc:docMk/>
+          <pc:sldMk cId="0" sldId="262"/>
+        </pc:sldMkLst>
+      </pc:sldChg>
+      <pc:sldChg chg="modNotesTx">
+        <pc:chgData name="Mitchell Wand" userId="de9b44c55c049659" providerId="LiveId" clId="{5F788236-F622-4F92-81A2-AAB773A767CB}" dt="2022-09-20T17:29:13.896" v="184" actId="20577"/>
+        <pc:sldMkLst>
+          <pc:docMk/>
+          <pc:sldMk cId="966027799" sldId="514"/>
+        </pc:sldMkLst>
+      </pc:sldChg>
+      <pc:sldChg chg="addSp modSp new mod modNotesTx">
+        <pc:chgData name="Mitchell Wand" userId="de9b44c55c049659" providerId="LiveId" clId="{5F788236-F622-4F92-81A2-AAB773A767CB}" dt="2022-09-20T18:38:28.835" v="671" actId="20577"/>
+        <pc:sldMkLst>
+          <pc:docMk/>
+          <pc:sldMk cId="3573365039" sldId="557"/>
+        </pc:sldMkLst>
+        <pc:spChg chg="mod">
+          <ac:chgData name="Mitchell Wand" userId="de9b44c55c049659" providerId="LiveId" clId="{5F788236-F622-4F92-81A2-AAB773A767CB}" dt="2022-09-20T18:38:28.835" v="671" actId="20577"/>
+          <ac:spMkLst>
+            <pc:docMk/>
+            <pc:sldMk cId="3573365039" sldId="557"/>
+            <ac:spMk id="2" creationId="{4AB7B9C2-5D09-C319-491E-9E97079CFA3D}"/>
+          </ac:spMkLst>
+        </pc:spChg>
+        <pc:spChg chg="mod">
+          <ac:chgData name="Mitchell Wand" userId="de9b44c55c049659" providerId="LiveId" clId="{5F788236-F622-4F92-81A2-AAB773A767CB}" dt="2022-09-20T18:34:42.701" v="281"/>
+          <ac:spMkLst>
+            <pc:docMk/>
+            <pc:sldMk cId="3573365039" sldId="557"/>
+            <ac:spMk id="3" creationId="{E95A29C5-3A07-008B-EE77-48C8F818925D}"/>
+          </ac:spMkLst>
+        </pc:spChg>
+        <pc:spChg chg="add mod">
+          <ac:chgData name="Mitchell Wand" userId="de9b44c55c049659" providerId="LiveId" clId="{5F788236-F622-4F92-81A2-AAB773A767CB}" dt="2022-09-20T18:36:09.157" v="308" actId="6549"/>
+          <ac:spMkLst>
+            <pc:docMk/>
+            <pc:sldMk cId="3573365039" sldId="557"/>
+            <ac:spMk id="6" creationId="{D7EEA937-36F0-3A62-61A1-D81A0C7A205D}"/>
+          </ac:spMkLst>
+        </pc:spChg>
       </pc:sldChg>
     </pc:docChg>
   </pc:docChgLst>
@@ -2873,7 +2889,15 @@
           <a:p>
             <a:r>
               <a:rPr lang="en-US" dirty="0"/>
-              <a:t>The starting process (i.., </a:t>
+              <a:t>The starting process (</a:t>
+            </a:r>
+            <a:r>
+              <a:rPr lang="en-US" dirty="0" err="1"/>
+              <a:t>i</a:t>
+            </a:r>
+            <a:r>
+              <a:rPr lang="en-US" dirty="0"/>
+              <a:t>..e, </a:t>
             </a:r>
             <a:r>
               <a:rPr lang="en-US" dirty="0" err="1"/>
@@ -2890,7 +2914,7 @@
           <a:p>
             <a:r>
               <a:rPr lang="en-US" dirty="0"/>
-              <a:t>Transmission is out-of-order:  Request 2 evidently reached the server before Request 1.</a:t>
+              <a:t>Transmission is out-of-order:  Request 3 evidently reached the server before Request 1.</a:t>
             </a:r>
           </a:p>
           <a:p>
@@ -5272,7 +5296,7 @@
                 <a:tabLst/>
                 <a:defRPr/>
               </a:pPr>
-              <a:t>1/24/2023</a:t>
+              <a:t>1/25/2023</a:t>
             </a:fld>
             <a:endParaRPr kumimoji="0" lang="en-US" sz="1200" b="0" i="0" u="none" strike="noStrike" kern="1200" cap="none" spc="0" normalizeH="0" baseline="0" noProof="0">
               <a:ln>
@@ -5756,7 +5780,7 @@
                 <a:tabLst/>
                 <a:defRPr/>
               </a:pPr>
-              <a:t>1/24/2023</a:t>
+              <a:t>1/25/2023</a:t>
             </a:fld>
             <a:endParaRPr kumimoji="0" lang="en-US" sz="1200" b="0" i="0" u="none" strike="noStrike" kern="1200" cap="none" spc="0" normalizeH="0" baseline="0" noProof="0">
               <a:ln>
@@ -6114,7 +6138,7 @@
                 <a:tabLst/>
                 <a:defRPr/>
               </a:pPr>
-              <a:t>1/24/2023</a:t>
+              <a:t>1/25/2023</a:t>
             </a:fld>
             <a:endParaRPr kumimoji="0" lang="en-US" sz="1200" b="0" i="0" u="none" strike="noStrike" kern="1200" cap="none" spc="0" normalizeH="0" baseline="0" noProof="0">
               <a:ln>
@@ -6482,7 +6506,7 @@
                 <a:tabLst/>
                 <a:defRPr/>
               </a:pPr>
-              <a:t>1/24/2023</a:t>
+              <a:t>1/25/2023</a:t>
             </a:fld>
             <a:endParaRPr kumimoji="0" lang="en-US" sz="1200" b="0" i="0" u="none" strike="noStrike" kern="1200" cap="none" spc="0" normalizeH="0" baseline="0" noProof="0">
               <a:ln>
@@ -7448,7 +7472,7 @@
                 <a:tabLst/>
                 <a:defRPr/>
               </a:pPr>
-              <a:t>1/24/2023</a:t>
+              <a:t>1/25/2023</a:t>
             </a:fld>
             <a:endParaRPr kumimoji="0" lang="en-US" sz="1200" b="0" i="0" u="none" strike="noStrike" kern="1200" cap="none" spc="0" normalizeH="0" baseline="0" noProof="0">
               <a:ln>
@@ -7858,7 +7882,7 @@
                 <a:tabLst/>
                 <a:defRPr/>
               </a:pPr>
-              <a:t>1/24/2023</a:t>
+              <a:t>1/25/2023</a:t>
             </a:fld>
             <a:endParaRPr kumimoji="0" lang="en-US" sz="1200" b="0" i="0" u="none" strike="noStrike" kern="1200" cap="none" spc="0" normalizeH="0" baseline="0" noProof="0">
               <a:ln>
@@ -8200,7 +8224,7 @@
                 <a:tabLst/>
                 <a:defRPr/>
               </a:pPr>
-              <a:t>1/24/2023</a:t>
+              <a:t>1/25/2023</a:t>
             </a:fld>
             <a:endParaRPr kumimoji="0" lang="en-US" sz="1200" b="0" i="0" u="none" strike="noStrike" kern="1200" cap="none" spc="0" normalizeH="0" baseline="0" noProof="0">
               <a:ln>
@@ -8673,7 +8697,7 @@
                 <a:tabLst/>
                 <a:defRPr/>
               </a:pPr>
-              <a:t>1/24/2023</a:t>
+              <a:t>1/25/2023</a:t>
             </a:fld>
             <a:endParaRPr kumimoji="0" lang="en-US" sz="1200" b="0" i="0" u="none" strike="noStrike" kern="1200" cap="none" spc="0" normalizeH="0" baseline="0" noProof="0">
               <a:ln>
@@ -9134,7 +9158,7 @@
                 <a:tabLst/>
                 <a:defRPr/>
               </a:pPr>
-              <a:t>1/24/2023</a:t>
+              <a:t>1/25/2023</a:t>
             </a:fld>
             <a:endParaRPr kumimoji="0" lang="en-US" sz="1200" b="0" i="0" u="none" strike="noStrike" kern="1200" cap="none" spc="0" normalizeH="0" baseline="0" noProof="0">
               <a:ln>
@@ -9742,7 +9766,7 @@
                 <a:tabLst/>
                 <a:defRPr/>
               </a:pPr>
-              <a:t>1/24/2023</a:t>
+              <a:t>1/25/2023</a:t>
             </a:fld>
             <a:endParaRPr kumimoji="0" lang="en-US" sz="1200" b="0" i="0" u="none" strike="noStrike" kern="1200" cap="none" spc="0" normalizeH="0" baseline="0" noProof="0">
               <a:ln>
@@ -10015,7 +10039,7 @@
                 <a:tabLst/>
                 <a:defRPr/>
               </a:pPr>
-              <a:t>1/24/2023</a:t>
+              <a:t>1/25/2023</a:t>
             </a:fld>
             <a:endParaRPr kumimoji="0" lang="en-US" sz="1200" b="0" i="0" u="none" strike="noStrike" kern="1200" cap="none" spc="0" normalizeH="0" baseline="0" noProof="0">
               <a:ln>
@@ -10486,7 +10510,7 @@
                 <a:tabLst/>
                 <a:defRPr/>
               </a:pPr>
-              <a:t>1/24/2023</a:t>
+              <a:t>1/25/2023</a:t>
             </a:fld>
             <a:endParaRPr kumimoji="0" lang="en-US" sz="1200" b="0" i="0" u="none" strike="noStrike" kern="1200" cap="none" spc="0" normalizeH="0" baseline="0" noProof="0">
               <a:ln>
@@ -10887,7 +10911,7 @@
                 <a:tabLst/>
                 <a:defRPr/>
               </a:pPr>
-              <a:t>1/24/2023</a:t>
+              <a:t>1/25/2023</a:t>
             </a:fld>
             <a:endParaRPr kumimoji="0" lang="en-US" sz="1200" b="0" i="0" u="none" strike="noStrike" kern="1200" cap="none" spc="0" normalizeH="0" baseline="0" noProof="0">
               <a:ln>
@@ -15266,7 +15290,25 @@
                   </a:solidFill>
                   <a:latin typeface="Ink Free" panose="03080402000500000000" pitchFamily="66" charset="0"/>
                 </a:rPr>
-                <a:t>But the response for request 3 arrived from the server before request 1.</a:t>
+                <a:t>But the response for request 3 </a:t>
+              </a:r>
+              <a:r>
+                <a:rPr lang="en-US" sz="2400" b="1">
+                  <a:solidFill>
+                    <a:schemeClr val="tx1"/>
+                  </a:solidFill>
+                  <a:latin typeface="Ink Free" panose="03080402000500000000" pitchFamily="66" charset="0"/>
+                </a:rPr>
+                <a:t>arrived at </a:t>
+              </a:r>
+              <a:r>
+                <a:rPr lang="en-US" sz="2400" b="1" dirty="0">
+                  <a:solidFill>
+                    <a:schemeClr val="tx1"/>
+                  </a:solidFill>
+                  <a:latin typeface="Ink Free" panose="03080402000500000000" pitchFamily="66" charset="0"/>
+                </a:rPr>
+                <a:t>the server before request 1.</a:t>
               </a:r>
             </a:p>
           </p:txBody>
@@ -20262,7 +20304,7 @@
           </a:ln>
           <a:extLst>
             <a:ext uri="{C572A759-6A51-4108-AA02-DFA0A04FC94B}">
-              <ma14:wrappingTextBoxFlag xmlns="" xmlns:m="http://schemas.openxmlformats.org/officeDocument/2006/math" xmlns:a14="http://schemas.microsoft.com/office/drawing/2010/main" xmlns:ma14="http://schemas.microsoft.com/office/mac/drawingml/2011/main" val="1"/>
+              <ma14:wrappingTextBoxFlag xmlns:ma14="http://schemas.microsoft.com/office/mac/drawingml/2011/main" xmlns:a14="http://schemas.microsoft.com/office/drawing/2010/main" xmlns:m="http://schemas.openxmlformats.org/officeDocument/2006/math" xmlns="" val="1"/>
             </a:ext>
           </a:extLst>
         </p:spPr>
@@ -20851,7 +20893,7 @@
           </a:ln>
           <a:extLst>
             <a:ext uri="{C572A759-6A51-4108-AA02-DFA0A04FC94B}">
-              <ma14:wrappingTextBoxFlag xmlns="" xmlns:m="http://schemas.openxmlformats.org/officeDocument/2006/math" xmlns:a14="http://schemas.microsoft.com/office/drawing/2010/main" xmlns:ma14="http://schemas.microsoft.com/office/mac/drawingml/2011/main" val="1"/>
+              <ma14:wrappingTextBoxFlag xmlns:ma14="http://schemas.microsoft.com/office/mac/drawingml/2011/main" xmlns:a14="http://schemas.microsoft.com/office/drawing/2010/main" xmlns:m="http://schemas.openxmlformats.org/officeDocument/2006/math" xmlns="" val="1"/>
             </a:ext>
           </a:extLst>
         </p:spPr>
@@ -22052,7 +22094,7 @@
             <a:effectLst/>
             <a:extLst>
               <a:ext uri="{C572A759-6A51-4108-AA02-DFA0A04FC94B}">
-                <ma14:wrappingTextBoxFlag xmlns="" xmlns:m="http://schemas.openxmlformats.org/officeDocument/2006/math" xmlns:a14="http://schemas.microsoft.com/office/drawing/2010/main" xmlns:ma14="http://schemas.microsoft.com/office/mac/drawingml/2011/main" val="1"/>
+                <ma14:wrappingTextBoxFlag xmlns:ma14="http://schemas.microsoft.com/office/mac/drawingml/2011/main" xmlns:a14="http://schemas.microsoft.com/office/drawing/2010/main" xmlns:m="http://schemas.openxmlformats.org/officeDocument/2006/math" xmlns="" val="1"/>
               </a:ext>
             </a:extLst>
           </p:spPr>
@@ -22121,7 +22163,7 @@
             <a:effectLst/>
             <a:extLst>
               <a:ext uri="{C572A759-6A51-4108-AA02-DFA0A04FC94B}">
-                <ma14:wrappingTextBoxFlag xmlns="" xmlns:m="http://schemas.openxmlformats.org/officeDocument/2006/math" xmlns:a14="http://schemas.microsoft.com/office/drawing/2010/main" xmlns:ma14="http://schemas.microsoft.com/office/mac/drawingml/2011/main" val="1"/>
+                <ma14:wrappingTextBoxFlag xmlns:ma14="http://schemas.microsoft.com/office/mac/drawingml/2011/main" xmlns:a14="http://schemas.microsoft.com/office/drawing/2010/main" xmlns:m="http://schemas.openxmlformats.org/officeDocument/2006/math" xmlns="" val="1"/>
               </a:ext>
             </a:extLst>
           </p:spPr>
@@ -22187,7 +22229,7 @@
             </a:ln>
             <a:extLst>
               <a:ext uri="{C572A759-6A51-4108-AA02-DFA0A04FC94B}">
-                <ma14:wrappingTextBoxFlag xmlns="" xmlns:m="http://schemas.openxmlformats.org/officeDocument/2006/math" xmlns:a14="http://schemas.microsoft.com/office/drawing/2010/main" xmlns:ma14="http://schemas.microsoft.com/office/mac/drawingml/2011/main" val="1"/>
+                <ma14:wrappingTextBoxFlag xmlns:ma14="http://schemas.microsoft.com/office/mac/drawingml/2011/main" xmlns:a14="http://schemas.microsoft.com/office/drawing/2010/main" xmlns:m="http://schemas.openxmlformats.org/officeDocument/2006/math" xmlns="" val="1"/>
               </a:ext>
             </a:extLst>
           </p:spPr>
@@ -22245,7 +22287,7 @@
             </a:ln>
             <a:extLst>
               <a:ext uri="{C572A759-6A51-4108-AA02-DFA0A04FC94B}">
-                <ma14:wrappingTextBoxFlag xmlns="" xmlns:m="http://schemas.openxmlformats.org/officeDocument/2006/math" xmlns:a14="http://schemas.microsoft.com/office/drawing/2010/main" xmlns:ma14="http://schemas.microsoft.com/office/mac/drawingml/2011/main" val="1"/>
+                <ma14:wrappingTextBoxFlag xmlns:ma14="http://schemas.microsoft.com/office/mac/drawingml/2011/main" xmlns:a14="http://schemas.microsoft.com/office/drawing/2010/main" xmlns:m="http://schemas.openxmlformats.org/officeDocument/2006/math" xmlns="" val="1"/>
               </a:ext>
             </a:extLst>
           </p:spPr>
@@ -22326,7 +22368,7 @@
             <a:effectLst/>
             <a:extLst>
               <a:ext uri="{C572A759-6A51-4108-AA02-DFA0A04FC94B}">
-                <ma14:wrappingTextBoxFlag xmlns="" xmlns:m="http://schemas.openxmlformats.org/officeDocument/2006/math" xmlns:a14="http://schemas.microsoft.com/office/drawing/2010/main" xmlns:ma14="http://schemas.microsoft.com/office/mac/drawingml/2011/main" val="1"/>
+                <ma14:wrappingTextBoxFlag xmlns:ma14="http://schemas.microsoft.com/office/mac/drawingml/2011/main" xmlns:a14="http://schemas.microsoft.com/office/drawing/2010/main" xmlns:m="http://schemas.openxmlformats.org/officeDocument/2006/math" xmlns="" val="1"/>
               </a:ext>
             </a:extLst>
           </p:spPr>
@@ -22399,7 +22441,7 @@
             <a:effectLst/>
             <a:extLst>
               <a:ext uri="{C572A759-6A51-4108-AA02-DFA0A04FC94B}">
-                <ma14:wrappingTextBoxFlag xmlns="" xmlns:m="http://schemas.openxmlformats.org/officeDocument/2006/math" xmlns:a14="http://schemas.microsoft.com/office/drawing/2010/main" xmlns:ma14="http://schemas.microsoft.com/office/mac/drawingml/2011/main" val="1"/>
+                <ma14:wrappingTextBoxFlag xmlns:ma14="http://schemas.microsoft.com/office/mac/drawingml/2011/main" xmlns:a14="http://schemas.microsoft.com/office/drawing/2010/main" xmlns:m="http://schemas.openxmlformats.org/officeDocument/2006/math" xmlns="" val="1"/>
               </a:ext>
             </a:extLst>
           </p:spPr>
@@ -22465,7 +22507,7 @@
             </a:ln>
             <a:extLst>
               <a:ext uri="{C572A759-6A51-4108-AA02-DFA0A04FC94B}">
-                <ma14:wrappingTextBoxFlag xmlns="" xmlns:m="http://schemas.openxmlformats.org/officeDocument/2006/math" xmlns:a14="http://schemas.microsoft.com/office/drawing/2010/main" xmlns:ma14="http://schemas.microsoft.com/office/mac/drawingml/2011/main" val="1"/>
+                <ma14:wrappingTextBoxFlag xmlns:ma14="http://schemas.microsoft.com/office/mac/drawingml/2011/main" xmlns:a14="http://schemas.microsoft.com/office/drawing/2010/main" xmlns:m="http://schemas.openxmlformats.org/officeDocument/2006/math" xmlns="" val="1"/>
               </a:ext>
             </a:extLst>
           </p:spPr>
@@ -22523,7 +22565,7 @@
             </a:ln>
             <a:extLst>
               <a:ext uri="{C572A759-6A51-4108-AA02-DFA0A04FC94B}">
-                <ma14:wrappingTextBoxFlag xmlns="" xmlns:m="http://schemas.openxmlformats.org/officeDocument/2006/math" xmlns:a14="http://schemas.microsoft.com/office/drawing/2010/main" xmlns:ma14="http://schemas.microsoft.com/office/mac/drawingml/2011/main" val="1"/>
+                <ma14:wrappingTextBoxFlag xmlns:ma14="http://schemas.microsoft.com/office/mac/drawingml/2011/main" xmlns:a14="http://schemas.microsoft.com/office/drawing/2010/main" xmlns:m="http://schemas.openxmlformats.org/officeDocument/2006/math" xmlns="" val="1"/>
               </a:ext>
             </a:extLst>
           </p:spPr>
@@ -22604,7 +22646,7 @@
             <a:effectLst/>
             <a:extLst>
               <a:ext uri="{C572A759-6A51-4108-AA02-DFA0A04FC94B}">
-                <ma14:wrappingTextBoxFlag xmlns="" xmlns:m="http://schemas.openxmlformats.org/officeDocument/2006/math" xmlns:a14="http://schemas.microsoft.com/office/drawing/2010/main" xmlns:ma14="http://schemas.microsoft.com/office/mac/drawingml/2011/main" val="1"/>
+                <ma14:wrappingTextBoxFlag xmlns:ma14="http://schemas.microsoft.com/office/mac/drawingml/2011/main" xmlns:a14="http://schemas.microsoft.com/office/drawing/2010/main" xmlns:m="http://schemas.openxmlformats.org/officeDocument/2006/math" xmlns="" val="1"/>
               </a:ext>
             </a:extLst>
           </p:spPr>
@@ -22677,7 +22719,7 @@
             <a:effectLst/>
             <a:extLst>
               <a:ext uri="{C572A759-6A51-4108-AA02-DFA0A04FC94B}">
-                <ma14:wrappingTextBoxFlag xmlns="" xmlns:m="http://schemas.openxmlformats.org/officeDocument/2006/math" xmlns:a14="http://schemas.microsoft.com/office/drawing/2010/main" xmlns:ma14="http://schemas.microsoft.com/office/mac/drawingml/2011/main" val="1"/>
+                <ma14:wrappingTextBoxFlag xmlns:ma14="http://schemas.microsoft.com/office/mac/drawingml/2011/main" xmlns:a14="http://schemas.microsoft.com/office/drawing/2010/main" xmlns:m="http://schemas.openxmlformats.org/officeDocument/2006/math" xmlns="" val="1"/>
               </a:ext>
             </a:extLst>
           </p:spPr>
@@ -22743,7 +22785,7 @@
             </a:ln>
             <a:extLst>
               <a:ext uri="{C572A759-6A51-4108-AA02-DFA0A04FC94B}">
-                <ma14:wrappingTextBoxFlag xmlns="" xmlns:m="http://schemas.openxmlformats.org/officeDocument/2006/math" xmlns:a14="http://schemas.microsoft.com/office/drawing/2010/main" xmlns:ma14="http://schemas.microsoft.com/office/mac/drawingml/2011/main" val="1"/>
+                <ma14:wrappingTextBoxFlag xmlns:ma14="http://schemas.microsoft.com/office/mac/drawingml/2011/main" xmlns:a14="http://schemas.microsoft.com/office/drawing/2010/main" xmlns:m="http://schemas.openxmlformats.org/officeDocument/2006/math" xmlns="" val="1"/>
               </a:ext>
             </a:extLst>
           </p:spPr>
@@ -22801,7 +22843,7 @@
             </a:ln>
             <a:extLst>
               <a:ext uri="{C572A759-6A51-4108-AA02-DFA0A04FC94B}">
-                <ma14:wrappingTextBoxFlag xmlns="" xmlns:m="http://schemas.openxmlformats.org/officeDocument/2006/math" xmlns:a14="http://schemas.microsoft.com/office/drawing/2010/main" xmlns:ma14="http://schemas.microsoft.com/office/mac/drawingml/2011/main" val="1"/>
+                <ma14:wrappingTextBoxFlag xmlns:ma14="http://schemas.microsoft.com/office/mac/drawingml/2011/main" xmlns:a14="http://schemas.microsoft.com/office/drawing/2010/main" xmlns:m="http://schemas.openxmlformats.org/officeDocument/2006/math" xmlns="" val="1"/>
               </a:ext>
             </a:extLst>
           </p:spPr>
@@ -22882,7 +22924,7 @@
             <a:effectLst/>
             <a:extLst>
               <a:ext uri="{C572A759-6A51-4108-AA02-DFA0A04FC94B}">
-                <ma14:wrappingTextBoxFlag xmlns="" xmlns:m="http://schemas.openxmlformats.org/officeDocument/2006/math" xmlns:a14="http://schemas.microsoft.com/office/drawing/2010/main" xmlns:ma14="http://schemas.microsoft.com/office/mac/drawingml/2011/main" val="1"/>
+                <ma14:wrappingTextBoxFlag xmlns:ma14="http://schemas.microsoft.com/office/mac/drawingml/2011/main" xmlns:a14="http://schemas.microsoft.com/office/drawing/2010/main" xmlns:m="http://schemas.openxmlformats.org/officeDocument/2006/math" xmlns="" val="1"/>
               </a:ext>
             </a:extLst>
           </p:spPr>
@@ -22951,7 +22993,7 @@
             <a:effectLst/>
             <a:extLst>
               <a:ext uri="{C572A759-6A51-4108-AA02-DFA0A04FC94B}">
-                <ma14:wrappingTextBoxFlag xmlns="" xmlns:m="http://schemas.openxmlformats.org/officeDocument/2006/math" xmlns:a14="http://schemas.microsoft.com/office/drawing/2010/main" xmlns:ma14="http://schemas.microsoft.com/office/mac/drawingml/2011/main" val="1"/>
+                <ma14:wrappingTextBoxFlag xmlns:ma14="http://schemas.microsoft.com/office/mac/drawingml/2011/main" xmlns:a14="http://schemas.microsoft.com/office/drawing/2010/main" xmlns:m="http://schemas.openxmlformats.org/officeDocument/2006/math" xmlns="" val="1"/>
               </a:ext>
             </a:extLst>
           </p:spPr>
@@ -23017,7 +23059,7 @@
             </a:ln>
             <a:extLst>
               <a:ext uri="{C572A759-6A51-4108-AA02-DFA0A04FC94B}">
-                <ma14:wrappingTextBoxFlag xmlns="" xmlns:m="http://schemas.openxmlformats.org/officeDocument/2006/math" xmlns:a14="http://schemas.microsoft.com/office/drawing/2010/main" xmlns:ma14="http://schemas.microsoft.com/office/mac/drawingml/2011/main" val="1"/>
+                <ma14:wrappingTextBoxFlag xmlns:ma14="http://schemas.microsoft.com/office/mac/drawingml/2011/main" xmlns:a14="http://schemas.microsoft.com/office/drawing/2010/main" xmlns:m="http://schemas.openxmlformats.org/officeDocument/2006/math" xmlns="" val="1"/>
               </a:ext>
             </a:extLst>
           </p:spPr>
@@ -23075,7 +23117,7 @@
             </a:ln>
             <a:extLst>
               <a:ext uri="{C572A759-6A51-4108-AA02-DFA0A04FC94B}">
-                <ma14:wrappingTextBoxFlag xmlns="" xmlns:m="http://schemas.openxmlformats.org/officeDocument/2006/math" xmlns:a14="http://schemas.microsoft.com/office/drawing/2010/main" xmlns:ma14="http://schemas.microsoft.com/office/mac/drawingml/2011/main" val="1"/>
+                <ma14:wrappingTextBoxFlag xmlns:ma14="http://schemas.microsoft.com/office/mac/drawingml/2011/main" xmlns:a14="http://schemas.microsoft.com/office/drawing/2010/main" xmlns:m="http://schemas.openxmlformats.org/officeDocument/2006/math" xmlns="" val="1"/>
               </a:ext>
             </a:extLst>
           </p:spPr>
@@ -23156,7 +23198,7 @@
             <a:effectLst/>
             <a:extLst>
               <a:ext uri="{C572A759-6A51-4108-AA02-DFA0A04FC94B}">
-                <ma14:wrappingTextBoxFlag xmlns="" xmlns:m="http://schemas.openxmlformats.org/officeDocument/2006/math" xmlns:a14="http://schemas.microsoft.com/office/drawing/2010/main" xmlns:ma14="http://schemas.microsoft.com/office/mac/drawingml/2011/main" val="1"/>
+                <ma14:wrappingTextBoxFlag xmlns:ma14="http://schemas.microsoft.com/office/mac/drawingml/2011/main" xmlns:a14="http://schemas.microsoft.com/office/drawing/2010/main" xmlns:m="http://schemas.openxmlformats.org/officeDocument/2006/math" xmlns="" val="1"/>
               </a:ext>
             </a:extLst>
           </p:spPr>
@@ -23249,7 +23291,7 @@
               <a:effectLst/>
               <a:extLst>
                 <a:ext uri="{C572A759-6A51-4108-AA02-DFA0A04FC94B}">
-                  <ma14:wrappingTextBoxFlag xmlns="" xmlns:m="http://schemas.openxmlformats.org/officeDocument/2006/math" xmlns:a14="http://schemas.microsoft.com/office/drawing/2010/main" xmlns:ma14="http://schemas.microsoft.com/office/mac/drawingml/2011/main" val="1"/>
+                  <ma14:wrappingTextBoxFlag xmlns:ma14="http://schemas.microsoft.com/office/mac/drawingml/2011/main" xmlns:a14="http://schemas.microsoft.com/office/drawing/2010/main" xmlns:m="http://schemas.openxmlformats.org/officeDocument/2006/math" xmlns="" val="1"/>
                 </a:ext>
               </a:extLst>
             </p:spPr>
@@ -23315,7 +23357,7 @@
               </a:ln>
               <a:extLst>
                 <a:ext uri="{C572A759-6A51-4108-AA02-DFA0A04FC94B}">
-                  <ma14:wrappingTextBoxFlag xmlns="" xmlns:m="http://schemas.openxmlformats.org/officeDocument/2006/math" xmlns:a14="http://schemas.microsoft.com/office/drawing/2010/main" xmlns:ma14="http://schemas.microsoft.com/office/mac/drawingml/2011/main" val="1"/>
+                  <ma14:wrappingTextBoxFlag xmlns:ma14="http://schemas.microsoft.com/office/mac/drawingml/2011/main" xmlns:a14="http://schemas.microsoft.com/office/drawing/2010/main" xmlns:m="http://schemas.openxmlformats.org/officeDocument/2006/math" xmlns="" val="1"/>
                 </a:ext>
               </a:extLst>
             </p:spPr>
@@ -23373,7 +23415,7 @@
               </a:ln>
               <a:extLst>
                 <a:ext uri="{C572A759-6A51-4108-AA02-DFA0A04FC94B}">
-                  <ma14:wrappingTextBoxFlag xmlns="" xmlns:m="http://schemas.openxmlformats.org/officeDocument/2006/math" xmlns:a14="http://schemas.microsoft.com/office/drawing/2010/main" xmlns:ma14="http://schemas.microsoft.com/office/mac/drawingml/2011/main" val="1"/>
+                  <ma14:wrappingTextBoxFlag xmlns:ma14="http://schemas.microsoft.com/office/mac/drawingml/2011/main" xmlns:a14="http://schemas.microsoft.com/office/drawing/2010/main" xmlns:m="http://schemas.openxmlformats.org/officeDocument/2006/math" xmlns="" val="1"/>
                 </a:ext>
               </a:extLst>
             </p:spPr>
@@ -23455,7 +23497,7 @@
             <a:effectLst/>
             <a:extLst>
               <a:ext uri="{C572A759-6A51-4108-AA02-DFA0A04FC94B}">
-                <ma14:wrappingTextBoxFlag xmlns="" xmlns:m="http://schemas.openxmlformats.org/officeDocument/2006/math" xmlns:a14="http://schemas.microsoft.com/office/drawing/2010/main" xmlns:ma14="http://schemas.microsoft.com/office/mac/drawingml/2011/main" val="1"/>
+                <ma14:wrappingTextBoxFlag xmlns:ma14="http://schemas.microsoft.com/office/mac/drawingml/2011/main" xmlns:a14="http://schemas.microsoft.com/office/drawing/2010/main" xmlns:m="http://schemas.openxmlformats.org/officeDocument/2006/math" xmlns="" val="1"/>
               </a:ext>
             </a:extLst>
           </p:spPr>
@@ -23528,7 +23570,7 @@
             <a:effectLst/>
             <a:extLst>
               <a:ext uri="{C572A759-6A51-4108-AA02-DFA0A04FC94B}">
-                <ma14:wrappingTextBoxFlag xmlns="" xmlns:m="http://schemas.openxmlformats.org/officeDocument/2006/math" xmlns:a14="http://schemas.microsoft.com/office/drawing/2010/main" xmlns:ma14="http://schemas.microsoft.com/office/mac/drawingml/2011/main" val="1"/>
+                <ma14:wrappingTextBoxFlag xmlns:ma14="http://schemas.microsoft.com/office/mac/drawingml/2011/main" xmlns:a14="http://schemas.microsoft.com/office/drawing/2010/main" xmlns:m="http://schemas.openxmlformats.org/officeDocument/2006/math" xmlns="" val="1"/>
               </a:ext>
             </a:extLst>
           </p:spPr>
@@ -23594,7 +23636,7 @@
             </a:ln>
             <a:extLst>
               <a:ext uri="{C572A759-6A51-4108-AA02-DFA0A04FC94B}">
-                <ma14:wrappingTextBoxFlag xmlns="" xmlns:m="http://schemas.openxmlformats.org/officeDocument/2006/math" xmlns:a14="http://schemas.microsoft.com/office/drawing/2010/main" xmlns:ma14="http://schemas.microsoft.com/office/mac/drawingml/2011/main" val="1"/>
+                <ma14:wrappingTextBoxFlag xmlns:ma14="http://schemas.microsoft.com/office/mac/drawingml/2011/main" xmlns:a14="http://schemas.microsoft.com/office/drawing/2010/main" xmlns:m="http://schemas.openxmlformats.org/officeDocument/2006/math" xmlns="" val="1"/>
               </a:ext>
             </a:extLst>
           </p:spPr>
@@ -23652,7 +23694,7 @@
             </a:ln>
             <a:extLst>
               <a:ext uri="{C572A759-6A51-4108-AA02-DFA0A04FC94B}">
-                <ma14:wrappingTextBoxFlag xmlns="" xmlns:m="http://schemas.openxmlformats.org/officeDocument/2006/math" xmlns:a14="http://schemas.microsoft.com/office/drawing/2010/main" xmlns:ma14="http://schemas.microsoft.com/office/mac/drawingml/2011/main" val="1"/>
+                <ma14:wrappingTextBoxFlag xmlns:ma14="http://schemas.microsoft.com/office/mac/drawingml/2011/main" xmlns:a14="http://schemas.microsoft.com/office/drawing/2010/main" xmlns:m="http://schemas.openxmlformats.org/officeDocument/2006/math" xmlns="" val="1"/>
               </a:ext>
             </a:extLst>
           </p:spPr>
@@ -23711,7 +23753,7 @@
           </a:ln>
           <a:extLst>
             <a:ext uri="{C572A759-6A51-4108-AA02-DFA0A04FC94B}">
-              <ma14:wrappingTextBoxFlag xmlns="" xmlns:m="http://schemas.openxmlformats.org/officeDocument/2006/math" xmlns:a14="http://schemas.microsoft.com/office/drawing/2010/main" xmlns:ma14="http://schemas.microsoft.com/office/mac/drawingml/2011/main" val="1"/>
+              <ma14:wrappingTextBoxFlag xmlns:ma14="http://schemas.microsoft.com/office/mac/drawingml/2011/main" xmlns:a14="http://schemas.microsoft.com/office/drawing/2010/main" xmlns:m="http://schemas.openxmlformats.org/officeDocument/2006/math" xmlns="" val="1"/>
             </a:ext>
           </a:extLst>
         </p:spPr>
@@ -23769,7 +23811,7 @@
           </a:ln>
           <a:extLst>
             <a:ext uri="{C572A759-6A51-4108-AA02-DFA0A04FC94B}">
-              <ma14:wrappingTextBoxFlag xmlns="" xmlns:m="http://schemas.openxmlformats.org/officeDocument/2006/math" xmlns:a14="http://schemas.microsoft.com/office/drawing/2010/main" xmlns:ma14="http://schemas.microsoft.com/office/mac/drawingml/2011/main" val="1"/>
+              <ma14:wrappingTextBoxFlag xmlns:ma14="http://schemas.microsoft.com/office/mac/drawingml/2011/main" xmlns:a14="http://schemas.microsoft.com/office/drawing/2010/main" xmlns:m="http://schemas.openxmlformats.org/officeDocument/2006/math" xmlns="" val="1"/>
             </a:ext>
           </a:extLst>
         </p:spPr>
@@ -24013,7 +24055,7 @@
             </a:ln>
             <a:extLst>
               <a:ext uri="{C572A759-6A51-4108-AA02-DFA0A04FC94B}">
-                <ma14:wrappingTextBoxFlag xmlns="" xmlns:m="http://schemas.openxmlformats.org/officeDocument/2006/math" xmlns:a14="http://schemas.microsoft.com/office/drawing/2010/main" xmlns:ma14="http://schemas.microsoft.com/office/mac/drawingml/2011/main" val="1"/>
+                <ma14:wrappingTextBoxFlag xmlns:ma14="http://schemas.microsoft.com/office/mac/drawingml/2011/main" xmlns:a14="http://schemas.microsoft.com/office/drawing/2010/main" xmlns:m="http://schemas.openxmlformats.org/officeDocument/2006/math" xmlns="" val="1"/>
               </a:ext>
             </a:extLst>
           </p:spPr>
@@ -24565,7 +24607,7 @@
             </a:ln>
             <a:extLst>
               <a:ext uri="{C572A759-6A51-4108-AA02-DFA0A04FC94B}">
-                <ma14:wrappingTextBoxFlag xmlns="" xmlns:m="http://schemas.openxmlformats.org/officeDocument/2006/math" xmlns:a14="http://schemas.microsoft.com/office/drawing/2010/main" xmlns:ma14="http://schemas.microsoft.com/office/mac/drawingml/2011/main" val="1"/>
+                <ma14:wrappingTextBoxFlag xmlns:ma14="http://schemas.microsoft.com/office/mac/drawingml/2011/main" xmlns:a14="http://schemas.microsoft.com/office/drawing/2010/main" xmlns:m="http://schemas.openxmlformats.org/officeDocument/2006/math" xmlns="" val="1"/>
               </a:ext>
             </a:extLst>
           </p:spPr>
@@ -25302,7 +25344,7 @@
           </a:prstGeom>
           <a:extLst>
             <a:ext uri="{C572A759-6A51-4108-AA02-DFA0A04FC94B}">
-              <ma14:wrappingTextBoxFlag xmlns="" xmlns:m="http://schemas.openxmlformats.org/officeDocument/2006/math" xmlns:a14="http://schemas.microsoft.com/office/drawing/2010/main" xmlns:ma14="http://schemas.microsoft.com/office/mac/drawingml/2011/main" val="1"/>
+              <ma14:wrappingTextBoxFlag xmlns:ma14="http://schemas.microsoft.com/office/mac/drawingml/2011/main" xmlns:a14="http://schemas.microsoft.com/office/drawing/2010/main" xmlns:m="http://schemas.openxmlformats.org/officeDocument/2006/math" xmlns="" val="1"/>
             </a:ext>
           </a:extLst>
         </p:spPr>
@@ -35847,7 +35889,7 @@
           </a:ln>
           <a:extLst>
             <a:ext uri="{C572A759-6A51-4108-AA02-DFA0A04FC94B}">
-              <ma14:wrappingTextBoxFlag xmlns="" xmlns:m="http://schemas.openxmlformats.org/officeDocument/2006/math" xmlns:a14="http://schemas.microsoft.com/office/drawing/2010/main" xmlns:ma14="http://schemas.microsoft.com/office/mac/drawingml/2011/main" val="1"/>
+              <ma14:wrappingTextBoxFlag xmlns:ma14="http://schemas.microsoft.com/office/mac/drawingml/2011/main" xmlns:a14="http://schemas.microsoft.com/office/drawing/2010/main" xmlns:m="http://schemas.openxmlformats.org/officeDocument/2006/math" xmlns="" val="1"/>
             </a:ext>
           </a:extLst>
         </p:spPr>
@@ -36805,7 +36847,7 @@
           </a:prstGeom>
           <a:extLst>
             <a:ext uri="{C572A759-6A51-4108-AA02-DFA0A04FC94B}">
-              <ma14:wrappingTextBoxFlag xmlns:ma14="http://schemas.microsoft.com/office/mac/drawingml/2011/main" xmlns:a14="http://schemas.microsoft.com/office/drawing/2010/main" xmlns:m="http://schemas.openxmlformats.org/officeDocument/2006/math" xmlns="" val="1"/>
+              <ma14:wrappingTextBoxFlag xmlns="" xmlns:m="http://schemas.openxmlformats.org/officeDocument/2006/math" xmlns:a14="http://schemas.microsoft.com/office/drawing/2010/main" xmlns:ma14="http://schemas.microsoft.com/office/mac/drawingml/2011/main" val="1"/>
             </a:ext>
           </a:extLst>
         </p:spPr>
@@ -37195,7 +37237,7 @@
               </a:effectLst>
               <a:extLst>
                 <a:ext uri="{C572A759-6A51-4108-AA02-DFA0A04FC94B}">
-                  <ma14:wrappingTextBoxFlag xmlns:ma14="http://schemas.microsoft.com/office/mac/drawingml/2011/main" xmlns:a14="http://schemas.microsoft.com/office/drawing/2010/main" xmlns:m="http://schemas.openxmlformats.org/officeDocument/2006/math" xmlns="" val="1"/>
+                  <ma14:wrappingTextBoxFlag xmlns="" xmlns:m="http://schemas.openxmlformats.org/officeDocument/2006/math" xmlns:a14="http://schemas.microsoft.com/office/drawing/2010/main" xmlns:ma14="http://schemas.microsoft.com/office/mac/drawingml/2011/main" val="1"/>
                 </a:ext>
               </a:extLst>
             </p:spPr>
@@ -37265,7 +37307,7 @@
               </a:effectLst>
               <a:extLst>
                 <a:ext uri="{C572A759-6A51-4108-AA02-DFA0A04FC94B}">
-                  <ma14:wrappingTextBoxFlag xmlns:ma14="http://schemas.microsoft.com/office/mac/drawingml/2011/main" xmlns:a14="http://schemas.microsoft.com/office/drawing/2010/main" xmlns:m="http://schemas.openxmlformats.org/officeDocument/2006/math" xmlns="" val="1"/>
+                  <ma14:wrappingTextBoxFlag xmlns="" xmlns:m="http://schemas.openxmlformats.org/officeDocument/2006/math" xmlns:a14="http://schemas.microsoft.com/office/drawing/2010/main" xmlns:ma14="http://schemas.microsoft.com/office/mac/drawingml/2011/main" val="1"/>
                 </a:ext>
               </a:extLst>
             </p:spPr>
@@ -37333,7 +37375,7 @@
               </a:effectLst>
               <a:extLst>
                 <a:ext uri="{C572A759-6A51-4108-AA02-DFA0A04FC94B}">
-                  <ma14:wrappingTextBoxFlag xmlns:ma14="http://schemas.microsoft.com/office/mac/drawingml/2011/main" xmlns:a14="http://schemas.microsoft.com/office/drawing/2010/main" xmlns:m="http://schemas.openxmlformats.org/officeDocument/2006/math" xmlns="" val="1"/>
+                  <ma14:wrappingTextBoxFlag xmlns="" xmlns:m="http://schemas.openxmlformats.org/officeDocument/2006/math" xmlns:a14="http://schemas.microsoft.com/office/drawing/2010/main" xmlns:ma14="http://schemas.microsoft.com/office/mac/drawingml/2011/main" val="1"/>
                 </a:ext>
               </a:extLst>
             </p:spPr>
@@ -37421,7 +37463,7 @@
                 </a:effectLst>
                 <a:extLst>
                   <a:ext uri="{C572A759-6A51-4108-AA02-DFA0A04FC94B}">
-                    <ma14:wrappingTextBoxFlag xmlns:ma14="http://schemas.microsoft.com/office/mac/drawingml/2011/main" xmlns:a14="http://schemas.microsoft.com/office/drawing/2010/main" xmlns:m="http://schemas.openxmlformats.org/officeDocument/2006/math" xmlns="" val="1"/>
+                    <ma14:wrappingTextBoxFlag xmlns="" xmlns:m="http://schemas.openxmlformats.org/officeDocument/2006/math" xmlns:a14="http://schemas.microsoft.com/office/drawing/2010/main" xmlns:ma14="http://schemas.microsoft.com/office/mac/drawingml/2011/main" val="1"/>
                   </a:ext>
                 </a:extLst>
               </p:spPr>
@@ -37599,7 +37641,7 @@
                   <a:effectLst/>
                   <a:extLst>
                     <a:ext uri="{C572A759-6A51-4108-AA02-DFA0A04FC94B}">
-                      <ma14:wrappingTextBoxFlag xmlns:ma14="http://schemas.microsoft.com/office/mac/drawingml/2011/main" xmlns:a14="http://schemas.microsoft.com/office/drawing/2010/main" xmlns:m="http://schemas.openxmlformats.org/officeDocument/2006/math" xmlns="" val="1"/>
+                      <ma14:wrappingTextBoxFlag xmlns="" xmlns:m="http://schemas.openxmlformats.org/officeDocument/2006/math" xmlns:a14="http://schemas.microsoft.com/office/drawing/2010/main" xmlns:ma14="http://schemas.microsoft.com/office/mac/drawingml/2011/main" val="1"/>
                     </a:ext>
                   </a:extLst>
                 </p:spPr>
@@ -37799,7 +37841,7 @@
                   <a:effectLst/>
                   <a:extLst>
                     <a:ext uri="{C572A759-6A51-4108-AA02-DFA0A04FC94B}">
-                      <ma14:wrappingTextBoxFlag xmlns:ma14="http://schemas.microsoft.com/office/mac/drawingml/2011/main" xmlns:a14="http://schemas.microsoft.com/office/drawing/2010/main" xmlns:m="http://schemas.openxmlformats.org/officeDocument/2006/math" xmlns="" val="1"/>
+                      <ma14:wrappingTextBoxFlag xmlns="" xmlns:m="http://schemas.openxmlformats.org/officeDocument/2006/math" xmlns:a14="http://schemas.microsoft.com/office/drawing/2010/main" xmlns:ma14="http://schemas.microsoft.com/office/mac/drawingml/2011/main" val="1"/>
                     </a:ext>
                   </a:extLst>
                 </p:spPr>
@@ -37889,7 +37931,7 @@
                 </a:effectLst>
                 <a:extLst>
                   <a:ext uri="{C572A759-6A51-4108-AA02-DFA0A04FC94B}">
-                    <ma14:wrappingTextBoxFlag xmlns:ma14="http://schemas.microsoft.com/office/mac/drawingml/2011/main" xmlns:a14="http://schemas.microsoft.com/office/drawing/2010/main" xmlns:m="http://schemas.openxmlformats.org/officeDocument/2006/math" xmlns="" val="1"/>
+                    <ma14:wrappingTextBoxFlag xmlns="" xmlns:m="http://schemas.openxmlformats.org/officeDocument/2006/math" xmlns:a14="http://schemas.microsoft.com/office/drawing/2010/main" xmlns:ma14="http://schemas.microsoft.com/office/mac/drawingml/2011/main" val="1"/>
                   </a:ext>
                 </a:extLst>
               </p:spPr>
@@ -38067,7 +38109,7 @@
                   <a:effectLst/>
                   <a:extLst>
                     <a:ext uri="{C572A759-6A51-4108-AA02-DFA0A04FC94B}">
-                      <ma14:wrappingTextBoxFlag xmlns:ma14="http://schemas.microsoft.com/office/mac/drawingml/2011/main" xmlns:a14="http://schemas.microsoft.com/office/drawing/2010/main" xmlns:m="http://schemas.openxmlformats.org/officeDocument/2006/math" xmlns="" val="1"/>
+                      <ma14:wrappingTextBoxFlag xmlns="" xmlns:m="http://schemas.openxmlformats.org/officeDocument/2006/math" xmlns:a14="http://schemas.microsoft.com/office/drawing/2010/main" xmlns:ma14="http://schemas.microsoft.com/office/mac/drawingml/2011/main" val="1"/>
                     </a:ext>
                   </a:extLst>
                 </p:spPr>
@@ -38157,7 +38199,7 @@
                 </a:effectLst>
                 <a:extLst>
                   <a:ext uri="{C572A759-6A51-4108-AA02-DFA0A04FC94B}">
-                    <ma14:wrappingTextBoxFlag xmlns:ma14="http://schemas.microsoft.com/office/mac/drawingml/2011/main" xmlns:a14="http://schemas.microsoft.com/office/drawing/2010/main" xmlns:m="http://schemas.openxmlformats.org/officeDocument/2006/math" xmlns="" val="1"/>
+                    <ma14:wrappingTextBoxFlag xmlns="" xmlns:m="http://schemas.openxmlformats.org/officeDocument/2006/math" xmlns:a14="http://schemas.microsoft.com/office/drawing/2010/main" xmlns:ma14="http://schemas.microsoft.com/office/mac/drawingml/2011/main" val="1"/>
                   </a:ext>
                 </a:extLst>
               </p:spPr>
@@ -38335,7 +38377,7 @@
                   <a:effectLst/>
                   <a:extLst>
                     <a:ext uri="{C572A759-6A51-4108-AA02-DFA0A04FC94B}">
-                      <ma14:wrappingTextBoxFlag xmlns:ma14="http://schemas.microsoft.com/office/mac/drawingml/2011/main" xmlns:a14="http://schemas.microsoft.com/office/drawing/2010/main" xmlns:m="http://schemas.openxmlformats.org/officeDocument/2006/math" xmlns="" val="1"/>
+                      <ma14:wrappingTextBoxFlag xmlns="" xmlns:m="http://schemas.openxmlformats.org/officeDocument/2006/math" xmlns:a14="http://schemas.microsoft.com/office/drawing/2010/main" xmlns:ma14="http://schemas.microsoft.com/office/mac/drawingml/2011/main" val="1"/>
                     </a:ext>
                   </a:extLst>
                 </p:spPr>
@@ -38406,7 +38448,7 @@
             </a:effectLst>
             <a:extLst>
               <a:ext uri="{C572A759-6A51-4108-AA02-DFA0A04FC94B}">
-                <ma14:wrappingTextBoxFlag xmlns:ma14="http://schemas.microsoft.com/office/mac/drawingml/2011/main" xmlns:a14="http://schemas.microsoft.com/office/drawing/2010/main" xmlns:m="http://schemas.openxmlformats.org/officeDocument/2006/math" xmlns="" val="1"/>
+                <ma14:wrappingTextBoxFlag xmlns="" xmlns:m="http://schemas.openxmlformats.org/officeDocument/2006/math" xmlns:a14="http://schemas.microsoft.com/office/drawing/2010/main" xmlns:ma14="http://schemas.microsoft.com/office/mac/drawingml/2011/main" val="1"/>
               </a:ext>
             </a:extLst>
           </p:spPr>
@@ -38633,7 +38675,7 @@
           </a:prstGeom>
           <a:extLst>
             <a:ext uri="{C572A759-6A51-4108-AA02-DFA0A04FC94B}">
-              <ma14:wrappingTextBoxFlag xmlns:ma14="http://schemas.microsoft.com/office/mac/drawingml/2011/main" xmlns:a14="http://schemas.microsoft.com/office/drawing/2010/main" xmlns:m="http://schemas.openxmlformats.org/officeDocument/2006/math" xmlns="" val="1"/>
+              <ma14:wrappingTextBoxFlag xmlns="" xmlns:m="http://schemas.openxmlformats.org/officeDocument/2006/math" xmlns:a14="http://schemas.microsoft.com/office/drawing/2010/main" xmlns:ma14="http://schemas.microsoft.com/office/mac/drawingml/2011/main" val="1"/>
             </a:ext>
           </a:extLst>
         </p:spPr>
